--- a/001_SQL/Document/Presentation1.pptx
+++ b/001_SQL/Document/Presentation1.pptx
@@ -23,14 +23,14 @@
     <p:sldId id="335" r:id="rId13"/>
     <p:sldId id="348" r:id="rId14"/>
     <p:sldId id="336" r:id="rId15"/>
-    <p:sldId id="337" r:id="rId16"/>
-    <p:sldId id="349" r:id="rId17"/>
-    <p:sldId id="338" r:id="rId18"/>
-    <p:sldId id="355" r:id="rId19"/>
-    <p:sldId id="339" r:id="rId20"/>
-    <p:sldId id="263" r:id="rId21"/>
-    <p:sldId id="347" r:id="rId22"/>
-    <p:sldId id="346" r:id="rId23"/>
+    <p:sldId id="339" r:id="rId16"/>
+    <p:sldId id="263" r:id="rId17"/>
+    <p:sldId id="347" r:id="rId18"/>
+    <p:sldId id="346" r:id="rId19"/>
+    <p:sldId id="338" r:id="rId20"/>
+    <p:sldId id="355" r:id="rId21"/>
+    <p:sldId id="337" r:id="rId22"/>
+    <p:sldId id="349" r:id="rId23"/>
     <p:sldId id="340" r:id="rId24"/>
     <p:sldId id="352" r:id="rId25"/>
     <p:sldId id="351" r:id="rId26"/>
@@ -174,14 +174,14 @@
             <p14:sldId id="335"/>
             <p14:sldId id="348"/>
             <p14:sldId id="336"/>
-            <p14:sldId id="337"/>
-            <p14:sldId id="349"/>
-            <p14:sldId id="338"/>
-            <p14:sldId id="355"/>
             <p14:sldId id="339"/>
             <p14:sldId id="263"/>
             <p14:sldId id="347"/>
             <p14:sldId id="346"/>
+            <p14:sldId id="338"/>
+            <p14:sldId id="355"/>
+            <p14:sldId id="337"/>
+            <p14:sldId id="349"/>
             <p14:sldId id="340"/>
             <p14:sldId id="352"/>
             <p14:sldId id="351"/>
@@ -893,3834 +893,6 @@
 </file>
 
 <file path=ppt/notesSlides/notesSlide10.xml><?xml version="1.0" encoding="utf-8"?>
-<p:notes xmlns:a="http://schemas.openxmlformats.org/drawingml/2006/main" xmlns:r="http://schemas.openxmlformats.org/officeDocument/2006/relationships" xmlns:p="http://schemas.openxmlformats.org/presentationml/2006/main">
-  <p:cSld>
-    <p:spTree>
-      <p:nvGrpSpPr>
-        <p:cNvPr id="1" name=""/>
-        <p:cNvGrpSpPr/>
-        <p:nvPr/>
-      </p:nvGrpSpPr>
-      <p:grpSpPr>
-        <a:xfrm>
-          <a:off x="0" y="0"/>
-          <a:ext cx="0" cy="0"/>
-          <a:chOff x="0" y="0"/>
-          <a:chExt cx="0" cy="0"/>
-        </a:xfrm>
-      </p:grpSpPr>
-      <p:sp>
-        <p:nvSpPr>
-          <p:cNvPr id="2" name="Slide Image Placeholder 1"/>
-          <p:cNvSpPr>
-            <a:spLocks noGrp="1" noRot="1" noChangeAspect="1"/>
-          </p:cNvSpPr>
-          <p:nvPr>
-            <p:ph type="sldImg"/>
-          </p:nvPr>
-        </p:nvSpPr>
-        <p:spPr/>
-      </p:sp>
-      <p:sp>
-        <p:nvSpPr>
-          <p:cNvPr id="3" name="Notes Placeholder 2"/>
-          <p:cNvSpPr>
-            <a:spLocks noGrp="1"/>
-          </p:cNvSpPr>
-          <p:nvPr>
-            <p:ph type="body" idx="1"/>
-          </p:nvPr>
-        </p:nvSpPr>
-        <p:spPr/>
-        <p:txBody>
-          <a:bodyPr/>
-          <a:lstStyle/>
-          <a:p>
-            <a:pPr marL="0" marR="0" lvl="0" indent="0" algn="l" defTabSz="914400" rtl="0" eaLnBrk="1" fontAlgn="auto" latinLnBrk="0" hangingPunct="1">
-              <a:lnSpc>
-                <a:spcPct val="100000"/>
-              </a:lnSpc>
-              <a:spcBef>
-                <a:spcPts val="0"/>
-              </a:spcBef>
-              <a:spcAft>
-                <a:spcPts val="0"/>
-              </a:spcAft>
-              <a:buClrTx/>
-              <a:buSzTx/>
-              <a:buFontTx/>
-              <a:buNone/>
-              <a:tabLst/>
-              <a:defRPr/>
-            </a:pPr>
-            <a:r>
-              <a:rPr lang="en-US" dirty="0"/>
-              <a:t>Select File/Folder which recent action </a:t>
-            </a:r>
-          </a:p>
-          <a:p>
-            <a:r>
-              <a:rPr lang="vi-VN" sz="1200" kern="1200" dirty="0">
-                <a:solidFill>
-                  <a:schemeClr val="tx1"/>
-                </a:solidFill>
-                <a:latin typeface="+mn-lt"/>
-                <a:ea typeface="+mn-ea"/>
-                <a:cs typeface="+mn-cs"/>
-              </a:rPr>
-              <a:t>-- </a:t>
-            </a:r>
-            <a:r>
-              <a:rPr lang="vi-VN" sz="1200" kern="1200" dirty="0" err="1">
-                <a:solidFill>
-                  <a:schemeClr val="tx1"/>
-                </a:solidFill>
-                <a:latin typeface="+mn-lt"/>
-                <a:ea typeface="+mn-ea"/>
-                <a:cs typeface="+mn-cs"/>
-              </a:rPr>
-              <a:t>Sort</a:t>
-            </a:r>
-            <a:r>
-              <a:rPr lang="vi-VN" sz="1200" kern="1200" dirty="0">
-                <a:solidFill>
-                  <a:schemeClr val="tx1"/>
-                </a:solidFill>
-                <a:latin typeface="+mn-lt"/>
-                <a:ea typeface="+mn-ea"/>
-                <a:cs typeface="+mn-cs"/>
-              </a:rPr>
-              <a:t> </a:t>
-            </a:r>
-            <a:r>
-              <a:rPr lang="vi-VN" sz="1200" kern="1200" dirty="0" err="1">
-                <a:solidFill>
-                  <a:schemeClr val="tx1"/>
-                </a:solidFill>
-                <a:latin typeface="+mn-lt"/>
-                <a:ea typeface="+mn-ea"/>
-                <a:cs typeface="+mn-cs"/>
-              </a:rPr>
-              <a:t>by</a:t>
-            </a:r>
-            <a:r>
-              <a:rPr lang="vi-VN" sz="1200" kern="1200" dirty="0">
-                <a:solidFill>
-                  <a:schemeClr val="tx1"/>
-                </a:solidFill>
-                <a:latin typeface="+mn-lt"/>
-                <a:ea typeface="+mn-ea"/>
-                <a:cs typeface="+mn-cs"/>
-              </a:rPr>
-              <a:t> </a:t>
-            </a:r>
-            <a:r>
-              <a:rPr lang="vi-VN" sz="1200" kern="1200" dirty="0" err="1">
-                <a:solidFill>
-                  <a:schemeClr val="tx1"/>
-                </a:solidFill>
-                <a:latin typeface="+mn-lt"/>
-                <a:ea typeface="+mn-ea"/>
-                <a:cs typeface="+mn-cs"/>
-              </a:rPr>
-              <a:t>Action</a:t>
-            </a:r>
-            <a:r>
-              <a:rPr lang="vi-VN" sz="1200" kern="1200" dirty="0">
-                <a:solidFill>
-                  <a:schemeClr val="tx1"/>
-                </a:solidFill>
-                <a:latin typeface="+mn-lt"/>
-                <a:ea typeface="+mn-ea"/>
-                <a:cs typeface="+mn-cs"/>
-              </a:rPr>
-              <a:t> </a:t>
-            </a:r>
-            <a:r>
-              <a:rPr lang="vi-VN" sz="1200" kern="1200" dirty="0" err="1">
-                <a:solidFill>
-                  <a:schemeClr val="tx1"/>
-                </a:solidFill>
-                <a:latin typeface="+mn-lt"/>
-                <a:ea typeface="+mn-ea"/>
-                <a:cs typeface="+mn-cs"/>
-              </a:rPr>
-              <a:t>recent</a:t>
-            </a:r>
-            <a:endParaRPr lang="vi-VN" sz="1200" kern="1200" dirty="0">
-              <a:solidFill>
-                <a:schemeClr val="tx1"/>
-              </a:solidFill>
-              <a:latin typeface="+mn-lt"/>
-              <a:ea typeface="+mn-ea"/>
-              <a:cs typeface="+mn-cs"/>
-            </a:endParaRPr>
-          </a:p>
-          <a:p>
-            <a:r>
-              <a:rPr lang="vi-VN" sz="1200" kern="1200" dirty="0">
-                <a:solidFill>
-                  <a:schemeClr val="tx1"/>
-                </a:solidFill>
-                <a:latin typeface="+mn-lt"/>
-                <a:ea typeface="+mn-ea"/>
-                <a:cs typeface="+mn-cs"/>
-              </a:rPr>
-              <a:t>WITH </a:t>
-            </a:r>
-            <a:r>
-              <a:rPr lang="vi-VN" sz="1200" kern="1200" dirty="0" err="1">
-                <a:solidFill>
-                  <a:schemeClr val="tx1"/>
-                </a:solidFill>
-                <a:latin typeface="+mn-lt"/>
-                <a:ea typeface="+mn-ea"/>
-                <a:cs typeface="+mn-cs"/>
-              </a:rPr>
-              <a:t>RecentObjects</a:t>
-            </a:r>
-            <a:r>
-              <a:rPr lang="vi-VN" sz="1200" kern="1200" dirty="0">
-                <a:solidFill>
-                  <a:schemeClr val="tx1"/>
-                </a:solidFill>
-                <a:latin typeface="+mn-lt"/>
-                <a:ea typeface="+mn-ea"/>
-                <a:cs typeface="+mn-cs"/>
-              </a:rPr>
-              <a:t> AS (</a:t>
-            </a:r>
-          </a:p>
-          <a:p>
-            <a:r>
-              <a:rPr lang="vi-VN" sz="1200" kern="1200" dirty="0">
-                <a:solidFill>
-                  <a:schemeClr val="tx1"/>
-                </a:solidFill>
-                <a:latin typeface="+mn-lt"/>
-                <a:ea typeface="+mn-ea"/>
-                <a:cs typeface="+mn-cs"/>
-              </a:rPr>
-              <a:t>SELECT </a:t>
-            </a:r>
-          </a:p>
-          <a:p>
-            <a:r>
-              <a:rPr lang="vi-VN" sz="1200" kern="1200" dirty="0" err="1">
-                <a:solidFill>
-                  <a:schemeClr val="tx1"/>
-                </a:solidFill>
-                <a:latin typeface="+mn-lt"/>
-                <a:ea typeface="+mn-ea"/>
-                <a:cs typeface="+mn-cs"/>
-              </a:rPr>
-              <a:t>ar.ObjectId</a:t>
-            </a:r>
-            <a:r>
-              <a:rPr lang="vi-VN" sz="1200" kern="1200" dirty="0">
-                <a:solidFill>
-                  <a:schemeClr val="tx1"/>
-                </a:solidFill>
-                <a:latin typeface="+mn-lt"/>
-                <a:ea typeface="+mn-ea"/>
-                <a:cs typeface="+mn-cs"/>
-              </a:rPr>
-              <a:t>,</a:t>
-            </a:r>
-          </a:p>
-          <a:p>
-            <a:r>
-              <a:rPr lang="vi-VN" sz="1200" kern="1200" dirty="0" err="1">
-                <a:solidFill>
-                  <a:schemeClr val="tx1"/>
-                </a:solidFill>
-                <a:latin typeface="+mn-lt"/>
-                <a:ea typeface="+mn-ea"/>
-                <a:cs typeface="+mn-cs"/>
-              </a:rPr>
-              <a:t>ar.ObjectTypeId</a:t>
-            </a:r>
-            <a:r>
-              <a:rPr lang="vi-VN" sz="1200" kern="1200" dirty="0">
-                <a:solidFill>
-                  <a:schemeClr val="tx1"/>
-                </a:solidFill>
-                <a:latin typeface="+mn-lt"/>
-                <a:ea typeface="+mn-ea"/>
-                <a:cs typeface="+mn-cs"/>
-              </a:rPr>
-              <a:t>,</a:t>
-            </a:r>
-          </a:p>
-          <a:p>
-            <a:r>
-              <a:rPr lang="vi-VN" sz="1200" kern="1200" dirty="0" err="1">
-                <a:solidFill>
-                  <a:schemeClr val="tx1"/>
-                </a:solidFill>
-                <a:latin typeface="+mn-lt"/>
-                <a:ea typeface="+mn-ea"/>
-                <a:cs typeface="+mn-cs"/>
-              </a:rPr>
-              <a:t>ar.ActionDateTime</a:t>
-            </a:r>
-            <a:r>
-              <a:rPr lang="vi-VN" sz="1200" kern="1200" dirty="0">
-                <a:solidFill>
-                  <a:schemeClr val="tx1"/>
-                </a:solidFill>
-                <a:latin typeface="+mn-lt"/>
-                <a:ea typeface="+mn-ea"/>
-                <a:cs typeface="+mn-cs"/>
-              </a:rPr>
-              <a:t>,</a:t>
-            </a:r>
-          </a:p>
-          <a:p>
-            <a:r>
-              <a:rPr lang="vi-VN" sz="1200" kern="1200" dirty="0" err="1">
-                <a:solidFill>
-                  <a:schemeClr val="tx1"/>
-                </a:solidFill>
-                <a:latin typeface="+mn-lt"/>
-                <a:ea typeface="+mn-ea"/>
-                <a:cs typeface="+mn-cs"/>
-              </a:rPr>
-              <a:t>ar.ActionLog</a:t>
-            </a:r>
-            <a:r>
-              <a:rPr lang="vi-VN" sz="1200" kern="1200" dirty="0">
-                <a:solidFill>
-                  <a:schemeClr val="tx1"/>
-                </a:solidFill>
-                <a:latin typeface="+mn-lt"/>
-                <a:ea typeface="+mn-ea"/>
-                <a:cs typeface="+mn-cs"/>
-              </a:rPr>
-              <a:t>,</a:t>
-            </a:r>
-          </a:p>
-          <a:p>
-            <a:r>
-              <a:rPr lang="vi-VN" sz="1200" kern="1200" dirty="0">
-                <a:solidFill>
-                  <a:schemeClr val="tx1"/>
-                </a:solidFill>
-                <a:latin typeface="+mn-lt"/>
-                <a:ea typeface="+mn-ea"/>
-                <a:cs typeface="+mn-cs"/>
-              </a:rPr>
-              <a:t>CASE </a:t>
-            </a:r>
-          </a:p>
-          <a:p>
-            <a:r>
-              <a:rPr lang="en-US" sz="1200" kern="1200" dirty="0">
-                <a:solidFill>
-                  <a:schemeClr val="tx1"/>
-                </a:solidFill>
-                <a:latin typeface="+mn-lt"/>
-                <a:ea typeface="+mn-ea"/>
-                <a:cs typeface="+mn-cs"/>
-              </a:rPr>
-              <a:t>WHEN </a:t>
-            </a:r>
-            <a:r>
-              <a:rPr lang="en-US" sz="1200" kern="1200" dirty="0" err="1">
-                <a:solidFill>
-                  <a:schemeClr val="tx1"/>
-                </a:solidFill>
-                <a:latin typeface="+mn-lt"/>
-                <a:ea typeface="+mn-ea"/>
-                <a:cs typeface="+mn-cs"/>
-              </a:rPr>
-              <a:t>ar.ObjectTypeId</a:t>
-            </a:r>
-            <a:r>
-              <a:rPr lang="en-US" sz="1200" kern="1200" dirty="0">
-                <a:solidFill>
-                  <a:schemeClr val="tx1"/>
-                </a:solidFill>
-                <a:latin typeface="+mn-lt"/>
-                <a:ea typeface="+mn-ea"/>
-                <a:cs typeface="+mn-cs"/>
-              </a:rPr>
-              <a:t> = 1 THEN 'Folder'</a:t>
-            </a:r>
-          </a:p>
-          <a:p>
-            <a:r>
-              <a:rPr lang="en-US" sz="1200" kern="1200" dirty="0">
-                <a:solidFill>
-                  <a:schemeClr val="tx1"/>
-                </a:solidFill>
-                <a:latin typeface="+mn-lt"/>
-                <a:ea typeface="+mn-ea"/>
-                <a:cs typeface="+mn-cs"/>
-              </a:rPr>
-              <a:t>WHEN </a:t>
-            </a:r>
-            <a:r>
-              <a:rPr lang="en-US" sz="1200" kern="1200" dirty="0" err="1">
-                <a:solidFill>
-                  <a:schemeClr val="tx1"/>
-                </a:solidFill>
-                <a:latin typeface="+mn-lt"/>
-                <a:ea typeface="+mn-ea"/>
-                <a:cs typeface="+mn-cs"/>
-              </a:rPr>
-              <a:t>ar.ObjectTypeId</a:t>
-            </a:r>
-            <a:r>
-              <a:rPr lang="en-US" sz="1200" kern="1200" dirty="0">
-                <a:solidFill>
-                  <a:schemeClr val="tx1"/>
-                </a:solidFill>
-                <a:latin typeface="+mn-lt"/>
-                <a:ea typeface="+mn-ea"/>
-                <a:cs typeface="+mn-cs"/>
-              </a:rPr>
-              <a:t> = 2 THEN 'File'</a:t>
-            </a:r>
-          </a:p>
-          <a:p>
-            <a:r>
-              <a:rPr lang="vi-VN" sz="1200" kern="1200" dirty="0">
-                <a:solidFill>
-                  <a:schemeClr val="tx1"/>
-                </a:solidFill>
-                <a:latin typeface="+mn-lt"/>
-                <a:ea typeface="+mn-ea"/>
-                <a:cs typeface="+mn-cs"/>
-              </a:rPr>
-              <a:t>ELSE '</a:t>
-            </a:r>
-            <a:r>
-              <a:rPr lang="vi-VN" sz="1200" kern="1200" dirty="0" err="1">
-                <a:solidFill>
-                  <a:schemeClr val="tx1"/>
-                </a:solidFill>
-                <a:latin typeface="+mn-lt"/>
-                <a:ea typeface="+mn-ea"/>
-                <a:cs typeface="+mn-cs"/>
-              </a:rPr>
-              <a:t>Unknown</a:t>
-            </a:r>
-            <a:r>
-              <a:rPr lang="vi-VN" sz="1200" kern="1200" dirty="0">
-                <a:solidFill>
-                  <a:schemeClr val="tx1"/>
-                </a:solidFill>
-                <a:latin typeface="+mn-lt"/>
-                <a:ea typeface="+mn-ea"/>
-                <a:cs typeface="+mn-cs"/>
-              </a:rPr>
-              <a:t>'</a:t>
-            </a:r>
-          </a:p>
-          <a:p>
-            <a:r>
-              <a:rPr lang="vi-VN" sz="1200" kern="1200" dirty="0">
-                <a:solidFill>
-                  <a:schemeClr val="tx1"/>
-                </a:solidFill>
-                <a:latin typeface="+mn-lt"/>
-                <a:ea typeface="+mn-ea"/>
-                <a:cs typeface="+mn-cs"/>
-              </a:rPr>
-              <a:t>END AS </a:t>
-            </a:r>
-            <a:r>
-              <a:rPr lang="vi-VN" sz="1200" kern="1200" dirty="0" err="1">
-                <a:solidFill>
-                  <a:schemeClr val="tx1"/>
-                </a:solidFill>
-                <a:latin typeface="+mn-lt"/>
-                <a:ea typeface="+mn-ea"/>
-                <a:cs typeface="+mn-cs"/>
-              </a:rPr>
-              <a:t>ObjectType</a:t>
-            </a:r>
-            <a:r>
-              <a:rPr lang="vi-VN" sz="1200" kern="1200" dirty="0">
-                <a:solidFill>
-                  <a:schemeClr val="tx1"/>
-                </a:solidFill>
-                <a:latin typeface="+mn-lt"/>
-                <a:ea typeface="+mn-ea"/>
-                <a:cs typeface="+mn-cs"/>
-              </a:rPr>
-              <a:t>,</a:t>
-            </a:r>
-          </a:p>
-          <a:p>
-            <a:r>
-              <a:rPr lang="vi-VN" sz="1200" kern="1200" dirty="0" err="1">
-                <a:solidFill>
-                  <a:schemeClr val="tx1"/>
-                </a:solidFill>
-                <a:latin typeface="+mn-lt"/>
-                <a:ea typeface="+mn-ea"/>
-                <a:cs typeface="+mn-cs"/>
-              </a:rPr>
-              <a:t>uf.OwnerId</a:t>
-            </a:r>
-            <a:r>
-              <a:rPr lang="vi-VN" sz="1200" kern="1200" dirty="0">
-                <a:solidFill>
-                  <a:schemeClr val="tx1"/>
-                </a:solidFill>
-                <a:latin typeface="+mn-lt"/>
-                <a:ea typeface="+mn-ea"/>
-                <a:cs typeface="+mn-cs"/>
-              </a:rPr>
-              <a:t> AS </a:t>
-            </a:r>
-            <a:r>
-              <a:rPr lang="vi-VN" sz="1200" kern="1200" dirty="0" err="1">
-                <a:solidFill>
-                  <a:schemeClr val="tx1"/>
-                </a:solidFill>
-                <a:latin typeface="+mn-lt"/>
-                <a:ea typeface="+mn-ea"/>
-                <a:cs typeface="+mn-cs"/>
-              </a:rPr>
-              <a:t>FileOwnerId</a:t>
-            </a:r>
-            <a:r>
-              <a:rPr lang="vi-VN" sz="1200" kern="1200" dirty="0">
-                <a:solidFill>
-                  <a:schemeClr val="tx1"/>
-                </a:solidFill>
-                <a:latin typeface="+mn-lt"/>
-                <a:ea typeface="+mn-ea"/>
-                <a:cs typeface="+mn-cs"/>
-              </a:rPr>
-              <a:t>,</a:t>
-            </a:r>
-          </a:p>
-          <a:p>
-            <a:r>
-              <a:rPr lang="vi-VN" sz="1200" kern="1200" dirty="0" err="1">
-                <a:solidFill>
-                  <a:schemeClr val="tx1"/>
-                </a:solidFill>
-                <a:latin typeface="+mn-lt"/>
-                <a:ea typeface="+mn-ea"/>
-                <a:cs typeface="+mn-cs"/>
-              </a:rPr>
-              <a:t>f.OwnerId</a:t>
-            </a:r>
-            <a:r>
-              <a:rPr lang="vi-VN" sz="1200" kern="1200" dirty="0">
-                <a:solidFill>
-                  <a:schemeClr val="tx1"/>
-                </a:solidFill>
-                <a:latin typeface="+mn-lt"/>
-                <a:ea typeface="+mn-ea"/>
-                <a:cs typeface="+mn-cs"/>
-              </a:rPr>
-              <a:t> AS </a:t>
-            </a:r>
-            <a:r>
-              <a:rPr lang="vi-VN" sz="1200" kern="1200" dirty="0" err="1">
-                <a:solidFill>
-                  <a:schemeClr val="tx1"/>
-                </a:solidFill>
-                <a:latin typeface="+mn-lt"/>
-                <a:ea typeface="+mn-ea"/>
-                <a:cs typeface="+mn-cs"/>
-              </a:rPr>
-              <a:t>FolderOwnerId</a:t>
-            </a:r>
-            <a:endParaRPr lang="vi-VN" sz="1200" kern="1200" dirty="0">
-              <a:solidFill>
-                <a:schemeClr val="tx1"/>
-              </a:solidFill>
-              <a:latin typeface="+mn-lt"/>
-              <a:ea typeface="+mn-ea"/>
-              <a:cs typeface="+mn-cs"/>
-            </a:endParaRPr>
-          </a:p>
-          <a:p>
-            <a:r>
-              <a:rPr lang="vi-VN" sz="1200" kern="1200" dirty="0">
-                <a:solidFill>
-                  <a:schemeClr val="tx1"/>
-                </a:solidFill>
-                <a:latin typeface="+mn-lt"/>
-                <a:ea typeface="+mn-ea"/>
-                <a:cs typeface="+mn-cs"/>
-              </a:rPr>
-              <a:t>FROM </a:t>
-            </a:r>
-            <a:r>
-              <a:rPr lang="vi-VN" sz="1200" kern="1200" dirty="0" err="1">
-                <a:solidFill>
-                  <a:schemeClr val="tx1"/>
-                </a:solidFill>
-                <a:latin typeface="+mn-lt"/>
-                <a:ea typeface="+mn-ea"/>
-                <a:cs typeface="+mn-cs"/>
-              </a:rPr>
-              <a:t>ActionRecent</a:t>
-            </a:r>
-            <a:r>
-              <a:rPr lang="vi-VN" sz="1200" kern="1200" dirty="0">
-                <a:solidFill>
-                  <a:schemeClr val="tx1"/>
-                </a:solidFill>
-                <a:latin typeface="+mn-lt"/>
-                <a:ea typeface="+mn-ea"/>
-                <a:cs typeface="+mn-cs"/>
-              </a:rPr>
-              <a:t> </a:t>
-            </a:r>
-            <a:r>
-              <a:rPr lang="vi-VN" sz="1200" kern="1200" dirty="0" err="1">
-                <a:solidFill>
-                  <a:schemeClr val="tx1"/>
-                </a:solidFill>
-                <a:latin typeface="+mn-lt"/>
-                <a:ea typeface="+mn-ea"/>
-                <a:cs typeface="+mn-cs"/>
-              </a:rPr>
-              <a:t>ar</a:t>
-            </a:r>
-            <a:endParaRPr lang="vi-VN" sz="1200" kern="1200" dirty="0">
-              <a:solidFill>
-                <a:schemeClr val="tx1"/>
-              </a:solidFill>
-              <a:latin typeface="+mn-lt"/>
-              <a:ea typeface="+mn-ea"/>
-              <a:cs typeface="+mn-cs"/>
-            </a:endParaRPr>
-          </a:p>
-          <a:p>
-            <a:r>
-              <a:rPr lang="vi-VN" sz="1200" kern="1200" dirty="0">
-                <a:solidFill>
-                  <a:schemeClr val="tx1"/>
-                </a:solidFill>
-                <a:latin typeface="+mn-lt"/>
-                <a:ea typeface="+mn-ea"/>
-                <a:cs typeface="+mn-cs"/>
-              </a:rPr>
-              <a:t>LEFT JOIN </a:t>
-            </a:r>
-            <a:r>
-              <a:rPr lang="vi-VN" sz="1200" kern="1200" dirty="0" err="1">
-                <a:solidFill>
-                  <a:schemeClr val="tx1"/>
-                </a:solidFill>
-                <a:latin typeface="+mn-lt"/>
-                <a:ea typeface="+mn-ea"/>
-                <a:cs typeface="+mn-cs"/>
-              </a:rPr>
-              <a:t>UserFile</a:t>
-            </a:r>
-            <a:r>
-              <a:rPr lang="vi-VN" sz="1200" kern="1200" dirty="0">
-                <a:solidFill>
-                  <a:schemeClr val="tx1"/>
-                </a:solidFill>
-                <a:latin typeface="+mn-lt"/>
-                <a:ea typeface="+mn-ea"/>
-                <a:cs typeface="+mn-cs"/>
-              </a:rPr>
-              <a:t> </a:t>
-            </a:r>
-            <a:r>
-              <a:rPr lang="vi-VN" sz="1200" kern="1200" dirty="0" err="1">
-                <a:solidFill>
-                  <a:schemeClr val="tx1"/>
-                </a:solidFill>
-                <a:latin typeface="+mn-lt"/>
-                <a:ea typeface="+mn-ea"/>
-                <a:cs typeface="+mn-cs"/>
-              </a:rPr>
-              <a:t>uf</a:t>
-            </a:r>
-            <a:r>
-              <a:rPr lang="vi-VN" sz="1200" kern="1200" dirty="0">
-                <a:solidFill>
-                  <a:schemeClr val="tx1"/>
-                </a:solidFill>
-                <a:latin typeface="+mn-lt"/>
-                <a:ea typeface="+mn-ea"/>
-                <a:cs typeface="+mn-cs"/>
-              </a:rPr>
-              <a:t> ON </a:t>
-            </a:r>
-            <a:r>
-              <a:rPr lang="vi-VN" sz="1200" kern="1200" dirty="0" err="1">
-                <a:solidFill>
-                  <a:schemeClr val="tx1"/>
-                </a:solidFill>
-                <a:latin typeface="+mn-lt"/>
-                <a:ea typeface="+mn-ea"/>
-                <a:cs typeface="+mn-cs"/>
-              </a:rPr>
-              <a:t>ar.ObjectId</a:t>
-            </a:r>
-            <a:r>
-              <a:rPr lang="vi-VN" sz="1200" kern="1200" dirty="0">
-                <a:solidFill>
-                  <a:schemeClr val="tx1"/>
-                </a:solidFill>
-                <a:latin typeface="+mn-lt"/>
-                <a:ea typeface="+mn-ea"/>
-                <a:cs typeface="+mn-cs"/>
-              </a:rPr>
-              <a:t> = </a:t>
-            </a:r>
-            <a:r>
-              <a:rPr lang="vi-VN" sz="1200" kern="1200" dirty="0" err="1">
-                <a:solidFill>
-                  <a:schemeClr val="tx1"/>
-                </a:solidFill>
-                <a:latin typeface="+mn-lt"/>
-                <a:ea typeface="+mn-ea"/>
-                <a:cs typeface="+mn-cs"/>
-              </a:rPr>
-              <a:t>uf.FileId</a:t>
-            </a:r>
-            <a:r>
-              <a:rPr lang="vi-VN" sz="1200" kern="1200" dirty="0">
-                <a:solidFill>
-                  <a:schemeClr val="tx1"/>
-                </a:solidFill>
-                <a:latin typeface="+mn-lt"/>
-                <a:ea typeface="+mn-ea"/>
-                <a:cs typeface="+mn-cs"/>
-              </a:rPr>
-              <a:t> AND </a:t>
-            </a:r>
-            <a:r>
-              <a:rPr lang="vi-VN" sz="1200" kern="1200" dirty="0" err="1">
-                <a:solidFill>
-                  <a:schemeClr val="tx1"/>
-                </a:solidFill>
-                <a:latin typeface="+mn-lt"/>
-                <a:ea typeface="+mn-ea"/>
-                <a:cs typeface="+mn-cs"/>
-              </a:rPr>
-              <a:t>ar.ObjectTypeId</a:t>
-            </a:r>
-            <a:r>
-              <a:rPr lang="vi-VN" sz="1200" kern="1200" dirty="0">
-                <a:solidFill>
-                  <a:schemeClr val="tx1"/>
-                </a:solidFill>
-                <a:latin typeface="+mn-lt"/>
-                <a:ea typeface="+mn-ea"/>
-                <a:cs typeface="+mn-cs"/>
-              </a:rPr>
-              <a:t> = 2</a:t>
-            </a:r>
-          </a:p>
-          <a:p>
-            <a:r>
-              <a:rPr lang="en-US" sz="1200" kern="1200" dirty="0">
-                <a:solidFill>
-                  <a:schemeClr val="tx1"/>
-                </a:solidFill>
-                <a:latin typeface="+mn-lt"/>
-                <a:ea typeface="+mn-ea"/>
-                <a:cs typeface="+mn-cs"/>
-              </a:rPr>
-              <a:t>LEFT JOIN Folder f ON </a:t>
-            </a:r>
-            <a:r>
-              <a:rPr lang="en-US" sz="1200" kern="1200" dirty="0" err="1">
-                <a:solidFill>
-                  <a:schemeClr val="tx1"/>
-                </a:solidFill>
-                <a:latin typeface="+mn-lt"/>
-                <a:ea typeface="+mn-ea"/>
-                <a:cs typeface="+mn-cs"/>
-              </a:rPr>
-              <a:t>ar.ObjectId</a:t>
-            </a:r>
-            <a:r>
-              <a:rPr lang="en-US" sz="1200" kern="1200" dirty="0">
-                <a:solidFill>
-                  <a:schemeClr val="tx1"/>
-                </a:solidFill>
-                <a:latin typeface="+mn-lt"/>
-                <a:ea typeface="+mn-ea"/>
-                <a:cs typeface="+mn-cs"/>
-              </a:rPr>
-              <a:t> = </a:t>
-            </a:r>
-            <a:r>
-              <a:rPr lang="en-US" sz="1200" kern="1200" dirty="0" err="1">
-                <a:solidFill>
-                  <a:schemeClr val="tx1"/>
-                </a:solidFill>
-                <a:latin typeface="+mn-lt"/>
-                <a:ea typeface="+mn-ea"/>
-                <a:cs typeface="+mn-cs"/>
-              </a:rPr>
-              <a:t>f.FolderId</a:t>
-            </a:r>
-            <a:r>
-              <a:rPr lang="en-US" sz="1200" kern="1200" dirty="0">
-                <a:solidFill>
-                  <a:schemeClr val="tx1"/>
-                </a:solidFill>
-                <a:latin typeface="+mn-lt"/>
-                <a:ea typeface="+mn-ea"/>
-                <a:cs typeface="+mn-cs"/>
-              </a:rPr>
-              <a:t> AND </a:t>
-            </a:r>
-            <a:r>
-              <a:rPr lang="en-US" sz="1200" kern="1200" dirty="0" err="1">
-                <a:solidFill>
-                  <a:schemeClr val="tx1"/>
-                </a:solidFill>
-                <a:latin typeface="+mn-lt"/>
-                <a:ea typeface="+mn-ea"/>
-                <a:cs typeface="+mn-cs"/>
-              </a:rPr>
-              <a:t>ar.ObjectTypeId</a:t>
-            </a:r>
-            <a:r>
-              <a:rPr lang="en-US" sz="1200" kern="1200" dirty="0">
-                <a:solidFill>
-                  <a:schemeClr val="tx1"/>
-                </a:solidFill>
-                <a:latin typeface="+mn-lt"/>
-                <a:ea typeface="+mn-ea"/>
-                <a:cs typeface="+mn-cs"/>
-              </a:rPr>
-              <a:t> = 1</a:t>
-            </a:r>
-          </a:p>
-          <a:p>
-            <a:r>
-              <a:rPr lang="en-US" sz="1200" kern="1200" dirty="0">
-                <a:solidFill>
-                  <a:schemeClr val="tx1"/>
-                </a:solidFill>
-                <a:latin typeface="+mn-lt"/>
-                <a:ea typeface="+mn-ea"/>
-                <a:cs typeface="+mn-cs"/>
-              </a:rPr>
-              <a:t>WHERE (</a:t>
-            </a:r>
-            <a:r>
-              <a:rPr lang="en-US" sz="1200" kern="1200" dirty="0" err="1">
-                <a:solidFill>
-                  <a:schemeClr val="tx1"/>
-                </a:solidFill>
-                <a:latin typeface="+mn-lt"/>
-                <a:ea typeface="+mn-ea"/>
-                <a:cs typeface="+mn-cs"/>
-              </a:rPr>
-              <a:t>uf.OwnerId</a:t>
-            </a:r>
-            <a:r>
-              <a:rPr lang="en-US" sz="1200" kern="1200" dirty="0">
-                <a:solidFill>
-                  <a:schemeClr val="tx1"/>
-                </a:solidFill>
-                <a:latin typeface="+mn-lt"/>
-                <a:ea typeface="+mn-ea"/>
-                <a:cs typeface="+mn-cs"/>
-              </a:rPr>
-              <a:t> = 11 OR </a:t>
-            </a:r>
-            <a:r>
-              <a:rPr lang="en-US" sz="1200" kern="1200" dirty="0" err="1">
-                <a:solidFill>
-                  <a:schemeClr val="tx1"/>
-                </a:solidFill>
-                <a:latin typeface="+mn-lt"/>
-                <a:ea typeface="+mn-ea"/>
-                <a:cs typeface="+mn-cs"/>
-              </a:rPr>
-              <a:t>f.OwnerId</a:t>
-            </a:r>
-            <a:r>
-              <a:rPr lang="en-US" sz="1200" kern="1200" dirty="0">
-                <a:solidFill>
-                  <a:schemeClr val="tx1"/>
-                </a:solidFill>
-                <a:latin typeface="+mn-lt"/>
-                <a:ea typeface="+mn-ea"/>
-                <a:cs typeface="+mn-cs"/>
-              </a:rPr>
-              <a:t> = 11)</a:t>
-            </a:r>
-          </a:p>
-          <a:p>
-            <a:r>
-              <a:rPr lang="vi-VN" sz="1200" kern="1200" dirty="0">
-                <a:solidFill>
-                  <a:schemeClr val="tx1"/>
-                </a:solidFill>
-                <a:latin typeface="+mn-lt"/>
-                <a:ea typeface="+mn-ea"/>
-                <a:cs typeface="+mn-cs"/>
-              </a:rPr>
-              <a:t>)</a:t>
-            </a:r>
-          </a:p>
-          <a:p>
-            <a:r>
-              <a:rPr lang="vi-VN" sz="1200" kern="1200" dirty="0">
-                <a:solidFill>
-                  <a:schemeClr val="tx1"/>
-                </a:solidFill>
-                <a:latin typeface="+mn-lt"/>
-                <a:ea typeface="+mn-ea"/>
-                <a:cs typeface="+mn-cs"/>
-              </a:rPr>
-              <a:t>SELECT </a:t>
-            </a:r>
-          </a:p>
-          <a:p>
-            <a:r>
-              <a:rPr lang="vi-VN" sz="1200" kern="1200" dirty="0" err="1">
-                <a:solidFill>
-                  <a:schemeClr val="tx1"/>
-                </a:solidFill>
-                <a:latin typeface="+mn-lt"/>
-                <a:ea typeface="+mn-ea"/>
-                <a:cs typeface="+mn-cs"/>
-              </a:rPr>
-              <a:t>ro.ObjectId</a:t>
-            </a:r>
-            <a:r>
-              <a:rPr lang="vi-VN" sz="1200" kern="1200" dirty="0">
-                <a:solidFill>
-                  <a:schemeClr val="tx1"/>
-                </a:solidFill>
-                <a:latin typeface="+mn-lt"/>
-                <a:ea typeface="+mn-ea"/>
-                <a:cs typeface="+mn-cs"/>
-              </a:rPr>
-              <a:t>,</a:t>
-            </a:r>
-          </a:p>
-          <a:p>
-            <a:r>
-              <a:rPr lang="vi-VN" sz="1200" kern="1200" dirty="0" err="1">
-                <a:solidFill>
-                  <a:schemeClr val="tx1"/>
-                </a:solidFill>
-                <a:latin typeface="+mn-lt"/>
-                <a:ea typeface="+mn-ea"/>
-                <a:cs typeface="+mn-cs"/>
-              </a:rPr>
-              <a:t>ro.ObjectTypeId</a:t>
-            </a:r>
-            <a:r>
-              <a:rPr lang="vi-VN" sz="1200" kern="1200" dirty="0">
-                <a:solidFill>
-                  <a:schemeClr val="tx1"/>
-                </a:solidFill>
-                <a:latin typeface="+mn-lt"/>
-                <a:ea typeface="+mn-ea"/>
-                <a:cs typeface="+mn-cs"/>
-              </a:rPr>
-              <a:t>,</a:t>
-            </a:r>
-          </a:p>
-          <a:p>
-            <a:r>
-              <a:rPr lang="vi-VN" sz="1200" kern="1200" dirty="0" err="1">
-                <a:solidFill>
-                  <a:schemeClr val="tx1"/>
-                </a:solidFill>
-                <a:latin typeface="+mn-lt"/>
-                <a:ea typeface="+mn-ea"/>
-                <a:cs typeface="+mn-cs"/>
-              </a:rPr>
-              <a:t>ro.ObjectType</a:t>
-            </a:r>
-            <a:r>
-              <a:rPr lang="vi-VN" sz="1200" kern="1200" dirty="0">
-                <a:solidFill>
-                  <a:schemeClr val="tx1"/>
-                </a:solidFill>
-                <a:latin typeface="+mn-lt"/>
-                <a:ea typeface="+mn-ea"/>
-                <a:cs typeface="+mn-cs"/>
-              </a:rPr>
-              <a:t>,</a:t>
-            </a:r>
-          </a:p>
-          <a:p>
-            <a:r>
-              <a:rPr lang="vi-VN" sz="1200" kern="1200" dirty="0">
-                <a:solidFill>
-                  <a:schemeClr val="tx1"/>
-                </a:solidFill>
-                <a:latin typeface="+mn-lt"/>
-                <a:ea typeface="+mn-ea"/>
-                <a:cs typeface="+mn-cs"/>
-              </a:rPr>
-              <a:t>CASE </a:t>
-            </a:r>
-          </a:p>
-          <a:p>
-            <a:r>
-              <a:rPr lang="en-US" sz="1200" kern="1200" dirty="0">
-                <a:solidFill>
-                  <a:schemeClr val="tx1"/>
-                </a:solidFill>
-                <a:latin typeface="+mn-lt"/>
-                <a:ea typeface="+mn-ea"/>
-                <a:cs typeface="+mn-cs"/>
-              </a:rPr>
-              <a:t>WHEN </a:t>
-            </a:r>
-            <a:r>
-              <a:rPr lang="en-US" sz="1200" kern="1200" dirty="0" err="1">
-                <a:solidFill>
-                  <a:schemeClr val="tx1"/>
-                </a:solidFill>
-                <a:latin typeface="+mn-lt"/>
-                <a:ea typeface="+mn-ea"/>
-                <a:cs typeface="+mn-cs"/>
-              </a:rPr>
-              <a:t>ro.ObjectType</a:t>
-            </a:r>
-            <a:r>
-              <a:rPr lang="en-US" sz="1200" kern="1200" dirty="0">
-                <a:solidFill>
-                  <a:schemeClr val="tx1"/>
-                </a:solidFill>
-                <a:latin typeface="+mn-lt"/>
-                <a:ea typeface="+mn-ea"/>
-                <a:cs typeface="+mn-cs"/>
-              </a:rPr>
-              <a:t> = </a:t>
-            </a:r>
-            <a:r>
-              <a:rPr lang="en-US" sz="1200" kern="1200" dirty="0" err="1">
-                <a:solidFill>
-                  <a:schemeClr val="tx1"/>
-                </a:solidFill>
-                <a:latin typeface="+mn-lt"/>
-                <a:ea typeface="+mn-ea"/>
-                <a:cs typeface="+mn-cs"/>
-              </a:rPr>
-              <a:t>N'File</a:t>
-            </a:r>
-            <a:r>
-              <a:rPr lang="en-US" sz="1200" kern="1200" dirty="0">
-                <a:solidFill>
-                  <a:schemeClr val="tx1"/>
-                </a:solidFill>
-                <a:latin typeface="+mn-lt"/>
-                <a:ea typeface="+mn-ea"/>
-                <a:cs typeface="+mn-cs"/>
-              </a:rPr>
-              <a:t>' THEN </a:t>
-            </a:r>
-            <a:r>
-              <a:rPr lang="en-US" sz="1200" kern="1200" dirty="0" err="1">
-                <a:solidFill>
-                  <a:schemeClr val="tx1"/>
-                </a:solidFill>
-                <a:latin typeface="+mn-lt"/>
-                <a:ea typeface="+mn-ea"/>
-                <a:cs typeface="+mn-cs"/>
-              </a:rPr>
-              <a:t>uf.UserFileName</a:t>
-            </a:r>
-            <a:endParaRPr lang="en-US" sz="1200" kern="1200" dirty="0">
-              <a:solidFill>
-                <a:schemeClr val="tx1"/>
-              </a:solidFill>
-              <a:latin typeface="+mn-lt"/>
-              <a:ea typeface="+mn-ea"/>
-              <a:cs typeface="+mn-cs"/>
-            </a:endParaRPr>
-          </a:p>
-          <a:p>
-            <a:r>
-              <a:rPr lang="en-US" sz="1200" kern="1200" dirty="0">
-                <a:solidFill>
-                  <a:schemeClr val="tx1"/>
-                </a:solidFill>
-                <a:latin typeface="+mn-lt"/>
-                <a:ea typeface="+mn-ea"/>
-                <a:cs typeface="+mn-cs"/>
-              </a:rPr>
-              <a:t>WHEN </a:t>
-            </a:r>
-            <a:r>
-              <a:rPr lang="en-US" sz="1200" kern="1200" dirty="0" err="1">
-                <a:solidFill>
-                  <a:schemeClr val="tx1"/>
-                </a:solidFill>
-                <a:latin typeface="+mn-lt"/>
-                <a:ea typeface="+mn-ea"/>
-                <a:cs typeface="+mn-cs"/>
-              </a:rPr>
-              <a:t>ro.ObjectType</a:t>
-            </a:r>
-            <a:r>
-              <a:rPr lang="en-US" sz="1200" kern="1200" dirty="0">
-                <a:solidFill>
-                  <a:schemeClr val="tx1"/>
-                </a:solidFill>
-                <a:latin typeface="+mn-lt"/>
-                <a:ea typeface="+mn-ea"/>
-                <a:cs typeface="+mn-cs"/>
-              </a:rPr>
-              <a:t> = </a:t>
-            </a:r>
-            <a:r>
-              <a:rPr lang="en-US" sz="1200" kern="1200" dirty="0" err="1">
-                <a:solidFill>
-                  <a:schemeClr val="tx1"/>
-                </a:solidFill>
-                <a:latin typeface="+mn-lt"/>
-                <a:ea typeface="+mn-ea"/>
-                <a:cs typeface="+mn-cs"/>
-              </a:rPr>
-              <a:t>N'Folder</a:t>
-            </a:r>
-            <a:r>
-              <a:rPr lang="en-US" sz="1200" kern="1200" dirty="0">
-                <a:solidFill>
-                  <a:schemeClr val="tx1"/>
-                </a:solidFill>
-                <a:latin typeface="+mn-lt"/>
-                <a:ea typeface="+mn-ea"/>
-                <a:cs typeface="+mn-cs"/>
-              </a:rPr>
-              <a:t>' THEN </a:t>
-            </a:r>
-            <a:r>
-              <a:rPr lang="en-US" sz="1200" kern="1200" dirty="0" err="1">
-                <a:solidFill>
-                  <a:schemeClr val="tx1"/>
-                </a:solidFill>
-                <a:latin typeface="+mn-lt"/>
-                <a:ea typeface="+mn-ea"/>
-                <a:cs typeface="+mn-cs"/>
-              </a:rPr>
-              <a:t>f.FolderName</a:t>
-            </a:r>
-            <a:endParaRPr lang="en-US" sz="1200" kern="1200" dirty="0">
-              <a:solidFill>
-                <a:schemeClr val="tx1"/>
-              </a:solidFill>
-              <a:latin typeface="+mn-lt"/>
-              <a:ea typeface="+mn-ea"/>
-              <a:cs typeface="+mn-cs"/>
-            </a:endParaRPr>
-          </a:p>
-          <a:p>
-            <a:r>
-              <a:rPr lang="vi-VN" sz="1200" kern="1200" dirty="0">
-                <a:solidFill>
-                  <a:schemeClr val="tx1"/>
-                </a:solidFill>
-                <a:latin typeface="+mn-lt"/>
-                <a:ea typeface="+mn-ea"/>
-                <a:cs typeface="+mn-cs"/>
-              </a:rPr>
-              <a:t>ELSE NULL</a:t>
-            </a:r>
-          </a:p>
-          <a:p>
-            <a:r>
-              <a:rPr lang="vi-VN" sz="1200" kern="1200" dirty="0">
-                <a:solidFill>
-                  <a:schemeClr val="tx1"/>
-                </a:solidFill>
-                <a:latin typeface="+mn-lt"/>
-                <a:ea typeface="+mn-ea"/>
-                <a:cs typeface="+mn-cs"/>
-              </a:rPr>
-              <a:t>END AS </a:t>
-            </a:r>
-            <a:r>
-              <a:rPr lang="vi-VN" sz="1200" kern="1200" dirty="0" err="1">
-                <a:solidFill>
-                  <a:schemeClr val="tx1"/>
-                </a:solidFill>
-                <a:latin typeface="+mn-lt"/>
-                <a:ea typeface="+mn-ea"/>
-                <a:cs typeface="+mn-cs"/>
-              </a:rPr>
-              <a:t>ObjectName</a:t>
-            </a:r>
-            <a:r>
-              <a:rPr lang="vi-VN" sz="1200" kern="1200" dirty="0">
-                <a:solidFill>
-                  <a:schemeClr val="tx1"/>
-                </a:solidFill>
-                <a:latin typeface="+mn-lt"/>
-                <a:ea typeface="+mn-ea"/>
-                <a:cs typeface="+mn-cs"/>
-              </a:rPr>
-              <a:t>,</a:t>
-            </a:r>
-          </a:p>
-          <a:p>
-            <a:r>
-              <a:rPr lang="vi-VN" sz="1200" kern="1200" dirty="0" err="1">
-                <a:solidFill>
-                  <a:schemeClr val="tx1"/>
-                </a:solidFill>
-                <a:latin typeface="+mn-lt"/>
-                <a:ea typeface="+mn-ea"/>
-                <a:cs typeface="+mn-cs"/>
-              </a:rPr>
-              <a:t>ro.ActionLog</a:t>
-            </a:r>
-            <a:r>
-              <a:rPr lang="vi-VN" sz="1200" kern="1200" dirty="0">
-                <a:solidFill>
-                  <a:schemeClr val="tx1"/>
-                </a:solidFill>
-                <a:latin typeface="+mn-lt"/>
-                <a:ea typeface="+mn-ea"/>
-                <a:cs typeface="+mn-cs"/>
-              </a:rPr>
-              <a:t>,</a:t>
-            </a:r>
-          </a:p>
-          <a:p>
-            <a:r>
-              <a:rPr lang="vi-VN" sz="1200" kern="1200" dirty="0" err="1">
-                <a:solidFill>
-                  <a:schemeClr val="tx1"/>
-                </a:solidFill>
-                <a:latin typeface="+mn-lt"/>
-                <a:ea typeface="+mn-ea"/>
-                <a:cs typeface="+mn-cs"/>
-              </a:rPr>
-              <a:t>ro.ActionDateTime</a:t>
-            </a:r>
-            <a:endParaRPr lang="vi-VN" sz="1200" kern="1200" dirty="0">
-              <a:solidFill>
-                <a:schemeClr val="tx1"/>
-              </a:solidFill>
-              <a:latin typeface="+mn-lt"/>
-              <a:ea typeface="+mn-ea"/>
-              <a:cs typeface="+mn-cs"/>
-            </a:endParaRPr>
-          </a:p>
-          <a:p>
-            <a:r>
-              <a:rPr lang="vi-VN" sz="1200" kern="1200" dirty="0">
-                <a:solidFill>
-                  <a:schemeClr val="tx1"/>
-                </a:solidFill>
-                <a:latin typeface="+mn-lt"/>
-                <a:ea typeface="+mn-ea"/>
-                <a:cs typeface="+mn-cs"/>
-              </a:rPr>
-              <a:t>FROM </a:t>
-            </a:r>
-            <a:r>
-              <a:rPr lang="vi-VN" sz="1200" kern="1200" dirty="0" err="1">
-                <a:solidFill>
-                  <a:schemeClr val="tx1"/>
-                </a:solidFill>
-                <a:latin typeface="+mn-lt"/>
-                <a:ea typeface="+mn-ea"/>
-                <a:cs typeface="+mn-cs"/>
-              </a:rPr>
-              <a:t>RecentObjects</a:t>
-            </a:r>
-            <a:r>
-              <a:rPr lang="vi-VN" sz="1200" kern="1200" dirty="0">
-                <a:solidFill>
-                  <a:schemeClr val="tx1"/>
-                </a:solidFill>
-                <a:latin typeface="+mn-lt"/>
-                <a:ea typeface="+mn-ea"/>
-                <a:cs typeface="+mn-cs"/>
-              </a:rPr>
-              <a:t> ro</a:t>
-            </a:r>
-          </a:p>
-          <a:p>
-            <a:r>
-              <a:rPr lang="vi-VN" sz="1200" kern="1200" dirty="0">
-                <a:solidFill>
-                  <a:schemeClr val="tx1"/>
-                </a:solidFill>
-                <a:latin typeface="+mn-lt"/>
-                <a:ea typeface="+mn-ea"/>
-                <a:cs typeface="+mn-cs"/>
-              </a:rPr>
-              <a:t>LEFT JOIN </a:t>
-            </a:r>
-            <a:r>
-              <a:rPr lang="vi-VN" sz="1200" kern="1200" dirty="0" err="1">
-                <a:solidFill>
-                  <a:schemeClr val="tx1"/>
-                </a:solidFill>
-                <a:latin typeface="+mn-lt"/>
-                <a:ea typeface="+mn-ea"/>
-                <a:cs typeface="+mn-cs"/>
-              </a:rPr>
-              <a:t>UserFile</a:t>
-            </a:r>
-            <a:r>
-              <a:rPr lang="vi-VN" sz="1200" kern="1200" dirty="0">
-                <a:solidFill>
-                  <a:schemeClr val="tx1"/>
-                </a:solidFill>
-                <a:latin typeface="+mn-lt"/>
-                <a:ea typeface="+mn-ea"/>
-                <a:cs typeface="+mn-cs"/>
-              </a:rPr>
-              <a:t> </a:t>
-            </a:r>
-            <a:r>
-              <a:rPr lang="vi-VN" sz="1200" kern="1200" dirty="0" err="1">
-                <a:solidFill>
-                  <a:schemeClr val="tx1"/>
-                </a:solidFill>
-                <a:latin typeface="+mn-lt"/>
-                <a:ea typeface="+mn-ea"/>
-                <a:cs typeface="+mn-cs"/>
-              </a:rPr>
-              <a:t>uf</a:t>
-            </a:r>
-            <a:r>
-              <a:rPr lang="vi-VN" sz="1200" kern="1200" dirty="0">
-                <a:solidFill>
-                  <a:schemeClr val="tx1"/>
-                </a:solidFill>
-                <a:latin typeface="+mn-lt"/>
-                <a:ea typeface="+mn-ea"/>
-                <a:cs typeface="+mn-cs"/>
-              </a:rPr>
-              <a:t> ON </a:t>
-            </a:r>
-            <a:r>
-              <a:rPr lang="vi-VN" sz="1200" kern="1200" dirty="0" err="1">
-                <a:solidFill>
-                  <a:schemeClr val="tx1"/>
-                </a:solidFill>
-                <a:latin typeface="+mn-lt"/>
-                <a:ea typeface="+mn-ea"/>
-                <a:cs typeface="+mn-cs"/>
-              </a:rPr>
-              <a:t>ro.ObjectId</a:t>
-            </a:r>
-            <a:r>
-              <a:rPr lang="vi-VN" sz="1200" kern="1200" dirty="0">
-                <a:solidFill>
-                  <a:schemeClr val="tx1"/>
-                </a:solidFill>
-                <a:latin typeface="+mn-lt"/>
-                <a:ea typeface="+mn-ea"/>
-                <a:cs typeface="+mn-cs"/>
-              </a:rPr>
-              <a:t> = </a:t>
-            </a:r>
-            <a:r>
-              <a:rPr lang="vi-VN" sz="1200" kern="1200" dirty="0" err="1">
-                <a:solidFill>
-                  <a:schemeClr val="tx1"/>
-                </a:solidFill>
-                <a:latin typeface="+mn-lt"/>
-                <a:ea typeface="+mn-ea"/>
-                <a:cs typeface="+mn-cs"/>
-              </a:rPr>
-              <a:t>uf.FileId</a:t>
-            </a:r>
-            <a:r>
-              <a:rPr lang="vi-VN" sz="1200" kern="1200" dirty="0">
-                <a:solidFill>
-                  <a:schemeClr val="tx1"/>
-                </a:solidFill>
-                <a:latin typeface="+mn-lt"/>
-                <a:ea typeface="+mn-ea"/>
-                <a:cs typeface="+mn-cs"/>
-              </a:rPr>
-              <a:t> AND </a:t>
-            </a:r>
-            <a:r>
-              <a:rPr lang="vi-VN" sz="1200" kern="1200" dirty="0" err="1">
-                <a:solidFill>
-                  <a:schemeClr val="tx1"/>
-                </a:solidFill>
-                <a:latin typeface="+mn-lt"/>
-                <a:ea typeface="+mn-ea"/>
-                <a:cs typeface="+mn-cs"/>
-              </a:rPr>
-              <a:t>ro.ObjectTypeId</a:t>
-            </a:r>
-            <a:r>
-              <a:rPr lang="vi-VN" sz="1200" kern="1200" dirty="0">
-                <a:solidFill>
-                  <a:schemeClr val="tx1"/>
-                </a:solidFill>
-                <a:latin typeface="+mn-lt"/>
-                <a:ea typeface="+mn-ea"/>
-                <a:cs typeface="+mn-cs"/>
-              </a:rPr>
-              <a:t> = 2</a:t>
-            </a:r>
-          </a:p>
-          <a:p>
-            <a:r>
-              <a:rPr lang="en-US" sz="1200" kern="1200" dirty="0">
-                <a:solidFill>
-                  <a:schemeClr val="tx1"/>
-                </a:solidFill>
-                <a:latin typeface="+mn-lt"/>
-                <a:ea typeface="+mn-ea"/>
-                <a:cs typeface="+mn-cs"/>
-              </a:rPr>
-              <a:t>LEFT JOIN Folder f ON </a:t>
-            </a:r>
-            <a:r>
-              <a:rPr lang="en-US" sz="1200" kern="1200" dirty="0" err="1">
-                <a:solidFill>
-                  <a:schemeClr val="tx1"/>
-                </a:solidFill>
-                <a:latin typeface="+mn-lt"/>
-                <a:ea typeface="+mn-ea"/>
-                <a:cs typeface="+mn-cs"/>
-              </a:rPr>
-              <a:t>ro.ObjectId</a:t>
-            </a:r>
-            <a:r>
-              <a:rPr lang="en-US" sz="1200" kern="1200" dirty="0">
-                <a:solidFill>
-                  <a:schemeClr val="tx1"/>
-                </a:solidFill>
-                <a:latin typeface="+mn-lt"/>
-                <a:ea typeface="+mn-ea"/>
-                <a:cs typeface="+mn-cs"/>
-              </a:rPr>
-              <a:t> = </a:t>
-            </a:r>
-            <a:r>
-              <a:rPr lang="en-US" sz="1200" kern="1200" dirty="0" err="1">
-                <a:solidFill>
-                  <a:schemeClr val="tx1"/>
-                </a:solidFill>
-                <a:latin typeface="+mn-lt"/>
-                <a:ea typeface="+mn-ea"/>
-                <a:cs typeface="+mn-cs"/>
-              </a:rPr>
-              <a:t>f.FolderId</a:t>
-            </a:r>
-            <a:r>
-              <a:rPr lang="en-US" sz="1200" kern="1200" dirty="0">
-                <a:solidFill>
-                  <a:schemeClr val="tx1"/>
-                </a:solidFill>
-                <a:latin typeface="+mn-lt"/>
-                <a:ea typeface="+mn-ea"/>
-                <a:cs typeface="+mn-cs"/>
-              </a:rPr>
-              <a:t> AND </a:t>
-            </a:r>
-            <a:r>
-              <a:rPr lang="en-US" sz="1200" kern="1200" dirty="0" err="1">
-                <a:solidFill>
-                  <a:schemeClr val="tx1"/>
-                </a:solidFill>
-                <a:latin typeface="+mn-lt"/>
-                <a:ea typeface="+mn-ea"/>
-                <a:cs typeface="+mn-cs"/>
-              </a:rPr>
-              <a:t>ro.ObjectTypeId</a:t>
-            </a:r>
-            <a:r>
-              <a:rPr lang="en-US" sz="1200" kern="1200" dirty="0">
-                <a:solidFill>
-                  <a:schemeClr val="tx1"/>
-                </a:solidFill>
-                <a:latin typeface="+mn-lt"/>
-                <a:ea typeface="+mn-ea"/>
-                <a:cs typeface="+mn-cs"/>
-              </a:rPr>
-              <a:t> = 1</a:t>
-            </a:r>
-          </a:p>
-          <a:p>
-            <a:r>
-              <a:rPr lang="en-US" sz="1200" kern="1200" dirty="0">
-                <a:solidFill>
-                  <a:schemeClr val="tx1"/>
-                </a:solidFill>
-                <a:latin typeface="+mn-lt"/>
-                <a:ea typeface="+mn-ea"/>
-                <a:cs typeface="+mn-cs"/>
-              </a:rPr>
-              <a:t>WHERE </a:t>
-            </a:r>
-            <a:r>
-              <a:rPr lang="en-US" sz="1200" kern="1200" dirty="0" err="1">
-                <a:solidFill>
-                  <a:schemeClr val="tx1"/>
-                </a:solidFill>
-                <a:latin typeface="+mn-lt"/>
-                <a:ea typeface="+mn-ea"/>
-                <a:cs typeface="+mn-cs"/>
-              </a:rPr>
-              <a:t>ro.FileOwnerId</a:t>
-            </a:r>
-            <a:r>
-              <a:rPr lang="en-US" sz="1200" kern="1200" dirty="0">
-                <a:solidFill>
-                  <a:schemeClr val="tx1"/>
-                </a:solidFill>
-                <a:latin typeface="+mn-lt"/>
-                <a:ea typeface="+mn-ea"/>
-                <a:cs typeface="+mn-cs"/>
-              </a:rPr>
-              <a:t> = 11 OR </a:t>
-            </a:r>
-            <a:r>
-              <a:rPr lang="en-US" sz="1200" kern="1200" dirty="0" err="1">
-                <a:solidFill>
-                  <a:schemeClr val="tx1"/>
-                </a:solidFill>
-                <a:latin typeface="+mn-lt"/>
-                <a:ea typeface="+mn-ea"/>
-                <a:cs typeface="+mn-cs"/>
-              </a:rPr>
-              <a:t>ro.FolderOwnerId</a:t>
-            </a:r>
-            <a:r>
-              <a:rPr lang="en-US" sz="1200" kern="1200" dirty="0">
-                <a:solidFill>
-                  <a:schemeClr val="tx1"/>
-                </a:solidFill>
-                <a:latin typeface="+mn-lt"/>
-                <a:ea typeface="+mn-ea"/>
-                <a:cs typeface="+mn-cs"/>
-              </a:rPr>
-              <a:t> = 11</a:t>
-            </a:r>
-          </a:p>
-          <a:p>
-            <a:r>
-              <a:rPr lang="en-US" sz="1200" kern="1200" dirty="0">
-                <a:solidFill>
-                  <a:schemeClr val="tx1"/>
-                </a:solidFill>
-                <a:latin typeface="+mn-lt"/>
-                <a:ea typeface="+mn-ea"/>
-                <a:cs typeface="+mn-cs"/>
-              </a:rPr>
-              <a:t>ORDER BY </a:t>
-            </a:r>
-            <a:r>
-              <a:rPr lang="en-US" sz="1200" kern="1200" dirty="0" err="1">
-                <a:solidFill>
-                  <a:schemeClr val="tx1"/>
-                </a:solidFill>
-                <a:latin typeface="+mn-lt"/>
-                <a:ea typeface="+mn-ea"/>
-                <a:cs typeface="+mn-cs"/>
-              </a:rPr>
-              <a:t>ro.ActionDateTime</a:t>
-            </a:r>
-            <a:r>
-              <a:rPr lang="en-US" sz="1200" kern="1200" dirty="0">
-                <a:solidFill>
-                  <a:schemeClr val="tx1"/>
-                </a:solidFill>
-                <a:latin typeface="+mn-lt"/>
-                <a:ea typeface="+mn-ea"/>
-                <a:cs typeface="+mn-cs"/>
-              </a:rPr>
-              <a:t> DESC;</a:t>
-            </a:r>
-          </a:p>
-          <a:p>
-            <a:endParaRPr lang="vi-VN" sz="1200" kern="1200" dirty="0">
-              <a:solidFill>
-                <a:schemeClr val="tx1"/>
-              </a:solidFill>
-              <a:latin typeface="+mn-lt"/>
-              <a:ea typeface="+mn-ea"/>
-              <a:cs typeface="+mn-cs"/>
-            </a:endParaRPr>
-          </a:p>
-          <a:p>
-            <a:r>
-              <a:rPr lang="vi-VN" sz="1200" kern="1200" dirty="0">
-                <a:solidFill>
-                  <a:schemeClr val="tx1"/>
-                </a:solidFill>
-                <a:latin typeface="+mn-lt"/>
-                <a:ea typeface="+mn-ea"/>
-                <a:cs typeface="+mn-cs"/>
-              </a:rPr>
-              <a:t>SELECT * FROM </a:t>
-            </a:r>
-            <a:r>
-              <a:rPr lang="vi-VN" sz="1200" kern="1200" dirty="0" err="1">
-                <a:solidFill>
-                  <a:schemeClr val="tx1"/>
-                </a:solidFill>
-                <a:latin typeface="+mn-lt"/>
-                <a:ea typeface="+mn-ea"/>
-                <a:cs typeface="+mn-cs"/>
-              </a:rPr>
-              <a:t>ActionRecent</a:t>
-            </a:r>
-            <a:endParaRPr lang="vi-VN" sz="1200" kern="1200" dirty="0">
-              <a:solidFill>
-                <a:schemeClr val="tx1"/>
-              </a:solidFill>
-              <a:latin typeface="+mn-lt"/>
-              <a:ea typeface="+mn-ea"/>
-              <a:cs typeface="+mn-cs"/>
-            </a:endParaRPr>
-          </a:p>
-          <a:p>
-            <a:r>
-              <a:rPr lang="vi-VN" sz="1200" kern="1200" dirty="0">
-                <a:solidFill>
-                  <a:schemeClr val="tx1"/>
-                </a:solidFill>
-                <a:latin typeface="+mn-lt"/>
-                <a:ea typeface="+mn-ea"/>
-                <a:cs typeface="+mn-cs"/>
-              </a:rPr>
-              <a:t>SELECT * FROM </a:t>
-            </a:r>
-            <a:r>
-              <a:rPr lang="vi-VN" sz="1200" kern="1200" dirty="0" err="1">
-                <a:solidFill>
-                  <a:schemeClr val="tx1"/>
-                </a:solidFill>
-                <a:latin typeface="+mn-lt"/>
-                <a:ea typeface="+mn-ea"/>
-                <a:cs typeface="+mn-cs"/>
-              </a:rPr>
-              <a:t>UserFile</a:t>
-            </a:r>
-            <a:endParaRPr lang="vi-VN" sz="1200" kern="1200" dirty="0">
-              <a:solidFill>
-                <a:schemeClr val="tx1"/>
-              </a:solidFill>
-              <a:latin typeface="+mn-lt"/>
-              <a:ea typeface="+mn-ea"/>
-              <a:cs typeface="+mn-cs"/>
-            </a:endParaRPr>
-          </a:p>
-          <a:p>
-            <a:r>
-              <a:rPr lang="en-US" sz="1200" kern="1200" dirty="0">
-                <a:solidFill>
-                  <a:schemeClr val="tx1"/>
-                </a:solidFill>
-                <a:latin typeface="+mn-lt"/>
-                <a:ea typeface="+mn-ea"/>
-                <a:cs typeface="+mn-cs"/>
-              </a:rPr>
-              <a:t>SELECT * FROM Folder WHERE </a:t>
-            </a:r>
-            <a:r>
-              <a:rPr lang="en-US" sz="1200" kern="1200" dirty="0" err="1">
-                <a:solidFill>
-                  <a:schemeClr val="tx1"/>
-                </a:solidFill>
-                <a:latin typeface="+mn-lt"/>
-                <a:ea typeface="+mn-ea"/>
-                <a:cs typeface="+mn-cs"/>
-              </a:rPr>
-              <a:t>OwnerId</a:t>
-            </a:r>
-            <a:r>
-              <a:rPr lang="en-US" sz="1200" kern="1200" dirty="0">
-                <a:solidFill>
-                  <a:schemeClr val="tx1"/>
-                </a:solidFill>
-                <a:latin typeface="+mn-lt"/>
-                <a:ea typeface="+mn-ea"/>
-                <a:cs typeface="+mn-cs"/>
-              </a:rPr>
-              <a:t> = 11 AND </a:t>
-            </a:r>
-            <a:r>
-              <a:rPr lang="en-US" sz="1200" kern="1200" dirty="0" err="1">
-                <a:solidFill>
-                  <a:schemeClr val="tx1"/>
-                </a:solidFill>
-                <a:latin typeface="+mn-lt"/>
-                <a:ea typeface="+mn-ea"/>
-                <a:cs typeface="+mn-cs"/>
-              </a:rPr>
-              <a:t>FolderId</a:t>
-            </a:r>
-            <a:r>
-              <a:rPr lang="en-US" sz="1200" kern="1200" dirty="0">
-                <a:solidFill>
-                  <a:schemeClr val="tx1"/>
-                </a:solidFill>
-                <a:latin typeface="+mn-lt"/>
-                <a:ea typeface="+mn-ea"/>
-                <a:cs typeface="+mn-cs"/>
-              </a:rPr>
-              <a:t> = 37</a:t>
-            </a:r>
-          </a:p>
-          <a:p>
-            <a:pPr marL="171450" indent="-171450">
-              <a:buFont typeface="Arial" panose="020B0604020202020204" pitchFamily="34" charset="0"/>
-              <a:buChar char="•"/>
-            </a:pPr>
-            <a:endParaRPr lang="vi-VN" dirty="0"/>
-          </a:p>
-        </p:txBody>
-      </p:sp>
-      <p:sp>
-        <p:nvSpPr>
-          <p:cNvPr id="4" name="Slide Number Placeholder 3"/>
-          <p:cNvSpPr>
-            <a:spLocks noGrp="1"/>
-          </p:cNvSpPr>
-          <p:nvPr>
-            <p:ph type="sldNum" sz="quarter" idx="5"/>
-          </p:nvPr>
-        </p:nvSpPr>
-        <p:spPr/>
-        <p:txBody>
-          <a:bodyPr/>
-          <a:lstStyle/>
-          <a:p>
-            <a:fld id="{6A4FF178-7F5C-4C53-AC97-DF4205D97146}" type="slidenum">
-              <a:rPr lang="de-CH" smtClean="0"/>
-              <a:pPr/>
-              <a:t>15</a:t>
-            </a:fld>
-            <a:endParaRPr lang="de-CH"/>
-          </a:p>
-        </p:txBody>
-      </p:sp>
-    </p:spTree>
-    <p:extLst>
-      <p:ext uri="{BB962C8B-B14F-4D97-AF65-F5344CB8AC3E}">
-        <p14:creationId xmlns:p14="http://schemas.microsoft.com/office/powerpoint/2010/main" val="2243190413"/>
-      </p:ext>
-    </p:extLst>
-  </p:cSld>
-  <p:clrMapOvr>
-    <a:masterClrMapping/>
-  </p:clrMapOvr>
-</p:notes>
-</file>
-
-<file path=ppt/notesSlides/notesSlide11.xml><?xml version="1.0" encoding="utf-8"?>
-<p:notes xmlns:a="http://schemas.openxmlformats.org/drawingml/2006/main" xmlns:r="http://schemas.openxmlformats.org/officeDocument/2006/relationships" xmlns:p="http://schemas.openxmlformats.org/presentationml/2006/main">
-  <p:cSld>
-    <p:spTree>
-      <p:nvGrpSpPr>
-        <p:cNvPr id="1" name=""/>
-        <p:cNvGrpSpPr/>
-        <p:nvPr/>
-      </p:nvGrpSpPr>
-      <p:grpSpPr>
-        <a:xfrm>
-          <a:off x="0" y="0"/>
-          <a:ext cx="0" cy="0"/>
-          <a:chOff x="0" y="0"/>
-          <a:chExt cx="0" cy="0"/>
-        </a:xfrm>
-      </p:grpSpPr>
-      <p:sp>
-        <p:nvSpPr>
-          <p:cNvPr id="2" name="Slide Image Placeholder 1"/>
-          <p:cNvSpPr>
-            <a:spLocks noGrp="1" noRot="1" noChangeAspect="1"/>
-          </p:cNvSpPr>
-          <p:nvPr>
-            <p:ph type="sldImg"/>
-          </p:nvPr>
-        </p:nvSpPr>
-        <p:spPr/>
-      </p:sp>
-      <p:sp>
-        <p:nvSpPr>
-          <p:cNvPr id="3" name="Notes Placeholder 2"/>
-          <p:cNvSpPr>
-            <a:spLocks noGrp="1"/>
-          </p:cNvSpPr>
-          <p:nvPr>
-            <p:ph type="body" idx="1"/>
-          </p:nvPr>
-        </p:nvSpPr>
-        <p:spPr/>
-        <p:txBody>
-          <a:bodyPr/>
-          <a:lstStyle/>
-          <a:p>
-            <a:r>
-              <a:rPr lang="en-US" dirty="0"/>
-              <a:t>Select File/Folder. Which have been shared to Login User</a:t>
-            </a:r>
-          </a:p>
-          <a:p>
-            <a:r>
-              <a:rPr lang="en-US" dirty="0"/>
-              <a:t>Sort by </a:t>
-            </a:r>
-            <a:r>
-              <a:rPr lang="en-US" dirty="0" err="1"/>
-              <a:t>FileType</a:t>
-            </a:r>
-            <a:endParaRPr lang="en-US" dirty="0"/>
-          </a:p>
-          <a:p>
-            <a:r>
-              <a:rPr lang="en-US" dirty="0"/>
-              <a:t>Sort by Owner</a:t>
-            </a:r>
-          </a:p>
-          <a:p>
-            <a:r>
-              <a:rPr lang="en-US" dirty="0"/>
-              <a:t>Sort by Action Recent</a:t>
-            </a:r>
-          </a:p>
-          <a:p>
-            <a:endParaRPr lang="en-US" dirty="0"/>
-          </a:p>
-          <a:p>
-            <a:pPr marL="171450" indent="-171450">
-              <a:buFont typeface="Arial" panose="020B0604020202020204" pitchFamily="34" charset="0"/>
-              <a:buChar char="•"/>
-            </a:pPr>
-            <a:r>
-              <a:rPr lang="vi-VN" sz="1200" kern="1200" dirty="0" err="1">
-                <a:solidFill>
-                  <a:schemeClr val="tx1"/>
-                </a:solidFill>
-                <a:latin typeface="+mn-lt"/>
-                <a:ea typeface="+mn-ea"/>
-                <a:cs typeface="+mn-cs"/>
-              </a:rPr>
-              <a:t>Share</a:t>
-            </a:r>
-            <a:r>
-              <a:rPr lang="vi-VN" sz="1200" kern="1200" dirty="0">
-                <a:solidFill>
-                  <a:schemeClr val="tx1"/>
-                </a:solidFill>
-                <a:latin typeface="+mn-lt"/>
-                <a:ea typeface="+mn-ea"/>
-                <a:cs typeface="+mn-cs"/>
-              </a:rPr>
-              <a:t> </a:t>
-            </a:r>
-            <a:r>
-              <a:rPr lang="vi-VN" sz="1200" kern="1200" dirty="0" err="1">
-                <a:solidFill>
-                  <a:schemeClr val="tx1"/>
-                </a:solidFill>
-                <a:latin typeface="+mn-lt"/>
-                <a:ea typeface="+mn-ea"/>
-                <a:cs typeface="+mn-cs"/>
-              </a:rPr>
-              <a:t>with</a:t>
-            </a:r>
-            <a:r>
-              <a:rPr lang="vi-VN" sz="1200" kern="1200" dirty="0">
-                <a:solidFill>
-                  <a:schemeClr val="tx1"/>
-                </a:solidFill>
-                <a:latin typeface="+mn-lt"/>
-                <a:ea typeface="+mn-ea"/>
-                <a:cs typeface="+mn-cs"/>
-              </a:rPr>
-              <a:t> me </a:t>
-            </a:r>
-            <a:r>
-              <a:rPr lang="vi-VN" sz="1200" kern="1200" dirty="0" err="1">
-                <a:solidFill>
-                  <a:schemeClr val="tx1"/>
-                </a:solidFill>
-                <a:latin typeface="+mn-lt"/>
-                <a:ea typeface="+mn-ea"/>
-                <a:cs typeface="+mn-cs"/>
-              </a:rPr>
-              <a:t>Screen</a:t>
-            </a:r>
-            <a:endParaRPr lang="vi-VN" sz="1200" kern="1200" dirty="0">
-              <a:solidFill>
-                <a:schemeClr val="tx1"/>
-              </a:solidFill>
-              <a:latin typeface="+mn-lt"/>
-              <a:ea typeface="+mn-ea"/>
-              <a:cs typeface="+mn-cs"/>
-            </a:endParaRPr>
-          </a:p>
-          <a:p>
-            <a:r>
-              <a:rPr lang="en-US" sz="1200" kern="1200" dirty="0">
-                <a:solidFill>
-                  <a:schemeClr val="tx1"/>
-                </a:solidFill>
-                <a:latin typeface="+mn-lt"/>
-                <a:ea typeface="+mn-ea"/>
-                <a:cs typeface="+mn-cs"/>
-              </a:rPr>
-              <a:t>-- 1.SELECT shared file with login user</a:t>
-            </a:r>
-          </a:p>
-          <a:p>
-            <a:r>
-              <a:rPr lang="vi-VN" sz="1200" kern="1200" dirty="0">
-                <a:solidFill>
-                  <a:schemeClr val="tx1"/>
-                </a:solidFill>
-                <a:latin typeface="+mn-lt"/>
-                <a:ea typeface="+mn-ea"/>
-                <a:cs typeface="+mn-cs"/>
-              </a:rPr>
-              <a:t>DECLARE @userId INT = 102</a:t>
-            </a:r>
-          </a:p>
-          <a:p>
-            <a:r>
-              <a:rPr lang="vi-VN" sz="1200" kern="1200" dirty="0">
-                <a:solidFill>
-                  <a:schemeClr val="tx1"/>
-                </a:solidFill>
-                <a:latin typeface="+mn-lt"/>
-                <a:ea typeface="+mn-ea"/>
-                <a:cs typeface="+mn-cs"/>
-              </a:rPr>
-              <a:t>SELECT</a:t>
-            </a:r>
-          </a:p>
-          <a:p>
-            <a:r>
-              <a:rPr lang="vi-VN" sz="1200" kern="1200" dirty="0" err="1">
-                <a:solidFill>
-                  <a:schemeClr val="tx1"/>
-                </a:solidFill>
-                <a:latin typeface="+mn-lt"/>
-                <a:ea typeface="+mn-ea"/>
-                <a:cs typeface="+mn-cs"/>
-              </a:rPr>
-              <a:t>f.FileId</a:t>
-            </a:r>
-            <a:r>
-              <a:rPr lang="vi-VN" sz="1200" kern="1200" dirty="0">
-                <a:solidFill>
-                  <a:schemeClr val="tx1"/>
-                </a:solidFill>
-                <a:latin typeface="+mn-lt"/>
-                <a:ea typeface="+mn-ea"/>
-                <a:cs typeface="+mn-cs"/>
-              </a:rPr>
-              <a:t>,</a:t>
-            </a:r>
-          </a:p>
-          <a:p>
-            <a:r>
-              <a:rPr lang="vi-VN" sz="1200" kern="1200" dirty="0" err="1">
-                <a:solidFill>
-                  <a:schemeClr val="tx1"/>
-                </a:solidFill>
-                <a:latin typeface="+mn-lt"/>
-                <a:ea typeface="+mn-ea"/>
-                <a:cs typeface="+mn-cs"/>
-              </a:rPr>
-              <a:t>a.UserName</a:t>
-            </a:r>
-            <a:r>
-              <a:rPr lang="vi-VN" sz="1200" kern="1200" dirty="0">
-                <a:solidFill>
-                  <a:schemeClr val="tx1"/>
-                </a:solidFill>
-                <a:latin typeface="+mn-lt"/>
-                <a:ea typeface="+mn-ea"/>
-                <a:cs typeface="+mn-cs"/>
-              </a:rPr>
-              <a:t>,</a:t>
-            </a:r>
-          </a:p>
-          <a:p>
-            <a:r>
-              <a:rPr lang="vi-VN" sz="1200" kern="1200" dirty="0" err="1">
-                <a:solidFill>
-                  <a:schemeClr val="tx1"/>
-                </a:solidFill>
-                <a:latin typeface="+mn-lt"/>
-                <a:ea typeface="+mn-ea"/>
-                <a:cs typeface="+mn-cs"/>
-              </a:rPr>
-              <a:t>f.UserFileName</a:t>
-            </a:r>
-            <a:endParaRPr lang="vi-VN" sz="1200" kern="1200" dirty="0">
-              <a:solidFill>
-                <a:schemeClr val="tx1"/>
-              </a:solidFill>
-              <a:latin typeface="+mn-lt"/>
-              <a:ea typeface="+mn-ea"/>
-              <a:cs typeface="+mn-cs"/>
-            </a:endParaRPr>
-          </a:p>
-          <a:p>
-            <a:r>
-              <a:rPr lang="vi-VN" sz="1200" kern="1200" dirty="0">
-                <a:solidFill>
-                  <a:schemeClr val="tx1"/>
-                </a:solidFill>
-                <a:latin typeface="+mn-lt"/>
-                <a:ea typeface="+mn-ea"/>
-                <a:cs typeface="+mn-cs"/>
-              </a:rPr>
-              <a:t>FROM </a:t>
-            </a:r>
-            <a:r>
-              <a:rPr lang="vi-VN" sz="1200" kern="1200" dirty="0" err="1">
-                <a:solidFill>
-                  <a:schemeClr val="tx1"/>
-                </a:solidFill>
-                <a:latin typeface="+mn-lt"/>
-                <a:ea typeface="+mn-ea"/>
-                <a:cs typeface="+mn-cs"/>
-              </a:rPr>
-              <a:t>SharedUser</a:t>
-            </a:r>
-            <a:r>
-              <a:rPr lang="vi-VN" sz="1200" kern="1200" dirty="0">
-                <a:solidFill>
-                  <a:schemeClr val="tx1"/>
-                </a:solidFill>
-                <a:latin typeface="+mn-lt"/>
-                <a:ea typeface="+mn-ea"/>
-                <a:cs typeface="+mn-cs"/>
-              </a:rPr>
-              <a:t> su</a:t>
-            </a:r>
-          </a:p>
-          <a:p>
-            <a:r>
-              <a:rPr lang="en-US" sz="1200" kern="1200" dirty="0">
-                <a:solidFill>
-                  <a:schemeClr val="tx1"/>
-                </a:solidFill>
-                <a:latin typeface="+mn-lt"/>
-                <a:ea typeface="+mn-ea"/>
-                <a:cs typeface="+mn-cs"/>
-              </a:rPr>
-              <a:t>JOIN Account a ON </a:t>
-            </a:r>
-            <a:r>
-              <a:rPr lang="en-US" sz="1200" kern="1200" dirty="0" err="1">
-                <a:solidFill>
-                  <a:schemeClr val="tx1"/>
-                </a:solidFill>
-                <a:latin typeface="+mn-lt"/>
-                <a:ea typeface="+mn-ea"/>
-                <a:cs typeface="+mn-cs"/>
-              </a:rPr>
-              <a:t>su.UserId</a:t>
-            </a:r>
-            <a:r>
-              <a:rPr lang="en-US" sz="1200" kern="1200" dirty="0">
-                <a:solidFill>
-                  <a:schemeClr val="tx1"/>
-                </a:solidFill>
-                <a:latin typeface="+mn-lt"/>
-                <a:ea typeface="+mn-ea"/>
-                <a:cs typeface="+mn-cs"/>
-              </a:rPr>
-              <a:t> = </a:t>
-            </a:r>
-            <a:r>
-              <a:rPr lang="en-US" sz="1200" kern="1200" dirty="0" err="1">
-                <a:solidFill>
-                  <a:schemeClr val="tx1"/>
-                </a:solidFill>
-                <a:latin typeface="+mn-lt"/>
-                <a:ea typeface="+mn-ea"/>
-                <a:cs typeface="+mn-cs"/>
-              </a:rPr>
-              <a:t>a.UserId</a:t>
-            </a:r>
-            <a:endParaRPr lang="en-US" sz="1200" kern="1200" dirty="0">
-              <a:solidFill>
-                <a:schemeClr val="tx1"/>
-              </a:solidFill>
-              <a:latin typeface="+mn-lt"/>
-              <a:ea typeface="+mn-ea"/>
-              <a:cs typeface="+mn-cs"/>
-            </a:endParaRPr>
-          </a:p>
-          <a:p>
-            <a:r>
-              <a:rPr lang="en-US" sz="1200" kern="1200" dirty="0">
-                <a:solidFill>
-                  <a:schemeClr val="tx1"/>
-                </a:solidFill>
-                <a:latin typeface="+mn-lt"/>
-                <a:ea typeface="+mn-ea"/>
-                <a:cs typeface="+mn-cs"/>
-              </a:rPr>
-              <a:t>JOIN Share s ON </a:t>
-            </a:r>
-            <a:r>
-              <a:rPr lang="en-US" sz="1200" kern="1200" dirty="0" err="1">
-                <a:solidFill>
-                  <a:schemeClr val="tx1"/>
-                </a:solidFill>
-                <a:latin typeface="+mn-lt"/>
-                <a:ea typeface="+mn-ea"/>
-                <a:cs typeface="+mn-cs"/>
-              </a:rPr>
-              <a:t>su.ShareId</a:t>
-            </a:r>
-            <a:r>
-              <a:rPr lang="en-US" sz="1200" kern="1200" dirty="0">
-                <a:solidFill>
-                  <a:schemeClr val="tx1"/>
-                </a:solidFill>
-                <a:latin typeface="+mn-lt"/>
-                <a:ea typeface="+mn-ea"/>
-                <a:cs typeface="+mn-cs"/>
-              </a:rPr>
-              <a:t> = </a:t>
-            </a:r>
-            <a:r>
-              <a:rPr lang="en-US" sz="1200" kern="1200" dirty="0" err="1">
-                <a:solidFill>
-                  <a:schemeClr val="tx1"/>
-                </a:solidFill>
-                <a:latin typeface="+mn-lt"/>
-                <a:ea typeface="+mn-ea"/>
-                <a:cs typeface="+mn-cs"/>
-              </a:rPr>
-              <a:t>s.ShareId</a:t>
-            </a:r>
-            <a:endParaRPr lang="en-US" sz="1200" kern="1200" dirty="0">
-              <a:solidFill>
-                <a:schemeClr val="tx1"/>
-              </a:solidFill>
-              <a:latin typeface="+mn-lt"/>
-              <a:ea typeface="+mn-ea"/>
-              <a:cs typeface="+mn-cs"/>
-            </a:endParaRPr>
-          </a:p>
-          <a:p>
-            <a:r>
-              <a:rPr lang="vi-VN" sz="1200" kern="1200" dirty="0">
-                <a:solidFill>
-                  <a:schemeClr val="tx1"/>
-                </a:solidFill>
-                <a:latin typeface="+mn-lt"/>
-                <a:ea typeface="+mn-ea"/>
-                <a:cs typeface="+mn-cs"/>
-              </a:rPr>
-              <a:t>JOIN </a:t>
-            </a:r>
-            <a:r>
-              <a:rPr lang="vi-VN" sz="1200" kern="1200" dirty="0" err="1">
-                <a:solidFill>
-                  <a:schemeClr val="tx1"/>
-                </a:solidFill>
-                <a:latin typeface="+mn-lt"/>
-                <a:ea typeface="+mn-ea"/>
-                <a:cs typeface="+mn-cs"/>
-              </a:rPr>
-              <a:t>UserFile</a:t>
-            </a:r>
-            <a:r>
-              <a:rPr lang="vi-VN" sz="1200" kern="1200" dirty="0">
-                <a:solidFill>
-                  <a:schemeClr val="tx1"/>
-                </a:solidFill>
-                <a:latin typeface="+mn-lt"/>
-                <a:ea typeface="+mn-ea"/>
-                <a:cs typeface="+mn-cs"/>
-              </a:rPr>
-              <a:t> f ON </a:t>
-            </a:r>
-            <a:r>
-              <a:rPr lang="vi-VN" sz="1200" kern="1200" dirty="0" err="1">
-                <a:solidFill>
-                  <a:schemeClr val="tx1"/>
-                </a:solidFill>
-                <a:latin typeface="+mn-lt"/>
-                <a:ea typeface="+mn-ea"/>
-                <a:cs typeface="+mn-cs"/>
-              </a:rPr>
-              <a:t>s.ObjectTypeId</a:t>
-            </a:r>
-            <a:r>
-              <a:rPr lang="vi-VN" sz="1200" kern="1200" dirty="0">
-                <a:solidFill>
-                  <a:schemeClr val="tx1"/>
-                </a:solidFill>
-                <a:latin typeface="+mn-lt"/>
-                <a:ea typeface="+mn-ea"/>
-                <a:cs typeface="+mn-cs"/>
-              </a:rPr>
-              <a:t> = 2 AND </a:t>
-            </a:r>
-            <a:r>
-              <a:rPr lang="vi-VN" sz="1200" kern="1200" dirty="0" err="1">
-                <a:solidFill>
-                  <a:schemeClr val="tx1"/>
-                </a:solidFill>
-                <a:latin typeface="+mn-lt"/>
-                <a:ea typeface="+mn-ea"/>
-                <a:cs typeface="+mn-cs"/>
-              </a:rPr>
-              <a:t>s.ObjectId</a:t>
-            </a:r>
-            <a:r>
-              <a:rPr lang="vi-VN" sz="1200" kern="1200" dirty="0">
-                <a:solidFill>
-                  <a:schemeClr val="tx1"/>
-                </a:solidFill>
-                <a:latin typeface="+mn-lt"/>
-                <a:ea typeface="+mn-ea"/>
-                <a:cs typeface="+mn-cs"/>
-              </a:rPr>
-              <a:t> = </a:t>
-            </a:r>
-            <a:r>
-              <a:rPr lang="vi-VN" sz="1200" kern="1200" dirty="0" err="1">
-                <a:solidFill>
-                  <a:schemeClr val="tx1"/>
-                </a:solidFill>
-                <a:latin typeface="+mn-lt"/>
-                <a:ea typeface="+mn-ea"/>
-                <a:cs typeface="+mn-cs"/>
-              </a:rPr>
-              <a:t>f.FileId</a:t>
-            </a:r>
-            <a:endParaRPr lang="vi-VN" sz="1200" kern="1200" dirty="0">
-              <a:solidFill>
-                <a:schemeClr val="tx1"/>
-              </a:solidFill>
-              <a:latin typeface="+mn-lt"/>
-              <a:ea typeface="+mn-ea"/>
-              <a:cs typeface="+mn-cs"/>
-            </a:endParaRPr>
-          </a:p>
-          <a:p>
-            <a:r>
-              <a:rPr lang="vi-VN" sz="1200" kern="1200" dirty="0">
-                <a:solidFill>
-                  <a:schemeClr val="tx1"/>
-                </a:solidFill>
-                <a:latin typeface="+mn-lt"/>
-                <a:ea typeface="+mn-ea"/>
-                <a:cs typeface="+mn-cs"/>
-              </a:rPr>
-              <a:t>WHERE </a:t>
-            </a:r>
-            <a:r>
-              <a:rPr lang="vi-VN" sz="1200" kern="1200" dirty="0" err="1">
-                <a:solidFill>
-                  <a:schemeClr val="tx1"/>
-                </a:solidFill>
-                <a:latin typeface="+mn-lt"/>
-                <a:ea typeface="+mn-ea"/>
-                <a:cs typeface="+mn-cs"/>
-              </a:rPr>
-              <a:t>su.UserId</a:t>
-            </a:r>
-            <a:r>
-              <a:rPr lang="vi-VN" sz="1200" kern="1200" dirty="0">
-                <a:solidFill>
-                  <a:schemeClr val="tx1"/>
-                </a:solidFill>
-                <a:latin typeface="+mn-lt"/>
-                <a:ea typeface="+mn-ea"/>
-                <a:cs typeface="+mn-cs"/>
-              </a:rPr>
-              <a:t> = @userId</a:t>
-            </a:r>
-          </a:p>
-          <a:p>
-            <a:endParaRPr lang="vi-VN" sz="1200" kern="1200" dirty="0">
-              <a:solidFill>
-                <a:schemeClr val="tx1"/>
-              </a:solidFill>
-              <a:latin typeface="+mn-lt"/>
-              <a:ea typeface="+mn-ea"/>
-              <a:cs typeface="+mn-cs"/>
-            </a:endParaRPr>
-          </a:p>
-          <a:p>
-            <a:endParaRPr lang="vi-VN" sz="1200" kern="1200" dirty="0">
-              <a:solidFill>
-                <a:schemeClr val="tx1"/>
-              </a:solidFill>
-              <a:latin typeface="+mn-lt"/>
-              <a:ea typeface="+mn-ea"/>
-              <a:cs typeface="+mn-cs"/>
-            </a:endParaRPr>
-          </a:p>
-          <a:p>
-            <a:endParaRPr lang="vi-VN" sz="1200" kern="1200" dirty="0">
-              <a:solidFill>
-                <a:schemeClr val="tx1"/>
-              </a:solidFill>
-              <a:latin typeface="+mn-lt"/>
-              <a:ea typeface="+mn-ea"/>
-              <a:cs typeface="+mn-cs"/>
-            </a:endParaRPr>
-          </a:p>
-          <a:p>
-            <a:r>
-              <a:rPr lang="en-US" sz="1200" kern="1200" dirty="0">
-                <a:solidFill>
-                  <a:schemeClr val="tx1"/>
-                </a:solidFill>
-                <a:latin typeface="+mn-lt"/>
-                <a:ea typeface="+mn-ea"/>
-                <a:cs typeface="+mn-cs"/>
-              </a:rPr>
-              <a:t>-- 2.SELECT shared folder with login user</a:t>
-            </a:r>
-          </a:p>
-          <a:p>
-            <a:r>
-              <a:rPr lang="vi-VN" sz="1200" kern="1200" dirty="0">
-                <a:solidFill>
-                  <a:schemeClr val="tx1"/>
-                </a:solidFill>
-                <a:latin typeface="+mn-lt"/>
-                <a:ea typeface="+mn-ea"/>
-                <a:cs typeface="+mn-cs"/>
-              </a:rPr>
-              <a:t>DECLARE @userId INT = 101</a:t>
-            </a:r>
-          </a:p>
-          <a:p>
-            <a:r>
-              <a:rPr lang="vi-VN" sz="1200" kern="1200" dirty="0">
-                <a:solidFill>
-                  <a:schemeClr val="tx1"/>
-                </a:solidFill>
-                <a:latin typeface="+mn-lt"/>
-                <a:ea typeface="+mn-ea"/>
-                <a:cs typeface="+mn-cs"/>
-              </a:rPr>
-              <a:t>SELECT</a:t>
-            </a:r>
-          </a:p>
-          <a:p>
-            <a:r>
-              <a:rPr lang="vi-VN" sz="1200" kern="1200" dirty="0" err="1">
-                <a:solidFill>
-                  <a:schemeClr val="tx1"/>
-                </a:solidFill>
-                <a:latin typeface="+mn-lt"/>
-                <a:ea typeface="+mn-ea"/>
-                <a:cs typeface="+mn-cs"/>
-              </a:rPr>
-              <a:t>fo.FolderId</a:t>
-            </a:r>
-            <a:r>
-              <a:rPr lang="vi-VN" sz="1200" kern="1200" dirty="0">
-                <a:solidFill>
-                  <a:schemeClr val="tx1"/>
-                </a:solidFill>
-                <a:latin typeface="+mn-lt"/>
-                <a:ea typeface="+mn-ea"/>
-                <a:cs typeface="+mn-cs"/>
-              </a:rPr>
-              <a:t>,</a:t>
-            </a:r>
-          </a:p>
-          <a:p>
-            <a:r>
-              <a:rPr lang="vi-VN" sz="1200" kern="1200" dirty="0" err="1">
-                <a:solidFill>
-                  <a:schemeClr val="tx1"/>
-                </a:solidFill>
-                <a:latin typeface="+mn-lt"/>
-                <a:ea typeface="+mn-ea"/>
-                <a:cs typeface="+mn-cs"/>
-              </a:rPr>
-              <a:t>a.UserName</a:t>
-            </a:r>
-            <a:r>
-              <a:rPr lang="vi-VN" sz="1200" kern="1200" dirty="0">
-                <a:solidFill>
-                  <a:schemeClr val="tx1"/>
-                </a:solidFill>
-                <a:latin typeface="+mn-lt"/>
-                <a:ea typeface="+mn-ea"/>
-                <a:cs typeface="+mn-cs"/>
-              </a:rPr>
-              <a:t>,</a:t>
-            </a:r>
-          </a:p>
-          <a:p>
-            <a:r>
-              <a:rPr lang="vi-VN" sz="1200" kern="1200" dirty="0" err="1">
-                <a:solidFill>
-                  <a:schemeClr val="tx1"/>
-                </a:solidFill>
-                <a:latin typeface="+mn-lt"/>
-                <a:ea typeface="+mn-ea"/>
-                <a:cs typeface="+mn-cs"/>
-              </a:rPr>
-              <a:t>fo.FolderName</a:t>
-            </a:r>
-            <a:endParaRPr lang="vi-VN" sz="1200" kern="1200" dirty="0">
-              <a:solidFill>
-                <a:schemeClr val="tx1"/>
-              </a:solidFill>
-              <a:latin typeface="+mn-lt"/>
-              <a:ea typeface="+mn-ea"/>
-              <a:cs typeface="+mn-cs"/>
-            </a:endParaRPr>
-          </a:p>
-          <a:p>
-            <a:r>
-              <a:rPr lang="vi-VN" sz="1200" kern="1200" dirty="0">
-                <a:solidFill>
-                  <a:schemeClr val="tx1"/>
-                </a:solidFill>
-                <a:latin typeface="+mn-lt"/>
-                <a:ea typeface="+mn-ea"/>
-                <a:cs typeface="+mn-cs"/>
-              </a:rPr>
-              <a:t>FROM </a:t>
-            </a:r>
-            <a:r>
-              <a:rPr lang="vi-VN" sz="1200" kern="1200" dirty="0" err="1">
-                <a:solidFill>
-                  <a:schemeClr val="tx1"/>
-                </a:solidFill>
-                <a:latin typeface="+mn-lt"/>
-                <a:ea typeface="+mn-ea"/>
-                <a:cs typeface="+mn-cs"/>
-              </a:rPr>
-              <a:t>SharedUser</a:t>
-            </a:r>
-            <a:r>
-              <a:rPr lang="vi-VN" sz="1200" kern="1200" dirty="0">
-                <a:solidFill>
-                  <a:schemeClr val="tx1"/>
-                </a:solidFill>
-                <a:latin typeface="+mn-lt"/>
-                <a:ea typeface="+mn-ea"/>
-                <a:cs typeface="+mn-cs"/>
-              </a:rPr>
-              <a:t> su</a:t>
-            </a:r>
-          </a:p>
-          <a:p>
-            <a:r>
-              <a:rPr lang="en-US" sz="1200" kern="1200" dirty="0">
-                <a:solidFill>
-                  <a:schemeClr val="tx1"/>
-                </a:solidFill>
-                <a:latin typeface="+mn-lt"/>
-                <a:ea typeface="+mn-ea"/>
-                <a:cs typeface="+mn-cs"/>
-              </a:rPr>
-              <a:t>JOIN Account a ON </a:t>
-            </a:r>
-            <a:r>
-              <a:rPr lang="en-US" sz="1200" kern="1200" dirty="0" err="1">
-                <a:solidFill>
-                  <a:schemeClr val="tx1"/>
-                </a:solidFill>
-                <a:latin typeface="+mn-lt"/>
-                <a:ea typeface="+mn-ea"/>
-                <a:cs typeface="+mn-cs"/>
-              </a:rPr>
-              <a:t>su.UserId</a:t>
-            </a:r>
-            <a:r>
-              <a:rPr lang="en-US" sz="1200" kern="1200" dirty="0">
-                <a:solidFill>
-                  <a:schemeClr val="tx1"/>
-                </a:solidFill>
-                <a:latin typeface="+mn-lt"/>
-                <a:ea typeface="+mn-ea"/>
-                <a:cs typeface="+mn-cs"/>
-              </a:rPr>
-              <a:t> = </a:t>
-            </a:r>
-            <a:r>
-              <a:rPr lang="en-US" sz="1200" kern="1200" dirty="0" err="1">
-                <a:solidFill>
-                  <a:schemeClr val="tx1"/>
-                </a:solidFill>
-                <a:latin typeface="+mn-lt"/>
-                <a:ea typeface="+mn-ea"/>
-                <a:cs typeface="+mn-cs"/>
-              </a:rPr>
-              <a:t>a.UserId</a:t>
-            </a:r>
-            <a:endParaRPr lang="en-US" sz="1200" kern="1200" dirty="0">
-              <a:solidFill>
-                <a:schemeClr val="tx1"/>
-              </a:solidFill>
-              <a:latin typeface="+mn-lt"/>
-              <a:ea typeface="+mn-ea"/>
-              <a:cs typeface="+mn-cs"/>
-            </a:endParaRPr>
-          </a:p>
-          <a:p>
-            <a:r>
-              <a:rPr lang="en-US" sz="1200" kern="1200" dirty="0">
-                <a:solidFill>
-                  <a:schemeClr val="tx1"/>
-                </a:solidFill>
-                <a:latin typeface="+mn-lt"/>
-                <a:ea typeface="+mn-ea"/>
-                <a:cs typeface="+mn-cs"/>
-              </a:rPr>
-              <a:t>JOIN Share s ON </a:t>
-            </a:r>
-            <a:r>
-              <a:rPr lang="en-US" sz="1200" kern="1200" dirty="0" err="1">
-                <a:solidFill>
-                  <a:schemeClr val="tx1"/>
-                </a:solidFill>
-                <a:latin typeface="+mn-lt"/>
-                <a:ea typeface="+mn-ea"/>
-                <a:cs typeface="+mn-cs"/>
-              </a:rPr>
-              <a:t>su.ShareId</a:t>
-            </a:r>
-            <a:r>
-              <a:rPr lang="en-US" sz="1200" kern="1200" dirty="0">
-                <a:solidFill>
-                  <a:schemeClr val="tx1"/>
-                </a:solidFill>
-                <a:latin typeface="+mn-lt"/>
-                <a:ea typeface="+mn-ea"/>
-                <a:cs typeface="+mn-cs"/>
-              </a:rPr>
-              <a:t> = </a:t>
-            </a:r>
-            <a:r>
-              <a:rPr lang="en-US" sz="1200" kern="1200" dirty="0" err="1">
-                <a:solidFill>
-                  <a:schemeClr val="tx1"/>
-                </a:solidFill>
-                <a:latin typeface="+mn-lt"/>
-                <a:ea typeface="+mn-ea"/>
-                <a:cs typeface="+mn-cs"/>
-              </a:rPr>
-              <a:t>s.ShareId</a:t>
-            </a:r>
-            <a:endParaRPr lang="en-US" sz="1200" kern="1200" dirty="0">
-              <a:solidFill>
-                <a:schemeClr val="tx1"/>
-              </a:solidFill>
-              <a:latin typeface="+mn-lt"/>
-              <a:ea typeface="+mn-ea"/>
-              <a:cs typeface="+mn-cs"/>
-            </a:endParaRPr>
-          </a:p>
-          <a:p>
-            <a:r>
-              <a:rPr lang="vi-VN" sz="1200" kern="1200" dirty="0">
-                <a:solidFill>
-                  <a:schemeClr val="tx1"/>
-                </a:solidFill>
-                <a:latin typeface="+mn-lt"/>
-                <a:ea typeface="+mn-ea"/>
-                <a:cs typeface="+mn-cs"/>
-              </a:rPr>
-              <a:t>JOIN </a:t>
-            </a:r>
-            <a:r>
-              <a:rPr lang="vi-VN" sz="1200" kern="1200" dirty="0" err="1">
-                <a:solidFill>
-                  <a:schemeClr val="tx1"/>
-                </a:solidFill>
-                <a:latin typeface="+mn-lt"/>
-                <a:ea typeface="+mn-ea"/>
-                <a:cs typeface="+mn-cs"/>
-              </a:rPr>
-              <a:t>Folder</a:t>
-            </a:r>
-            <a:r>
-              <a:rPr lang="vi-VN" sz="1200" kern="1200" dirty="0">
-                <a:solidFill>
-                  <a:schemeClr val="tx1"/>
-                </a:solidFill>
-                <a:latin typeface="+mn-lt"/>
-                <a:ea typeface="+mn-ea"/>
-                <a:cs typeface="+mn-cs"/>
-              </a:rPr>
-              <a:t> </a:t>
-            </a:r>
-            <a:r>
-              <a:rPr lang="vi-VN" sz="1200" kern="1200" dirty="0" err="1">
-                <a:solidFill>
-                  <a:schemeClr val="tx1"/>
-                </a:solidFill>
-                <a:latin typeface="+mn-lt"/>
-                <a:ea typeface="+mn-ea"/>
-                <a:cs typeface="+mn-cs"/>
-              </a:rPr>
-              <a:t>fo</a:t>
-            </a:r>
-            <a:r>
-              <a:rPr lang="vi-VN" sz="1200" kern="1200" dirty="0">
-                <a:solidFill>
-                  <a:schemeClr val="tx1"/>
-                </a:solidFill>
-                <a:latin typeface="+mn-lt"/>
-                <a:ea typeface="+mn-ea"/>
-                <a:cs typeface="+mn-cs"/>
-              </a:rPr>
-              <a:t> ON </a:t>
-            </a:r>
-            <a:r>
-              <a:rPr lang="vi-VN" sz="1200" kern="1200" dirty="0" err="1">
-                <a:solidFill>
-                  <a:schemeClr val="tx1"/>
-                </a:solidFill>
-                <a:latin typeface="+mn-lt"/>
-                <a:ea typeface="+mn-ea"/>
-                <a:cs typeface="+mn-cs"/>
-              </a:rPr>
-              <a:t>s.ObjectTypeId</a:t>
-            </a:r>
-            <a:r>
-              <a:rPr lang="vi-VN" sz="1200" kern="1200" dirty="0">
-                <a:solidFill>
-                  <a:schemeClr val="tx1"/>
-                </a:solidFill>
-                <a:latin typeface="+mn-lt"/>
-                <a:ea typeface="+mn-ea"/>
-                <a:cs typeface="+mn-cs"/>
-              </a:rPr>
-              <a:t> = 1 AND </a:t>
-            </a:r>
-            <a:r>
-              <a:rPr lang="vi-VN" sz="1200" kern="1200" dirty="0" err="1">
-                <a:solidFill>
-                  <a:schemeClr val="tx1"/>
-                </a:solidFill>
-                <a:latin typeface="+mn-lt"/>
-                <a:ea typeface="+mn-ea"/>
-                <a:cs typeface="+mn-cs"/>
-              </a:rPr>
-              <a:t>s.ObjectId</a:t>
-            </a:r>
-            <a:r>
-              <a:rPr lang="vi-VN" sz="1200" kern="1200" dirty="0">
-                <a:solidFill>
-                  <a:schemeClr val="tx1"/>
-                </a:solidFill>
-                <a:latin typeface="+mn-lt"/>
-                <a:ea typeface="+mn-ea"/>
-                <a:cs typeface="+mn-cs"/>
-              </a:rPr>
-              <a:t> = </a:t>
-            </a:r>
-            <a:r>
-              <a:rPr lang="vi-VN" sz="1200" kern="1200" dirty="0" err="1">
-                <a:solidFill>
-                  <a:schemeClr val="tx1"/>
-                </a:solidFill>
-                <a:latin typeface="+mn-lt"/>
-                <a:ea typeface="+mn-ea"/>
-                <a:cs typeface="+mn-cs"/>
-              </a:rPr>
-              <a:t>fo.FolderId</a:t>
-            </a:r>
-            <a:endParaRPr lang="vi-VN" sz="1200" kern="1200" dirty="0">
-              <a:solidFill>
-                <a:schemeClr val="tx1"/>
-              </a:solidFill>
-              <a:latin typeface="+mn-lt"/>
-              <a:ea typeface="+mn-ea"/>
-              <a:cs typeface="+mn-cs"/>
-            </a:endParaRPr>
-          </a:p>
-          <a:p>
-            <a:r>
-              <a:rPr lang="vi-VN" sz="1200" kern="1200" dirty="0">
-                <a:solidFill>
-                  <a:schemeClr val="tx1"/>
-                </a:solidFill>
-                <a:latin typeface="+mn-lt"/>
-                <a:ea typeface="+mn-ea"/>
-                <a:cs typeface="+mn-cs"/>
-              </a:rPr>
-              <a:t>WHERE </a:t>
-            </a:r>
-            <a:r>
-              <a:rPr lang="vi-VN" sz="1200" kern="1200" dirty="0" err="1">
-                <a:solidFill>
-                  <a:schemeClr val="tx1"/>
-                </a:solidFill>
-                <a:latin typeface="+mn-lt"/>
-                <a:ea typeface="+mn-ea"/>
-                <a:cs typeface="+mn-cs"/>
-              </a:rPr>
-              <a:t>su.UserId</a:t>
-            </a:r>
-            <a:r>
-              <a:rPr lang="vi-VN" sz="1200" kern="1200" dirty="0">
-                <a:solidFill>
-                  <a:schemeClr val="tx1"/>
-                </a:solidFill>
-                <a:latin typeface="+mn-lt"/>
-                <a:ea typeface="+mn-ea"/>
-                <a:cs typeface="+mn-cs"/>
-              </a:rPr>
-              <a:t> = @userId</a:t>
-            </a:r>
-          </a:p>
-          <a:p>
-            <a:endParaRPr lang="vi-VN" sz="1200" kern="1200" dirty="0">
-              <a:solidFill>
-                <a:schemeClr val="tx1"/>
-              </a:solidFill>
-              <a:latin typeface="+mn-lt"/>
-              <a:ea typeface="+mn-ea"/>
-              <a:cs typeface="+mn-cs"/>
-            </a:endParaRPr>
-          </a:p>
-          <a:p>
-            <a:endParaRPr lang="vi-VN" sz="1200" kern="1200" dirty="0">
-              <a:solidFill>
-                <a:schemeClr val="tx1"/>
-              </a:solidFill>
-              <a:latin typeface="+mn-lt"/>
-              <a:ea typeface="+mn-ea"/>
-              <a:cs typeface="+mn-cs"/>
-            </a:endParaRPr>
-          </a:p>
-          <a:p>
-            <a:endParaRPr lang="vi-VN" sz="1200" kern="1200" dirty="0">
-              <a:solidFill>
-                <a:schemeClr val="tx1"/>
-              </a:solidFill>
-              <a:latin typeface="+mn-lt"/>
-              <a:ea typeface="+mn-ea"/>
-              <a:cs typeface="+mn-cs"/>
-            </a:endParaRPr>
-          </a:p>
-          <a:p>
-            <a:r>
-              <a:rPr lang="en-US" sz="1200" kern="1200" dirty="0">
-                <a:solidFill>
-                  <a:schemeClr val="tx1"/>
-                </a:solidFill>
-                <a:latin typeface="+mn-lt"/>
-                <a:ea typeface="+mn-ea"/>
-                <a:cs typeface="+mn-cs"/>
-              </a:rPr>
-              <a:t>-- SELECT folder shared for user with </a:t>
-            </a:r>
-            <a:r>
-              <a:rPr lang="en-US" sz="1200" kern="1200" dirty="0" err="1">
-                <a:solidFill>
-                  <a:schemeClr val="tx1"/>
-                </a:solidFill>
-                <a:latin typeface="+mn-lt"/>
-                <a:ea typeface="+mn-ea"/>
-                <a:cs typeface="+mn-cs"/>
-              </a:rPr>
-              <a:t>userid</a:t>
-            </a:r>
-            <a:r>
-              <a:rPr lang="en-US" sz="1200" kern="1200" dirty="0">
-                <a:solidFill>
-                  <a:schemeClr val="tx1"/>
-                </a:solidFill>
-                <a:latin typeface="+mn-lt"/>
-                <a:ea typeface="+mn-ea"/>
-                <a:cs typeface="+mn-cs"/>
-              </a:rPr>
-              <a:t> = 101</a:t>
-            </a:r>
-          </a:p>
-          <a:p>
-            <a:r>
-              <a:rPr lang="vi-VN" sz="1200" kern="1200" dirty="0">
-                <a:solidFill>
-                  <a:schemeClr val="tx1"/>
-                </a:solidFill>
-                <a:latin typeface="+mn-lt"/>
-                <a:ea typeface="+mn-ea"/>
-                <a:cs typeface="+mn-cs"/>
-              </a:rPr>
-              <a:t>DECLARE @userId INT = 101</a:t>
-            </a:r>
-          </a:p>
-          <a:p>
-            <a:r>
-              <a:rPr lang="vi-VN" sz="1200" kern="1200" dirty="0">
-                <a:solidFill>
-                  <a:schemeClr val="tx1"/>
-                </a:solidFill>
-                <a:latin typeface="+mn-lt"/>
-                <a:ea typeface="+mn-ea"/>
-                <a:cs typeface="+mn-cs"/>
-              </a:rPr>
-              <a:t>SELECT </a:t>
-            </a:r>
-          </a:p>
-          <a:p>
-            <a:r>
-              <a:rPr lang="vi-VN" sz="1200" kern="1200" dirty="0" err="1">
-                <a:solidFill>
-                  <a:schemeClr val="tx1"/>
-                </a:solidFill>
-                <a:latin typeface="+mn-lt"/>
-                <a:ea typeface="+mn-ea"/>
-                <a:cs typeface="+mn-cs"/>
-              </a:rPr>
-              <a:t>a.UserName</a:t>
-            </a:r>
-            <a:r>
-              <a:rPr lang="vi-VN" sz="1200" kern="1200" dirty="0">
-                <a:solidFill>
-                  <a:schemeClr val="tx1"/>
-                </a:solidFill>
-                <a:latin typeface="+mn-lt"/>
-                <a:ea typeface="+mn-ea"/>
-                <a:cs typeface="+mn-cs"/>
-              </a:rPr>
-              <a:t>,</a:t>
-            </a:r>
-          </a:p>
-          <a:p>
-            <a:r>
-              <a:rPr lang="vi-VN" sz="1200" kern="1200" dirty="0" err="1">
-                <a:solidFill>
-                  <a:schemeClr val="tx1"/>
-                </a:solidFill>
-                <a:latin typeface="+mn-lt"/>
-                <a:ea typeface="+mn-ea"/>
-                <a:cs typeface="+mn-cs"/>
-              </a:rPr>
-              <a:t>fo.FolderId</a:t>
-            </a:r>
-            <a:r>
-              <a:rPr lang="vi-VN" sz="1200" kern="1200" dirty="0">
-                <a:solidFill>
-                  <a:schemeClr val="tx1"/>
-                </a:solidFill>
-                <a:latin typeface="+mn-lt"/>
-                <a:ea typeface="+mn-ea"/>
-                <a:cs typeface="+mn-cs"/>
-              </a:rPr>
-              <a:t>,</a:t>
-            </a:r>
-          </a:p>
-          <a:p>
-            <a:r>
-              <a:rPr lang="vi-VN" sz="1200" kern="1200" dirty="0" err="1">
-                <a:solidFill>
-                  <a:schemeClr val="tx1"/>
-                </a:solidFill>
-                <a:latin typeface="+mn-lt"/>
-                <a:ea typeface="+mn-ea"/>
-                <a:cs typeface="+mn-cs"/>
-              </a:rPr>
-              <a:t>p.PermissionName</a:t>
-            </a:r>
-            <a:r>
-              <a:rPr lang="vi-VN" sz="1200" kern="1200" dirty="0">
-                <a:solidFill>
-                  <a:schemeClr val="tx1"/>
-                </a:solidFill>
-                <a:latin typeface="+mn-lt"/>
-                <a:ea typeface="+mn-ea"/>
-                <a:cs typeface="+mn-cs"/>
-              </a:rPr>
-              <a:t>,</a:t>
-            </a:r>
-          </a:p>
-          <a:p>
-            <a:r>
-              <a:rPr lang="vi-VN" sz="1200" kern="1200" dirty="0" err="1">
-                <a:solidFill>
-                  <a:schemeClr val="tx1"/>
-                </a:solidFill>
-                <a:latin typeface="+mn-lt"/>
-                <a:ea typeface="+mn-ea"/>
-                <a:cs typeface="+mn-cs"/>
-              </a:rPr>
-              <a:t>fo.FolderName</a:t>
-            </a:r>
-            <a:endParaRPr lang="vi-VN" sz="1200" kern="1200" dirty="0">
-              <a:solidFill>
-                <a:schemeClr val="tx1"/>
-              </a:solidFill>
-              <a:latin typeface="+mn-lt"/>
-              <a:ea typeface="+mn-ea"/>
-              <a:cs typeface="+mn-cs"/>
-            </a:endParaRPr>
-          </a:p>
-          <a:p>
-            <a:r>
-              <a:rPr lang="vi-VN" sz="1200" kern="1200" dirty="0">
-                <a:solidFill>
-                  <a:schemeClr val="tx1"/>
-                </a:solidFill>
-                <a:latin typeface="+mn-lt"/>
-                <a:ea typeface="+mn-ea"/>
-                <a:cs typeface="+mn-cs"/>
-              </a:rPr>
-              <a:t>FROM </a:t>
-            </a:r>
-            <a:r>
-              <a:rPr lang="vi-VN" sz="1200" kern="1200" dirty="0" err="1">
-                <a:solidFill>
-                  <a:schemeClr val="tx1"/>
-                </a:solidFill>
-                <a:latin typeface="+mn-lt"/>
-                <a:ea typeface="+mn-ea"/>
-                <a:cs typeface="+mn-cs"/>
-              </a:rPr>
-              <a:t>SharedUser</a:t>
-            </a:r>
-            <a:r>
-              <a:rPr lang="vi-VN" sz="1200" kern="1200" dirty="0">
-                <a:solidFill>
-                  <a:schemeClr val="tx1"/>
-                </a:solidFill>
-                <a:latin typeface="+mn-lt"/>
-                <a:ea typeface="+mn-ea"/>
-                <a:cs typeface="+mn-cs"/>
-              </a:rPr>
-              <a:t> su</a:t>
-            </a:r>
-          </a:p>
-          <a:p>
-            <a:r>
-              <a:rPr lang="en-US" sz="1200" kern="1200" dirty="0">
-                <a:solidFill>
-                  <a:schemeClr val="tx1"/>
-                </a:solidFill>
-                <a:latin typeface="+mn-lt"/>
-                <a:ea typeface="+mn-ea"/>
-                <a:cs typeface="+mn-cs"/>
-              </a:rPr>
-              <a:t>JOIN Account a ON </a:t>
-            </a:r>
-            <a:r>
-              <a:rPr lang="en-US" sz="1200" kern="1200" dirty="0" err="1">
-                <a:solidFill>
-                  <a:schemeClr val="tx1"/>
-                </a:solidFill>
-                <a:latin typeface="+mn-lt"/>
-                <a:ea typeface="+mn-ea"/>
-                <a:cs typeface="+mn-cs"/>
-              </a:rPr>
-              <a:t>su.SharedUserId</a:t>
-            </a:r>
-            <a:r>
-              <a:rPr lang="en-US" sz="1200" kern="1200" dirty="0">
-                <a:solidFill>
-                  <a:schemeClr val="tx1"/>
-                </a:solidFill>
-                <a:latin typeface="+mn-lt"/>
-                <a:ea typeface="+mn-ea"/>
-                <a:cs typeface="+mn-cs"/>
-              </a:rPr>
-              <a:t> = </a:t>
-            </a:r>
-            <a:r>
-              <a:rPr lang="en-US" sz="1200" kern="1200" dirty="0" err="1">
-                <a:solidFill>
-                  <a:schemeClr val="tx1"/>
-                </a:solidFill>
-                <a:latin typeface="+mn-lt"/>
-                <a:ea typeface="+mn-ea"/>
-                <a:cs typeface="+mn-cs"/>
-              </a:rPr>
-              <a:t>a.UserId</a:t>
-            </a:r>
-            <a:endParaRPr lang="en-US" sz="1200" kern="1200" dirty="0">
-              <a:solidFill>
-                <a:schemeClr val="tx1"/>
-              </a:solidFill>
-              <a:latin typeface="+mn-lt"/>
-              <a:ea typeface="+mn-ea"/>
-              <a:cs typeface="+mn-cs"/>
-            </a:endParaRPr>
-          </a:p>
-          <a:p>
-            <a:r>
-              <a:rPr lang="en-US" sz="1200" kern="1200" dirty="0">
-                <a:solidFill>
-                  <a:schemeClr val="tx1"/>
-                </a:solidFill>
-                <a:latin typeface="+mn-lt"/>
-                <a:ea typeface="+mn-ea"/>
-                <a:cs typeface="+mn-cs"/>
-              </a:rPr>
-              <a:t>JOIN Share s ON </a:t>
-            </a:r>
-            <a:r>
-              <a:rPr lang="en-US" sz="1200" kern="1200" dirty="0" err="1">
-                <a:solidFill>
-                  <a:schemeClr val="tx1"/>
-                </a:solidFill>
-                <a:latin typeface="+mn-lt"/>
-                <a:ea typeface="+mn-ea"/>
-                <a:cs typeface="+mn-cs"/>
-              </a:rPr>
-              <a:t>su.ShareId</a:t>
-            </a:r>
-            <a:r>
-              <a:rPr lang="en-US" sz="1200" kern="1200" dirty="0">
-                <a:solidFill>
-                  <a:schemeClr val="tx1"/>
-                </a:solidFill>
-                <a:latin typeface="+mn-lt"/>
-                <a:ea typeface="+mn-ea"/>
-                <a:cs typeface="+mn-cs"/>
-              </a:rPr>
-              <a:t> = </a:t>
-            </a:r>
-            <a:r>
-              <a:rPr lang="en-US" sz="1200" kern="1200" dirty="0" err="1">
-                <a:solidFill>
-                  <a:schemeClr val="tx1"/>
-                </a:solidFill>
-                <a:latin typeface="+mn-lt"/>
-                <a:ea typeface="+mn-ea"/>
-                <a:cs typeface="+mn-cs"/>
-              </a:rPr>
-              <a:t>s.ShareId</a:t>
-            </a:r>
-            <a:endParaRPr lang="en-US" sz="1200" kern="1200" dirty="0">
-              <a:solidFill>
-                <a:schemeClr val="tx1"/>
-              </a:solidFill>
-              <a:latin typeface="+mn-lt"/>
-              <a:ea typeface="+mn-ea"/>
-              <a:cs typeface="+mn-cs"/>
-            </a:endParaRPr>
-          </a:p>
-          <a:p>
-            <a:r>
-              <a:rPr lang="vi-VN" sz="1200" kern="1200" dirty="0">
-                <a:solidFill>
-                  <a:schemeClr val="tx1"/>
-                </a:solidFill>
-                <a:latin typeface="+mn-lt"/>
-                <a:ea typeface="+mn-ea"/>
-                <a:cs typeface="+mn-cs"/>
-              </a:rPr>
-              <a:t>JOIN </a:t>
-            </a:r>
-            <a:r>
-              <a:rPr lang="vi-VN" sz="1200" kern="1200" dirty="0" err="1">
-                <a:solidFill>
-                  <a:schemeClr val="tx1"/>
-                </a:solidFill>
-                <a:latin typeface="+mn-lt"/>
-                <a:ea typeface="+mn-ea"/>
-                <a:cs typeface="+mn-cs"/>
-              </a:rPr>
-              <a:t>Permission</a:t>
-            </a:r>
-            <a:r>
-              <a:rPr lang="vi-VN" sz="1200" kern="1200" dirty="0">
-                <a:solidFill>
-                  <a:schemeClr val="tx1"/>
-                </a:solidFill>
-                <a:latin typeface="+mn-lt"/>
-                <a:ea typeface="+mn-ea"/>
-                <a:cs typeface="+mn-cs"/>
-              </a:rPr>
-              <a:t> p ON </a:t>
-            </a:r>
-            <a:r>
-              <a:rPr lang="vi-VN" sz="1200" kern="1200" dirty="0" err="1">
-                <a:solidFill>
-                  <a:schemeClr val="tx1"/>
-                </a:solidFill>
-                <a:latin typeface="+mn-lt"/>
-                <a:ea typeface="+mn-ea"/>
-                <a:cs typeface="+mn-cs"/>
-              </a:rPr>
-              <a:t>su.PermissionId</a:t>
-            </a:r>
-            <a:r>
-              <a:rPr lang="vi-VN" sz="1200" kern="1200" dirty="0">
-                <a:solidFill>
-                  <a:schemeClr val="tx1"/>
-                </a:solidFill>
-                <a:latin typeface="+mn-lt"/>
-                <a:ea typeface="+mn-ea"/>
-                <a:cs typeface="+mn-cs"/>
-              </a:rPr>
-              <a:t> = </a:t>
-            </a:r>
-            <a:r>
-              <a:rPr lang="vi-VN" sz="1200" kern="1200" dirty="0" err="1">
-                <a:solidFill>
-                  <a:schemeClr val="tx1"/>
-                </a:solidFill>
-                <a:latin typeface="+mn-lt"/>
-                <a:ea typeface="+mn-ea"/>
-                <a:cs typeface="+mn-cs"/>
-              </a:rPr>
-              <a:t>p.PermissionId</a:t>
-            </a:r>
-            <a:endParaRPr lang="vi-VN" sz="1200" kern="1200" dirty="0">
-              <a:solidFill>
-                <a:schemeClr val="tx1"/>
-              </a:solidFill>
-              <a:latin typeface="+mn-lt"/>
-              <a:ea typeface="+mn-ea"/>
-              <a:cs typeface="+mn-cs"/>
-            </a:endParaRPr>
-          </a:p>
-          <a:p>
-            <a:r>
-              <a:rPr lang="vi-VN" sz="1200" kern="1200" dirty="0">
-                <a:solidFill>
-                  <a:schemeClr val="tx1"/>
-                </a:solidFill>
-                <a:latin typeface="+mn-lt"/>
-                <a:ea typeface="+mn-ea"/>
-                <a:cs typeface="+mn-cs"/>
-              </a:rPr>
-              <a:t>LEFT JOIN </a:t>
-            </a:r>
-            <a:r>
-              <a:rPr lang="vi-VN" sz="1200" kern="1200" dirty="0" err="1">
-                <a:solidFill>
-                  <a:schemeClr val="tx1"/>
-                </a:solidFill>
-                <a:latin typeface="+mn-lt"/>
-                <a:ea typeface="+mn-ea"/>
-                <a:cs typeface="+mn-cs"/>
-              </a:rPr>
-              <a:t>Folder</a:t>
-            </a:r>
-            <a:r>
-              <a:rPr lang="vi-VN" sz="1200" kern="1200" dirty="0">
-                <a:solidFill>
-                  <a:schemeClr val="tx1"/>
-                </a:solidFill>
-                <a:latin typeface="+mn-lt"/>
-                <a:ea typeface="+mn-ea"/>
-                <a:cs typeface="+mn-cs"/>
-              </a:rPr>
-              <a:t> </a:t>
-            </a:r>
-            <a:r>
-              <a:rPr lang="vi-VN" sz="1200" kern="1200" dirty="0" err="1">
-                <a:solidFill>
-                  <a:schemeClr val="tx1"/>
-                </a:solidFill>
-                <a:latin typeface="+mn-lt"/>
-                <a:ea typeface="+mn-ea"/>
-                <a:cs typeface="+mn-cs"/>
-              </a:rPr>
-              <a:t>fo</a:t>
-            </a:r>
-            <a:r>
-              <a:rPr lang="vi-VN" sz="1200" kern="1200" dirty="0">
-                <a:solidFill>
-                  <a:schemeClr val="tx1"/>
-                </a:solidFill>
-                <a:latin typeface="+mn-lt"/>
-                <a:ea typeface="+mn-ea"/>
-                <a:cs typeface="+mn-cs"/>
-              </a:rPr>
-              <a:t> ON </a:t>
-            </a:r>
-            <a:r>
-              <a:rPr lang="vi-VN" sz="1200" kern="1200" dirty="0" err="1">
-                <a:solidFill>
-                  <a:schemeClr val="tx1"/>
-                </a:solidFill>
-                <a:latin typeface="+mn-lt"/>
-                <a:ea typeface="+mn-ea"/>
-                <a:cs typeface="+mn-cs"/>
-              </a:rPr>
-              <a:t>s.ObjectTypeId</a:t>
-            </a:r>
-            <a:r>
-              <a:rPr lang="vi-VN" sz="1200" kern="1200" dirty="0">
-                <a:solidFill>
-                  <a:schemeClr val="tx1"/>
-                </a:solidFill>
-                <a:latin typeface="+mn-lt"/>
-                <a:ea typeface="+mn-ea"/>
-                <a:cs typeface="+mn-cs"/>
-              </a:rPr>
-              <a:t> = 1 AND </a:t>
-            </a:r>
-            <a:r>
-              <a:rPr lang="vi-VN" sz="1200" kern="1200" dirty="0" err="1">
-                <a:solidFill>
-                  <a:schemeClr val="tx1"/>
-                </a:solidFill>
-                <a:latin typeface="+mn-lt"/>
-                <a:ea typeface="+mn-ea"/>
-                <a:cs typeface="+mn-cs"/>
-              </a:rPr>
-              <a:t>fo.FolderId</a:t>
-            </a:r>
-            <a:r>
-              <a:rPr lang="vi-VN" sz="1200" kern="1200" dirty="0">
-                <a:solidFill>
-                  <a:schemeClr val="tx1"/>
-                </a:solidFill>
-                <a:latin typeface="+mn-lt"/>
-                <a:ea typeface="+mn-ea"/>
-                <a:cs typeface="+mn-cs"/>
-              </a:rPr>
-              <a:t> = </a:t>
-            </a:r>
-            <a:r>
-              <a:rPr lang="vi-VN" sz="1200" kern="1200" dirty="0" err="1">
-                <a:solidFill>
-                  <a:schemeClr val="tx1"/>
-                </a:solidFill>
-                <a:latin typeface="+mn-lt"/>
-                <a:ea typeface="+mn-ea"/>
-                <a:cs typeface="+mn-cs"/>
-              </a:rPr>
-              <a:t>s.ObjectId</a:t>
-            </a:r>
-            <a:endParaRPr lang="vi-VN" sz="1200" kern="1200" dirty="0">
-              <a:solidFill>
-                <a:schemeClr val="tx1"/>
-              </a:solidFill>
-              <a:latin typeface="+mn-lt"/>
-              <a:ea typeface="+mn-ea"/>
-              <a:cs typeface="+mn-cs"/>
-            </a:endParaRPr>
-          </a:p>
-          <a:p>
-            <a:r>
-              <a:rPr lang="vi-VN" sz="1200" kern="1200" dirty="0">
-                <a:solidFill>
-                  <a:schemeClr val="tx1"/>
-                </a:solidFill>
-                <a:latin typeface="+mn-lt"/>
-                <a:ea typeface="+mn-ea"/>
-                <a:cs typeface="+mn-cs"/>
-              </a:rPr>
-              <a:t>WHERE </a:t>
-            </a:r>
-            <a:r>
-              <a:rPr lang="vi-VN" sz="1200" kern="1200" dirty="0" err="1">
-                <a:solidFill>
-                  <a:schemeClr val="tx1"/>
-                </a:solidFill>
-                <a:latin typeface="+mn-lt"/>
-                <a:ea typeface="+mn-ea"/>
-                <a:cs typeface="+mn-cs"/>
-              </a:rPr>
-              <a:t>su.UserId</a:t>
-            </a:r>
-            <a:r>
-              <a:rPr lang="vi-VN" sz="1200" kern="1200" dirty="0">
-                <a:solidFill>
-                  <a:schemeClr val="tx1"/>
-                </a:solidFill>
-                <a:latin typeface="+mn-lt"/>
-                <a:ea typeface="+mn-ea"/>
-                <a:cs typeface="+mn-cs"/>
-              </a:rPr>
-              <a:t> = @userId</a:t>
-            </a:r>
-          </a:p>
-          <a:p>
-            <a:endParaRPr lang="vi-VN" sz="1200" kern="1200" dirty="0">
-              <a:solidFill>
-                <a:schemeClr val="tx1"/>
-              </a:solidFill>
-              <a:latin typeface="+mn-lt"/>
-              <a:ea typeface="+mn-ea"/>
-              <a:cs typeface="+mn-cs"/>
-            </a:endParaRPr>
-          </a:p>
-          <a:p>
-            <a:endParaRPr lang="vi-VN" sz="1200" kern="1200" dirty="0">
-              <a:solidFill>
-                <a:schemeClr val="tx1"/>
-              </a:solidFill>
-              <a:latin typeface="+mn-lt"/>
-              <a:ea typeface="+mn-ea"/>
-              <a:cs typeface="+mn-cs"/>
-            </a:endParaRPr>
-          </a:p>
-          <a:p>
-            <a:endParaRPr lang="vi-VN" sz="1200" kern="1200" dirty="0">
-              <a:solidFill>
-                <a:schemeClr val="tx1"/>
-              </a:solidFill>
-              <a:latin typeface="+mn-lt"/>
-              <a:ea typeface="+mn-ea"/>
-              <a:cs typeface="+mn-cs"/>
-            </a:endParaRPr>
-          </a:p>
-          <a:p>
-            <a:r>
-              <a:rPr lang="en-US" sz="1200" kern="1200" dirty="0">
-                <a:solidFill>
-                  <a:schemeClr val="tx1"/>
-                </a:solidFill>
-                <a:latin typeface="+mn-lt"/>
-                <a:ea typeface="+mn-ea"/>
-                <a:cs typeface="+mn-cs"/>
-              </a:rPr>
-              <a:t>-- SELECT file shared for user with </a:t>
-            </a:r>
-            <a:r>
-              <a:rPr lang="en-US" sz="1200" kern="1200" dirty="0" err="1">
-                <a:solidFill>
-                  <a:schemeClr val="tx1"/>
-                </a:solidFill>
-                <a:latin typeface="+mn-lt"/>
-                <a:ea typeface="+mn-ea"/>
-                <a:cs typeface="+mn-cs"/>
-              </a:rPr>
-              <a:t>userid</a:t>
-            </a:r>
-            <a:r>
-              <a:rPr lang="en-US" sz="1200" kern="1200" dirty="0">
-                <a:solidFill>
-                  <a:schemeClr val="tx1"/>
-                </a:solidFill>
-                <a:latin typeface="+mn-lt"/>
-                <a:ea typeface="+mn-ea"/>
-                <a:cs typeface="+mn-cs"/>
-              </a:rPr>
-              <a:t> = 102</a:t>
-            </a:r>
-          </a:p>
-          <a:p>
-            <a:r>
-              <a:rPr lang="vi-VN" sz="1200" kern="1200" dirty="0">
-                <a:solidFill>
-                  <a:schemeClr val="tx1"/>
-                </a:solidFill>
-                <a:latin typeface="+mn-lt"/>
-                <a:ea typeface="+mn-ea"/>
-                <a:cs typeface="+mn-cs"/>
-              </a:rPr>
-              <a:t>DECLARE @userId INT = 102</a:t>
-            </a:r>
-          </a:p>
-          <a:p>
-            <a:r>
-              <a:rPr lang="vi-VN" sz="1200" kern="1200" dirty="0">
-                <a:solidFill>
-                  <a:schemeClr val="tx1"/>
-                </a:solidFill>
-                <a:latin typeface="+mn-lt"/>
-                <a:ea typeface="+mn-ea"/>
-                <a:cs typeface="+mn-cs"/>
-              </a:rPr>
-              <a:t>SELECT </a:t>
-            </a:r>
-          </a:p>
-          <a:p>
-            <a:r>
-              <a:rPr lang="vi-VN" sz="1200" kern="1200" dirty="0" err="1">
-                <a:solidFill>
-                  <a:schemeClr val="tx1"/>
-                </a:solidFill>
-                <a:latin typeface="+mn-lt"/>
-                <a:ea typeface="+mn-ea"/>
-                <a:cs typeface="+mn-cs"/>
-              </a:rPr>
-              <a:t>a.UserName</a:t>
-            </a:r>
-            <a:r>
-              <a:rPr lang="vi-VN" sz="1200" kern="1200" dirty="0">
-                <a:solidFill>
-                  <a:schemeClr val="tx1"/>
-                </a:solidFill>
-                <a:latin typeface="+mn-lt"/>
-                <a:ea typeface="+mn-ea"/>
-                <a:cs typeface="+mn-cs"/>
-              </a:rPr>
-              <a:t>,</a:t>
-            </a:r>
-          </a:p>
-          <a:p>
-            <a:r>
-              <a:rPr lang="vi-VN" sz="1200" kern="1200" dirty="0" err="1">
-                <a:solidFill>
-                  <a:schemeClr val="tx1"/>
-                </a:solidFill>
-                <a:latin typeface="+mn-lt"/>
-                <a:ea typeface="+mn-ea"/>
-                <a:cs typeface="+mn-cs"/>
-              </a:rPr>
-              <a:t>p.PermissionName</a:t>
-            </a:r>
-            <a:r>
-              <a:rPr lang="vi-VN" sz="1200" kern="1200" dirty="0">
-                <a:solidFill>
-                  <a:schemeClr val="tx1"/>
-                </a:solidFill>
-                <a:latin typeface="+mn-lt"/>
-                <a:ea typeface="+mn-ea"/>
-                <a:cs typeface="+mn-cs"/>
-              </a:rPr>
-              <a:t>,</a:t>
-            </a:r>
-          </a:p>
-          <a:p>
-            <a:r>
-              <a:rPr lang="vi-VN" sz="1200" kern="1200" dirty="0" err="1">
-                <a:solidFill>
-                  <a:schemeClr val="tx1"/>
-                </a:solidFill>
-                <a:latin typeface="+mn-lt"/>
-                <a:ea typeface="+mn-ea"/>
-                <a:cs typeface="+mn-cs"/>
-              </a:rPr>
-              <a:t>f.FileId</a:t>
-            </a:r>
-            <a:r>
-              <a:rPr lang="vi-VN" sz="1200" kern="1200" dirty="0">
-                <a:solidFill>
-                  <a:schemeClr val="tx1"/>
-                </a:solidFill>
-                <a:latin typeface="+mn-lt"/>
-                <a:ea typeface="+mn-ea"/>
-                <a:cs typeface="+mn-cs"/>
-              </a:rPr>
-              <a:t>,</a:t>
-            </a:r>
-          </a:p>
-          <a:p>
-            <a:r>
-              <a:rPr lang="vi-VN" sz="1200" kern="1200" dirty="0" err="1">
-                <a:solidFill>
-                  <a:schemeClr val="tx1"/>
-                </a:solidFill>
-                <a:latin typeface="+mn-lt"/>
-                <a:ea typeface="+mn-ea"/>
-                <a:cs typeface="+mn-cs"/>
-              </a:rPr>
-              <a:t>f.UserFileName</a:t>
-            </a:r>
-            <a:endParaRPr lang="vi-VN" sz="1200" kern="1200" dirty="0">
-              <a:solidFill>
-                <a:schemeClr val="tx1"/>
-              </a:solidFill>
-              <a:latin typeface="+mn-lt"/>
-              <a:ea typeface="+mn-ea"/>
-              <a:cs typeface="+mn-cs"/>
-            </a:endParaRPr>
-          </a:p>
-          <a:p>
-            <a:r>
-              <a:rPr lang="vi-VN" sz="1200" kern="1200" dirty="0">
-                <a:solidFill>
-                  <a:schemeClr val="tx1"/>
-                </a:solidFill>
-                <a:latin typeface="+mn-lt"/>
-                <a:ea typeface="+mn-ea"/>
-                <a:cs typeface="+mn-cs"/>
-              </a:rPr>
-              <a:t>FROM </a:t>
-            </a:r>
-            <a:r>
-              <a:rPr lang="vi-VN" sz="1200" kern="1200" dirty="0" err="1">
-                <a:solidFill>
-                  <a:schemeClr val="tx1"/>
-                </a:solidFill>
-                <a:latin typeface="+mn-lt"/>
-                <a:ea typeface="+mn-ea"/>
-                <a:cs typeface="+mn-cs"/>
-              </a:rPr>
-              <a:t>SharedUser</a:t>
-            </a:r>
-            <a:r>
-              <a:rPr lang="vi-VN" sz="1200" kern="1200" dirty="0">
-                <a:solidFill>
-                  <a:schemeClr val="tx1"/>
-                </a:solidFill>
-                <a:latin typeface="+mn-lt"/>
-                <a:ea typeface="+mn-ea"/>
-                <a:cs typeface="+mn-cs"/>
-              </a:rPr>
-              <a:t> su</a:t>
-            </a:r>
-          </a:p>
-          <a:p>
-            <a:r>
-              <a:rPr lang="en-US" sz="1200" kern="1200" dirty="0">
-                <a:solidFill>
-                  <a:schemeClr val="tx1"/>
-                </a:solidFill>
-                <a:latin typeface="+mn-lt"/>
-                <a:ea typeface="+mn-ea"/>
-                <a:cs typeface="+mn-cs"/>
-              </a:rPr>
-              <a:t>JOIN Account a ON </a:t>
-            </a:r>
-            <a:r>
-              <a:rPr lang="en-US" sz="1200" kern="1200" dirty="0" err="1">
-                <a:solidFill>
-                  <a:schemeClr val="tx1"/>
-                </a:solidFill>
-                <a:latin typeface="+mn-lt"/>
-                <a:ea typeface="+mn-ea"/>
-                <a:cs typeface="+mn-cs"/>
-              </a:rPr>
-              <a:t>su.SharedUserId</a:t>
-            </a:r>
-            <a:r>
-              <a:rPr lang="en-US" sz="1200" kern="1200" dirty="0">
-                <a:solidFill>
-                  <a:schemeClr val="tx1"/>
-                </a:solidFill>
-                <a:latin typeface="+mn-lt"/>
-                <a:ea typeface="+mn-ea"/>
-                <a:cs typeface="+mn-cs"/>
-              </a:rPr>
-              <a:t> = </a:t>
-            </a:r>
-            <a:r>
-              <a:rPr lang="en-US" sz="1200" kern="1200" dirty="0" err="1">
-                <a:solidFill>
-                  <a:schemeClr val="tx1"/>
-                </a:solidFill>
-                <a:latin typeface="+mn-lt"/>
-                <a:ea typeface="+mn-ea"/>
-                <a:cs typeface="+mn-cs"/>
-              </a:rPr>
-              <a:t>a.UserId</a:t>
-            </a:r>
-            <a:endParaRPr lang="en-US" sz="1200" kern="1200" dirty="0">
-              <a:solidFill>
-                <a:schemeClr val="tx1"/>
-              </a:solidFill>
-              <a:latin typeface="+mn-lt"/>
-              <a:ea typeface="+mn-ea"/>
-              <a:cs typeface="+mn-cs"/>
-            </a:endParaRPr>
-          </a:p>
-          <a:p>
-            <a:r>
-              <a:rPr lang="en-US" sz="1200" kern="1200" dirty="0">
-                <a:solidFill>
-                  <a:schemeClr val="tx1"/>
-                </a:solidFill>
-                <a:latin typeface="+mn-lt"/>
-                <a:ea typeface="+mn-ea"/>
-                <a:cs typeface="+mn-cs"/>
-              </a:rPr>
-              <a:t>JOIN Share s ON </a:t>
-            </a:r>
-            <a:r>
-              <a:rPr lang="en-US" sz="1200" kern="1200" dirty="0" err="1">
-                <a:solidFill>
-                  <a:schemeClr val="tx1"/>
-                </a:solidFill>
-                <a:latin typeface="+mn-lt"/>
-                <a:ea typeface="+mn-ea"/>
-                <a:cs typeface="+mn-cs"/>
-              </a:rPr>
-              <a:t>su.ShareId</a:t>
-            </a:r>
-            <a:r>
-              <a:rPr lang="en-US" sz="1200" kern="1200" dirty="0">
-                <a:solidFill>
-                  <a:schemeClr val="tx1"/>
-                </a:solidFill>
-                <a:latin typeface="+mn-lt"/>
-                <a:ea typeface="+mn-ea"/>
-                <a:cs typeface="+mn-cs"/>
-              </a:rPr>
-              <a:t> = </a:t>
-            </a:r>
-            <a:r>
-              <a:rPr lang="en-US" sz="1200" kern="1200" dirty="0" err="1">
-                <a:solidFill>
-                  <a:schemeClr val="tx1"/>
-                </a:solidFill>
-                <a:latin typeface="+mn-lt"/>
-                <a:ea typeface="+mn-ea"/>
-                <a:cs typeface="+mn-cs"/>
-              </a:rPr>
-              <a:t>s.ShareId</a:t>
-            </a:r>
-            <a:endParaRPr lang="en-US" sz="1200" kern="1200" dirty="0">
-              <a:solidFill>
-                <a:schemeClr val="tx1"/>
-              </a:solidFill>
-              <a:latin typeface="+mn-lt"/>
-              <a:ea typeface="+mn-ea"/>
-              <a:cs typeface="+mn-cs"/>
-            </a:endParaRPr>
-          </a:p>
-          <a:p>
-            <a:r>
-              <a:rPr lang="vi-VN" sz="1200" kern="1200" dirty="0">
-                <a:solidFill>
-                  <a:schemeClr val="tx1"/>
-                </a:solidFill>
-                <a:latin typeface="+mn-lt"/>
-                <a:ea typeface="+mn-ea"/>
-                <a:cs typeface="+mn-cs"/>
-              </a:rPr>
-              <a:t>JOIN </a:t>
-            </a:r>
-            <a:r>
-              <a:rPr lang="vi-VN" sz="1200" kern="1200" dirty="0" err="1">
-                <a:solidFill>
-                  <a:schemeClr val="tx1"/>
-                </a:solidFill>
-                <a:latin typeface="+mn-lt"/>
-                <a:ea typeface="+mn-ea"/>
-                <a:cs typeface="+mn-cs"/>
-              </a:rPr>
-              <a:t>Permission</a:t>
-            </a:r>
-            <a:r>
-              <a:rPr lang="vi-VN" sz="1200" kern="1200" dirty="0">
-                <a:solidFill>
-                  <a:schemeClr val="tx1"/>
-                </a:solidFill>
-                <a:latin typeface="+mn-lt"/>
-                <a:ea typeface="+mn-ea"/>
-                <a:cs typeface="+mn-cs"/>
-              </a:rPr>
-              <a:t> p ON </a:t>
-            </a:r>
-            <a:r>
-              <a:rPr lang="vi-VN" sz="1200" kern="1200" dirty="0" err="1">
-                <a:solidFill>
-                  <a:schemeClr val="tx1"/>
-                </a:solidFill>
-                <a:latin typeface="+mn-lt"/>
-                <a:ea typeface="+mn-ea"/>
-                <a:cs typeface="+mn-cs"/>
-              </a:rPr>
-              <a:t>su.PermissionId</a:t>
-            </a:r>
-            <a:r>
-              <a:rPr lang="vi-VN" sz="1200" kern="1200" dirty="0">
-                <a:solidFill>
-                  <a:schemeClr val="tx1"/>
-                </a:solidFill>
-                <a:latin typeface="+mn-lt"/>
-                <a:ea typeface="+mn-ea"/>
-                <a:cs typeface="+mn-cs"/>
-              </a:rPr>
-              <a:t> = </a:t>
-            </a:r>
-            <a:r>
-              <a:rPr lang="vi-VN" sz="1200" kern="1200" dirty="0" err="1">
-                <a:solidFill>
-                  <a:schemeClr val="tx1"/>
-                </a:solidFill>
-                <a:latin typeface="+mn-lt"/>
-                <a:ea typeface="+mn-ea"/>
-                <a:cs typeface="+mn-cs"/>
-              </a:rPr>
-              <a:t>p.PermissionId</a:t>
-            </a:r>
-            <a:endParaRPr lang="vi-VN" sz="1200" kern="1200" dirty="0">
-              <a:solidFill>
-                <a:schemeClr val="tx1"/>
-              </a:solidFill>
-              <a:latin typeface="+mn-lt"/>
-              <a:ea typeface="+mn-ea"/>
-              <a:cs typeface="+mn-cs"/>
-            </a:endParaRPr>
-          </a:p>
-          <a:p>
-            <a:r>
-              <a:rPr lang="vi-VN" sz="1200" kern="1200" dirty="0">
-                <a:solidFill>
-                  <a:schemeClr val="tx1"/>
-                </a:solidFill>
-                <a:latin typeface="+mn-lt"/>
-                <a:ea typeface="+mn-ea"/>
-                <a:cs typeface="+mn-cs"/>
-              </a:rPr>
-              <a:t>LEFT JOIN </a:t>
-            </a:r>
-            <a:r>
-              <a:rPr lang="vi-VN" sz="1200" kern="1200" dirty="0" err="1">
-                <a:solidFill>
-                  <a:schemeClr val="tx1"/>
-                </a:solidFill>
-                <a:latin typeface="+mn-lt"/>
-                <a:ea typeface="+mn-ea"/>
-                <a:cs typeface="+mn-cs"/>
-              </a:rPr>
-              <a:t>UserFile</a:t>
-            </a:r>
-            <a:r>
-              <a:rPr lang="vi-VN" sz="1200" kern="1200" dirty="0">
-                <a:solidFill>
-                  <a:schemeClr val="tx1"/>
-                </a:solidFill>
-                <a:latin typeface="+mn-lt"/>
-                <a:ea typeface="+mn-ea"/>
-                <a:cs typeface="+mn-cs"/>
-              </a:rPr>
-              <a:t> f ON </a:t>
-            </a:r>
-            <a:r>
-              <a:rPr lang="vi-VN" sz="1200" kern="1200" dirty="0" err="1">
-                <a:solidFill>
-                  <a:schemeClr val="tx1"/>
-                </a:solidFill>
-                <a:latin typeface="+mn-lt"/>
-                <a:ea typeface="+mn-ea"/>
-                <a:cs typeface="+mn-cs"/>
-              </a:rPr>
-              <a:t>s.ObjectTypeId</a:t>
-            </a:r>
-            <a:r>
-              <a:rPr lang="vi-VN" sz="1200" kern="1200" dirty="0">
-                <a:solidFill>
-                  <a:schemeClr val="tx1"/>
-                </a:solidFill>
-                <a:latin typeface="+mn-lt"/>
-                <a:ea typeface="+mn-ea"/>
-                <a:cs typeface="+mn-cs"/>
-              </a:rPr>
-              <a:t> = 2 AND </a:t>
-            </a:r>
-            <a:r>
-              <a:rPr lang="vi-VN" sz="1200" kern="1200" dirty="0" err="1">
-                <a:solidFill>
-                  <a:schemeClr val="tx1"/>
-                </a:solidFill>
-                <a:latin typeface="+mn-lt"/>
-                <a:ea typeface="+mn-ea"/>
-                <a:cs typeface="+mn-cs"/>
-              </a:rPr>
-              <a:t>f.FileId</a:t>
-            </a:r>
-            <a:r>
-              <a:rPr lang="vi-VN" sz="1200" kern="1200" dirty="0">
-                <a:solidFill>
-                  <a:schemeClr val="tx1"/>
-                </a:solidFill>
-                <a:latin typeface="+mn-lt"/>
-                <a:ea typeface="+mn-ea"/>
-                <a:cs typeface="+mn-cs"/>
-              </a:rPr>
-              <a:t> = </a:t>
-            </a:r>
-            <a:r>
-              <a:rPr lang="vi-VN" sz="1200" kern="1200" dirty="0" err="1">
-                <a:solidFill>
-                  <a:schemeClr val="tx1"/>
-                </a:solidFill>
-                <a:latin typeface="+mn-lt"/>
-                <a:ea typeface="+mn-ea"/>
-                <a:cs typeface="+mn-cs"/>
-              </a:rPr>
-              <a:t>s.ObjectId</a:t>
-            </a:r>
-            <a:endParaRPr lang="vi-VN" sz="1200" kern="1200" dirty="0">
-              <a:solidFill>
-                <a:schemeClr val="tx1"/>
-              </a:solidFill>
-              <a:latin typeface="+mn-lt"/>
-              <a:ea typeface="+mn-ea"/>
-              <a:cs typeface="+mn-cs"/>
-            </a:endParaRPr>
-          </a:p>
-          <a:p>
-            <a:r>
-              <a:rPr lang="vi-VN" sz="1200" kern="1200" dirty="0">
-                <a:solidFill>
-                  <a:schemeClr val="tx1"/>
-                </a:solidFill>
-                <a:latin typeface="+mn-lt"/>
-                <a:ea typeface="+mn-ea"/>
-                <a:cs typeface="+mn-cs"/>
-              </a:rPr>
-              <a:t>WHERE </a:t>
-            </a:r>
-            <a:r>
-              <a:rPr lang="vi-VN" sz="1200" kern="1200" dirty="0" err="1">
-                <a:solidFill>
-                  <a:schemeClr val="tx1"/>
-                </a:solidFill>
-                <a:latin typeface="+mn-lt"/>
-                <a:ea typeface="+mn-ea"/>
-                <a:cs typeface="+mn-cs"/>
-              </a:rPr>
-              <a:t>su.UserId</a:t>
-            </a:r>
-            <a:r>
-              <a:rPr lang="vi-VN" sz="1200" kern="1200" dirty="0">
-                <a:solidFill>
-                  <a:schemeClr val="tx1"/>
-                </a:solidFill>
-                <a:latin typeface="+mn-lt"/>
-                <a:ea typeface="+mn-ea"/>
-                <a:cs typeface="+mn-cs"/>
-              </a:rPr>
-              <a:t> = @userId</a:t>
-            </a:r>
-          </a:p>
-          <a:p>
-            <a:endParaRPr lang="en-US" dirty="0"/>
-          </a:p>
-          <a:p>
-            <a:endParaRPr lang="vi-VN" dirty="0"/>
-          </a:p>
-        </p:txBody>
-      </p:sp>
-      <p:sp>
-        <p:nvSpPr>
-          <p:cNvPr id="4" name="Slide Number Placeholder 3"/>
-          <p:cNvSpPr>
-            <a:spLocks noGrp="1"/>
-          </p:cNvSpPr>
-          <p:nvPr>
-            <p:ph type="sldNum" sz="quarter" idx="5"/>
-          </p:nvPr>
-        </p:nvSpPr>
-        <p:spPr/>
-        <p:txBody>
-          <a:bodyPr/>
-          <a:lstStyle/>
-          <a:p>
-            <a:fld id="{6A4FF178-7F5C-4C53-AC97-DF4205D97146}" type="slidenum">
-              <a:rPr lang="de-CH" smtClean="0"/>
-              <a:pPr/>
-              <a:t>17</a:t>
-            </a:fld>
-            <a:endParaRPr lang="de-CH"/>
-          </a:p>
-        </p:txBody>
-      </p:sp>
-    </p:spTree>
-    <p:extLst>
-      <p:ext uri="{BB962C8B-B14F-4D97-AF65-F5344CB8AC3E}">
-        <p14:creationId xmlns:p14="http://schemas.microsoft.com/office/powerpoint/2010/main" val="3522937762"/>
-      </p:ext>
-    </p:extLst>
-  </p:cSld>
-  <p:clrMapOvr>
-    <a:masterClrMapping/>
-  </p:clrMapOvr>
-</p:notes>
-</file>
-
-<file path=ppt/notesSlides/notesSlide12.xml><?xml version="1.0" encoding="utf-8"?>
 <p:notes xmlns:a="http://schemas.openxmlformats.org/drawingml/2006/main" xmlns:r="http://schemas.openxmlformats.org/officeDocument/2006/relationships" xmlns:p="http://schemas.openxmlformats.org/presentationml/2006/main" showMasterSp="0" showMasterPhAnim="0">
   <p:cSld>
     <p:spTree>
@@ -4856,7 +1028,7 @@
             </a:pPr>
             <a:fld id="{00000000-1234-1234-1234-123412341234}" type="slidenum">
               <a:rPr lang="en-GB"/>
-              <a:t>18</a:t>
+              <a:t>14</a:t>
             </a:fld>
             <a:endParaRPr/>
           </a:p>
@@ -4866,6 +1038,1341 @@
     <p:extLst>
       <p:ext uri="{BB962C8B-B14F-4D97-AF65-F5344CB8AC3E}">
         <p14:creationId xmlns:p14="http://schemas.microsoft.com/office/powerpoint/2010/main" val="3419693035"/>
+      </p:ext>
+    </p:extLst>
+  </p:cSld>
+  <p:clrMapOvr>
+    <a:masterClrMapping/>
+  </p:clrMapOvr>
+</p:notes>
+</file>
+
+<file path=ppt/notesSlides/notesSlide11.xml><?xml version="1.0" encoding="utf-8"?>
+<p:notes xmlns:a="http://schemas.openxmlformats.org/drawingml/2006/main" xmlns:r="http://schemas.openxmlformats.org/officeDocument/2006/relationships" xmlns:p="http://schemas.openxmlformats.org/presentationml/2006/main">
+  <p:cSld>
+    <p:spTree>
+      <p:nvGrpSpPr>
+        <p:cNvPr id="1" name=""/>
+        <p:cNvGrpSpPr/>
+        <p:nvPr/>
+      </p:nvGrpSpPr>
+      <p:grpSpPr>
+        <a:xfrm>
+          <a:off x="0" y="0"/>
+          <a:ext cx="0" cy="0"/>
+          <a:chOff x="0" y="0"/>
+          <a:chExt cx="0" cy="0"/>
+        </a:xfrm>
+      </p:grpSpPr>
+      <p:sp>
+        <p:nvSpPr>
+          <p:cNvPr id="2" name="Slide Image Placeholder 1"/>
+          <p:cNvSpPr>
+            <a:spLocks noGrp="1" noRot="1" noChangeAspect="1"/>
+          </p:cNvSpPr>
+          <p:nvPr>
+            <p:ph type="sldImg"/>
+          </p:nvPr>
+        </p:nvSpPr>
+        <p:spPr/>
+      </p:sp>
+      <p:sp>
+        <p:nvSpPr>
+          <p:cNvPr id="3" name="Notes Placeholder 2"/>
+          <p:cNvSpPr>
+            <a:spLocks noGrp="1"/>
+          </p:cNvSpPr>
+          <p:nvPr>
+            <p:ph type="body" idx="1"/>
+          </p:nvPr>
+        </p:nvSpPr>
+        <p:spPr/>
+        <p:txBody>
+          <a:bodyPr/>
+          <a:lstStyle/>
+          <a:p>
+            <a:pPr marL="0" marR="0" lvl="0" indent="0" algn="l" defTabSz="914400" rtl="0" eaLnBrk="1" fontAlgn="auto" latinLnBrk="0" hangingPunct="1">
+              <a:lnSpc>
+                <a:spcPct val="100000"/>
+              </a:lnSpc>
+              <a:spcBef>
+                <a:spcPts val="0"/>
+              </a:spcBef>
+              <a:spcAft>
+                <a:spcPts val="0"/>
+              </a:spcAft>
+              <a:buClrTx/>
+              <a:buSzTx/>
+              <a:buFontTx/>
+              <a:buNone/>
+              <a:tabLst/>
+              <a:defRPr/>
+            </a:pPr>
+            <a:r>
+              <a:rPr lang="en-US" dirty="0"/>
+              <a:t>Select File/Folder which recent action </a:t>
+            </a:r>
+          </a:p>
+          <a:p>
+            <a:pPr marL="171450" indent="-171450">
+              <a:buFont typeface="Arial" panose="020B0604020202020204" pitchFamily="34" charset="0"/>
+              <a:buChar char="•"/>
+            </a:pPr>
+            <a:r>
+              <a:rPr lang="en-US" sz="1200" kern="1200" dirty="0">
+                <a:solidFill>
+                  <a:schemeClr val="tx1"/>
+                </a:solidFill>
+                <a:latin typeface="+mn-lt"/>
+                <a:ea typeface="+mn-ea"/>
+                <a:cs typeface="+mn-cs"/>
+              </a:rPr>
+              <a:t>Select </a:t>
+            </a:r>
+            <a:r>
+              <a:rPr lang="en-US" sz="1200" kern="1200" dirty="0" err="1">
+                <a:solidFill>
+                  <a:schemeClr val="tx1"/>
+                </a:solidFill>
+                <a:latin typeface="+mn-lt"/>
+                <a:ea typeface="+mn-ea"/>
+                <a:cs typeface="+mn-cs"/>
+              </a:rPr>
+              <a:t>ActionRecent</a:t>
+            </a:r>
+            <a:r>
+              <a:rPr lang="en-US" sz="1200" kern="1200" dirty="0">
+                <a:solidFill>
+                  <a:schemeClr val="tx1"/>
+                </a:solidFill>
+                <a:latin typeface="+mn-lt"/>
+                <a:ea typeface="+mn-ea"/>
+                <a:cs typeface="+mn-cs"/>
+              </a:rPr>
+              <a:t> of folder/file</a:t>
+            </a:r>
+          </a:p>
+          <a:p>
+            <a:r>
+              <a:rPr lang="vi-VN" sz="1200" kern="1200" dirty="0">
+                <a:solidFill>
+                  <a:schemeClr val="tx1"/>
+                </a:solidFill>
+                <a:latin typeface="+mn-lt"/>
+                <a:ea typeface="+mn-ea"/>
+                <a:cs typeface="+mn-cs"/>
+              </a:rPr>
+              <a:t> DECLARE @userID INT =1 </a:t>
+            </a:r>
+          </a:p>
+          <a:p>
+            <a:r>
+              <a:rPr lang="vi-VN" sz="1200" kern="1200" dirty="0">
+                <a:solidFill>
+                  <a:schemeClr val="tx1"/>
+                </a:solidFill>
+                <a:latin typeface="+mn-lt"/>
+                <a:ea typeface="+mn-ea"/>
+                <a:cs typeface="+mn-cs"/>
+              </a:rPr>
+              <a:t> SELECT </a:t>
+            </a:r>
+            <a:r>
+              <a:rPr lang="vi-VN" sz="1200" kern="1200" dirty="0" err="1">
+                <a:solidFill>
+                  <a:schemeClr val="tx1"/>
+                </a:solidFill>
+                <a:latin typeface="+mn-lt"/>
+                <a:ea typeface="+mn-ea"/>
+                <a:cs typeface="+mn-cs"/>
+              </a:rPr>
+              <a:t>ar.ObjectTypeId</a:t>
+            </a:r>
+            <a:r>
+              <a:rPr lang="vi-VN" sz="1200" kern="1200" dirty="0">
+                <a:solidFill>
+                  <a:schemeClr val="tx1"/>
+                </a:solidFill>
+                <a:latin typeface="+mn-lt"/>
+                <a:ea typeface="+mn-ea"/>
+                <a:cs typeface="+mn-cs"/>
+              </a:rPr>
+              <a:t> , </a:t>
+            </a:r>
+            <a:r>
+              <a:rPr lang="vi-VN" sz="1200" kern="1200" dirty="0" err="1">
+                <a:solidFill>
+                  <a:schemeClr val="tx1"/>
+                </a:solidFill>
+                <a:latin typeface="+mn-lt"/>
+                <a:ea typeface="+mn-ea"/>
+                <a:cs typeface="+mn-cs"/>
+              </a:rPr>
+              <a:t>ar.ObjectId</a:t>
+            </a:r>
+            <a:r>
+              <a:rPr lang="vi-VN" sz="1200" kern="1200" dirty="0">
+                <a:solidFill>
+                  <a:schemeClr val="tx1"/>
+                </a:solidFill>
+                <a:latin typeface="+mn-lt"/>
+                <a:ea typeface="+mn-ea"/>
+                <a:cs typeface="+mn-cs"/>
+              </a:rPr>
+              <a:t> , </a:t>
+            </a:r>
+            <a:r>
+              <a:rPr lang="vi-VN" sz="1200" kern="1200" dirty="0" err="1">
+                <a:solidFill>
+                  <a:schemeClr val="tx1"/>
+                </a:solidFill>
+                <a:latin typeface="+mn-lt"/>
+                <a:ea typeface="+mn-ea"/>
+                <a:cs typeface="+mn-cs"/>
+              </a:rPr>
+              <a:t>ar</a:t>
+            </a:r>
+            <a:r>
+              <a:rPr lang="vi-VN" sz="1200" kern="1200" dirty="0">
+                <a:solidFill>
+                  <a:schemeClr val="tx1"/>
+                </a:solidFill>
+                <a:latin typeface="+mn-lt"/>
+                <a:ea typeface="+mn-ea"/>
+                <a:cs typeface="+mn-cs"/>
+              </a:rPr>
+              <a:t> .</a:t>
+            </a:r>
+            <a:r>
+              <a:rPr lang="vi-VN" sz="1200" kern="1200" dirty="0" err="1">
+                <a:solidFill>
+                  <a:schemeClr val="tx1"/>
+                </a:solidFill>
+                <a:latin typeface="+mn-lt"/>
+                <a:ea typeface="+mn-ea"/>
+                <a:cs typeface="+mn-cs"/>
+              </a:rPr>
+              <a:t>ActionLog</a:t>
+            </a:r>
+            <a:r>
+              <a:rPr lang="vi-VN" sz="1200" kern="1200" dirty="0">
+                <a:solidFill>
+                  <a:schemeClr val="tx1"/>
+                </a:solidFill>
+                <a:latin typeface="+mn-lt"/>
+                <a:ea typeface="+mn-ea"/>
+                <a:cs typeface="+mn-cs"/>
+              </a:rPr>
+              <a:t> , </a:t>
+            </a:r>
+            <a:r>
+              <a:rPr lang="vi-VN" sz="1200" kern="1200" dirty="0" err="1">
+                <a:solidFill>
+                  <a:schemeClr val="tx1"/>
+                </a:solidFill>
+                <a:latin typeface="+mn-lt"/>
+                <a:ea typeface="+mn-ea"/>
+                <a:cs typeface="+mn-cs"/>
+              </a:rPr>
+              <a:t>ar.ActionDateTime</a:t>
+            </a:r>
+            <a:r>
+              <a:rPr lang="vi-VN" sz="1200" kern="1200" dirty="0">
+                <a:solidFill>
+                  <a:schemeClr val="tx1"/>
+                </a:solidFill>
+                <a:latin typeface="+mn-lt"/>
+                <a:ea typeface="+mn-ea"/>
+                <a:cs typeface="+mn-cs"/>
+              </a:rPr>
+              <a:t> </a:t>
+            </a:r>
+          </a:p>
+          <a:p>
+            <a:r>
+              <a:rPr lang="vi-VN" sz="1200" kern="1200" dirty="0">
+                <a:solidFill>
+                  <a:schemeClr val="tx1"/>
+                </a:solidFill>
+                <a:latin typeface="+mn-lt"/>
+                <a:ea typeface="+mn-ea"/>
+                <a:cs typeface="+mn-cs"/>
+              </a:rPr>
+              <a:t> FROM </a:t>
+            </a:r>
+            <a:r>
+              <a:rPr lang="vi-VN" sz="1200" kern="1200" dirty="0" err="1">
+                <a:solidFill>
+                  <a:schemeClr val="tx1"/>
+                </a:solidFill>
+                <a:latin typeface="+mn-lt"/>
+                <a:ea typeface="+mn-ea"/>
+                <a:cs typeface="+mn-cs"/>
+              </a:rPr>
+              <a:t>ActionRecent</a:t>
+            </a:r>
+            <a:r>
+              <a:rPr lang="vi-VN" sz="1200" kern="1200" dirty="0">
+                <a:solidFill>
+                  <a:schemeClr val="tx1"/>
+                </a:solidFill>
+                <a:latin typeface="+mn-lt"/>
+                <a:ea typeface="+mn-ea"/>
+                <a:cs typeface="+mn-cs"/>
+              </a:rPr>
+              <a:t> </a:t>
+            </a:r>
+            <a:r>
+              <a:rPr lang="vi-VN" sz="1200" kern="1200" dirty="0" err="1">
+                <a:solidFill>
+                  <a:schemeClr val="tx1"/>
+                </a:solidFill>
+                <a:latin typeface="+mn-lt"/>
+                <a:ea typeface="+mn-ea"/>
+                <a:cs typeface="+mn-cs"/>
+              </a:rPr>
+              <a:t>ar</a:t>
+            </a:r>
+            <a:endParaRPr lang="vi-VN" sz="1200" kern="1200" dirty="0">
+              <a:solidFill>
+                <a:schemeClr val="tx1"/>
+              </a:solidFill>
+              <a:latin typeface="+mn-lt"/>
+              <a:ea typeface="+mn-ea"/>
+              <a:cs typeface="+mn-cs"/>
+            </a:endParaRPr>
+          </a:p>
+          <a:p>
+            <a:r>
+              <a:rPr lang="en-US" sz="1200" kern="1200" dirty="0">
+                <a:solidFill>
+                  <a:schemeClr val="tx1"/>
+                </a:solidFill>
+                <a:latin typeface="+mn-lt"/>
+                <a:ea typeface="+mn-ea"/>
+                <a:cs typeface="+mn-cs"/>
+              </a:rPr>
+              <a:t> JOIN Account a ON </a:t>
+            </a:r>
+            <a:r>
+              <a:rPr lang="en-US" sz="1200" kern="1200" dirty="0" err="1">
+                <a:solidFill>
+                  <a:schemeClr val="tx1"/>
+                </a:solidFill>
+                <a:latin typeface="+mn-lt"/>
+                <a:ea typeface="+mn-ea"/>
+                <a:cs typeface="+mn-cs"/>
+              </a:rPr>
+              <a:t>a.UserId</a:t>
+            </a:r>
+            <a:r>
+              <a:rPr lang="en-US" sz="1200" kern="1200" dirty="0">
+                <a:solidFill>
+                  <a:schemeClr val="tx1"/>
+                </a:solidFill>
+                <a:latin typeface="+mn-lt"/>
+                <a:ea typeface="+mn-ea"/>
+                <a:cs typeface="+mn-cs"/>
+              </a:rPr>
+              <a:t> = </a:t>
+            </a:r>
+            <a:r>
+              <a:rPr lang="en-US" sz="1200" kern="1200" dirty="0" err="1">
+                <a:solidFill>
+                  <a:schemeClr val="tx1"/>
+                </a:solidFill>
+                <a:latin typeface="+mn-lt"/>
+                <a:ea typeface="+mn-ea"/>
+                <a:cs typeface="+mn-cs"/>
+              </a:rPr>
+              <a:t>ar.UserId</a:t>
+            </a:r>
+            <a:r>
+              <a:rPr lang="en-US" sz="1200" kern="1200" dirty="0">
+                <a:solidFill>
+                  <a:schemeClr val="tx1"/>
+                </a:solidFill>
+                <a:latin typeface="+mn-lt"/>
+                <a:ea typeface="+mn-ea"/>
+                <a:cs typeface="+mn-cs"/>
+              </a:rPr>
+              <a:t> </a:t>
+            </a:r>
+          </a:p>
+          <a:p>
+            <a:r>
+              <a:rPr lang="vi-VN" sz="1200" kern="1200" dirty="0">
+                <a:solidFill>
+                  <a:schemeClr val="tx1"/>
+                </a:solidFill>
+                <a:latin typeface="+mn-lt"/>
+                <a:ea typeface="+mn-ea"/>
+                <a:cs typeface="+mn-cs"/>
+              </a:rPr>
+              <a:t> LEFT JOIN </a:t>
+            </a:r>
+            <a:r>
+              <a:rPr lang="vi-VN" sz="1200" kern="1200" dirty="0" err="1">
+                <a:solidFill>
+                  <a:schemeClr val="tx1"/>
+                </a:solidFill>
+                <a:latin typeface="+mn-lt"/>
+                <a:ea typeface="+mn-ea"/>
+                <a:cs typeface="+mn-cs"/>
+              </a:rPr>
+              <a:t>UserFile</a:t>
+            </a:r>
+            <a:r>
+              <a:rPr lang="vi-VN" sz="1200" kern="1200" dirty="0">
+                <a:solidFill>
+                  <a:schemeClr val="tx1"/>
+                </a:solidFill>
+                <a:latin typeface="+mn-lt"/>
+                <a:ea typeface="+mn-ea"/>
+                <a:cs typeface="+mn-cs"/>
+              </a:rPr>
+              <a:t> </a:t>
+            </a:r>
+            <a:r>
+              <a:rPr lang="vi-VN" sz="1200" kern="1200" dirty="0" err="1">
+                <a:solidFill>
+                  <a:schemeClr val="tx1"/>
+                </a:solidFill>
+                <a:latin typeface="+mn-lt"/>
+                <a:ea typeface="+mn-ea"/>
+                <a:cs typeface="+mn-cs"/>
+              </a:rPr>
+              <a:t>uf</a:t>
+            </a:r>
+            <a:r>
+              <a:rPr lang="vi-VN" sz="1200" kern="1200" dirty="0">
+                <a:solidFill>
+                  <a:schemeClr val="tx1"/>
+                </a:solidFill>
+                <a:latin typeface="+mn-lt"/>
+                <a:ea typeface="+mn-ea"/>
+                <a:cs typeface="+mn-cs"/>
+              </a:rPr>
+              <a:t> ON </a:t>
+            </a:r>
+            <a:r>
+              <a:rPr lang="vi-VN" sz="1200" kern="1200" dirty="0" err="1">
+                <a:solidFill>
+                  <a:schemeClr val="tx1"/>
+                </a:solidFill>
+                <a:latin typeface="+mn-lt"/>
+                <a:ea typeface="+mn-ea"/>
+                <a:cs typeface="+mn-cs"/>
+              </a:rPr>
+              <a:t>uf.FileId</a:t>
+            </a:r>
+            <a:r>
+              <a:rPr lang="vi-VN" sz="1200" kern="1200" dirty="0">
+                <a:solidFill>
+                  <a:schemeClr val="tx1"/>
+                </a:solidFill>
+                <a:latin typeface="+mn-lt"/>
+                <a:ea typeface="+mn-ea"/>
+                <a:cs typeface="+mn-cs"/>
+              </a:rPr>
+              <a:t> = </a:t>
+            </a:r>
+            <a:r>
+              <a:rPr lang="vi-VN" sz="1200" kern="1200" dirty="0" err="1">
+                <a:solidFill>
+                  <a:schemeClr val="tx1"/>
+                </a:solidFill>
+                <a:latin typeface="+mn-lt"/>
+                <a:ea typeface="+mn-ea"/>
+                <a:cs typeface="+mn-cs"/>
+              </a:rPr>
+              <a:t>ar.ObjectId</a:t>
+            </a:r>
+            <a:r>
+              <a:rPr lang="vi-VN" sz="1200" kern="1200" dirty="0">
+                <a:solidFill>
+                  <a:schemeClr val="tx1"/>
+                </a:solidFill>
+                <a:latin typeface="+mn-lt"/>
+                <a:ea typeface="+mn-ea"/>
+                <a:cs typeface="+mn-cs"/>
+              </a:rPr>
+              <a:t> AND </a:t>
+            </a:r>
+            <a:r>
+              <a:rPr lang="vi-VN" sz="1200" kern="1200" dirty="0" err="1">
+                <a:solidFill>
+                  <a:schemeClr val="tx1"/>
+                </a:solidFill>
+                <a:latin typeface="+mn-lt"/>
+                <a:ea typeface="+mn-ea"/>
+                <a:cs typeface="+mn-cs"/>
+              </a:rPr>
+              <a:t>ar.ObjectTypeId</a:t>
+            </a:r>
+            <a:r>
+              <a:rPr lang="vi-VN" sz="1200" kern="1200" dirty="0">
+                <a:solidFill>
+                  <a:schemeClr val="tx1"/>
+                </a:solidFill>
+                <a:latin typeface="+mn-lt"/>
+                <a:ea typeface="+mn-ea"/>
+                <a:cs typeface="+mn-cs"/>
+              </a:rPr>
+              <a:t> = 2 </a:t>
+            </a:r>
+          </a:p>
+          <a:p>
+            <a:r>
+              <a:rPr lang="en-US" sz="1200" kern="1200" dirty="0">
+                <a:solidFill>
+                  <a:schemeClr val="tx1"/>
+                </a:solidFill>
+                <a:latin typeface="+mn-lt"/>
+                <a:ea typeface="+mn-ea"/>
+                <a:cs typeface="+mn-cs"/>
+              </a:rPr>
+              <a:t> LEFT JOIN Folder f ON </a:t>
+            </a:r>
+            <a:r>
+              <a:rPr lang="en-US" sz="1200" kern="1200" dirty="0" err="1">
+                <a:solidFill>
+                  <a:schemeClr val="tx1"/>
+                </a:solidFill>
+                <a:latin typeface="+mn-lt"/>
+                <a:ea typeface="+mn-ea"/>
+                <a:cs typeface="+mn-cs"/>
+              </a:rPr>
+              <a:t>f.FolderId</a:t>
+            </a:r>
+            <a:r>
+              <a:rPr lang="en-US" sz="1200" kern="1200" dirty="0">
+                <a:solidFill>
+                  <a:schemeClr val="tx1"/>
+                </a:solidFill>
+                <a:latin typeface="+mn-lt"/>
+                <a:ea typeface="+mn-ea"/>
+                <a:cs typeface="+mn-cs"/>
+              </a:rPr>
+              <a:t> = </a:t>
+            </a:r>
+            <a:r>
+              <a:rPr lang="en-US" sz="1200" kern="1200" dirty="0" err="1">
+                <a:solidFill>
+                  <a:schemeClr val="tx1"/>
+                </a:solidFill>
+                <a:latin typeface="+mn-lt"/>
+                <a:ea typeface="+mn-ea"/>
+                <a:cs typeface="+mn-cs"/>
+              </a:rPr>
+              <a:t>ar.ObjectId</a:t>
+            </a:r>
+            <a:r>
+              <a:rPr lang="en-US" sz="1200" kern="1200" dirty="0">
+                <a:solidFill>
+                  <a:schemeClr val="tx1"/>
+                </a:solidFill>
+                <a:latin typeface="+mn-lt"/>
+                <a:ea typeface="+mn-ea"/>
+                <a:cs typeface="+mn-cs"/>
+              </a:rPr>
+              <a:t> AND </a:t>
+            </a:r>
+            <a:r>
+              <a:rPr lang="en-US" sz="1200" kern="1200" dirty="0" err="1">
+                <a:solidFill>
+                  <a:schemeClr val="tx1"/>
+                </a:solidFill>
+                <a:latin typeface="+mn-lt"/>
+                <a:ea typeface="+mn-ea"/>
+                <a:cs typeface="+mn-cs"/>
+              </a:rPr>
+              <a:t>ar.ObjectTypeId</a:t>
+            </a:r>
+            <a:r>
+              <a:rPr lang="en-US" sz="1200" kern="1200" dirty="0">
+                <a:solidFill>
+                  <a:schemeClr val="tx1"/>
+                </a:solidFill>
+                <a:latin typeface="+mn-lt"/>
+                <a:ea typeface="+mn-ea"/>
+                <a:cs typeface="+mn-cs"/>
+              </a:rPr>
+              <a:t> = 1</a:t>
+            </a:r>
+          </a:p>
+          <a:p>
+            <a:r>
+              <a:rPr lang="vi-VN" sz="1200" kern="1200" dirty="0">
+                <a:solidFill>
+                  <a:schemeClr val="tx1"/>
+                </a:solidFill>
+                <a:latin typeface="+mn-lt"/>
+                <a:ea typeface="+mn-ea"/>
+                <a:cs typeface="+mn-cs"/>
+              </a:rPr>
+              <a:t> WHERE </a:t>
+            </a:r>
+            <a:r>
+              <a:rPr lang="vi-VN" sz="1200" kern="1200" dirty="0" err="1">
+                <a:solidFill>
+                  <a:schemeClr val="tx1"/>
+                </a:solidFill>
+                <a:latin typeface="+mn-lt"/>
+                <a:ea typeface="+mn-ea"/>
+                <a:cs typeface="+mn-cs"/>
+              </a:rPr>
+              <a:t>a.UserId</a:t>
+            </a:r>
+            <a:r>
+              <a:rPr lang="vi-VN" sz="1200" kern="1200" dirty="0">
+                <a:solidFill>
+                  <a:schemeClr val="tx1"/>
+                </a:solidFill>
+                <a:latin typeface="+mn-lt"/>
+                <a:ea typeface="+mn-ea"/>
+                <a:cs typeface="+mn-cs"/>
+              </a:rPr>
+              <a:t> = @userId</a:t>
+            </a:r>
+          </a:p>
+          <a:p>
+            <a:r>
+              <a:rPr lang="vi-VN" sz="1200" kern="1200" dirty="0">
+                <a:solidFill>
+                  <a:schemeClr val="tx1"/>
+                </a:solidFill>
+                <a:latin typeface="+mn-lt"/>
+                <a:ea typeface="+mn-ea"/>
+                <a:cs typeface="+mn-cs"/>
+              </a:rPr>
+              <a:t> ORDER BY </a:t>
+            </a:r>
+            <a:r>
+              <a:rPr lang="vi-VN" sz="1200" kern="1200" dirty="0" err="1">
+                <a:solidFill>
+                  <a:schemeClr val="tx1"/>
+                </a:solidFill>
+                <a:latin typeface="+mn-lt"/>
+                <a:ea typeface="+mn-ea"/>
+                <a:cs typeface="+mn-cs"/>
+              </a:rPr>
+              <a:t>ar.ActionDateTime</a:t>
+            </a:r>
+            <a:r>
+              <a:rPr lang="vi-VN" sz="1200" kern="1200" dirty="0">
+                <a:solidFill>
+                  <a:schemeClr val="tx1"/>
+                </a:solidFill>
+                <a:latin typeface="+mn-lt"/>
+                <a:ea typeface="+mn-ea"/>
+                <a:cs typeface="+mn-cs"/>
+              </a:rPr>
+              <a:t> </a:t>
+            </a:r>
+            <a:endParaRPr lang="vi-VN" dirty="0"/>
+          </a:p>
+        </p:txBody>
+      </p:sp>
+      <p:sp>
+        <p:nvSpPr>
+          <p:cNvPr id="4" name="Slide Number Placeholder 3"/>
+          <p:cNvSpPr>
+            <a:spLocks noGrp="1"/>
+          </p:cNvSpPr>
+          <p:nvPr>
+            <p:ph type="sldNum" sz="quarter" idx="5"/>
+          </p:nvPr>
+        </p:nvSpPr>
+        <p:spPr/>
+        <p:txBody>
+          <a:bodyPr/>
+          <a:lstStyle/>
+          <a:p>
+            <a:fld id="{6A4FF178-7F5C-4C53-AC97-DF4205D97146}" type="slidenum">
+              <a:rPr lang="de-CH" smtClean="0"/>
+              <a:pPr/>
+              <a:t>17</a:t>
+            </a:fld>
+            <a:endParaRPr lang="de-CH"/>
+          </a:p>
+        </p:txBody>
+      </p:sp>
+    </p:spTree>
+    <p:extLst>
+      <p:ext uri="{BB962C8B-B14F-4D97-AF65-F5344CB8AC3E}">
+        <p14:creationId xmlns:p14="http://schemas.microsoft.com/office/powerpoint/2010/main" val="2243190413"/>
+      </p:ext>
+    </p:extLst>
+  </p:cSld>
+  <p:clrMapOvr>
+    <a:masterClrMapping/>
+  </p:clrMapOvr>
+</p:notes>
+</file>
+
+<file path=ppt/notesSlides/notesSlide12.xml><?xml version="1.0" encoding="utf-8"?>
+<p:notes xmlns:a="http://schemas.openxmlformats.org/drawingml/2006/main" xmlns:r="http://schemas.openxmlformats.org/officeDocument/2006/relationships" xmlns:p="http://schemas.openxmlformats.org/presentationml/2006/main">
+  <p:cSld>
+    <p:spTree>
+      <p:nvGrpSpPr>
+        <p:cNvPr id="1" name=""/>
+        <p:cNvGrpSpPr/>
+        <p:nvPr/>
+      </p:nvGrpSpPr>
+      <p:grpSpPr>
+        <a:xfrm>
+          <a:off x="0" y="0"/>
+          <a:ext cx="0" cy="0"/>
+          <a:chOff x="0" y="0"/>
+          <a:chExt cx="0" cy="0"/>
+        </a:xfrm>
+      </p:grpSpPr>
+      <p:sp>
+        <p:nvSpPr>
+          <p:cNvPr id="2" name="Slide Image Placeholder 1"/>
+          <p:cNvSpPr>
+            <a:spLocks noGrp="1" noRot="1" noChangeAspect="1"/>
+          </p:cNvSpPr>
+          <p:nvPr>
+            <p:ph type="sldImg"/>
+          </p:nvPr>
+        </p:nvSpPr>
+        <p:spPr/>
+      </p:sp>
+      <p:sp>
+        <p:nvSpPr>
+          <p:cNvPr id="3" name="Notes Placeholder 2"/>
+          <p:cNvSpPr>
+            <a:spLocks noGrp="1"/>
+          </p:cNvSpPr>
+          <p:nvPr>
+            <p:ph type="body" idx="1"/>
+          </p:nvPr>
+        </p:nvSpPr>
+        <p:spPr/>
+        <p:txBody>
+          <a:bodyPr/>
+          <a:lstStyle/>
+          <a:p>
+            <a:pPr marL="0" marR="0" lvl="0" indent="0" algn="l" defTabSz="914400" rtl="0" eaLnBrk="1" fontAlgn="auto" latinLnBrk="0" hangingPunct="1">
+              <a:lnSpc>
+                <a:spcPct val="100000"/>
+              </a:lnSpc>
+              <a:spcBef>
+                <a:spcPts val="0"/>
+              </a:spcBef>
+              <a:spcAft>
+                <a:spcPts val="0"/>
+              </a:spcAft>
+              <a:buClrTx/>
+              <a:buSzTx/>
+              <a:buFontTx/>
+              <a:buNone/>
+              <a:tabLst/>
+              <a:defRPr/>
+            </a:pPr>
+            <a:r>
+              <a:rPr lang="en-US" dirty="0"/>
+              <a:t>Select stared file/folder of login user</a:t>
+            </a:r>
+          </a:p>
+          <a:p>
+            <a:pPr marL="171450" indent="-171450">
+              <a:buFont typeface="Arial" panose="020B0604020202020204" pitchFamily="34" charset="0"/>
+              <a:buChar char="•"/>
+            </a:pPr>
+            <a:r>
+              <a:rPr lang="vi-VN" sz="1200" kern="1200" dirty="0">
+                <a:solidFill>
+                  <a:schemeClr val="tx1"/>
+                </a:solidFill>
+                <a:latin typeface="+mn-lt"/>
+                <a:ea typeface="+mn-ea"/>
+                <a:cs typeface="+mn-cs"/>
+              </a:rPr>
+              <a:t>SELECT </a:t>
+            </a:r>
+            <a:r>
+              <a:rPr lang="vi-VN" sz="1200" kern="1200" dirty="0" err="1">
+                <a:solidFill>
+                  <a:schemeClr val="tx1"/>
+                </a:solidFill>
+                <a:latin typeface="+mn-lt"/>
+                <a:ea typeface="+mn-ea"/>
+                <a:cs typeface="+mn-cs"/>
+              </a:rPr>
+              <a:t>file</a:t>
+            </a:r>
+            <a:endParaRPr lang="vi-VN" sz="1200" kern="1200" dirty="0">
+              <a:solidFill>
+                <a:schemeClr val="tx1"/>
+              </a:solidFill>
+              <a:latin typeface="+mn-lt"/>
+              <a:ea typeface="+mn-ea"/>
+              <a:cs typeface="+mn-cs"/>
+            </a:endParaRPr>
+          </a:p>
+          <a:p>
+            <a:r>
+              <a:rPr lang="vi-VN" sz="1200" kern="1200" dirty="0">
+                <a:solidFill>
+                  <a:schemeClr val="tx1"/>
+                </a:solidFill>
+                <a:latin typeface="+mn-lt"/>
+                <a:ea typeface="+mn-ea"/>
+                <a:cs typeface="+mn-cs"/>
+              </a:rPr>
+              <a:t>DECLARE @userId INT = 794</a:t>
+            </a:r>
+          </a:p>
+          <a:p>
+            <a:r>
+              <a:rPr lang="vi-VN" sz="1200" kern="1200" dirty="0">
+                <a:solidFill>
+                  <a:schemeClr val="tx1"/>
+                </a:solidFill>
+                <a:latin typeface="+mn-lt"/>
+                <a:ea typeface="+mn-ea"/>
+                <a:cs typeface="+mn-cs"/>
+              </a:rPr>
+              <a:t>SELECT </a:t>
+            </a:r>
+          </a:p>
+          <a:p>
+            <a:r>
+              <a:rPr lang="vi-VN" sz="1200" kern="1200" dirty="0" err="1">
+                <a:solidFill>
+                  <a:schemeClr val="tx1"/>
+                </a:solidFill>
+                <a:latin typeface="+mn-lt"/>
+                <a:ea typeface="+mn-ea"/>
+                <a:cs typeface="+mn-cs"/>
+              </a:rPr>
+              <a:t>f.FileId</a:t>
+            </a:r>
+            <a:r>
+              <a:rPr lang="vi-VN" sz="1200" kern="1200" dirty="0">
+                <a:solidFill>
+                  <a:schemeClr val="tx1"/>
+                </a:solidFill>
+                <a:latin typeface="+mn-lt"/>
+                <a:ea typeface="+mn-ea"/>
+                <a:cs typeface="+mn-cs"/>
+              </a:rPr>
+              <a:t>,</a:t>
+            </a:r>
+          </a:p>
+          <a:p>
+            <a:r>
+              <a:rPr lang="vi-VN" sz="1200" kern="1200" dirty="0" err="1">
+                <a:solidFill>
+                  <a:schemeClr val="tx1"/>
+                </a:solidFill>
+                <a:latin typeface="+mn-lt"/>
+                <a:ea typeface="+mn-ea"/>
+                <a:cs typeface="+mn-cs"/>
+              </a:rPr>
+              <a:t>f.UserFileName</a:t>
+            </a:r>
+            <a:r>
+              <a:rPr lang="vi-VN" sz="1200" kern="1200" dirty="0">
+                <a:solidFill>
+                  <a:schemeClr val="tx1"/>
+                </a:solidFill>
+                <a:latin typeface="+mn-lt"/>
+                <a:ea typeface="+mn-ea"/>
+                <a:cs typeface="+mn-cs"/>
+              </a:rPr>
+              <a:t>,</a:t>
+            </a:r>
+          </a:p>
+          <a:p>
+            <a:r>
+              <a:rPr lang="vi-VN" sz="1200" kern="1200" dirty="0" err="1">
+                <a:solidFill>
+                  <a:schemeClr val="tx1"/>
+                </a:solidFill>
+                <a:latin typeface="+mn-lt"/>
+                <a:ea typeface="+mn-ea"/>
+                <a:cs typeface="+mn-cs"/>
+              </a:rPr>
+              <a:t>a.UserName</a:t>
+            </a:r>
+            <a:r>
+              <a:rPr lang="vi-VN" sz="1200" kern="1200" dirty="0">
+                <a:solidFill>
+                  <a:schemeClr val="tx1"/>
+                </a:solidFill>
+                <a:latin typeface="+mn-lt"/>
+                <a:ea typeface="+mn-ea"/>
+                <a:cs typeface="+mn-cs"/>
+              </a:rPr>
+              <a:t> AS </a:t>
+            </a:r>
+            <a:r>
+              <a:rPr lang="vi-VN" sz="1200" kern="1200" dirty="0" err="1">
+                <a:solidFill>
+                  <a:schemeClr val="tx1"/>
+                </a:solidFill>
+                <a:latin typeface="+mn-lt"/>
+                <a:ea typeface="+mn-ea"/>
+                <a:cs typeface="+mn-cs"/>
+              </a:rPr>
+              <a:t>FileOwnerName</a:t>
+            </a:r>
+            <a:r>
+              <a:rPr lang="vi-VN" sz="1200" kern="1200" dirty="0">
+                <a:solidFill>
+                  <a:schemeClr val="tx1"/>
+                </a:solidFill>
+                <a:latin typeface="+mn-lt"/>
+                <a:ea typeface="+mn-ea"/>
+                <a:cs typeface="+mn-cs"/>
+              </a:rPr>
+              <a:t>,</a:t>
+            </a:r>
+          </a:p>
+          <a:p>
+            <a:r>
+              <a:rPr lang="vi-VN" sz="1200" kern="1200" dirty="0" err="1">
+                <a:solidFill>
+                  <a:schemeClr val="tx1"/>
+                </a:solidFill>
+                <a:latin typeface="+mn-lt"/>
+                <a:ea typeface="+mn-ea"/>
+                <a:cs typeface="+mn-cs"/>
+              </a:rPr>
+              <a:t>a.UserId</a:t>
+            </a:r>
+            <a:r>
+              <a:rPr lang="vi-VN" sz="1200" kern="1200" dirty="0">
+                <a:solidFill>
+                  <a:schemeClr val="tx1"/>
+                </a:solidFill>
+                <a:latin typeface="+mn-lt"/>
+                <a:ea typeface="+mn-ea"/>
+                <a:cs typeface="+mn-cs"/>
+              </a:rPr>
+              <a:t> AS </a:t>
+            </a:r>
+            <a:r>
+              <a:rPr lang="vi-VN" sz="1200" kern="1200" dirty="0" err="1">
+                <a:solidFill>
+                  <a:schemeClr val="tx1"/>
+                </a:solidFill>
+                <a:latin typeface="+mn-lt"/>
+                <a:ea typeface="+mn-ea"/>
+                <a:cs typeface="+mn-cs"/>
+              </a:rPr>
+              <a:t>UserId</a:t>
+            </a:r>
+            <a:r>
+              <a:rPr lang="vi-VN" sz="1200" kern="1200" dirty="0">
+                <a:solidFill>
+                  <a:schemeClr val="tx1"/>
+                </a:solidFill>
+                <a:latin typeface="+mn-lt"/>
+                <a:ea typeface="+mn-ea"/>
+                <a:cs typeface="+mn-cs"/>
+              </a:rPr>
+              <a:t>,</a:t>
+            </a:r>
+          </a:p>
+          <a:p>
+            <a:r>
+              <a:rPr lang="vi-VN" sz="1200" kern="1200" dirty="0" err="1">
+                <a:solidFill>
+                  <a:schemeClr val="tx1"/>
+                </a:solidFill>
+                <a:latin typeface="+mn-lt"/>
+                <a:ea typeface="+mn-ea"/>
+                <a:cs typeface="+mn-cs"/>
+              </a:rPr>
+              <a:t>ft.FileTypeName</a:t>
+            </a:r>
+            <a:endParaRPr lang="vi-VN" sz="1200" kern="1200" dirty="0">
+              <a:solidFill>
+                <a:schemeClr val="tx1"/>
+              </a:solidFill>
+              <a:latin typeface="+mn-lt"/>
+              <a:ea typeface="+mn-ea"/>
+              <a:cs typeface="+mn-cs"/>
+            </a:endParaRPr>
+          </a:p>
+          <a:p>
+            <a:r>
+              <a:rPr lang="vi-VN" sz="1200" kern="1200" dirty="0">
+                <a:solidFill>
+                  <a:schemeClr val="tx1"/>
+                </a:solidFill>
+                <a:latin typeface="+mn-lt"/>
+                <a:ea typeface="+mn-ea"/>
+                <a:cs typeface="+mn-cs"/>
+              </a:rPr>
+              <a:t>FROM </a:t>
+            </a:r>
+            <a:r>
+              <a:rPr lang="vi-VN" sz="1200" kern="1200" dirty="0" err="1">
+                <a:solidFill>
+                  <a:schemeClr val="tx1"/>
+                </a:solidFill>
+                <a:latin typeface="+mn-lt"/>
+                <a:ea typeface="+mn-ea"/>
+                <a:cs typeface="+mn-cs"/>
+              </a:rPr>
+              <a:t>FavoriteObject</a:t>
+            </a:r>
+            <a:r>
+              <a:rPr lang="vi-VN" sz="1200" kern="1200" dirty="0">
+                <a:solidFill>
+                  <a:schemeClr val="tx1"/>
+                </a:solidFill>
+                <a:latin typeface="+mn-lt"/>
+                <a:ea typeface="+mn-ea"/>
+                <a:cs typeface="+mn-cs"/>
+              </a:rPr>
+              <a:t> </a:t>
+            </a:r>
+            <a:r>
+              <a:rPr lang="vi-VN" sz="1200" kern="1200" dirty="0" err="1">
+                <a:solidFill>
+                  <a:schemeClr val="tx1"/>
+                </a:solidFill>
+                <a:latin typeface="+mn-lt"/>
+                <a:ea typeface="+mn-ea"/>
+                <a:cs typeface="+mn-cs"/>
+              </a:rPr>
+              <a:t>fa</a:t>
+            </a:r>
+            <a:endParaRPr lang="vi-VN" sz="1200" kern="1200" dirty="0">
+              <a:solidFill>
+                <a:schemeClr val="tx1"/>
+              </a:solidFill>
+              <a:latin typeface="+mn-lt"/>
+              <a:ea typeface="+mn-ea"/>
+              <a:cs typeface="+mn-cs"/>
+            </a:endParaRPr>
+          </a:p>
+          <a:p>
+            <a:r>
+              <a:rPr lang="en-US" sz="1200" kern="1200" dirty="0">
+                <a:solidFill>
+                  <a:schemeClr val="tx1"/>
+                </a:solidFill>
+                <a:latin typeface="+mn-lt"/>
+                <a:ea typeface="+mn-ea"/>
+                <a:cs typeface="+mn-cs"/>
+              </a:rPr>
+              <a:t>LEFT JOIN </a:t>
+            </a:r>
+            <a:r>
+              <a:rPr lang="en-US" sz="1200" kern="1200" dirty="0" err="1">
+                <a:solidFill>
+                  <a:schemeClr val="tx1"/>
+                </a:solidFill>
+                <a:latin typeface="+mn-lt"/>
+                <a:ea typeface="+mn-ea"/>
+                <a:cs typeface="+mn-cs"/>
+              </a:rPr>
+              <a:t>UserFile</a:t>
+            </a:r>
+            <a:r>
+              <a:rPr lang="en-US" sz="1200" kern="1200" dirty="0">
+                <a:solidFill>
+                  <a:schemeClr val="tx1"/>
+                </a:solidFill>
+                <a:latin typeface="+mn-lt"/>
+                <a:ea typeface="+mn-ea"/>
+                <a:cs typeface="+mn-cs"/>
+              </a:rPr>
+              <a:t> f ON </a:t>
+            </a:r>
+            <a:r>
+              <a:rPr lang="en-US" sz="1200" kern="1200" dirty="0" err="1">
+                <a:solidFill>
+                  <a:schemeClr val="tx1"/>
+                </a:solidFill>
+                <a:latin typeface="+mn-lt"/>
+                <a:ea typeface="+mn-ea"/>
+                <a:cs typeface="+mn-cs"/>
+              </a:rPr>
+              <a:t>fa.ObjectTypeId</a:t>
+            </a:r>
+            <a:r>
+              <a:rPr lang="en-US" sz="1200" kern="1200" dirty="0">
+                <a:solidFill>
+                  <a:schemeClr val="tx1"/>
+                </a:solidFill>
+                <a:latin typeface="+mn-lt"/>
+                <a:ea typeface="+mn-ea"/>
+                <a:cs typeface="+mn-cs"/>
+              </a:rPr>
+              <a:t> = 2 AND </a:t>
+            </a:r>
+            <a:r>
+              <a:rPr lang="en-US" sz="1200" kern="1200" dirty="0" err="1">
+                <a:solidFill>
+                  <a:schemeClr val="tx1"/>
+                </a:solidFill>
+                <a:latin typeface="+mn-lt"/>
+                <a:ea typeface="+mn-ea"/>
+                <a:cs typeface="+mn-cs"/>
+              </a:rPr>
+              <a:t>fa.ObjectId</a:t>
+            </a:r>
+            <a:r>
+              <a:rPr lang="en-US" sz="1200" kern="1200" dirty="0">
+                <a:solidFill>
+                  <a:schemeClr val="tx1"/>
+                </a:solidFill>
+                <a:latin typeface="+mn-lt"/>
+                <a:ea typeface="+mn-ea"/>
+                <a:cs typeface="+mn-cs"/>
+              </a:rPr>
+              <a:t> = </a:t>
+            </a:r>
+            <a:r>
+              <a:rPr lang="en-US" sz="1200" kern="1200" dirty="0" err="1">
+                <a:solidFill>
+                  <a:schemeClr val="tx1"/>
+                </a:solidFill>
+                <a:latin typeface="+mn-lt"/>
+                <a:ea typeface="+mn-ea"/>
+                <a:cs typeface="+mn-cs"/>
+              </a:rPr>
+              <a:t>f.FileId</a:t>
+            </a:r>
+            <a:endParaRPr lang="en-US" sz="1200" kern="1200" dirty="0">
+              <a:solidFill>
+                <a:schemeClr val="tx1"/>
+              </a:solidFill>
+              <a:latin typeface="+mn-lt"/>
+              <a:ea typeface="+mn-ea"/>
+              <a:cs typeface="+mn-cs"/>
+            </a:endParaRPr>
+          </a:p>
+          <a:p>
+            <a:r>
+              <a:rPr lang="en-US" sz="1200" kern="1200" dirty="0">
+                <a:solidFill>
+                  <a:schemeClr val="tx1"/>
+                </a:solidFill>
+                <a:latin typeface="+mn-lt"/>
+                <a:ea typeface="+mn-ea"/>
+                <a:cs typeface="+mn-cs"/>
+              </a:rPr>
+              <a:t>LEFT JOIN Account a ON </a:t>
+            </a:r>
+            <a:r>
+              <a:rPr lang="en-US" sz="1200" kern="1200" dirty="0" err="1">
+                <a:solidFill>
+                  <a:schemeClr val="tx1"/>
+                </a:solidFill>
+                <a:latin typeface="+mn-lt"/>
+                <a:ea typeface="+mn-ea"/>
+                <a:cs typeface="+mn-cs"/>
+              </a:rPr>
+              <a:t>f.OwnerId</a:t>
+            </a:r>
+            <a:r>
+              <a:rPr lang="en-US" sz="1200" kern="1200" dirty="0">
+                <a:solidFill>
+                  <a:schemeClr val="tx1"/>
+                </a:solidFill>
+                <a:latin typeface="+mn-lt"/>
+                <a:ea typeface="+mn-ea"/>
+                <a:cs typeface="+mn-cs"/>
+              </a:rPr>
+              <a:t> = </a:t>
+            </a:r>
+            <a:r>
+              <a:rPr lang="en-US" sz="1200" kern="1200" dirty="0" err="1">
+                <a:solidFill>
+                  <a:schemeClr val="tx1"/>
+                </a:solidFill>
+                <a:latin typeface="+mn-lt"/>
+                <a:ea typeface="+mn-ea"/>
+                <a:cs typeface="+mn-cs"/>
+              </a:rPr>
+              <a:t>a.UserId</a:t>
+            </a:r>
+            <a:r>
+              <a:rPr lang="en-US" sz="1200" kern="1200" dirty="0">
+                <a:solidFill>
+                  <a:schemeClr val="tx1"/>
+                </a:solidFill>
+                <a:latin typeface="+mn-lt"/>
+                <a:ea typeface="+mn-ea"/>
+                <a:cs typeface="+mn-cs"/>
+              </a:rPr>
+              <a:t> </a:t>
+            </a:r>
+          </a:p>
+          <a:p>
+            <a:r>
+              <a:rPr lang="vi-VN" sz="1200" kern="1200" dirty="0">
+                <a:solidFill>
+                  <a:schemeClr val="tx1"/>
+                </a:solidFill>
+                <a:latin typeface="+mn-lt"/>
+                <a:ea typeface="+mn-ea"/>
+                <a:cs typeface="+mn-cs"/>
+              </a:rPr>
+              <a:t>JOIN </a:t>
+            </a:r>
+            <a:r>
+              <a:rPr lang="vi-VN" sz="1200" kern="1200" dirty="0" err="1">
+                <a:solidFill>
+                  <a:schemeClr val="tx1"/>
+                </a:solidFill>
+                <a:latin typeface="+mn-lt"/>
+                <a:ea typeface="+mn-ea"/>
+                <a:cs typeface="+mn-cs"/>
+              </a:rPr>
+              <a:t>FileType</a:t>
+            </a:r>
+            <a:r>
+              <a:rPr lang="vi-VN" sz="1200" kern="1200" dirty="0">
+                <a:solidFill>
+                  <a:schemeClr val="tx1"/>
+                </a:solidFill>
+                <a:latin typeface="+mn-lt"/>
+                <a:ea typeface="+mn-ea"/>
+                <a:cs typeface="+mn-cs"/>
+              </a:rPr>
+              <a:t> </a:t>
+            </a:r>
+            <a:r>
+              <a:rPr lang="vi-VN" sz="1200" kern="1200" dirty="0" err="1">
+                <a:solidFill>
+                  <a:schemeClr val="tx1"/>
+                </a:solidFill>
+                <a:latin typeface="+mn-lt"/>
+                <a:ea typeface="+mn-ea"/>
+                <a:cs typeface="+mn-cs"/>
+              </a:rPr>
+              <a:t>ft</a:t>
+            </a:r>
+            <a:r>
+              <a:rPr lang="vi-VN" sz="1200" kern="1200" dirty="0">
+                <a:solidFill>
+                  <a:schemeClr val="tx1"/>
+                </a:solidFill>
+                <a:latin typeface="+mn-lt"/>
+                <a:ea typeface="+mn-ea"/>
+                <a:cs typeface="+mn-cs"/>
+              </a:rPr>
+              <a:t> ON </a:t>
+            </a:r>
+            <a:r>
+              <a:rPr lang="vi-VN" sz="1200" kern="1200" dirty="0" err="1">
+                <a:solidFill>
+                  <a:schemeClr val="tx1"/>
+                </a:solidFill>
+                <a:latin typeface="+mn-lt"/>
+                <a:ea typeface="+mn-ea"/>
+                <a:cs typeface="+mn-cs"/>
+              </a:rPr>
+              <a:t>f.FileTypeId</a:t>
+            </a:r>
+            <a:r>
+              <a:rPr lang="vi-VN" sz="1200" kern="1200" dirty="0">
+                <a:solidFill>
+                  <a:schemeClr val="tx1"/>
+                </a:solidFill>
+                <a:latin typeface="+mn-lt"/>
+                <a:ea typeface="+mn-ea"/>
+                <a:cs typeface="+mn-cs"/>
+              </a:rPr>
+              <a:t> = </a:t>
+            </a:r>
+            <a:r>
+              <a:rPr lang="vi-VN" sz="1200" kern="1200" dirty="0" err="1">
+                <a:solidFill>
+                  <a:schemeClr val="tx1"/>
+                </a:solidFill>
+                <a:latin typeface="+mn-lt"/>
+                <a:ea typeface="+mn-ea"/>
+                <a:cs typeface="+mn-cs"/>
+              </a:rPr>
+              <a:t>ft.FileTypeId</a:t>
+            </a:r>
+            <a:endParaRPr lang="vi-VN" sz="1200" kern="1200" dirty="0">
+              <a:solidFill>
+                <a:schemeClr val="tx1"/>
+              </a:solidFill>
+              <a:latin typeface="+mn-lt"/>
+              <a:ea typeface="+mn-ea"/>
+              <a:cs typeface="+mn-cs"/>
+            </a:endParaRPr>
+          </a:p>
+          <a:p>
+            <a:r>
+              <a:rPr lang="vi-VN" sz="1200" kern="1200" dirty="0">
+                <a:solidFill>
+                  <a:schemeClr val="tx1"/>
+                </a:solidFill>
+                <a:latin typeface="+mn-lt"/>
+                <a:ea typeface="+mn-ea"/>
+                <a:cs typeface="+mn-cs"/>
+              </a:rPr>
+              <a:t>WHERE </a:t>
+            </a:r>
+            <a:r>
+              <a:rPr lang="vi-VN" sz="1200" kern="1200" dirty="0" err="1">
+                <a:solidFill>
+                  <a:schemeClr val="tx1"/>
+                </a:solidFill>
+                <a:latin typeface="+mn-lt"/>
+                <a:ea typeface="+mn-ea"/>
+                <a:cs typeface="+mn-cs"/>
+              </a:rPr>
+              <a:t>fa.OwnerId</a:t>
+            </a:r>
+            <a:r>
+              <a:rPr lang="vi-VN" sz="1200" kern="1200" dirty="0">
+                <a:solidFill>
+                  <a:schemeClr val="tx1"/>
+                </a:solidFill>
+                <a:latin typeface="+mn-lt"/>
+                <a:ea typeface="+mn-ea"/>
+                <a:cs typeface="+mn-cs"/>
+              </a:rPr>
+              <a:t> = @userId</a:t>
+            </a:r>
+            <a:endParaRPr lang="vi-VN" dirty="0"/>
+          </a:p>
+        </p:txBody>
+      </p:sp>
+      <p:sp>
+        <p:nvSpPr>
+          <p:cNvPr id="4" name="Slide Number Placeholder 3"/>
+          <p:cNvSpPr>
+            <a:spLocks noGrp="1"/>
+          </p:cNvSpPr>
+          <p:nvPr>
+            <p:ph type="sldNum" sz="quarter" idx="5"/>
+          </p:nvPr>
+        </p:nvSpPr>
+        <p:spPr/>
+        <p:txBody>
+          <a:bodyPr/>
+          <a:lstStyle/>
+          <a:p>
+            <a:fld id="{6A4FF178-7F5C-4C53-AC97-DF4205D97146}" type="slidenum">
+              <a:rPr lang="de-CH" smtClean="0"/>
+              <a:pPr/>
+              <a:t>19</a:t>
+            </a:fld>
+            <a:endParaRPr lang="de-CH"/>
+          </a:p>
+        </p:txBody>
+      </p:sp>
+    </p:spTree>
+    <p:extLst>
+      <p:ext uri="{BB962C8B-B14F-4D97-AF65-F5344CB8AC3E}">
+        <p14:creationId xmlns:p14="http://schemas.microsoft.com/office/powerpoint/2010/main" val="3869853433"/>
       </p:ext>
     </p:extLst>
   </p:cSld>
@@ -12232,27 +9739,36 @@
           <a:bodyPr/>
           <a:lstStyle/>
           <a:p>
-            <a:pPr marL="0" marR="0" lvl="0" indent="0" algn="l" defTabSz="914400" rtl="0" eaLnBrk="1" fontAlgn="auto" latinLnBrk="0" hangingPunct="1">
-              <a:lnSpc>
-                <a:spcPct val="100000"/>
-              </a:lnSpc>
-              <a:spcBef>
-                <a:spcPts val="0"/>
-              </a:spcBef>
-              <a:spcAft>
-                <a:spcPts val="0"/>
-              </a:spcAft>
-              <a:buClrTx/>
-              <a:buSzTx/>
-              <a:buFontTx/>
-              <a:buNone/>
-              <a:tabLst/>
-              <a:defRPr/>
-            </a:pPr>
             <a:r>
               <a:rPr lang="en-US" dirty="0"/>
-              <a:t>Select stared file/folder of login user</a:t>
-            </a:r>
+              <a:t>Select File/Folder. Which have been shared to Login User</a:t>
+            </a:r>
+          </a:p>
+          <a:p>
+            <a:r>
+              <a:rPr lang="en-US" dirty="0"/>
+              <a:t>Sort by </a:t>
+            </a:r>
+            <a:r>
+              <a:rPr lang="en-US" dirty="0" err="1"/>
+              <a:t>FileType</a:t>
+            </a:r>
+            <a:endParaRPr lang="en-US" dirty="0"/>
+          </a:p>
+          <a:p>
+            <a:r>
+              <a:rPr lang="en-US" dirty="0"/>
+              <a:t>Sort by Owner</a:t>
+            </a:r>
+          </a:p>
+          <a:p>
+            <a:r>
+              <a:rPr lang="en-US" dirty="0"/>
+              <a:t>Sort by Action Recent</a:t>
+            </a:r>
+          </a:p>
+          <a:p>
+            <a:endParaRPr lang="en-US" dirty="0"/>
           </a:p>
           <a:p>
             <a:pPr marL="171450" indent="-171450">
@@ -12260,6 +9776,17 @@
               <a:buChar char="•"/>
             </a:pPr>
             <a:r>
+              <a:rPr lang="vi-VN" sz="1200" kern="1200" dirty="0" err="1">
+                <a:solidFill>
+                  <a:schemeClr val="tx1"/>
+                </a:solidFill>
+                <a:latin typeface="+mn-lt"/>
+                <a:ea typeface="+mn-ea"/>
+                <a:cs typeface="+mn-cs"/>
+              </a:rPr>
+              <a:t>Share</a:t>
+            </a:r>
+            <a:r>
               <a:rPr lang="vi-VN" sz="1200" kern="1200" dirty="0">
                 <a:solidFill>
                   <a:schemeClr val="tx1"/>
@@ -12268,7 +9795,7 @@
                 <a:ea typeface="+mn-ea"/>
                 <a:cs typeface="+mn-cs"/>
               </a:rPr>
-              <a:t>SELECT </a:t>
+              <a:t> </a:t>
             </a:r>
             <a:r>
               <a:rPr lang="vi-VN" sz="1200" kern="1200" dirty="0" err="1">
@@ -12279,7 +9806,29 @@
                 <a:ea typeface="+mn-ea"/>
                 <a:cs typeface="+mn-cs"/>
               </a:rPr>
-              <a:t>file</a:t>
+              <a:t>with</a:t>
+            </a:r>
+            <a:r>
+              <a:rPr lang="vi-VN" sz="1200" kern="1200" dirty="0">
+                <a:solidFill>
+                  <a:schemeClr val="tx1"/>
+                </a:solidFill>
+                <a:latin typeface="+mn-lt"/>
+                <a:ea typeface="+mn-ea"/>
+                <a:cs typeface="+mn-cs"/>
+              </a:rPr>
+              <a:t> me </a:t>
+            </a:r>
+            <a:r>
+              <a:rPr lang="vi-VN" sz="1200" kern="1200" dirty="0" err="1">
+                <a:solidFill>
+                  <a:schemeClr val="tx1"/>
+                </a:solidFill>
+                <a:latin typeface="+mn-lt"/>
+                <a:ea typeface="+mn-ea"/>
+                <a:cs typeface="+mn-cs"/>
+              </a:rPr>
+              <a:t>Screen</a:t>
             </a:r>
             <a:endParaRPr lang="vi-VN" sz="1200" kern="1200" dirty="0">
               <a:solidFill>
@@ -12292,6 +9841,19 @@
           </a:p>
           <a:p>
             <a:r>
+              <a:rPr lang="en-US" sz="1200" kern="1200" dirty="0">
+                <a:solidFill>
+                  <a:schemeClr val="tx1"/>
+                </a:solidFill>
+                <a:latin typeface="+mn-lt"/>
+                <a:ea typeface="+mn-ea"/>
+                <a:cs typeface="+mn-cs"/>
+              </a:rPr>
+              <a:t>-- 1.SELECT shared file with login user</a:t>
+            </a:r>
+          </a:p>
+          <a:p>
+            <a:r>
               <a:rPr lang="vi-VN" sz="1200" kern="1200" dirty="0">
                 <a:solidFill>
                   <a:schemeClr val="tx1"/>
@@ -12300,7 +9862,7 @@
                 <a:ea typeface="+mn-ea"/>
                 <a:cs typeface="+mn-cs"/>
               </a:rPr>
-              <a:t>DECLARE @userId INT = 794</a:t>
+              <a:t>DECLARE @userId INT = 102</a:t>
             </a:r>
           </a:p>
           <a:p>
@@ -12313,7 +9875,7 @@
                 <a:ea typeface="+mn-ea"/>
                 <a:cs typeface="+mn-cs"/>
               </a:rPr>
-              <a:t>SELECT </a:t>
+              <a:t>SELECT</a:t>
             </a:r>
           </a:p>
           <a:p>
@@ -12350,123 +9912,31 @@
                 <a:ea typeface="+mn-ea"/>
                 <a:cs typeface="+mn-cs"/>
               </a:rPr>
+              <a:t>a.UserName</a:t>
+            </a:r>
+            <a:r>
+              <a:rPr lang="vi-VN" sz="1200" kern="1200" dirty="0">
+                <a:solidFill>
+                  <a:schemeClr val="tx1"/>
+                </a:solidFill>
+                <a:latin typeface="+mn-lt"/>
+                <a:ea typeface="+mn-ea"/>
+                <a:cs typeface="+mn-cs"/>
+              </a:rPr>
+              <a:t>,</a:t>
+            </a:r>
+          </a:p>
+          <a:p>
+            <a:r>
+              <a:rPr lang="vi-VN" sz="1200" kern="1200" dirty="0" err="1">
+                <a:solidFill>
+                  <a:schemeClr val="tx1"/>
+                </a:solidFill>
+                <a:latin typeface="+mn-lt"/>
+                <a:ea typeface="+mn-ea"/>
+                <a:cs typeface="+mn-cs"/>
+              </a:rPr>
               <a:t>f.UserFileName</a:t>
-            </a:r>
-            <a:r>
-              <a:rPr lang="vi-VN" sz="1200" kern="1200" dirty="0">
-                <a:solidFill>
-                  <a:schemeClr val="tx1"/>
-                </a:solidFill>
-                <a:latin typeface="+mn-lt"/>
-                <a:ea typeface="+mn-ea"/>
-                <a:cs typeface="+mn-cs"/>
-              </a:rPr>
-              <a:t>,</a:t>
-            </a:r>
-          </a:p>
-          <a:p>
-            <a:r>
-              <a:rPr lang="vi-VN" sz="1200" kern="1200" dirty="0" err="1">
-                <a:solidFill>
-                  <a:schemeClr val="tx1"/>
-                </a:solidFill>
-                <a:latin typeface="+mn-lt"/>
-                <a:ea typeface="+mn-ea"/>
-                <a:cs typeface="+mn-cs"/>
-              </a:rPr>
-              <a:t>a.UserName</a:t>
-            </a:r>
-            <a:r>
-              <a:rPr lang="vi-VN" sz="1200" kern="1200" dirty="0">
-                <a:solidFill>
-                  <a:schemeClr val="tx1"/>
-                </a:solidFill>
-                <a:latin typeface="+mn-lt"/>
-                <a:ea typeface="+mn-ea"/>
-                <a:cs typeface="+mn-cs"/>
-              </a:rPr>
-              <a:t> AS </a:t>
-            </a:r>
-            <a:r>
-              <a:rPr lang="vi-VN" sz="1200" kern="1200" dirty="0" err="1">
-                <a:solidFill>
-                  <a:schemeClr val="tx1"/>
-                </a:solidFill>
-                <a:latin typeface="+mn-lt"/>
-                <a:ea typeface="+mn-ea"/>
-                <a:cs typeface="+mn-cs"/>
-              </a:rPr>
-              <a:t>FileOwnerName</a:t>
-            </a:r>
-            <a:r>
-              <a:rPr lang="vi-VN" sz="1200" kern="1200" dirty="0">
-                <a:solidFill>
-                  <a:schemeClr val="tx1"/>
-                </a:solidFill>
-                <a:latin typeface="+mn-lt"/>
-                <a:ea typeface="+mn-ea"/>
-                <a:cs typeface="+mn-cs"/>
-              </a:rPr>
-              <a:t>,</a:t>
-            </a:r>
-          </a:p>
-          <a:p>
-            <a:r>
-              <a:rPr lang="vi-VN" sz="1200" kern="1200" dirty="0" err="1">
-                <a:solidFill>
-                  <a:schemeClr val="tx1"/>
-                </a:solidFill>
-                <a:latin typeface="+mn-lt"/>
-                <a:ea typeface="+mn-ea"/>
-                <a:cs typeface="+mn-cs"/>
-              </a:rPr>
-              <a:t>a.UserId</a:t>
-            </a:r>
-            <a:r>
-              <a:rPr lang="vi-VN" sz="1200" kern="1200" dirty="0">
-                <a:solidFill>
-                  <a:schemeClr val="tx1"/>
-                </a:solidFill>
-                <a:latin typeface="+mn-lt"/>
-                <a:ea typeface="+mn-ea"/>
-                <a:cs typeface="+mn-cs"/>
-              </a:rPr>
-              <a:t> AS </a:t>
-            </a:r>
-            <a:r>
-              <a:rPr lang="vi-VN" sz="1200" kern="1200" dirty="0" err="1">
-                <a:solidFill>
-                  <a:schemeClr val="tx1"/>
-                </a:solidFill>
-                <a:latin typeface="+mn-lt"/>
-                <a:ea typeface="+mn-ea"/>
-                <a:cs typeface="+mn-cs"/>
-              </a:rPr>
-              <a:t>UserId</a:t>
-            </a:r>
-            <a:r>
-              <a:rPr lang="vi-VN" sz="1200" kern="1200" dirty="0">
-                <a:solidFill>
-                  <a:schemeClr val="tx1"/>
-                </a:solidFill>
-                <a:latin typeface="+mn-lt"/>
-                <a:ea typeface="+mn-ea"/>
-                <a:cs typeface="+mn-cs"/>
-              </a:rPr>
-              <a:t>,</a:t>
-            </a:r>
-          </a:p>
-          <a:p>
-            <a:r>
-              <a:rPr lang="vi-VN" sz="1200" kern="1200" dirty="0" err="1">
-                <a:solidFill>
-                  <a:schemeClr val="tx1"/>
-                </a:solidFill>
-                <a:latin typeface="+mn-lt"/>
-                <a:ea typeface="+mn-ea"/>
-                <a:cs typeface="+mn-cs"/>
-              </a:rPr>
-              <a:t>ft.FileTypeName</a:t>
             </a:r>
             <a:endParaRPr lang="vi-VN" sz="1200" kern="1200" dirty="0">
               <a:solidFill>
@@ -12498,7 +9968,7 @@
                 <a:ea typeface="+mn-ea"/>
                 <a:cs typeface="+mn-cs"/>
               </a:rPr>
-              <a:t>FavoriteObject</a:t>
+              <a:t>SharedUser</a:t>
             </a:r>
             <a:r>
               <a:rPr lang="vi-VN" sz="1200" kern="1200" dirty="0">
@@ -12509,7 +9979,128 @@
                 <a:ea typeface="+mn-ea"/>
                 <a:cs typeface="+mn-cs"/>
               </a:rPr>
-              <a:t> </a:t>
+              <a:t> su</a:t>
+            </a:r>
+          </a:p>
+          <a:p>
+            <a:r>
+              <a:rPr lang="en-US" sz="1200" kern="1200" dirty="0">
+                <a:solidFill>
+                  <a:schemeClr val="tx1"/>
+                </a:solidFill>
+                <a:latin typeface="+mn-lt"/>
+                <a:ea typeface="+mn-ea"/>
+                <a:cs typeface="+mn-cs"/>
+              </a:rPr>
+              <a:t>JOIN Account a ON </a:t>
+            </a:r>
+            <a:r>
+              <a:rPr lang="en-US" sz="1200" kern="1200" dirty="0" err="1">
+                <a:solidFill>
+                  <a:schemeClr val="tx1"/>
+                </a:solidFill>
+                <a:latin typeface="+mn-lt"/>
+                <a:ea typeface="+mn-ea"/>
+                <a:cs typeface="+mn-cs"/>
+              </a:rPr>
+              <a:t>su.UserId</a:t>
+            </a:r>
+            <a:r>
+              <a:rPr lang="en-US" sz="1200" kern="1200" dirty="0">
+                <a:solidFill>
+                  <a:schemeClr val="tx1"/>
+                </a:solidFill>
+                <a:latin typeface="+mn-lt"/>
+                <a:ea typeface="+mn-ea"/>
+                <a:cs typeface="+mn-cs"/>
+              </a:rPr>
+              <a:t> = </a:t>
+            </a:r>
+            <a:r>
+              <a:rPr lang="en-US" sz="1200" kern="1200" dirty="0" err="1">
+                <a:solidFill>
+                  <a:schemeClr val="tx1"/>
+                </a:solidFill>
+                <a:latin typeface="+mn-lt"/>
+                <a:ea typeface="+mn-ea"/>
+                <a:cs typeface="+mn-cs"/>
+              </a:rPr>
+              <a:t>a.UserId</a:t>
+            </a:r>
+            <a:endParaRPr lang="en-US" sz="1200" kern="1200" dirty="0">
+              <a:solidFill>
+                <a:schemeClr val="tx1"/>
+              </a:solidFill>
+              <a:latin typeface="+mn-lt"/>
+              <a:ea typeface="+mn-ea"/>
+              <a:cs typeface="+mn-cs"/>
+            </a:endParaRPr>
+          </a:p>
+          <a:p>
+            <a:r>
+              <a:rPr lang="en-US" sz="1200" kern="1200" dirty="0">
+                <a:solidFill>
+                  <a:schemeClr val="tx1"/>
+                </a:solidFill>
+                <a:latin typeface="+mn-lt"/>
+                <a:ea typeface="+mn-ea"/>
+                <a:cs typeface="+mn-cs"/>
+              </a:rPr>
+              <a:t>JOIN Share s ON </a:t>
+            </a:r>
+            <a:r>
+              <a:rPr lang="en-US" sz="1200" kern="1200" dirty="0" err="1">
+                <a:solidFill>
+                  <a:schemeClr val="tx1"/>
+                </a:solidFill>
+                <a:latin typeface="+mn-lt"/>
+                <a:ea typeface="+mn-ea"/>
+                <a:cs typeface="+mn-cs"/>
+              </a:rPr>
+              <a:t>su.ShareId</a:t>
+            </a:r>
+            <a:r>
+              <a:rPr lang="en-US" sz="1200" kern="1200" dirty="0">
+                <a:solidFill>
+                  <a:schemeClr val="tx1"/>
+                </a:solidFill>
+                <a:latin typeface="+mn-lt"/>
+                <a:ea typeface="+mn-ea"/>
+                <a:cs typeface="+mn-cs"/>
+              </a:rPr>
+              <a:t> = </a:t>
+            </a:r>
+            <a:r>
+              <a:rPr lang="en-US" sz="1200" kern="1200" dirty="0" err="1">
+                <a:solidFill>
+                  <a:schemeClr val="tx1"/>
+                </a:solidFill>
+                <a:latin typeface="+mn-lt"/>
+                <a:ea typeface="+mn-ea"/>
+                <a:cs typeface="+mn-cs"/>
+              </a:rPr>
+              <a:t>s.ShareId</a:t>
+            </a:r>
+            <a:endParaRPr lang="en-US" sz="1200" kern="1200" dirty="0">
+              <a:solidFill>
+                <a:schemeClr val="tx1"/>
+              </a:solidFill>
+              <a:latin typeface="+mn-lt"/>
+              <a:ea typeface="+mn-ea"/>
+              <a:cs typeface="+mn-cs"/>
+            </a:endParaRPr>
+          </a:p>
+          <a:p>
+            <a:r>
+              <a:rPr lang="vi-VN" sz="1200" kern="1200" dirty="0">
+                <a:solidFill>
+                  <a:schemeClr val="tx1"/>
+                </a:solidFill>
+                <a:latin typeface="+mn-lt"/>
+                <a:ea typeface="+mn-ea"/>
+                <a:cs typeface="+mn-cs"/>
+              </a:rPr>
+              <a:t>JOIN </a:t>
             </a:r>
             <a:r>
               <a:rPr lang="vi-VN" sz="1200" kern="1200" dirty="0" err="1">
@@ -12520,7 +10111,73 @@
                 <a:ea typeface="+mn-ea"/>
                 <a:cs typeface="+mn-cs"/>
               </a:rPr>
-              <a:t>fa</a:t>
+              <a:t>UserFile</a:t>
+            </a:r>
+            <a:r>
+              <a:rPr lang="vi-VN" sz="1200" kern="1200" dirty="0">
+                <a:solidFill>
+                  <a:schemeClr val="tx1"/>
+                </a:solidFill>
+                <a:latin typeface="+mn-lt"/>
+                <a:ea typeface="+mn-ea"/>
+                <a:cs typeface="+mn-cs"/>
+              </a:rPr>
+              <a:t> f ON </a:t>
+            </a:r>
+            <a:r>
+              <a:rPr lang="vi-VN" sz="1200" kern="1200" dirty="0" err="1">
+                <a:solidFill>
+                  <a:schemeClr val="tx1"/>
+                </a:solidFill>
+                <a:latin typeface="+mn-lt"/>
+                <a:ea typeface="+mn-ea"/>
+                <a:cs typeface="+mn-cs"/>
+              </a:rPr>
+              <a:t>s.ObjectTypeId</a:t>
+            </a:r>
+            <a:r>
+              <a:rPr lang="vi-VN" sz="1200" kern="1200" dirty="0">
+                <a:solidFill>
+                  <a:schemeClr val="tx1"/>
+                </a:solidFill>
+                <a:latin typeface="+mn-lt"/>
+                <a:ea typeface="+mn-ea"/>
+                <a:cs typeface="+mn-cs"/>
+              </a:rPr>
+              <a:t> = 2 AND </a:t>
+            </a:r>
+            <a:r>
+              <a:rPr lang="vi-VN" sz="1200" kern="1200" dirty="0" err="1">
+                <a:solidFill>
+                  <a:schemeClr val="tx1"/>
+                </a:solidFill>
+                <a:latin typeface="+mn-lt"/>
+                <a:ea typeface="+mn-ea"/>
+                <a:cs typeface="+mn-cs"/>
+              </a:rPr>
+              <a:t>s.ObjectId</a:t>
+            </a:r>
+            <a:r>
+              <a:rPr lang="vi-VN" sz="1200" kern="1200" dirty="0">
+                <a:solidFill>
+                  <a:schemeClr val="tx1"/>
+                </a:solidFill>
+                <a:latin typeface="+mn-lt"/>
+                <a:ea typeface="+mn-ea"/>
+                <a:cs typeface="+mn-cs"/>
+              </a:rPr>
+              <a:t> = </a:t>
+            </a:r>
+            <a:r>
+              <a:rPr lang="vi-VN" sz="1200" kern="1200" dirty="0" err="1">
+                <a:solidFill>
+                  <a:schemeClr val="tx1"/>
+                </a:solidFill>
+                <a:latin typeface="+mn-lt"/>
+                <a:ea typeface="+mn-ea"/>
+                <a:cs typeface="+mn-cs"/>
+              </a:rPr>
+              <a:t>f.FileId</a:t>
             </a:r>
             <a:endParaRPr lang="vi-VN" sz="1200" kern="1200" dirty="0">
               <a:solidFill>
@@ -12533,6 +10190,71 @@
           </a:p>
           <a:p>
             <a:r>
+              <a:rPr lang="vi-VN" sz="1200" kern="1200" dirty="0">
+                <a:solidFill>
+                  <a:schemeClr val="tx1"/>
+                </a:solidFill>
+                <a:latin typeface="+mn-lt"/>
+                <a:ea typeface="+mn-ea"/>
+                <a:cs typeface="+mn-cs"/>
+              </a:rPr>
+              <a:t>WHERE </a:t>
+            </a:r>
+            <a:r>
+              <a:rPr lang="vi-VN" sz="1200" kern="1200" dirty="0" err="1">
+                <a:solidFill>
+                  <a:schemeClr val="tx1"/>
+                </a:solidFill>
+                <a:latin typeface="+mn-lt"/>
+                <a:ea typeface="+mn-ea"/>
+                <a:cs typeface="+mn-cs"/>
+              </a:rPr>
+              <a:t>su.UserId</a:t>
+            </a:r>
+            <a:r>
+              <a:rPr lang="vi-VN" sz="1200" kern="1200" dirty="0">
+                <a:solidFill>
+                  <a:schemeClr val="tx1"/>
+                </a:solidFill>
+                <a:latin typeface="+mn-lt"/>
+                <a:ea typeface="+mn-ea"/>
+                <a:cs typeface="+mn-cs"/>
+              </a:rPr>
+              <a:t> = @userId</a:t>
+            </a:r>
+          </a:p>
+          <a:p>
+            <a:endParaRPr lang="vi-VN" sz="1200" kern="1200" dirty="0">
+              <a:solidFill>
+                <a:schemeClr val="tx1"/>
+              </a:solidFill>
+              <a:latin typeface="+mn-lt"/>
+              <a:ea typeface="+mn-ea"/>
+              <a:cs typeface="+mn-cs"/>
+            </a:endParaRPr>
+          </a:p>
+          <a:p>
+            <a:endParaRPr lang="vi-VN" sz="1200" kern="1200" dirty="0">
+              <a:solidFill>
+                <a:schemeClr val="tx1"/>
+              </a:solidFill>
+              <a:latin typeface="+mn-lt"/>
+              <a:ea typeface="+mn-ea"/>
+              <a:cs typeface="+mn-cs"/>
+            </a:endParaRPr>
+          </a:p>
+          <a:p>
+            <a:endParaRPr lang="vi-VN" sz="1200" kern="1200" dirty="0">
+              <a:solidFill>
+                <a:schemeClr val="tx1"/>
+              </a:solidFill>
+              <a:latin typeface="+mn-lt"/>
+              <a:ea typeface="+mn-ea"/>
+              <a:cs typeface="+mn-cs"/>
+            </a:endParaRPr>
+          </a:p>
+          <a:p>
+            <a:r>
               <a:rPr lang="en-US" sz="1200" kern="1200" dirty="0">
                 <a:solidFill>
                   <a:schemeClr val="tx1"/>
@@ -12541,7 +10263,150 @@
                 <a:ea typeface="+mn-ea"/>
                 <a:cs typeface="+mn-cs"/>
               </a:rPr>
-              <a:t>LEFT JOIN </a:t>
+              <a:t>-- 2.SELECT shared folder with login user</a:t>
+            </a:r>
+          </a:p>
+          <a:p>
+            <a:r>
+              <a:rPr lang="vi-VN" sz="1200" kern="1200" dirty="0">
+                <a:solidFill>
+                  <a:schemeClr val="tx1"/>
+                </a:solidFill>
+                <a:latin typeface="+mn-lt"/>
+                <a:ea typeface="+mn-ea"/>
+                <a:cs typeface="+mn-cs"/>
+              </a:rPr>
+              <a:t>DECLARE @userId INT = 101</a:t>
+            </a:r>
+          </a:p>
+          <a:p>
+            <a:r>
+              <a:rPr lang="vi-VN" sz="1200" kern="1200" dirty="0">
+                <a:solidFill>
+                  <a:schemeClr val="tx1"/>
+                </a:solidFill>
+                <a:latin typeface="+mn-lt"/>
+                <a:ea typeface="+mn-ea"/>
+                <a:cs typeface="+mn-cs"/>
+              </a:rPr>
+              <a:t>SELECT</a:t>
+            </a:r>
+          </a:p>
+          <a:p>
+            <a:r>
+              <a:rPr lang="vi-VN" sz="1200" kern="1200" dirty="0" err="1">
+                <a:solidFill>
+                  <a:schemeClr val="tx1"/>
+                </a:solidFill>
+                <a:latin typeface="+mn-lt"/>
+                <a:ea typeface="+mn-ea"/>
+                <a:cs typeface="+mn-cs"/>
+              </a:rPr>
+              <a:t>fo.FolderId</a:t>
+            </a:r>
+            <a:r>
+              <a:rPr lang="vi-VN" sz="1200" kern="1200" dirty="0">
+                <a:solidFill>
+                  <a:schemeClr val="tx1"/>
+                </a:solidFill>
+                <a:latin typeface="+mn-lt"/>
+                <a:ea typeface="+mn-ea"/>
+                <a:cs typeface="+mn-cs"/>
+              </a:rPr>
+              <a:t>,</a:t>
+            </a:r>
+          </a:p>
+          <a:p>
+            <a:r>
+              <a:rPr lang="vi-VN" sz="1200" kern="1200" dirty="0" err="1">
+                <a:solidFill>
+                  <a:schemeClr val="tx1"/>
+                </a:solidFill>
+                <a:latin typeface="+mn-lt"/>
+                <a:ea typeface="+mn-ea"/>
+                <a:cs typeface="+mn-cs"/>
+              </a:rPr>
+              <a:t>a.UserName</a:t>
+            </a:r>
+            <a:r>
+              <a:rPr lang="vi-VN" sz="1200" kern="1200" dirty="0">
+                <a:solidFill>
+                  <a:schemeClr val="tx1"/>
+                </a:solidFill>
+                <a:latin typeface="+mn-lt"/>
+                <a:ea typeface="+mn-ea"/>
+                <a:cs typeface="+mn-cs"/>
+              </a:rPr>
+              <a:t>,</a:t>
+            </a:r>
+          </a:p>
+          <a:p>
+            <a:r>
+              <a:rPr lang="vi-VN" sz="1200" kern="1200" dirty="0" err="1">
+                <a:solidFill>
+                  <a:schemeClr val="tx1"/>
+                </a:solidFill>
+                <a:latin typeface="+mn-lt"/>
+                <a:ea typeface="+mn-ea"/>
+                <a:cs typeface="+mn-cs"/>
+              </a:rPr>
+              <a:t>fo.FolderName</a:t>
+            </a:r>
+            <a:endParaRPr lang="vi-VN" sz="1200" kern="1200" dirty="0">
+              <a:solidFill>
+                <a:schemeClr val="tx1"/>
+              </a:solidFill>
+              <a:latin typeface="+mn-lt"/>
+              <a:ea typeface="+mn-ea"/>
+              <a:cs typeface="+mn-cs"/>
+            </a:endParaRPr>
+          </a:p>
+          <a:p>
+            <a:r>
+              <a:rPr lang="vi-VN" sz="1200" kern="1200" dirty="0">
+                <a:solidFill>
+                  <a:schemeClr val="tx1"/>
+                </a:solidFill>
+                <a:latin typeface="+mn-lt"/>
+                <a:ea typeface="+mn-ea"/>
+                <a:cs typeface="+mn-cs"/>
+              </a:rPr>
+              <a:t>FROM </a:t>
+            </a:r>
+            <a:r>
+              <a:rPr lang="vi-VN" sz="1200" kern="1200" dirty="0" err="1">
+                <a:solidFill>
+                  <a:schemeClr val="tx1"/>
+                </a:solidFill>
+                <a:latin typeface="+mn-lt"/>
+                <a:ea typeface="+mn-ea"/>
+                <a:cs typeface="+mn-cs"/>
+              </a:rPr>
+              <a:t>SharedUser</a:t>
+            </a:r>
+            <a:r>
+              <a:rPr lang="vi-VN" sz="1200" kern="1200" dirty="0">
+                <a:solidFill>
+                  <a:schemeClr val="tx1"/>
+                </a:solidFill>
+                <a:latin typeface="+mn-lt"/>
+                <a:ea typeface="+mn-ea"/>
+                <a:cs typeface="+mn-cs"/>
+              </a:rPr>
+              <a:t> su</a:t>
+            </a:r>
+          </a:p>
+          <a:p>
+            <a:r>
+              <a:rPr lang="en-US" sz="1200" kern="1200" dirty="0">
+                <a:solidFill>
+                  <a:schemeClr val="tx1"/>
+                </a:solidFill>
+                <a:latin typeface="+mn-lt"/>
+                <a:ea typeface="+mn-ea"/>
+                <a:cs typeface="+mn-cs"/>
+              </a:rPr>
+              <a:t>JOIN Account a ON </a:t>
             </a:r>
             <a:r>
               <a:rPr lang="en-US" sz="1200" kern="1200" dirty="0" err="1">
@@ -12552,7 +10417,7 @@
                 <a:ea typeface="+mn-ea"/>
                 <a:cs typeface="+mn-cs"/>
               </a:rPr>
-              <a:t>UserFile</a:t>
+              <a:t>su.UserId</a:t>
             </a:r>
             <a:r>
               <a:rPr lang="en-US" sz="1200" kern="1200" dirty="0">
@@ -12563,7 +10428,7 @@
                 <a:ea typeface="+mn-ea"/>
                 <a:cs typeface="+mn-cs"/>
               </a:rPr>
-              <a:t> f ON </a:t>
+              <a:t> = </a:t>
             </a:r>
             <a:r>
               <a:rPr lang="en-US" sz="1200" kern="1200" dirty="0" err="1">
@@ -12574,51 +10439,7 @@
                 <a:ea typeface="+mn-ea"/>
                 <a:cs typeface="+mn-cs"/>
               </a:rPr>
-              <a:t>fa.ObjectTypeId</a:t>
-            </a:r>
-            <a:r>
-              <a:rPr lang="en-US" sz="1200" kern="1200" dirty="0">
-                <a:solidFill>
-                  <a:schemeClr val="tx1"/>
-                </a:solidFill>
-                <a:latin typeface="+mn-lt"/>
-                <a:ea typeface="+mn-ea"/>
-                <a:cs typeface="+mn-cs"/>
-              </a:rPr>
-              <a:t> = 2 AND </a:t>
-            </a:r>
-            <a:r>
-              <a:rPr lang="en-US" sz="1200" kern="1200" dirty="0" err="1">
-                <a:solidFill>
-                  <a:schemeClr val="tx1"/>
-                </a:solidFill>
-                <a:latin typeface="+mn-lt"/>
-                <a:ea typeface="+mn-ea"/>
-                <a:cs typeface="+mn-cs"/>
-              </a:rPr>
-              <a:t>fa.ObjectId</a:t>
-            </a:r>
-            <a:r>
-              <a:rPr lang="en-US" sz="1200" kern="1200" dirty="0">
-                <a:solidFill>
-                  <a:schemeClr val="tx1"/>
-                </a:solidFill>
-                <a:latin typeface="+mn-lt"/>
-                <a:ea typeface="+mn-ea"/>
-                <a:cs typeface="+mn-cs"/>
-              </a:rPr>
-              <a:t> = </a:t>
-            </a:r>
-            <a:r>
-              <a:rPr lang="en-US" sz="1200" kern="1200" dirty="0" err="1">
-                <a:solidFill>
-                  <a:schemeClr val="tx1"/>
-                </a:solidFill>
-                <a:latin typeface="+mn-lt"/>
-                <a:ea typeface="+mn-ea"/>
-                <a:cs typeface="+mn-cs"/>
-              </a:rPr>
-              <a:t>f.FileId</a:t>
+              <a:t>a.UserId</a:t>
             </a:r>
             <a:endParaRPr lang="en-US" sz="1200" kern="1200" dirty="0">
               <a:solidFill>
@@ -12639,7 +10460,7 @@
                 <a:ea typeface="+mn-ea"/>
                 <a:cs typeface="+mn-cs"/>
               </a:rPr>
-              <a:t>LEFT JOIN Account a ON </a:t>
+              <a:t>JOIN Share s ON </a:t>
             </a:r>
             <a:r>
               <a:rPr lang="en-US" sz="1200" kern="1200" dirty="0" err="1">
@@ -12650,7 +10471,7 @@
                 <a:ea typeface="+mn-ea"/>
                 <a:cs typeface="+mn-cs"/>
               </a:rPr>
-              <a:t>f.OwnerId</a:t>
+              <a:t>su.ShareId</a:t>
             </a:r>
             <a:r>
               <a:rPr lang="en-US" sz="1200" kern="1200" dirty="0">
@@ -12672,10 +10493,42 @@
                 <a:ea typeface="+mn-ea"/>
                 <a:cs typeface="+mn-cs"/>
               </a:rPr>
-              <a:t>a.UserId</a:t>
-            </a:r>
-            <a:r>
-              <a:rPr lang="en-US" sz="1200" kern="1200" dirty="0">
+              <a:t>s.ShareId</a:t>
+            </a:r>
+            <a:endParaRPr lang="en-US" sz="1200" kern="1200" dirty="0">
+              <a:solidFill>
+                <a:schemeClr val="tx1"/>
+              </a:solidFill>
+              <a:latin typeface="+mn-lt"/>
+              <a:ea typeface="+mn-ea"/>
+              <a:cs typeface="+mn-cs"/>
+            </a:endParaRPr>
+          </a:p>
+          <a:p>
+            <a:r>
+              <a:rPr lang="vi-VN" sz="1200" kern="1200" dirty="0">
+                <a:solidFill>
+                  <a:schemeClr val="tx1"/>
+                </a:solidFill>
+                <a:latin typeface="+mn-lt"/>
+                <a:ea typeface="+mn-ea"/>
+                <a:cs typeface="+mn-cs"/>
+              </a:rPr>
+              <a:t>JOIN </a:t>
+            </a:r>
+            <a:r>
+              <a:rPr lang="vi-VN" sz="1200" kern="1200" dirty="0" err="1">
+                <a:solidFill>
+                  <a:schemeClr val="tx1"/>
+                </a:solidFill>
+                <a:latin typeface="+mn-lt"/>
+                <a:ea typeface="+mn-ea"/>
+                <a:cs typeface="+mn-cs"/>
+              </a:rPr>
+              <a:t>Folder</a:t>
+            </a:r>
+            <a:r>
+              <a:rPr lang="vi-VN" sz="1200" kern="1200" dirty="0">
                 <a:solidFill>
                   <a:schemeClr val="tx1"/>
                 </a:solidFill>
@@ -12685,8 +10538,17 @@
               </a:rPr>
               <a:t> </a:t>
             </a:r>
-          </a:p>
-          <a:p>
+            <a:r>
+              <a:rPr lang="vi-VN" sz="1200" kern="1200" dirty="0" err="1">
+                <a:solidFill>
+                  <a:schemeClr val="tx1"/>
+                </a:solidFill>
+                <a:latin typeface="+mn-lt"/>
+                <a:ea typeface="+mn-ea"/>
+                <a:cs typeface="+mn-cs"/>
+              </a:rPr>
+              <a:t>fo</a:t>
+            </a:r>
             <a:r>
               <a:rPr lang="vi-VN" sz="1200" kern="1200" dirty="0">
                 <a:solidFill>
@@ -12696,7 +10558,7 @@
                 <a:ea typeface="+mn-ea"/>
                 <a:cs typeface="+mn-cs"/>
               </a:rPr>
-              <a:t>JOIN </a:t>
+              <a:t> ON </a:t>
             </a:r>
             <a:r>
               <a:rPr lang="vi-VN" sz="1200" kern="1200" dirty="0" err="1">
@@ -12707,7 +10569,7 @@
                 <a:ea typeface="+mn-ea"/>
                 <a:cs typeface="+mn-cs"/>
               </a:rPr>
-              <a:t>FileType</a:t>
+              <a:t>s.ObjectTypeId</a:t>
             </a:r>
             <a:r>
               <a:rPr lang="vi-VN" sz="1200" kern="1200" dirty="0">
@@ -12718,7 +10580,7 @@
                 <a:ea typeface="+mn-ea"/>
                 <a:cs typeface="+mn-cs"/>
               </a:rPr>
-              <a:t> </a:t>
+              <a:t> = 1 AND </a:t>
             </a:r>
             <a:r>
               <a:rPr lang="vi-VN" sz="1200" kern="1200" dirty="0" err="1">
@@ -12729,7 +10591,7 @@
                 <a:ea typeface="+mn-ea"/>
                 <a:cs typeface="+mn-cs"/>
               </a:rPr>
-              <a:t>ft</a:t>
+              <a:t>s.ObjectId</a:t>
             </a:r>
             <a:r>
               <a:rPr lang="vi-VN" sz="1200" kern="1200" dirty="0">
@@ -12740,7 +10602,7 @@
                 <a:ea typeface="+mn-ea"/>
                 <a:cs typeface="+mn-cs"/>
               </a:rPr>
-              <a:t> ON </a:t>
+              <a:t> = </a:t>
             </a:r>
             <a:r>
               <a:rPr lang="vi-VN" sz="1200" kern="1200" dirty="0" err="1">
@@ -12751,29 +10613,7 @@
                 <a:ea typeface="+mn-ea"/>
                 <a:cs typeface="+mn-cs"/>
               </a:rPr>
-              <a:t>f.FileTypeId</a:t>
-            </a:r>
-            <a:r>
-              <a:rPr lang="vi-VN" sz="1200" kern="1200" dirty="0">
-                <a:solidFill>
-                  <a:schemeClr val="tx1"/>
-                </a:solidFill>
-                <a:latin typeface="+mn-lt"/>
-                <a:ea typeface="+mn-ea"/>
-                <a:cs typeface="+mn-cs"/>
-              </a:rPr>
-              <a:t> = </a:t>
-            </a:r>
-            <a:r>
-              <a:rPr lang="vi-VN" sz="1200" kern="1200" dirty="0" err="1">
-                <a:solidFill>
-                  <a:schemeClr val="tx1"/>
-                </a:solidFill>
-                <a:latin typeface="+mn-lt"/>
-                <a:ea typeface="+mn-ea"/>
-                <a:cs typeface="+mn-cs"/>
-              </a:rPr>
-              <a:t>ft.FileTypeId</a:t>
+              <a:t>fo.FolderId</a:t>
             </a:r>
             <a:endParaRPr lang="vi-VN" sz="1200" kern="1200" dirty="0">
               <a:solidFill>
@@ -12805,7 +10645,7 @@
                 <a:ea typeface="+mn-ea"/>
                 <a:cs typeface="+mn-cs"/>
               </a:rPr>
-              <a:t>fa.OwnerId</a:t>
+              <a:t>su.UserId</a:t>
             </a:r>
             <a:r>
               <a:rPr lang="vi-VN" sz="1200" kern="1200" dirty="0">
@@ -12818,6 +10658,1105 @@
               </a:rPr>
               <a:t> = @userId</a:t>
             </a:r>
+          </a:p>
+          <a:p>
+            <a:endParaRPr lang="vi-VN" sz="1200" kern="1200" dirty="0">
+              <a:solidFill>
+                <a:schemeClr val="tx1"/>
+              </a:solidFill>
+              <a:latin typeface="+mn-lt"/>
+              <a:ea typeface="+mn-ea"/>
+              <a:cs typeface="+mn-cs"/>
+            </a:endParaRPr>
+          </a:p>
+          <a:p>
+            <a:endParaRPr lang="vi-VN" sz="1200" kern="1200" dirty="0">
+              <a:solidFill>
+                <a:schemeClr val="tx1"/>
+              </a:solidFill>
+              <a:latin typeface="+mn-lt"/>
+              <a:ea typeface="+mn-ea"/>
+              <a:cs typeface="+mn-cs"/>
+            </a:endParaRPr>
+          </a:p>
+          <a:p>
+            <a:endParaRPr lang="vi-VN" sz="1200" kern="1200" dirty="0">
+              <a:solidFill>
+                <a:schemeClr val="tx1"/>
+              </a:solidFill>
+              <a:latin typeface="+mn-lt"/>
+              <a:ea typeface="+mn-ea"/>
+              <a:cs typeface="+mn-cs"/>
+            </a:endParaRPr>
+          </a:p>
+          <a:p>
+            <a:r>
+              <a:rPr lang="en-US" sz="1200" kern="1200" dirty="0">
+                <a:solidFill>
+                  <a:schemeClr val="tx1"/>
+                </a:solidFill>
+                <a:latin typeface="+mn-lt"/>
+                <a:ea typeface="+mn-ea"/>
+                <a:cs typeface="+mn-cs"/>
+              </a:rPr>
+              <a:t>-- SELECT folder shared for user with </a:t>
+            </a:r>
+            <a:r>
+              <a:rPr lang="en-US" sz="1200" kern="1200" dirty="0" err="1">
+                <a:solidFill>
+                  <a:schemeClr val="tx1"/>
+                </a:solidFill>
+                <a:latin typeface="+mn-lt"/>
+                <a:ea typeface="+mn-ea"/>
+                <a:cs typeface="+mn-cs"/>
+              </a:rPr>
+              <a:t>userid</a:t>
+            </a:r>
+            <a:r>
+              <a:rPr lang="en-US" sz="1200" kern="1200" dirty="0">
+                <a:solidFill>
+                  <a:schemeClr val="tx1"/>
+                </a:solidFill>
+                <a:latin typeface="+mn-lt"/>
+                <a:ea typeface="+mn-ea"/>
+                <a:cs typeface="+mn-cs"/>
+              </a:rPr>
+              <a:t> = 101</a:t>
+            </a:r>
+          </a:p>
+          <a:p>
+            <a:r>
+              <a:rPr lang="vi-VN" sz="1200" kern="1200" dirty="0">
+                <a:solidFill>
+                  <a:schemeClr val="tx1"/>
+                </a:solidFill>
+                <a:latin typeface="+mn-lt"/>
+                <a:ea typeface="+mn-ea"/>
+                <a:cs typeface="+mn-cs"/>
+              </a:rPr>
+              <a:t>DECLARE @userId INT = 101</a:t>
+            </a:r>
+          </a:p>
+          <a:p>
+            <a:r>
+              <a:rPr lang="vi-VN" sz="1200" kern="1200" dirty="0">
+                <a:solidFill>
+                  <a:schemeClr val="tx1"/>
+                </a:solidFill>
+                <a:latin typeface="+mn-lt"/>
+                <a:ea typeface="+mn-ea"/>
+                <a:cs typeface="+mn-cs"/>
+              </a:rPr>
+              <a:t>SELECT </a:t>
+            </a:r>
+          </a:p>
+          <a:p>
+            <a:r>
+              <a:rPr lang="vi-VN" sz="1200" kern="1200" dirty="0" err="1">
+                <a:solidFill>
+                  <a:schemeClr val="tx1"/>
+                </a:solidFill>
+                <a:latin typeface="+mn-lt"/>
+                <a:ea typeface="+mn-ea"/>
+                <a:cs typeface="+mn-cs"/>
+              </a:rPr>
+              <a:t>a.UserName</a:t>
+            </a:r>
+            <a:r>
+              <a:rPr lang="vi-VN" sz="1200" kern="1200" dirty="0">
+                <a:solidFill>
+                  <a:schemeClr val="tx1"/>
+                </a:solidFill>
+                <a:latin typeface="+mn-lt"/>
+                <a:ea typeface="+mn-ea"/>
+                <a:cs typeface="+mn-cs"/>
+              </a:rPr>
+              <a:t>,</a:t>
+            </a:r>
+          </a:p>
+          <a:p>
+            <a:r>
+              <a:rPr lang="vi-VN" sz="1200" kern="1200" dirty="0" err="1">
+                <a:solidFill>
+                  <a:schemeClr val="tx1"/>
+                </a:solidFill>
+                <a:latin typeface="+mn-lt"/>
+                <a:ea typeface="+mn-ea"/>
+                <a:cs typeface="+mn-cs"/>
+              </a:rPr>
+              <a:t>fo.FolderId</a:t>
+            </a:r>
+            <a:r>
+              <a:rPr lang="vi-VN" sz="1200" kern="1200" dirty="0">
+                <a:solidFill>
+                  <a:schemeClr val="tx1"/>
+                </a:solidFill>
+                <a:latin typeface="+mn-lt"/>
+                <a:ea typeface="+mn-ea"/>
+                <a:cs typeface="+mn-cs"/>
+              </a:rPr>
+              <a:t>,</a:t>
+            </a:r>
+          </a:p>
+          <a:p>
+            <a:r>
+              <a:rPr lang="vi-VN" sz="1200" kern="1200" dirty="0" err="1">
+                <a:solidFill>
+                  <a:schemeClr val="tx1"/>
+                </a:solidFill>
+                <a:latin typeface="+mn-lt"/>
+                <a:ea typeface="+mn-ea"/>
+                <a:cs typeface="+mn-cs"/>
+              </a:rPr>
+              <a:t>p.PermissionName</a:t>
+            </a:r>
+            <a:r>
+              <a:rPr lang="vi-VN" sz="1200" kern="1200" dirty="0">
+                <a:solidFill>
+                  <a:schemeClr val="tx1"/>
+                </a:solidFill>
+                <a:latin typeface="+mn-lt"/>
+                <a:ea typeface="+mn-ea"/>
+                <a:cs typeface="+mn-cs"/>
+              </a:rPr>
+              <a:t>,</a:t>
+            </a:r>
+          </a:p>
+          <a:p>
+            <a:r>
+              <a:rPr lang="vi-VN" sz="1200" kern="1200" dirty="0" err="1">
+                <a:solidFill>
+                  <a:schemeClr val="tx1"/>
+                </a:solidFill>
+                <a:latin typeface="+mn-lt"/>
+                <a:ea typeface="+mn-ea"/>
+                <a:cs typeface="+mn-cs"/>
+              </a:rPr>
+              <a:t>fo.FolderName</a:t>
+            </a:r>
+            <a:endParaRPr lang="vi-VN" sz="1200" kern="1200" dirty="0">
+              <a:solidFill>
+                <a:schemeClr val="tx1"/>
+              </a:solidFill>
+              <a:latin typeface="+mn-lt"/>
+              <a:ea typeface="+mn-ea"/>
+              <a:cs typeface="+mn-cs"/>
+            </a:endParaRPr>
+          </a:p>
+          <a:p>
+            <a:r>
+              <a:rPr lang="vi-VN" sz="1200" kern="1200" dirty="0">
+                <a:solidFill>
+                  <a:schemeClr val="tx1"/>
+                </a:solidFill>
+                <a:latin typeface="+mn-lt"/>
+                <a:ea typeface="+mn-ea"/>
+                <a:cs typeface="+mn-cs"/>
+              </a:rPr>
+              <a:t>FROM </a:t>
+            </a:r>
+            <a:r>
+              <a:rPr lang="vi-VN" sz="1200" kern="1200" dirty="0" err="1">
+                <a:solidFill>
+                  <a:schemeClr val="tx1"/>
+                </a:solidFill>
+                <a:latin typeface="+mn-lt"/>
+                <a:ea typeface="+mn-ea"/>
+                <a:cs typeface="+mn-cs"/>
+              </a:rPr>
+              <a:t>SharedUser</a:t>
+            </a:r>
+            <a:r>
+              <a:rPr lang="vi-VN" sz="1200" kern="1200" dirty="0">
+                <a:solidFill>
+                  <a:schemeClr val="tx1"/>
+                </a:solidFill>
+                <a:latin typeface="+mn-lt"/>
+                <a:ea typeface="+mn-ea"/>
+                <a:cs typeface="+mn-cs"/>
+              </a:rPr>
+              <a:t> su</a:t>
+            </a:r>
+          </a:p>
+          <a:p>
+            <a:r>
+              <a:rPr lang="en-US" sz="1200" kern="1200" dirty="0">
+                <a:solidFill>
+                  <a:schemeClr val="tx1"/>
+                </a:solidFill>
+                <a:latin typeface="+mn-lt"/>
+                <a:ea typeface="+mn-ea"/>
+                <a:cs typeface="+mn-cs"/>
+              </a:rPr>
+              <a:t>JOIN Account a ON </a:t>
+            </a:r>
+            <a:r>
+              <a:rPr lang="en-US" sz="1200" kern="1200" dirty="0" err="1">
+                <a:solidFill>
+                  <a:schemeClr val="tx1"/>
+                </a:solidFill>
+                <a:latin typeface="+mn-lt"/>
+                <a:ea typeface="+mn-ea"/>
+                <a:cs typeface="+mn-cs"/>
+              </a:rPr>
+              <a:t>su.SharedUserId</a:t>
+            </a:r>
+            <a:r>
+              <a:rPr lang="en-US" sz="1200" kern="1200" dirty="0">
+                <a:solidFill>
+                  <a:schemeClr val="tx1"/>
+                </a:solidFill>
+                <a:latin typeface="+mn-lt"/>
+                <a:ea typeface="+mn-ea"/>
+                <a:cs typeface="+mn-cs"/>
+              </a:rPr>
+              <a:t> = </a:t>
+            </a:r>
+            <a:r>
+              <a:rPr lang="en-US" sz="1200" kern="1200" dirty="0" err="1">
+                <a:solidFill>
+                  <a:schemeClr val="tx1"/>
+                </a:solidFill>
+                <a:latin typeface="+mn-lt"/>
+                <a:ea typeface="+mn-ea"/>
+                <a:cs typeface="+mn-cs"/>
+              </a:rPr>
+              <a:t>a.UserId</a:t>
+            </a:r>
+            <a:endParaRPr lang="en-US" sz="1200" kern="1200" dirty="0">
+              <a:solidFill>
+                <a:schemeClr val="tx1"/>
+              </a:solidFill>
+              <a:latin typeface="+mn-lt"/>
+              <a:ea typeface="+mn-ea"/>
+              <a:cs typeface="+mn-cs"/>
+            </a:endParaRPr>
+          </a:p>
+          <a:p>
+            <a:r>
+              <a:rPr lang="en-US" sz="1200" kern="1200" dirty="0">
+                <a:solidFill>
+                  <a:schemeClr val="tx1"/>
+                </a:solidFill>
+                <a:latin typeface="+mn-lt"/>
+                <a:ea typeface="+mn-ea"/>
+                <a:cs typeface="+mn-cs"/>
+              </a:rPr>
+              <a:t>JOIN Share s ON </a:t>
+            </a:r>
+            <a:r>
+              <a:rPr lang="en-US" sz="1200" kern="1200" dirty="0" err="1">
+                <a:solidFill>
+                  <a:schemeClr val="tx1"/>
+                </a:solidFill>
+                <a:latin typeface="+mn-lt"/>
+                <a:ea typeface="+mn-ea"/>
+                <a:cs typeface="+mn-cs"/>
+              </a:rPr>
+              <a:t>su.ShareId</a:t>
+            </a:r>
+            <a:r>
+              <a:rPr lang="en-US" sz="1200" kern="1200" dirty="0">
+                <a:solidFill>
+                  <a:schemeClr val="tx1"/>
+                </a:solidFill>
+                <a:latin typeface="+mn-lt"/>
+                <a:ea typeface="+mn-ea"/>
+                <a:cs typeface="+mn-cs"/>
+              </a:rPr>
+              <a:t> = </a:t>
+            </a:r>
+            <a:r>
+              <a:rPr lang="en-US" sz="1200" kern="1200" dirty="0" err="1">
+                <a:solidFill>
+                  <a:schemeClr val="tx1"/>
+                </a:solidFill>
+                <a:latin typeface="+mn-lt"/>
+                <a:ea typeface="+mn-ea"/>
+                <a:cs typeface="+mn-cs"/>
+              </a:rPr>
+              <a:t>s.ShareId</a:t>
+            </a:r>
+            <a:endParaRPr lang="en-US" sz="1200" kern="1200" dirty="0">
+              <a:solidFill>
+                <a:schemeClr val="tx1"/>
+              </a:solidFill>
+              <a:latin typeface="+mn-lt"/>
+              <a:ea typeface="+mn-ea"/>
+              <a:cs typeface="+mn-cs"/>
+            </a:endParaRPr>
+          </a:p>
+          <a:p>
+            <a:r>
+              <a:rPr lang="vi-VN" sz="1200" kern="1200" dirty="0">
+                <a:solidFill>
+                  <a:schemeClr val="tx1"/>
+                </a:solidFill>
+                <a:latin typeface="+mn-lt"/>
+                <a:ea typeface="+mn-ea"/>
+                <a:cs typeface="+mn-cs"/>
+              </a:rPr>
+              <a:t>JOIN </a:t>
+            </a:r>
+            <a:r>
+              <a:rPr lang="vi-VN" sz="1200" kern="1200" dirty="0" err="1">
+                <a:solidFill>
+                  <a:schemeClr val="tx1"/>
+                </a:solidFill>
+                <a:latin typeface="+mn-lt"/>
+                <a:ea typeface="+mn-ea"/>
+                <a:cs typeface="+mn-cs"/>
+              </a:rPr>
+              <a:t>Permission</a:t>
+            </a:r>
+            <a:r>
+              <a:rPr lang="vi-VN" sz="1200" kern="1200" dirty="0">
+                <a:solidFill>
+                  <a:schemeClr val="tx1"/>
+                </a:solidFill>
+                <a:latin typeface="+mn-lt"/>
+                <a:ea typeface="+mn-ea"/>
+                <a:cs typeface="+mn-cs"/>
+              </a:rPr>
+              <a:t> p ON </a:t>
+            </a:r>
+            <a:r>
+              <a:rPr lang="vi-VN" sz="1200" kern="1200" dirty="0" err="1">
+                <a:solidFill>
+                  <a:schemeClr val="tx1"/>
+                </a:solidFill>
+                <a:latin typeface="+mn-lt"/>
+                <a:ea typeface="+mn-ea"/>
+                <a:cs typeface="+mn-cs"/>
+              </a:rPr>
+              <a:t>su.PermissionId</a:t>
+            </a:r>
+            <a:r>
+              <a:rPr lang="vi-VN" sz="1200" kern="1200" dirty="0">
+                <a:solidFill>
+                  <a:schemeClr val="tx1"/>
+                </a:solidFill>
+                <a:latin typeface="+mn-lt"/>
+                <a:ea typeface="+mn-ea"/>
+                <a:cs typeface="+mn-cs"/>
+              </a:rPr>
+              <a:t> = </a:t>
+            </a:r>
+            <a:r>
+              <a:rPr lang="vi-VN" sz="1200" kern="1200" dirty="0" err="1">
+                <a:solidFill>
+                  <a:schemeClr val="tx1"/>
+                </a:solidFill>
+                <a:latin typeface="+mn-lt"/>
+                <a:ea typeface="+mn-ea"/>
+                <a:cs typeface="+mn-cs"/>
+              </a:rPr>
+              <a:t>p.PermissionId</a:t>
+            </a:r>
+            <a:endParaRPr lang="vi-VN" sz="1200" kern="1200" dirty="0">
+              <a:solidFill>
+                <a:schemeClr val="tx1"/>
+              </a:solidFill>
+              <a:latin typeface="+mn-lt"/>
+              <a:ea typeface="+mn-ea"/>
+              <a:cs typeface="+mn-cs"/>
+            </a:endParaRPr>
+          </a:p>
+          <a:p>
+            <a:r>
+              <a:rPr lang="vi-VN" sz="1200" kern="1200" dirty="0">
+                <a:solidFill>
+                  <a:schemeClr val="tx1"/>
+                </a:solidFill>
+                <a:latin typeface="+mn-lt"/>
+                <a:ea typeface="+mn-ea"/>
+                <a:cs typeface="+mn-cs"/>
+              </a:rPr>
+              <a:t>LEFT JOIN </a:t>
+            </a:r>
+            <a:r>
+              <a:rPr lang="vi-VN" sz="1200" kern="1200" dirty="0" err="1">
+                <a:solidFill>
+                  <a:schemeClr val="tx1"/>
+                </a:solidFill>
+                <a:latin typeface="+mn-lt"/>
+                <a:ea typeface="+mn-ea"/>
+                <a:cs typeface="+mn-cs"/>
+              </a:rPr>
+              <a:t>Folder</a:t>
+            </a:r>
+            <a:r>
+              <a:rPr lang="vi-VN" sz="1200" kern="1200" dirty="0">
+                <a:solidFill>
+                  <a:schemeClr val="tx1"/>
+                </a:solidFill>
+                <a:latin typeface="+mn-lt"/>
+                <a:ea typeface="+mn-ea"/>
+                <a:cs typeface="+mn-cs"/>
+              </a:rPr>
+              <a:t> </a:t>
+            </a:r>
+            <a:r>
+              <a:rPr lang="vi-VN" sz="1200" kern="1200" dirty="0" err="1">
+                <a:solidFill>
+                  <a:schemeClr val="tx1"/>
+                </a:solidFill>
+                <a:latin typeface="+mn-lt"/>
+                <a:ea typeface="+mn-ea"/>
+                <a:cs typeface="+mn-cs"/>
+              </a:rPr>
+              <a:t>fo</a:t>
+            </a:r>
+            <a:r>
+              <a:rPr lang="vi-VN" sz="1200" kern="1200" dirty="0">
+                <a:solidFill>
+                  <a:schemeClr val="tx1"/>
+                </a:solidFill>
+                <a:latin typeface="+mn-lt"/>
+                <a:ea typeface="+mn-ea"/>
+                <a:cs typeface="+mn-cs"/>
+              </a:rPr>
+              <a:t> ON </a:t>
+            </a:r>
+            <a:r>
+              <a:rPr lang="vi-VN" sz="1200" kern="1200" dirty="0" err="1">
+                <a:solidFill>
+                  <a:schemeClr val="tx1"/>
+                </a:solidFill>
+                <a:latin typeface="+mn-lt"/>
+                <a:ea typeface="+mn-ea"/>
+                <a:cs typeface="+mn-cs"/>
+              </a:rPr>
+              <a:t>s.ObjectTypeId</a:t>
+            </a:r>
+            <a:r>
+              <a:rPr lang="vi-VN" sz="1200" kern="1200" dirty="0">
+                <a:solidFill>
+                  <a:schemeClr val="tx1"/>
+                </a:solidFill>
+                <a:latin typeface="+mn-lt"/>
+                <a:ea typeface="+mn-ea"/>
+                <a:cs typeface="+mn-cs"/>
+              </a:rPr>
+              <a:t> = 1 AND </a:t>
+            </a:r>
+            <a:r>
+              <a:rPr lang="vi-VN" sz="1200" kern="1200" dirty="0" err="1">
+                <a:solidFill>
+                  <a:schemeClr val="tx1"/>
+                </a:solidFill>
+                <a:latin typeface="+mn-lt"/>
+                <a:ea typeface="+mn-ea"/>
+                <a:cs typeface="+mn-cs"/>
+              </a:rPr>
+              <a:t>fo.FolderId</a:t>
+            </a:r>
+            <a:r>
+              <a:rPr lang="vi-VN" sz="1200" kern="1200" dirty="0">
+                <a:solidFill>
+                  <a:schemeClr val="tx1"/>
+                </a:solidFill>
+                <a:latin typeface="+mn-lt"/>
+                <a:ea typeface="+mn-ea"/>
+                <a:cs typeface="+mn-cs"/>
+              </a:rPr>
+              <a:t> = </a:t>
+            </a:r>
+            <a:r>
+              <a:rPr lang="vi-VN" sz="1200" kern="1200" dirty="0" err="1">
+                <a:solidFill>
+                  <a:schemeClr val="tx1"/>
+                </a:solidFill>
+                <a:latin typeface="+mn-lt"/>
+                <a:ea typeface="+mn-ea"/>
+                <a:cs typeface="+mn-cs"/>
+              </a:rPr>
+              <a:t>s.ObjectId</a:t>
+            </a:r>
+            <a:endParaRPr lang="vi-VN" sz="1200" kern="1200" dirty="0">
+              <a:solidFill>
+                <a:schemeClr val="tx1"/>
+              </a:solidFill>
+              <a:latin typeface="+mn-lt"/>
+              <a:ea typeface="+mn-ea"/>
+              <a:cs typeface="+mn-cs"/>
+            </a:endParaRPr>
+          </a:p>
+          <a:p>
+            <a:r>
+              <a:rPr lang="vi-VN" sz="1200" kern="1200" dirty="0">
+                <a:solidFill>
+                  <a:schemeClr val="tx1"/>
+                </a:solidFill>
+                <a:latin typeface="+mn-lt"/>
+                <a:ea typeface="+mn-ea"/>
+                <a:cs typeface="+mn-cs"/>
+              </a:rPr>
+              <a:t>WHERE </a:t>
+            </a:r>
+            <a:r>
+              <a:rPr lang="vi-VN" sz="1200" kern="1200" dirty="0" err="1">
+                <a:solidFill>
+                  <a:schemeClr val="tx1"/>
+                </a:solidFill>
+                <a:latin typeface="+mn-lt"/>
+                <a:ea typeface="+mn-ea"/>
+                <a:cs typeface="+mn-cs"/>
+              </a:rPr>
+              <a:t>su.UserId</a:t>
+            </a:r>
+            <a:r>
+              <a:rPr lang="vi-VN" sz="1200" kern="1200" dirty="0">
+                <a:solidFill>
+                  <a:schemeClr val="tx1"/>
+                </a:solidFill>
+                <a:latin typeface="+mn-lt"/>
+                <a:ea typeface="+mn-ea"/>
+                <a:cs typeface="+mn-cs"/>
+              </a:rPr>
+              <a:t> = @userId</a:t>
+            </a:r>
+          </a:p>
+          <a:p>
+            <a:endParaRPr lang="vi-VN" sz="1200" kern="1200" dirty="0">
+              <a:solidFill>
+                <a:schemeClr val="tx1"/>
+              </a:solidFill>
+              <a:latin typeface="+mn-lt"/>
+              <a:ea typeface="+mn-ea"/>
+              <a:cs typeface="+mn-cs"/>
+            </a:endParaRPr>
+          </a:p>
+          <a:p>
+            <a:endParaRPr lang="vi-VN" sz="1200" kern="1200" dirty="0">
+              <a:solidFill>
+                <a:schemeClr val="tx1"/>
+              </a:solidFill>
+              <a:latin typeface="+mn-lt"/>
+              <a:ea typeface="+mn-ea"/>
+              <a:cs typeface="+mn-cs"/>
+            </a:endParaRPr>
+          </a:p>
+          <a:p>
+            <a:endParaRPr lang="vi-VN" sz="1200" kern="1200" dirty="0">
+              <a:solidFill>
+                <a:schemeClr val="tx1"/>
+              </a:solidFill>
+              <a:latin typeface="+mn-lt"/>
+              <a:ea typeface="+mn-ea"/>
+              <a:cs typeface="+mn-cs"/>
+            </a:endParaRPr>
+          </a:p>
+          <a:p>
+            <a:r>
+              <a:rPr lang="en-US" sz="1200" kern="1200" dirty="0">
+                <a:solidFill>
+                  <a:schemeClr val="tx1"/>
+                </a:solidFill>
+                <a:latin typeface="+mn-lt"/>
+                <a:ea typeface="+mn-ea"/>
+                <a:cs typeface="+mn-cs"/>
+              </a:rPr>
+              <a:t>-- SELECT file shared for user with </a:t>
+            </a:r>
+            <a:r>
+              <a:rPr lang="en-US" sz="1200" kern="1200" dirty="0" err="1">
+                <a:solidFill>
+                  <a:schemeClr val="tx1"/>
+                </a:solidFill>
+                <a:latin typeface="+mn-lt"/>
+                <a:ea typeface="+mn-ea"/>
+                <a:cs typeface="+mn-cs"/>
+              </a:rPr>
+              <a:t>userid</a:t>
+            </a:r>
+            <a:r>
+              <a:rPr lang="en-US" sz="1200" kern="1200" dirty="0">
+                <a:solidFill>
+                  <a:schemeClr val="tx1"/>
+                </a:solidFill>
+                <a:latin typeface="+mn-lt"/>
+                <a:ea typeface="+mn-ea"/>
+                <a:cs typeface="+mn-cs"/>
+              </a:rPr>
+              <a:t> = 102</a:t>
+            </a:r>
+          </a:p>
+          <a:p>
+            <a:r>
+              <a:rPr lang="vi-VN" sz="1200" kern="1200" dirty="0">
+                <a:solidFill>
+                  <a:schemeClr val="tx1"/>
+                </a:solidFill>
+                <a:latin typeface="+mn-lt"/>
+                <a:ea typeface="+mn-ea"/>
+                <a:cs typeface="+mn-cs"/>
+              </a:rPr>
+              <a:t>DECLARE @userId INT = 102</a:t>
+            </a:r>
+          </a:p>
+          <a:p>
+            <a:r>
+              <a:rPr lang="vi-VN" sz="1200" kern="1200" dirty="0">
+                <a:solidFill>
+                  <a:schemeClr val="tx1"/>
+                </a:solidFill>
+                <a:latin typeface="+mn-lt"/>
+                <a:ea typeface="+mn-ea"/>
+                <a:cs typeface="+mn-cs"/>
+              </a:rPr>
+              <a:t>SELECT </a:t>
+            </a:r>
+          </a:p>
+          <a:p>
+            <a:r>
+              <a:rPr lang="vi-VN" sz="1200" kern="1200" dirty="0" err="1">
+                <a:solidFill>
+                  <a:schemeClr val="tx1"/>
+                </a:solidFill>
+                <a:latin typeface="+mn-lt"/>
+                <a:ea typeface="+mn-ea"/>
+                <a:cs typeface="+mn-cs"/>
+              </a:rPr>
+              <a:t>a.UserName</a:t>
+            </a:r>
+            <a:r>
+              <a:rPr lang="vi-VN" sz="1200" kern="1200" dirty="0">
+                <a:solidFill>
+                  <a:schemeClr val="tx1"/>
+                </a:solidFill>
+                <a:latin typeface="+mn-lt"/>
+                <a:ea typeface="+mn-ea"/>
+                <a:cs typeface="+mn-cs"/>
+              </a:rPr>
+              <a:t>,</a:t>
+            </a:r>
+          </a:p>
+          <a:p>
+            <a:r>
+              <a:rPr lang="vi-VN" sz="1200" kern="1200" dirty="0" err="1">
+                <a:solidFill>
+                  <a:schemeClr val="tx1"/>
+                </a:solidFill>
+                <a:latin typeface="+mn-lt"/>
+                <a:ea typeface="+mn-ea"/>
+                <a:cs typeface="+mn-cs"/>
+              </a:rPr>
+              <a:t>p.PermissionName</a:t>
+            </a:r>
+            <a:r>
+              <a:rPr lang="vi-VN" sz="1200" kern="1200" dirty="0">
+                <a:solidFill>
+                  <a:schemeClr val="tx1"/>
+                </a:solidFill>
+                <a:latin typeface="+mn-lt"/>
+                <a:ea typeface="+mn-ea"/>
+                <a:cs typeface="+mn-cs"/>
+              </a:rPr>
+              <a:t>,</a:t>
+            </a:r>
+          </a:p>
+          <a:p>
+            <a:r>
+              <a:rPr lang="vi-VN" sz="1200" kern="1200" dirty="0" err="1">
+                <a:solidFill>
+                  <a:schemeClr val="tx1"/>
+                </a:solidFill>
+                <a:latin typeface="+mn-lt"/>
+                <a:ea typeface="+mn-ea"/>
+                <a:cs typeface="+mn-cs"/>
+              </a:rPr>
+              <a:t>f.FileId</a:t>
+            </a:r>
+            <a:r>
+              <a:rPr lang="vi-VN" sz="1200" kern="1200" dirty="0">
+                <a:solidFill>
+                  <a:schemeClr val="tx1"/>
+                </a:solidFill>
+                <a:latin typeface="+mn-lt"/>
+                <a:ea typeface="+mn-ea"/>
+                <a:cs typeface="+mn-cs"/>
+              </a:rPr>
+              <a:t>,</a:t>
+            </a:r>
+          </a:p>
+          <a:p>
+            <a:r>
+              <a:rPr lang="vi-VN" sz="1200" kern="1200" dirty="0" err="1">
+                <a:solidFill>
+                  <a:schemeClr val="tx1"/>
+                </a:solidFill>
+                <a:latin typeface="+mn-lt"/>
+                <a:ea typeface="+mn-ea"/>
+                <a:cs typeface="+mn-cs"/>
+              </a:rPr>
+              <a:t>f.UserFileName</a:t>
+            </a:r>
+            <a:endParaRPr lang="vi-VN" sz="1200" kern="1200" dirty="0">
+              <a:solidFill>
+                <a:schemeClr val="tx1"/>
+              </a:solidFill>
+              <a:latin typeface="+mn-lt"/>
+              <a:ea typeface="+mn-ea"/>
+              <a:cs typeface="+mn-cs"/>
+            </a:endParaRPr>
+          </a:p>
+          <a:p>
+            <a:r>
+              <a:rPr lang="vi-VN" sz="1200" kern="1200" dirty="0">
+                <a:solidFill>
+                  <a:schemeClr val="tx1"/>
+                </a:solidFill>
+                <a:latin typeface="+mn-lt"/>
+                <a:ea typeface="+mn-ea"/>
+                <a:cs typeface="+mn-cs"/>
+              </a:rPr>
+              <a:t>FROM </a:t>
+            </a:r>
+            <a:r>
+              <a:rPr lang="vi-VN" sz="1200" kern="1200" dirty="0" err="1">
+                <a:solidFill>
+                  <a:schemeClr val="tx1"/>
+                </a:solidFill>
+                <a:latin typeface="+mn-lt"/>
+                <a:ea typeface="+mn-ea"/>
+                <a:cs typeface="+mn-cs"/>
+              </a:rPr>
+              <a:t>SharedUser</a:t>
+            </a:r>
+            <a:r>
+              <a:rPr lang="vi-VN" sz="1200" kern="1200" dirty="0">
+                <a:solidFill>
+                  <a:schemeClr val="tx1"/>
+                </a:solidFill>
+                <a:latin typeface="+mn-lt"/>
+                <a:ea typeface="+mn-ea"/>
+                <a:cs typeface="+mn-cs"/>
+              </a:rPr>
+              <a:t> su</a:t>
+            </a:r>
+          </a:p>
+          <a:p>
+            <a:r>
+              <a:rPr lang="en-US" sz="1200" kern="1200" dirty="0">
+                <a:solidFill>
+                  <a:schemeClr val="tx1"/>
+                </a:solidFill>
+                <a:latin typeface="+mn-lt"/>
+                <a:ea typeface="+mn-ea"/>
+                <a:cs typeface="+mn-cs"/>
+              </a:rPr>
+              <a:t>JOIN Account a ON </a:t>
+            </a:r>
+            <a:r>
+              <a:rPr lang="en-US" sz="1200" kern="1200" dirty="0" err="1">
+                <a:solidFill>
+                  <a:schemeClr val="tx1"/>
+                </a:solidFill>
+                <a:latin typeface="+mn-lt"/>
+                <a:ea typeface="+mn-ea"/>
+                <a:cs typeface="+mn-cs"/>
+              </a:rPr>
+              <a:t>su.SharedUserId</a:t>
+            </a:r>
+            <a:r>
+              <a:rPr lang="en-US" sz="1200" kern="1200" dirty="0">
+                <a:solidFill>
+                  <a:schemeClr val="tx1"/>
+                </a:solidFill>
+                <a:latin typeface="+mn-lt"/>
+                <a:ea typeface="+mn-ea"/>
+                <a:cs typeface="+mn-cs"/>
+              </a:rPr>
+              <a:t> = </a:t>
+            </a:r>
+            <a:r>
+              <a:rPr lang="en-US" sz="1200" kern="1200" dirty="0" err="1">
+                <a:solidFill>
+                  <a:schemeClr val="tx1"/>
+                </a:solidFill>
+                <a:latin typeface="+mn-lt"/>
+                <a:ea typeface="+mn-ea"/>
+                <a:cs typeface="+mn-cs"/>
+              </a:rPr>
+              <a:t>a.UserId</a:t>
+            </a:r>
+            <a:endParaRPr lang="en-US" sz="1200" kern="1200" dirty="0">
+              <a:solidFill>
+                <a:schemeClr val="tx1"/>
+              </a:solidFill>
+              <a:latin typeface="+mn-lt"/>
+              <a:ea typeface="+mn-ea"/>
+              <a:cs typeface="+mn-cs"/>
+            </a:endParaRPr>
+          </a:p>
+          <a:p>
+            <a:r>
+              <a:rPr lang="en-US" sz="1200" kern="1200" dirty="0">
+                <a:solidFill>
+                  <a:schemeClr val="tx1"/>
+                </a:solidFill>
+                <a:latin typeface="+mn-lt"/>
+                <a:ea typeface="+mn-ea"/>
+                <a:cs typeface="+mn-cs"/>
+              </a:rPr>
+              <a:t>JOIN Share s ON </a:t>
+            </a:r>
+            <a:r>
+              <a:rPr lang="en-US" sz="1200" kern="1200" dirty="0" err="1">
+                <a:solidFill>
+                  <a:schemeClr val="tx1"/>
+                </a:solidFill>
+                <a:latin typeface="+mn-lt"/>
+                <a:ea typeface="+mn-ea"/>
+                <a:cs typeface="+mn-cs"/>
+              </a:rPr>
+              <a:t>su.ShareId</a:t>
+            </a:r>
+            <a:r>
+              <a:rPr lang="en-US" sz="1200" kern="1200" dirty="0">
+                <a:solidFill>
+                  <a:schemeClr val="tx1"/>
+                </a:solidFill>
+                <a:latin typeface="+mn-lt"/>
+                <a:ea typeface="+mn-ea"/>
+                <a:cs typeface="+mn-cs"/>
+              </a:rPr>
+              <a:t> = </a:t>
+            </a:r>
+            <a:r>
+              <a:rPr lang="en-US" sz="1200" kern="1200" dirty="0" err="1">
+                <a:solidFill>
+                  <a:schemeClr val="tx1"/>
+                </a:solidFill>
+                <a:latin typeface="+mn-lt"/>
+                <a:ea typeface="+mn-ea"/>
+                <a:cs typeface="+mn-cs"/>
+              </a:rPr>
+              <a:t>s.ShareId</a:t>
+            </a:r>
+            <a:endParaRPr lang="en-US" sz="1200" kern="1200" dirty="0">
+              <a:solidFill>
+                <a:schemeClr val="tx1"/>
+              </a:solidFill>
+              <a:latin typeface="+mn-lt"/>
+              <a:ea typeface="+mn-ea"/>
+              <a:cs typeface="+mn-cs"/>
+            </a:endParaRPr>
+          </a:p>
+          <a:p>
+            <a:r>
+              <a:rPr lang="vi-VN" sz="1200" kern="1200" dirty="0">
+                <a:solidFill>
+                  <a:schemeClr val="tx1"/>
+                </a:solidFill>
+                <a:latin typeface="+mn-lt"/>
+                <a:ea typeface="+mn-ea"/>
+                <a:cs typeface="+mn-cs"/>
+              </a:rPr>
+              <a:t>JOIN </a:t>
+            </a:r>
+            <a:r>
+              <a:rPr lang="vi-VN" sz="1200" kern="1200" dirty="0" err="1">
+                <a:solidFill>
+                  <a:schemeClr val="tx1"/>
+                </a:solidFill>
+                <a:latin typeface="+mn-lt"/>
+                <a:ea typeface="+mn-ea"/>
+                <a:cs typeface="+mn-cs"/>
+              </a:rPr>
+              <a:t>Permission</a:t>
+            </a:r>
+            <a:r>
+              <a:rPr lang="vi-VN" sz="1200" kern="1200" dirty="0">
+                <a:solidFill>
+                  <a:schemeClr val="tx1"/>
+                </a:solidFill>
+                <a:latin typeface="+mn-lt"/>
+                <a:ea typeface="+mn-ea"/>
+                <a:cs typeface="+mn-cs"/>
+              </a:rPr>
+              <a:t> p ON </a:t>
+            </a:r>
+            <a:r>
+              <a:rPr lang="vi-VN" sz="1200" kern="1200" dirty="0" err="1">
+                <a:solidFill>
+                  <a:schemeClr val="tx1"/>
+                </a:solidFill>
+                <a:latin typeface="+mn-lt"/>
+                <a:ea typeface="+mn-ea"/>
+                <a:cs typeface="+mn-cs"/>
+              </a:rPr>
+              <a:t>su.PermissionId</a:t>
+            </a:r>
+            <a:r>
+              <a:rPr lang="vi-VN" sz="1200" kern="1200" dirty="0">
+                <a:solidFill>
+                  <a:schemeClr val="tx1"/>
+                </a:solidFill>
+                <a:latin typeface="+mn-lt"/>
+                <a:ea typeface="+mn-ea"/>
+                <a:cs typeface="+mn-cs"/>
+              </a:rPr>
+              <a:t> = </a:t>
+            </a:r>
+            <a:r>
+              <a:rPr lang="vi-VN" sz="1200" kern="1200" dirty="0" err="1">
+                <a:solidFill>
+                  <a:schemeClr val="tx1"/>
+                </a:solidFill>
+                <a:latin typeface="+mn-lt"/>
+                <a:ea typeface="+mn-ea"/>
+                <a:cs typeface="+mn-cs"/>
+              </a:rPr>
+              <a:t>p.PermissionId</a:t>
+            </a:r>
+            <a:endParaRPr lang="vi-VN" sz="1200" kern="1200" dirty="0">
+              <a:solidFill>
+                <a:schemeClr val="tx1"/>
+              </a:solidFill>
+              <a:latin typeface="+mn-lt"/>
+              <a:ea typeface="+mn-ea"/>
+              <a:cs typeface="+mn-cs"/>
+            </a:endParaRPr>
+          </a:p>
+          <a:p>
+            <a:r>
+              <a:rPr lang="vi-VN" sz="1200" kern="1200" dirty="0">
+                <a:solidFill>
+                  <a:schemeClr val="tx1"/>
+                </a:solidFill>
+                <a:latin typeface="+mn-lt"/>
+                <a:ea typeface="+mn-ea"/>
+                <a:cs typeface="+mn-cs"/>
+              </a:rPr>
+              <a:t>LEFT JOIN </a:t>
+            </a:r>
+            <a:r>
+              <a:rPr lang="vi-VN" sz="1200" kern="1200" dirty="0" err="1">
+                <a:solidFill>
+                  <a:schemeClr val="tx1"/>
+                </a:solidFill>
+                <a:latin typeface="+mn-lt"/>
+                <a:ea typeface="+mn-ea"/>
+                <a:cs typeface="+mn-cs"/>
+              </a:rPr>
+              <a:t>UserFile</a:t>
+            </a:r>
+            <a:r>
+              <a:rPr lang="vi-VN" sz="1200" kern="1200" dirty="0">
+                <a:solidFill>
+                  <a:schemeClr val="tx1"/>
+                </a:solidFill>
+                <a:latin typeface="+mn-lt"/>
+                <a:ea typeface="+mn-ea"/>
+                <a:cs typeface="+mn-cs"/>
+              </a:rPr>
+              <a:t> f ON </a:t>
+            </a:r>
+            <a:r>
+              <a:rPr lang="vi-VN" sz="1200" kern="1200" dirty="0" err="1">
+                <a:solidFill>
+                  <a:schemeClr val="tx1"/>
+                </a:solidFill>
+                <a:latin typeface="+mn-lt"/>
+                <a:ea typeface="+mn-ea"/>
+                <a:cs typeface="+mn-cs"/>
+              </a:rPr>
+              <a:t>s.ObjectTypeId</a:t>
+            </a:r>
+            <a:r>
+              <a:rPr lang="vi-VN" sz="1200" kern="1200" dirty="0">
+                <a:solidFill>
+                  <a:schemeClr val="tx1"/>
+                </a:solidFill>
+                <a:latin typeface="+mn-lt"/>
+                <a:ea typeface="+mn-ea"/>
+                <a:cs typeface="+mn-cs"/>
+              </a:rPr>
+              <a:t> = 2 AND </a:t>
+            </a:r>
+            <a:r>
+              <a:rPr lang="vi-VN" sz="1200" kern="1200" dirty="0" err="1">
+                <a:solidFill>
+                  <a:schemeClr val="tx1"/>
+                </a:solidFill>
+                <a:latin typeface="+mn-lt"/>
+                <a:ea typeface="+mn-ea"/>
+                <a:cs typeface="+mn-cs"/>
+              </a:rPr>
+              <a:t>f.FileId</a:t>
+            </a:r>
+            <a:r>
+              <a:rPr lang="vi-VN" sz="1200" kern="1200" dirty="0">
+                <a:solidFill>
+                  <a:schemeClr val="tx1"/>
+                </a:solidFill>
+                <a:latin typeface="+mn-lt"/>
+                <a:ea typeface="+mn-ea"/>
+                <a:cs typeface="+mn-cs"/>
+              </a:rPr>
+              <a:t> = </a:t>
+            </a:r>
+            <a:r>
+              <a:rPr lang="vi-VN" sz="1200" kern="1200" dirty="0" err="1">
+                <a:solidFill>
+                  <a:schemeClr val="tx1"/>
+                </a:solidFill>
+                <a:latin typeface="+mn-lt"/>
+                <a:ea typeface="+mn-ea"/>
+                <a:cs typeface="+mn-cs"/>
+              </a:rPr>
+              <a:t>s.ObjectId</a:t>
+            </a:r>
+            <a:endParaRPr lang="vi-VN" sz="1200" kern="1200" dirty="0">
+              <a:solidFill>
+                <a:schemeClr val="tx1"/>
+              </a:solidFill>
+              <a:latin typeface="+mn-lt"/>
+              <a:ea typeface="+mn-ea"/>
+              <a:cs typeface="+mn-cs"/>
+            </a:endParaRPr>
+          </a:p>
+          <a:p>
+            <a:r>
+              <a:rPr lang="vi-VN" sz="1200" kern="1200" dirty="0">
+                <a:solidFill>
+                  <a:schemeClr val="tx1"/>
+                </a:solidFill>
+                <a:latin typeface="+mn-lt"/>
+                <a:ea typeface="+mn-ea"/>
+                <a:cs typeface="+mn-cs"/>
+              </a:rPr>
+              <a:t>WHERE </a:t>
+            </a:r>
+            <a:r>
+              <a:rPr lang="vi-VN" sz="1200" kern="1200" dirty="0" err="1">
+                <a:solidFill>
+                  <a:schemeClr val="tx1"/>
+                </a:solidFill>
+                <a:latin typeface="+mn-lt"/>
+                <a:ea typeface="+mn-ea"/>
+                <a:cs typeface="+mn-cs"/>
+              </a:rPr>
+              <a:t>su.UserId</a:t>
+            </a:r>
+            <a:r>
+              <a:rPr lang="vi-VN" sz="1200" kern="1200" dirty="0">
+                <a:solidFill>
+                  <a:schemeClr val="tx1"/>
+                </a:solidFill>
+                <a:latin typeface="+mn-lt"/>
+                <a:ea typeface="+mn-ea"/>
+                <a:cs typeface="+mn-cs"/>
+              </a:rPr>
+              <a:t> = @userId</a:t>
+            </a:r>
+          </a:p>
+          <a:p>
+            <a:endParaRPr lang="en-US" dirty="0"/>
+          </a:p>
+          <a:p>
             <a:endParaRPr lang="vi-VN" dirty="0"/>
           </a:p>
         </p:txBody>
@@ -12849,7 +11788,7 @@
     </p:spTree>
     <p:extLst>
       <p:ext uri="{BB962C8B-B14F-4D97-AF65-F5344CB8AC3E}">
-        <p14:creationId xmlns:p14="http://schemas.microsoft.com/office/powerpoint/2010/main" val="3869853433"/>
+        <p14:creationId xmlns:p14="http://schemas.microsoft.com/office/powerpoint/2010/main" val="3522937762"/>
       </p:ext>
     </p:extLst>
   </p:cSld>
@@ -27955,382 +26894,6 @@
           <p:cNvPr id="4" name="Title 3">
             <a:extLst>
               <a:ext uri="{FF2B5EF4-FFF2-40B4-BE49-F238E27FC236}">
-                <a16:creationId xmlns:a16="http://schemas.microsoft.com/office/drawing/2014/main" id="{B1EF7AE5-B2E0-8F0C-0F54-54ED52C3DAF5}"/>
-              </a:ext>
-            </a:extLst>
-          </p:cNvPr>
-          <p:cNvSpPr>
-            <a:spLocks noGrp="1"/>
-          </p:cNvSpPr>
-          <p:nvPr>
-            <p:ph type="title"/>
-          </p:nvPr>
-        </p:nvSpPr>
-        <p:spPr/>
-        <p:txBody>
-          <a:bodyPr/>
-          <a:lstStyle/>
-          <a:p>
-            <a:r>
-              <a:rPr lang="en-US" dirty="0" err="1"/>
-              <a:t>FavoriteObject</a:t>
-            </a:r>
-            <a:endParaRPr lang="vi-VN" dirty="0"/>
-          </a:p>
-        </p:txBody>
-      </p:sp>
-      <p:pic>
-        <p:nvPicPr>
-          <p:cNvPr id="6" name="Picture 5">
-            <a:extLst>
-              <a:ext uri="{FF2B5EF4-FFF2-40B4-BE49-F238E27FC236}">
-                <a16:creationId xmlns:a16="http://schemas.microsoft.com/office/drawing/2014/main" id="{D7882475-5F2B-98B7-DBC8-5E58D6464AFA}"/>
-              </a:ext>
-            </a:extLst>
-          </p:cNvPr>
-          <p:cNvPicPr>
-            <a:picLocks noChangeAspect="1"/>
-          </p:cNvPicPr>
-          <p:nvPr/>
-        </p:nvPicPr>
-        <p:blipFill>
-          <a:blip r:embed="rId3"/>
-          <a:stretch>
-            <a:fillRect/>
-          </a:stretch>
-        </p:blipFill>
-        <p:spPr>
-          <a:xfrm>
-            <a:off x="674077" y="831892"/>
-            <a:ext cx="10843846" cy="5194215"/>
-          </a:xfrm>
-          <a:prstGeom prst="rect">
-            <a:avLst/>
-          </a:prstGeom>
-        </p:spPr>
-      </p:pic>
-    </p:spTree>
-    <p:extLst>
-      <p:ext uri="{BB962C8B-B14F-4D97-AF65-F5344CB8AC3E}">
-        <p14:creationId xmlns:p14="http://schemas.microsoft.com/office/powerpoint/2010/main" val="3571899616"/>
-      </p:ext>
-    </p:extLst>
-  </p:cSld>
-  <p:clrMapOvr>
-    <a:masterClrMapping/>
-  </p:clrMapOvr>
-  <p:transition spd="slow">
-    <p:push dir="u"/>
-  </p:transition>
-</p:sld>
-</file>
-
-<file path=ppt/slides/slide14.xml><?xml version="1.0" encoding="utf-8"?>
-<p:sld xmlns:a="http://schemas.openxmlformats.org/drawingml/2006/main" xmlns:r="http://schemas.openxmlformats.org/officeDocument/2006/relationships" xmlns:p="http://schemas.openxmlformats.org/presentationml/2006/main">
-  <p:cSld>
-    <p:spTree>
-      <p:nvGrpSpPr>
-        <p:cNvPr id="1" name=""/>
-        <p:cNvGrpSpPr/>
-        <p:nvPr/>
-      </p:nvGrpSpPr>
-      <p:grpSpPr>
-        <a:xfrm>
-          <a:off x="0" y="0"/>
-          <a:ext cx="0" cy="0"/>
-          <a:chOff x="0" y="0"/>
-          <a:chExt cx="0" cy="0"/>
-        </a:xfrm>
-      </p:grpSpPr>
-      <p:sp>
-        <p:nvSpPr>
-          <p:cNvPr id="4" name="Title 3">
-            <a:extLst>
-              <a:ext uri="{FF2B5EF4-FFF2-40B4-BE49-F238E27FC236}">
-                <a16:creationId xmlns:a16="http://schemas.microsoft.com/office/drawing/2014/main" id="{2A337B39-8BF4-DAA4-B5C3-8DAB9D3CFAD8}"/>
-              </a:ext>
-            </a:extLst>
-          </p:cNvPr>
-          <p:cNvSpPr>
-            <a:spLocks noGrp="1"/>
-          </p:cNvSpPr>
-          <p:nvPr>
-            <p:ph type="title"/>
-          </p:nvPr>
-        </p:nvSpPr>
-        <p:spPr/>
-        <p:txBody>
-          <a:bodyPr/>
-          <a:lstStyle/>
-          <a:p>
-            <a:r>
-              <a:rPr lang="en-US" dirty="0"/>
-              <a:t>Sample Data </a:t>
-            </a:r>
-            <a:r>
-              <a:rPr lang="en-US" dirty="0" err="1"/>
-              <a:t>FavoriteObject</a:t>
-            </a:r>
-            <a:endParaRPr lang="vi-VN" dirty="0"/>
-          </a:p>
-        </p:txBody>
-      </p:sp>
-      <p:pic>
-        <p:nvPicPr>
-          <p:cNvPr id="7" name="Picture 6">
-            <a:extLst>
-              <a:ext uri="{FF2B5EF4-FFF2-40B4-BE49-F238E27FC236}">
-                <a16:creationId xmlns:a16="http://schemas.microsoft.com/office/drawing/2014/main" id="{DA6D1F22-8AD6-6F12-FBB6-71D084EC7C2C}"/>
-              </a:ext>
-            </a:extLst>
-          </p:cNvPr>
-          <p:cNvPicPr>
-            <a:picLocks noChangeAspect="1"/>
-          </p:cNvPicPr>
-          <p:nvPr/>
-        </p:nvPicPr>
-        <p:blipFill>
-          <a:blip r:embed="rId2"/>
-          <a:stretch>
-            <a:fillRect/>
-          </a:stretch>
-        </p:blipFill>
-        <p:spPr>
-          <a:xfrm>
-            <a:off x="1864536" y="1371576"/>
-            <a:ext cx="8462927" cy="4114848"/>
-          </a:xfrm>
-          <a:prstGeom prst="rect">
-            <a:avLst/>
-          </a:prstGeom>
-        </p:spPr>
-      </p:pic>
-    </p:spTree>
-    <p:extLst>
-      <p:ext uri="{BB962C8B-B14F-4D97-AF65-F5344CB8AC3E}">
-        <p14:creationId xmlns:p14="http://schemas.microsoft.com/office/powerpoint/2010/main" val="1014588424"/>
-      </p:ext>
-    </p:extLst>
-  </p:cSld>
-  <p:clrMapOvr>
-    <a:masterClrMapping/>
-  </p:clrMapOvr>
-  <p:transition spd="slow">
-    <p:push dir="u"/>
-  </p:transition>
-</p:sld>
-</file>
-
-<file path=ppt/slides/slide15.xml><?xml version="1.0" encoding="utf-8"?>
-<p:sld xmlns:a="http://schemas.openxmlformats.org/drawingml/2006/main" xmlns:r="http://schemas.openxmlformats.org/officeDocument/2006/relationships" xmlns:p="http://schemas.openxmlformats.org/presentationml/2006/main">
-  <p:cSld>
-    <p:spTree>
-      <p:nvGrpSpPr>
-        <p:cNvPr id="1" name=""/>
-        <p:cNvGrpSpPr/>
-        <p:nvPr/>
-      </p:nvGrpSpPr>
-      <p:grpSpPr>
-        <a:xfrm>
-          <a:off x="0" y="0"/>
-          <a:ext cx="0" cy="0"/>
-          <a:chOff x="0" y="0"/>
-          <a:chExt cx="0" cy="0"/>
-        </a:xfrm>
-      </p:grpSpPr>
-      <p:sp>
-        <p:nvSpPr>
-          <p:cNvPr id="4" name="Title 3">
-            <a:extLst>
-              <a:ext uri="{FF2B5EF4-FFF2-40B4-BE49-F238E27FC236}">
-                <a16:creationId xmlns:a16="http://schemas.microsoft.com/office/drawing/2014/main" id="{9E0F8ADB-540E-D5F5-24A7-7DDAF10B396C}"/>
-              </a:ext>
-            </a:extLst>
-          </p:cNvPr>
-          <p:cNvSpPr>
-            <a:spLocks noGrp="1"/>
-          </p:cNvSpPr>
-          <p:nvPr>
-            <p:ph type="title"/>
-          </p:nvPr>
-        </p:nvSpPr>
-        <p:spPr/>
-        <p:txBody>
-          <a:bodyPr/>
-          <a:lstStyle/>
-          <a:p>
-            <a:r>
-              <a:rPr lang="en-US" dirty="0"/>
-              <a:t>Recent action</a:t>
-            </a:r>
-            <a:endParaRPr lang="vi-VN" dirty="0"/>
-          </a:p>
-        </p:txBody>
-      </p:sp>
-      <p:pic>
-        <p:nvPicPr>
-          <p:cNvPr id="6" name="Picture 5">
-            <a:extLst>
-              <a:ext uri="{FF2B5EF4-FFF2-40B4-BE49-F238E27FC236}">
-                <a16:creationId xmlns:a16="http://schemas.microsoft.com/office/drawing/2014/main" id="{1C622598-B8B4-55AD-7AD5-5AE3D354F5B1}"/>
-              </a:ext>
-            </a:extLst>
-          </p:cNvPr>
-          <p:cNvPicPr>
-            <a:picLocks noChangeAspect="1"/>
-          </p:cNvPicPr>
-          <p:nvPr/>
-        </p:nvPicPr>
-        <p:blipFill>
-          <a:blip r:embed="rId3"/>
-          <a:stretch>
-            <a:fillRect/>
-          </a:stretch>
-        </p:blipFill>
-        <p:spPr>
-          <a:xfrm>
-            <a:off x="1020000" y="1098000"/>
-            <a:ext cx="10151999" cy="5007122"/>
-          </a:xfrm>
-          <a:prstGeom prst="rect">
-            <a:avLst/>
-          </a:prstGeom>
-        </p:spPr>
-      </p:pic>
-    </p:spTree>
-    <p:extLst>
-      <p:ext uri="{BB962C8B-B14F-4D97-AF65-F5344CB8AC3E}">
-        <p14:creationId xmlns:p14="http://schemas.microsoft.com/office/powerpoint/2010/main" val="680880101"/>
-      </p:ext>
-    </p:extLst>
-  </p:cSld>
-  <p:clrMapOvr>
-    <a:masterClrMapping/>
-  </p:clrMapOvr>
-  <p:transition spd="slow">
-    <p:push dir="u"/>
-  </p:transition>
-</p:sld>
-</file>
-
-<file path=ppt/slides/slide16.xml><?xml version="1.0" encoding="utf-8"?>
-<p:sld xmlns:a="http://schemas.openxmlformats.org/drawingml/2006/main" xmlns:r="http://schemas.openxmlformats.org/officeDocument/2006/relationships" xmlns:p="http://schemas.openxmlformats.org/presentationml/2006/main">
-  <p:cSld>
-    <p:spTree>
-      <p:nvGrpSpPr>
-        <p:cNvPr id="1" name=""/>
-        <p:cNvGrpSpPr/>
-        <p:nvPr/>
-      </p:nvGrpSpPr>
-      <p:grpSpPr>
-        <a:xfrm>
-          <a:off x="0" y="0"/>
-          <a:ext cx="0" cy="0"/>
-          <a:chOff x="0" y="0"/>
-          <a:chExt cx="0" cy="0"/>
-        </a:xfrm>
-      </p:grpSpPr>
-      <p:sp>
-        <p:nvSpPr>
-          <p:cNvPr id="4" name="Title 3">
-            <a:extLst>
-              <a:ext uri="{FF2B5EF4-FFF2-40B4-BE49-F238E27FC236}">
-                <a16:creationId xmlns:a16="http://schemas.microsoft.com/office/drawing/2014/main" id="{5E7B5CF3-1218-505F-5466-E99209ABC467}"/>
-              </a:ext>
-            </a:extLst>
-          </p:cNvPr>
-          <p:cNvSpPr>
-            <a:spLocks noGrp="1"/>
-          </p:cNvSpPr>
-          <p:nvPr>
-            <p:ph type="title"/>
-          </p:nvPr>
-        </p:nvSpPr>
-        <p:spPr/>
-        <p:txBody>
-          <a:bodyPr/>
-          <a:lstStyle/>
-          <a:p>
-            <a:r>
-              <a:rPr lang="en-US" dirty="0"/>
-              <a:t>Sample Data </a:t>
-            </a:r>
-            <a:r>
-              <a:rPr lang="en-US" dirty="0" err="1"/>
-              <a:t>ActionRecent</a:t>
-            </a:r>
-            <a:endParaRPr lang="vi-VN" dirty="0"/>
-          </a:p>
-        </p:txBody>
-      </p:sp>
-      <p:pic>
-        <p:nvPicPr>
-          <p:cNvPr id="8" name="Picture 7">
-            <a:extLst>
-              <a:ext uri="{FF2B5EF4-FFF2-40B4-BE49-F238E27FC236}">
-                <a16:creationId xmlns:a16="http://schemas.microsoft.com/office/drawing/2014/main" id="{DDB2B7ED-0732-D7D5-8C63-33E23FE40BE9}"/>
-              </a:ext>
-            </a:extLst>
-          </p:cNvPr>
-          <p:cNvPicPr>
-            <a:picLocks noChangeAspect="1"/>
-          </p:cNvPicPr>
-          <p:nvPr/>
-        </p:nvPicPr>
-        <p:blipFill>
-          <a:blip r:embed="rId2"/>
-          <a:stretch>
-            <a:fillRect/>
-          </a:stretch>
-        </p:blipFill>
-        <p:spPr>
-          <a:xfrm>
-            <a:off x="1502824" y="2052333"/>
-            <a:ext cx="9186351" cy="2753333"/>
-          </a:xfrm>
-          <a:prstGeom prst="rect">
-            <a:avLst/>
-          </a:prstGeom>
-        </p:spPr>
-      </p:pic>
-    </p:spTree>
-    <p:extLst>
-      <p:ext uri="{BB962C8B-B14F-4D97-AF65-F5344CB8AC3E}">
-        <p14:creationId xmlns:p14="http://schemas.microsoft.com/office/powerpoint/2010/main" val="2912935910"/>
-      </p:ext>
-    </p:extLst>
-  </p:cSld>
-  <p:clrMapOvr>
-    <a:masterClrMapping/>
-  </p:clrMapOvr>
-  <p:transition spd="slow">
-    <p:push dir="u"/>
-  </p:transition>
-</p:sld>
-</file>
-
-<file path=ppt/slides/slide17.xml><?xml version="1.0" encoding="utf-8"?>
-<p:sld xmlns:a="http://schemas.openxmlformats.org/drawingml/2006/main" xmlns:r="http://schemas.openxmlformats.org/officeDocument/2006/relationships" xmlns:p="http://schemas.openxmlformats.org/presentationml/2006/main">
-  <p:cSld>
-    <p:spTree>
-      <p:nvGrpSpPr>
-        <p:cNvPr id="1" name=""/>
-        <p:cNvGrpSpPr/>
-        <p:nvPr/>
-      </p:nvGrpSpPr>
-      <p:grpSpPr>
-        <a:xfrm>
-          <a:off x="0" y="0"/>
-          <a:ext cx="0" cy="0"/>
-          <a:chOff x="0" y="0"/>
-          <a:chExt cx="0" cy="0"/>
-        </a:xfrm>
-      </p:grpSpPr>
-      <p:sp>
-        <p:nvSpPr>
-          <p:cNvPr id="4" name="Title 3">
-            <a:extLst>
-              <a:ext uri="{FF2B5EF4-FFF2-40B4-BE49-F238E27FC236}">
                 <a16:creationId xmlns:a16="http://schemas.microsoft.com/office/drawing/2014/main" id="{DF8A7767-AAE9-1A93-E592-493B51745D21}"/>
               </a:ext>
             </a:extLst>
@@ -28739,7 +27302,7 @@
 </p:sld>
 </file>
 
-<file path=ppt/slides/slide18.xml><?xml version="1.0" encoding="utf-8"?>
+<file path=ppt/slides/slide14.xml><?xml version="1.0" encoding="utf-8"?>
 <p:sld xmlns:a="http://schemas.openxmlformats.org/drawingml/2006/main" xmlns:r="http://schemas.openxmlformats.org/officeDocument/2006/relationships" xmlns:p="http://schemas.openxmlformats.org/presentationml/2006/main">
   <p:cSld>
     <p:spTree>
@@ -29058,7 +27621,7 @@
 </p:sld>
 </file>
 
-<file path=ppt/slides/slide19.xml><?xml version="1.0" encoding="utf-8"?>
+<file path=ppt/slides/slide15.xml><?xml version="1.0" encoding="utf-8"?>
 <p:sld xmlns:a="http://schemas.openxmlformats.org/drawingml/2006/main" xmlns:r="http://schemas.openxmlformats.org/officeDocument/2006/relationships" xmlns:p="http://schemas.openxmlformats.org/presentationml/2006/main">
   <p:cSld>
     <p:spTree>
@@ -29144,6 +27707,375 @@
   <p:clrMapOvr>
     <a:masterClrMapping/>
   </p:clrMapOvr>
+</p:sld>
+</file>
+
+<file path=ppt/slides/slide16.xml><?xml version="1.0" encoding="utf-8"?>
+<p:sld xmlns:a="http://schemas.openxmlformats.org/drawingml/2006/main" xmlns:r="http://schemas.openxmlformats.org/officeDocument/2006/relationships" xmlns:p="http://schemas.openxmlformats.org/presentationml/2006/main">
+  <p:cSld>
+    <p:spTree>
+      <p:nvGrpSpPr>
+        <p:cNvPr id="1" name=""/>
+        <p:cNvGrpSpPr/>
+        <p:nvPr/>
+      </p:nvGrpSpPr>
+      <p:grpSpPr>
+        <a:xfrm>
+          <a:off x="0" y="0"/>
+          <a:ext cx="0" cy="0"/>
+          <a:chOff x="0" y="0"/>
+          <a:chExt cx="0" cy="0"/>
+        </a:xfrm>
+      </p:grpSpPr>
+      <p:sp>
+        <p:nvSpPr>
+          <p:cNvPr id="4" name="Title 3">
+            <a:extLst>
+              <a:ext uri="{FF2B5EF4-FFF2-40B4-BE49-F238E27FC236}">
+                <a16:creationId xmlns:a16="http://schemas.microsoft.com/office/drawing/2014/main" id="{D61097A2-34BA-4D2D-7C6E-1438E4C961A1}"/>
+              </a:ext>
+            </a:extLst>
+          </p:cNvPr>
+          <p:cNvSpPr>
+            <a:spLocks noGrp="1"/>
+          </p:cNvSpPr>
+          <p:nvPr>
+            <p:ph type="title"/>
+          </p:nvPr>
+        </p:nvSpPr>
+        <p:spPr/>
+        <p:txBody>
+          <a:bodyPr/>
+          <a:lstStyle/>
+          <a:p>
+            <a:r>
+              <a:rPr lang="en-US" dirty="0"/>
+              <a:t>Sample Data Share</a:t>
+            </a:r>
+            <a:endParaRPr lang="vi-VN" dirty="0"/>
+          </a:p>
+        </p:txBody>
+      </p:sp>
+      <p:pic>
+        <p:nvPicPr>
+          <p:cNvPr id="6" name="Picture 5">
+            <a:extLst>
+              <a:ext uri="{FF2B5EF4-FFF2-40B4-BE49-F238E27FC236}">
+                <a16:creationId xmlns:a16="http://schemas.microsoft.com/office/drawing/2014/main" id="{AF9D0DCE-F2F2-3638-7EDA-4AF1832D5CAE}"/>
+              </a:ext>
+            </a:extLst>
+          </p:cNvPr>
+          <p:cNvPicPr>
+            <a:picLocks noChangeAspect="1"/>
+          </p:cNvPicPr>
+          <p:nvPr/>
+        </p:nvPicPr>
+        <p:blipFill>
+          <a:blip r:embed="rId2"/>
+          <a:stretch>
+            <a:fillRect/>
+          </a:stretch>
+        </p:blipFill>
+        <p:spPr>
+          <a:xfrm>
+            <a:off x="1532888" y="932034"/>
+            <a:ext cx="9126224" cy="5306165"/>
+          </a:xfrm>
+          <a:prstGeom prst="rect">
+            <a:avLst/>
+          </a:prstGeom>
+        </p:spPr>
+      </p:pic>
+    </p:spTree>
+    <p:extLst>
+      <p:ext uri="{BB962C8B-B14F-4D97-AF65-F5344CB8AC3E}">
+        <p14:creationId xmlns:p14="http://schemas.microsoft.com/office/powerpoint/2010/main" val="2246178346"/>
+      </p:ext>
+    </p:extLst>
+  </p:cSld>
+  <p:clrMapOvr>
+    <a:masterClrMapping/>
+  </p:clrMapOvr>
+</p:sld>
+</file>
+
+<file path=ppt/slides/slide17.xml><?xml version="1.0" encoding="utf-8"?>
+<p:sld xmlns:a="http://schemas.openxmlformats.org/drawingml/2006/main" xmlns:r="http://schemas.openxmlformats.org/officeDocument/2006/relationships" xmlns:p="http://schemas.openxmlformats.org/presentationml/2006/main">
+  <p:cSld>
+    <p:spTree>
+      <p:nvGrpSpPr>
+        <p:cNvPr id="1" name=""/>
+        <p:cNvGrpSpPr/>
+        <p:nvPr/>
+      </p:nvGrpSpPr>
+      <p:grpSpPr>
+        <a:xfrm>
+          <a:off x="0" y="0"/>
+          <a:ext cx="0" cy="0"/>
+          <a:chOff x="0" y="0"/>
+          <a:chExt cx="0" cy="0"/>
+        </a:xfrm>
+      </p:grpSpPr>
+      <p:sp>
+        <p:nvSpPr>
+          <p:cNvPr id="4" name="Title 3">
+            <a:extLst>
+              <a:ext uri="{FF2B5EF4-FFF2-40B4-BE49-F238E27FC236}">
+                <a16:creationId xmlns:a16="http://schemas.microsoft.com/office/drawing/2014/main" id="{9E0F8ADB-540E-D5F5-24A7-7DDAF10B396C}"/>
+              </a:ext>
+            </a:extLst>
+          </p:cNvPr>
+          <p:cNvSpPr>
+            <a:spLocks noGrp="1"/>
+          </p:cNvSpPr>
+          <p:nvPr>
+            <p:ph type="title"/>
+          </p:nvPr>
+        </p:nvSpPr>
+        <p:spPr/>
+        <p:txBody>
+          <a:bodyPr/>
+          <a:lstStyle/>
+          <a:p>
+            <a:r>
+              <a:rPr lang="en-US" dirty="0"/>
+              <a:t>Recent Action</a:t>
+            </a:r>
+            <a:endParaRPr lang="vi-VN" dirty="0"/>
+          </a:p>
+        </p:txBody>
+      </p:sp>
+      <p:pic>
+        <p:nvPicPr>
+          <p:cNvPr id="6" name="Picture 5">
+            <a:extLst>
+              <a:ext uri="{FF2B5EF4-FFF2-40B4-BE49-F238E27FC236}">
+                <a16:creationId xmlns:a16="http://schemas.microsoft.com/office/drawing/2014/main" id="{1C622598-B8B4-55AD-7AD5-5AE3D354F5B1}"/>
+              </a:ext>
+            </a:extLst>
+          </p:cNvPr>
+          <p:cNvPicPr>
+            <a:picLocks noChangeAspect="1"/>
+          </p:cNvPicPr>
+          <p:nvPr/>
+        </p:nvPicPr>
+        <p:blipFill>
+          <a:blip r:embed="rId3"/>
+          <a:stretch>
+            <a:fillRect/>
+          </a:stretch>
+        </p:blipFill>
+        <p:spPr>
+          <a:xfrm>
+            <a:off x="1020000" y="1098000"/>
+            <a:ext cx="10151999" cy="5007122"/>
+          </a:xfrm>
+          <a:prstGeom prst="rect">
+            <a:avLst/>
+          </a:prstGeom>
+        </p:spPr>
+      </p:pic>
+    </p:spTree>
+    <p:extLst>
+      <p:ext uri="{BB962C8B-B14F-4D97-AF65-F5344CB8AC3E}">
+        <p14:creationId xmlns:p14="http://schemas.microsoft.com/office/powerpoint/2010/main" val="680880101"/>
+      </p:ext>
+    </p:extLst>
+  </p:cSld>
+  <p:clrMapOvr>
+    <a:masterClrMapping/>
+  </p:clrMapOvr>
+  <p:transition spd="slow">
+    <p:push dir="u"/>
+  </p:transition>
+</p:sld>
+</file>
+
+<file path=ppt/slides/slide18.xml><?xml version="1.0" encoding="utf-8"?>
+<p:sld xmlns:a="http://schemas.openxmlformats.org/drawingml/2006/main" xmlns:r="http://schemas.openxmlformats.org/officeDocument/2006/relationships" xmlns:p="http://schemas.openxmlformats.org/presentationml/2006/main">
+  <p:cSld>
+    <p:spTree>
+      <p:nvGrpSpPr>
+        <p:cNvPr id="1" name=""/>
+        <p:cNvGrpSpPr/>
+        <p:nvPr/>
+      </p:nvGrpSpPr>
+      <p:grpSpPr>
+        <a:xfrm>
+          <a:off x="0" y="0"/>
+          <a:ext cx="0" cy="0"/>
+          <a:chOff x="0" y="0"/>
+          <a:chExt cx="0" cy="0"/>
+        </a:xfrm>
+      </p:grpSpPr>
+      <p:sp>
+        <p:nvSpPr>
+          <p:cNvPr id="4" name="Title 3">
+            <a:extLst>
+              <a:ext uri="{FF2B5EF4-FFF2-40B4-BE49-F238E27FC236}">
+                <a16:creationId xmlns:a16="http://schemas.microsoft.com/office/drawing/2014/main" id="{5E7B5CF3-1218-505F-5466-E99209ABC467}"/>
+              </a:ext>
+            </a:extLst>
+          </p:cNvPr>
+          <p:cNvSpPr>
+            <a:spLocks noGrp="1"/>
+          </p:cNvSpPr>
+          <p:nvPr>
+            <p:ph type="title"/>
+          </p:nvPr>
+        </p:nvSpPr>
+        <p:spPr/>
+        <p:txBody>
+          <a:bodyPr/>
+          <a:lstStyle/>
+          <a:p>
+            <a:r>
+              <a:rPr lang="en-US" dirty="0"/>
+              <a:t>Sample Data </a:t>
+            </a:r>
+            <a:r>
+              <a:rPr lang="en-US" dirty="0" err="1"/>
+              <a:t>ActionRecent</a:t>
+            </a:r>
+            <a:endParaRPr lang="vi-VN" dirty="0"/>
+          </a:p>
+        </p:txBody>
+      </p:sp>
+      <p:pic>
+        <p:nvPicPr>
+          <p:cNvPr id="8" name="Picture 7">
+            <a:extLst>
+              <a:ext uri="{FF2B5EF4-FFF2-40B4-BE49-F238E27FC236}">
+                <a16:creationId xmlns:a16="http://schemas.microsoft.com/office/drawing/2014/main" id="{DDB2B7ED-0732-D7D5-8C63-33E23FE40BE9}"/>
+              </a:ext>
+            </a:extLst>
+          </p:cNvPr>
+          <p:cNvPicPr>
+            <a:picLocks noChangeAspect="1"/>
+          </p:cNvPicPr>
+          <p:nvPr/>
+        </p:nvPicPr>
+        <p:blipFill>
+          <a:blip r:embed="rId2"/>
+          <a:stretch>
+            <a:fillRect/>
+          </a:stretch>
+        </p:blipFill>
+        <p:spPr>
+          <a:xfrm>
+            <a:off x="1502824" y="2052333"/>
+            <a:ext cx="9186351" cy="2753333"/>
+          </a:xfrm>
+          <a:prstGeom prst="rect">
+            <a:avLst/>
+          </a:prstGeom>
+        </p:spPr>
+      </p:pic>
+    </p:spTree>
+    <p:extLst>
+      <p:ext uri="{BB962C8B-B14F-4D97-AF65-F5344CB8AC3E}">
+        <p14:creationId xmlns:p14="http://schemas.microsoft.com/office/powerpoint/2010/main" val="2912935910"/>
+      </p:ext>
+    </p:extLst>
+  </p:cSld>
+  <p:clrMapOvr>
+    <a:masterClrMapping/>
+  </p:clrMapOvr>
+  <p:transition spd="slow">
+    <p:push dir="u"/>
+  </p:transition>
+</p:sld>
+</file>
+
+<file path=ppt/slides/slide19.xml><?xml version="1.0" encoding="utf-8"?>
+<p:sld xmlns:a="http://schemas.openxmlformats.org/drawingml/2006/main" xmlns:r="http://schemas.openxmlformats.org/officeDocument/2006/relationships" xmlns:p="http://schemas.openxmlformats.org/presentationml/2006/main">
+  <p:cSld>
+    <p:spTree>
+      <p:nvGrpSpPr>
+        <p:cNvPr id="1" name=""/>
+        <p:cNvGrpSpPr/>
+        <p:nvPr/>
+      </p:nvGrpSpPr>
+      <p:grpSpPr>
+        <a:xfrm>
+          <a:off x="0" y="0"/>
+          <a:ext cx="0" cy="0"/>
+          <a:chOff x="0" y="0"/>
+          <a:chExt cx="0" cy="0"/>
+        </a:xfrm>
+      </p:grpSpPr>
+      <p:sp>
+        <p:nvSpPr>
+          <p:cNvPr id="4" name="Title 3">
+            <a:extLst>
+              <a:ext uri="{FF2B5EF4-FFF2-40B4-BE49-F238E27FC236}">
+                <a16:creationId xmlns:a16="http://schemas.microsoft.com/office/drawing/2014/main" id="{B1EF7AE5-B2E0-8F0C-0F54-54ED52C3DAF5}"/>
+              </a:ext>
+            </a:extLst>
+          </p:cNvPr>
+          <p:cNvSpPr>
+            <a:spLocks noGrp="1"/>
+          </p:cNvSpPr>
+          <p:nvPr>
+            <p:ph type="title"/>
+          </p:nvPr>
+        </p:nvSpPr>
+        <p:spPr/>
+        <p:txBody>
+          <a:bodyPr/>
+          <a:lstStyle/>
+          <a:p>
+            <a:r>
+              <a:rPr lang="en-US" dirty="0" err="1"/>
+              <a:t>FavoriteObject</a:t>
+            </a:r>
+            <a:endParaRPr lang="vi-VN" dirty="0"/>
+          </a:p>
+        </p:txBody>
+      </p:sp>
+      <p:pic>
+        <p:nvPicPr>
+          <p:cNvPr id="6" name="Picture 5">
+            <a:extLst>
+              <a:ext uri="{FF2B5EF4-FFF2-40B4-BE49-F238E27FC236}">
+                <a16:creationId xmlns:a16="http://schemas.microsoft.com/office/drawing/2014/main" id="{D7882475-5F2B-98B7-DBC8-5E58D6464AFA}"/>
+              </a:ext>
+            </a:extLst>
+          </p:cNvPr>
+          <p:cNvPicPr>
+            <a:picLocks noChangeAspect="1"/>
+          </p:cNvPicPr>
+          <p:nvPr/>
+        </p:nvPicPr>
+        <p:blipFill>
+          <a:blip r:embed="rId3"/>
+          <a:stretch>
+            <a:fillRect/>
+          </a:stretch>
+        </p:blipFill>
+        <p:spPr>
+          <a:xfrm>
+            <a:off x="674077" y="831892"/>
+            <a:ext cx="10843846" cy="5194215"/>
+          </a:xfrm>
+          <a:prstGeom prst="rect">
+            <a:avLst/>
+          </a:prstGeom>
+        </p:spPr>
+      </p:pic>
+    </p:spTree>
+    <p:extLst>
+      <p:ext uri="{BB962C8B-B14F-4D97-AF65-F5344CB8AC3E}">
+        <p14:creationId xmlns:p14="http://schemas.microsoft.com/office/powerpoint/2010/main" val="3571899616"/>
+      </p:ext>
+    </p:extLst>
+  </p:cSld>
+  <p:clrMapOvr>
+    <a:masterClrMapping/>
+  </p:clrMapOvr>
+  <p:transition spd="slow">
+    <p:push dir="u"/>
+  </p:transition>
 </p:sld>
 </file>
 
@@ -29295,7 +28227,7 @@
           <p:cNvPr id="4" name="Title 3">
             <a:extLst>
               <a:ext uri="{FF2B5EF4-FFF2-40B4-BE49-F238E27FC236}">
-                <a16:creationId xmlns:a16="http://schemas.microsoft.com/office/drawing/2014/main" id="{D61097A2-34BA-4D2D-7C6E-1438E4C961A1}"/>
+                <a16:creationId xmlns:a16="http://schemas.microsoft.com/office/drawing/2014/main" id="{2A337B39-8BF4-DAA4-B5C3-8DAB9D3CFAD8}"/>
               </a:ext>
             </a:extLst>
           </p:cNvPr>
@@ -29313,7 +28245,11 @@
           <a:p>
             <a:r>
               <a:rPr lang="en-US" dirty="0"/>
-              <a:t>Sample Data Share</a:t>
+              <a:t>Sample Data </a:t>
+            </a:r>
+            <a:r>
+              <a:rPr lang="en-US" dirty="0" err="1"/>
+              <a:t>FavoriteObject</a:t>
             </a:r>
             <a:endParaRPr lang="vi-VN" dirty="0"/>
           </a:p>
@@ -29321,10 +28257,10 @@
       </p:sp>
       <p:pic>
         <p:nvPicPr>
-          <p:cNvPr id="6" name="Picture 5">
+          <p:cNvPr id="7" name="Picture 6">
             <a:extLst>
               <a:ext uri="{FF2B5EF4-FFF2-40B4-BE49-F238E27FC236}">
-                <a16:creationId xmlns:a16="http://schemas.microsoft.com/office/drawing/2014/main" id="{AF9D0DCE-F2F2-3638-7EDA-4AF1832D5CAE}"/>
+                <a16:creationId xmlns:a16="http://schemas.microsoft.com/office/drawing/2014/main" id="{DA6D1F22-8AD6-6F12-FBB6-71D084EC7C2C}"/>
               </a:ext>
             </a:extLst>
           </p:cNvPr>
@@ -29341,8 +28277,8 @@
         </p:blipFill>
         <p:spPr>
           <a:xfrm>
-            <a:off x="1532888" y="932034"/>
-            <a:ext cx="9126224" cy="5306165"/>
+            <a:off x="1864536" y="1371576"/>
+            <a:ext cx="8462927" cy="4114848"/>
           </a:xfrm>
           <a:prstGeom prst="rect">
             <a:avLst/>
@@ -29352,13 +28288,16 @@
     </p:spTree>
     <p:extLst>
       <p:ext uri="{BB962C8B-B14F-4D97-AF65-F5344CB8AC3E}">
-        <p14:creationId xmlns:p14="http://schemas.microsoft.com/office/powerpoint/2010/main" val="2246178346"/>
+        <p14:creationId xmlns:p14="http://schemas.microsoft.com/office/powerpoint/2010/main" val="1014588424"/>
       </p:ext>
     </p:extLst>
   </p:cSld>
   <p:clrMapOvr>
     <a:masterClrMapping/>
   </p:clrMapOvr>
+  <p:transition spd="slow">
+    <p:push dir="u"/>
+  </p:transition>
 </p:sld>
 </file>
 

--- a/001_SQL/Document/Presentation1.pptx
+++ b/001_SQL/Document/Presentation1.pptx
@@ -224,6 +224,18 @@
 </p:presentation>
 </file>
 
+<file path=ppt/commentAuthors.xml><?xml version="1.0" encoding="utf-8"?>
+<p:cmAuthorLst xmlns:a="http://schemas.openxmlformats.org/drawingml/2006/main" xmlns:r="http://schemas.openxmlformats.org/officeDocument/2006/relationships" xmlns:p="http://schemas.openxmlformats.org/presentationml/2006/main">
+  <p:cmAuthor id="1" name="Khiem Bui Duc" initials="KB" lastIdx="1" clrIdx="0">
+    <p:extLst>
+      <p:ext uri="{19B8F6BF-5375-455C-9EA6-DF929625EA0E}">
+        <p15:presenceInfo xmlns:p15="http://schemas.microsoft.com/office/powerpoint/2012/main" userId="4f8b804368b7ff51" providerId="Windows Live"/>
+      </p:ext>
+    </p:extLst>
+  </p:cmAuthor>
+</p:cmAuthorLst>
+</file>
+
 <file path=ppt/handoutMasters/handoutMaster1.xml><?xml version="1.0" encoding="utf-8"?>
 <p:handoutMaster xmlns:a="http://schemas.openxmlformats.org/drawingml/2006/main" xmlns:r="http://schemas.openxmlformats.org/officeDocument/2006/relationships" xmlns:p="http://schemas.openxmlformats.org/presentationml/2006/main">
   <p:cSld>
@@ -318,7 +330,7 @@
           <a:p>
             <a:fld id="{CEF5959A-AE8E-4098-8E47-081D9FE6ACD1}" type="datetimeFigureOut">
               <a:rPr lang="en-GB" smtClean="0"/>
-              <a:t>09/08/2025</a:t>
+              <a:t>13/08/2025</a:t>
             </a:fld>
             <a:endParaRPr lang="en-GB"/>
           </a:p>
@@ -538,7 +550,7 @@
             <a:fld id="{82F50848-CCE2-4F33-8910-F863336B6EB2}" type="datetimeFigureOut">
               <a:rPr lang="de-CH" smtClean="0"/>
               <a:pPr/>
-              <a:t>09.08.2025</a:t>
+              <a:t>13.08.2025</a:t>
             </a:fld>
             <a:endParaRPr lang="de-CH"/>
           </a:p>
@@ -5768,6 +5780,779 @@
 </file>
 
 <file path=ppt/notesSlides/notesSlide18.xml><?xml version="1.0" encoding="utf-8"?>
+<p:notes xmlns:a="http://schemas.openxmlformats.org/drawingml/2006/main" xmlns:r="http://schemas.openxmlformats.org/officeDocument/2006/relationships" xmlns:p="http://schemas.openxmlformats.org/presentationml/2006/main">
+  <p:cSld>
+    <p:spTree>
+      <p:nvGrpSpPr>
+        <p:cNvPr id="1" name=""/>
+        <p:cNvGrpSpPr/>
+        <p:nvPr/>
+      </p:nvGrpSpPr>
+      <p:grpSpPr>
+        <a:xfrm>
+          <a:off x="0" y="0"/>
+          <a:ext cx="0" cy="0"/>
+          <a:chOff x="0" y="0"/>
+          <a:chExt cx="0" cy="0"/>
+        </a:xfrm>
+      </p:grpSpPr>
+      <p:sp>
+        <p:nvSpPr>
+          <p:cNvPr id="2" name="Slide Image Placeholder 1"/>
+          <p:cNvSpPr>
+            <a:spLocks noGrp="1" noRot="1" noChangeAspect="1"/>
+          </p:cNvSpPr>
+          <p:nvPr>
+            <p:ph type="sldImg"/>
+          </p:nvPr>
+        </p:nvSpPr>
+        <p:spPr/>
+      </p:sp>
+      <p:sp>
+        <p:nvSpPr>
+          <p:cNvPr id="3" name="Notes Placeholder 2"/>
+          <p:cNvSpPr>
+            <a:spLocks noGrp="1"/>
+          </p:cNvSpPr>
+          <p:nvPr>
+            <p:ph type="body" idx="1"/>
+          </p:nvPr>
+        </p:nvSpPr>
+        <p:spPr/>
+        <p:txBody>
+          <a:bodyPr/>
+          <a:lstStyle/>
+          <a:p>
+            <a:r>
+              <a:rPr lang="vi-VN" dirty="0"/>
+              <a:t>-- </a:t>
+            </a:r>
+            <a:r>
+              <a:rPr lang="vi-VN" dirty="0" err="1"/>
+              <a:t>Input</a:t>
+            </a:r>
+            <a:r>
+              <a:rPr lang="vi-VN" dirty="0"/>
+              <a:t>: </a:t>
+            </a:r>
+            <a:r>
+              <a:rPr lang="vi-VN" dirty="0" err="1"/>
+              <a:t>UserId</a:t>
+            </a:r>
+            <a:r>
+              <a:rPr lang="vi-VN" dirty="0"/>
+              <a:t> và </a:t>
+            </a:r>
+            <a:r>
+              <a:rPr lang="vi-VN" dirty="0" err="1"/>
+              <a:t>FolderId</a:t>
+            </a:r>
+            <a:endParaRPr lang="vi-VN" dirty="0"/>
+          </a:p>
+          <a:p>
+            <a:r>
+              <a:rPr lang="vi-VN" dirty="0"/>
+              <a:t>DECLARE @UserId INT = 1;  -- ID của </a:t>
+            </a:r>
+            <a:r>
+              <a:rPr lang="vi-VN" dirty="0" err="1"/>
+              <a:t>user</a:t>
+            </a:r>
+            <a:endParaRPr lang="vi-VN" dirty="0"/>
+          </a:p>
+          <a:p>
+            <a:r>
+              <a:rPr lang="vi-VN" dirty="0"/>
+              <a:t>DECLARE @FolderId INT = 5;  -- ID của </a:t>
+            </a:r>
+            <a:r>
+              <a:rPr lang="vi-VN" dirty="0" err="1"/>
+              <a:t>folder</a:t>
+            </a:r>
+            <a:r>
+              <a:rPr lang="vi-VN" dirty="0"/>
+              <a:t> cần kiểm tra</a:t>
+            </a:r>
+          </a:p>
+          <a:p>
+            <a:endParaRPr lang="vi-VN" dirty="0"/>
+          </a:p>
+          <a:p>
+            <a:r>
+              <a:rPr lang="vi-VN" dirty="0"/>
+              <a:t>-- Lấy tất cả </a:t>
+            </a:r>
+            <a:r>
+              <a:rPr lang="vi-VN" dirty="0" err="1"/>
+              <a:t>sub-folder</a:t>
+            </a:r>
+            <a:r>
+              <a:rPr lang="vi-VN" dirty="0"/>
+              <a:t> và </a:t>
+            </a:r>
+            <a:r>
+              <a:rPr lang="vi-VN" dirty="0" err="1"/>
+              <a:t>file</a:t>
+            </a:r>
+            <a:r>
+              <a:rPr lang="vi-VN" dirty="0"/>
+              <a:t> trong </a:t>
+            </a:r>
+            <a:r>
+              <a:rPr lang="vi-VN" dirty="0" err="1"/>
+              <a:t>folder</a:t>
+            </a:r>
+            <a:endParaRPr lang="vi-VN" dirty="0"/>
+          </a:p>
+          <a:p>
+            <a:r>
+              <a:rPr lang="vi-VN" dirty="0"/>
+              <a:t>SELECT </a:t>
+            </a:r>
+          </a:p>
+          <a:p>
+            <a:r>
+              <a:rPr lang="vi-VN" dirty="0"/>
+              <a:t>    '</a:t>
+            </a:r>
+            <a:r>
+              <a:rPr lang="vi-VN" dirty="0" err="1"/>
+              <a:t>Folder</a:t>
+            </a:r>
+            <a:r>
+              <a:rPr lang="vi-VN" dirty="0"/>
+              <a:t>' AS </a:t>
+            </a:r>
+            <a:r>
+              <a:rPr lang="vi-VN" dirty="0" err="1"/>
+              <a:t>ItemType</a:t>
+            </a:r>
+            <a:r>
+              <a:rPr lang="vi-VN" dirty="0"/>
+              <a:t>,</a:t>
+            </a:r>
+          </a:p>
+          <a:p>
+            <a:r>
+              <a:rPr lang="vi-VN" dirty="0"/>
+              <a:t>    </a:t>
+            </a:r>
+            <a:r>
+              <a:rPr lang="vi-VN" dirty="0" err="1"/>
+              <a:t>f.FolderId</a:t>
+            </a:r>
+            <a:r>
+              <a:rPr lang="vi-VN" dirty="0"/>
+              <a:t> AS </a:t>
+            </a:r>
+            <a:r>
+              <a:rPr lang="vi-VN" dirty="0" err="1"/>
+              <a:t>ItemId</a:t>
+            </a:r>
+            <a:r>
+              <a:rPr lang="vi-VN" dirty="0"/>
+              <a:t>,</a:t>
+            </a:r>
+          </a:p>
+          <a:p>
+            <a:r>
+              <a:rPr lang="vi-VN" dirty="0"/>
+              <a:t>    </a:t>
+            </a:r>
+            <a:r>
+              <a:rPr lang="vi-VN" dirty="0" err="1"/>
+              <a:t>f.FolderName</a:t>
+            </a:r>
+            <a:r>
+              <a:rPr lang="vi-VN" dirty="0"/>
+              <a:t> AS </a:t>
+            </a:r>
+            <a:r>
+              <a:rPr lang="vi-VN" dirty="0" err="1"/>
+              <a:t>ItemName</a:t>
+            </a:r>
+            <a:r>
+              <a:rPr lang="vi-VN" dirty="0"/>
+              <a:t>,</a:t>
+            </a:r>
+          </a:p>
+          <a:p>
+            <a:r>
+              <a:rPr lang="vi-VN" dirty="0"/>
+              <a:t>    CASE </a:t>
+            </a:r>
+          </a:p>
+          <a:p>
+            <a:r>
+              <a:rPr lang="vi-VN" dirty="0"/>
+              <a:t>        WHEN </a:t>
+            </a:r>
+            <a:r>
+              <a:rPr lang="vi-VN" dirty="0" err="1"/>
+              <a:t>f.OwnerId</a:t>
+            </a:r>
+            <a:r>
+              <a:rPr lang="vi-VN" dirty="0"/>
+              <a:t> = @UserId THEN '</a:t>
+            </a:r>
+            <a:r>
+              <a:rPr lang="vi-VN" dirty="0" err="1"/>
+              <a:t>Owner</a:t>
+            </a:r>
+            <a:r>
+              <a:rPr lang="vi-VN" dirty="0"/>
+              <a:t>'</a:t>
+            </a:r>
+          </a:p>
+          <a:p>
+            <a:r>
+              <a:rPr lang="vi-VN" dirty="0"/>
+              <a:t>        ELSE COALESCE(</a:t>
+            </a:r>
+          </a:p>
+          <a:p>
+            <a:r>
+              <a:rPr lang="vi-VN" dirty="0"/>
+              <a:t>            (SELECT TOP 1 </a:t>
+            </a:r>
+            <a:r>
+              <a:rPr lang="vi-VN" dirty="0" err="1"/>
+              <a:t>p.PermissionName</a:t>
+            </a:r>
+            <a:r>
+              <a:rPr lang="vi-VN" dirty="0"/>
+              <a:t> </a:t>
+            </a:r>
+          </a:p>
+          <a:p>
+            <a:r>
+              <a:rPr lang="vi-VN" dirty="0"/>
+              <a:t>             FROM </a:t>
+            </a:r>
+            <a:r>
+              <a:rPr lang="vi-VN" dirty="0" err="1"/>
+              <a:t>Share</a:t>
+            </a:r>
+            <a:r>
+              <a:rPr lang="vi-VN" dirty="0"/>
+              <a:t> s</a:t>
+            </a:r>
+          </a:p>
+          <a:p>
+            <a:r>
+              <a:rPr lang="vi-VN" dirty="0"/>
+              <a:t>             JOIN </a:t>
+            </a:r>
+            <a:r>
+              <a:rPr lang="vi-VN" dirty="0" err="1"/>
+              <a:t>SharedUser</a:t>
+            </a:r>
+            <a:r>
+              <a:rPr lang="vi-VN" dirty="0"/>
+              <a:t> su ON </a:t>
+            </a:r>
+            <a:r>
+              <a:rPr lang="vi-VN" dirty="0" err="1"/>
+              <a:t>s.ShareId</a:t>
+            </a:r>
+            <a:r>
+              <a:rPr lang="vi-VN" dirty="0"/>
+              <a:t> = </a:t>
+            </a:r>
+            <a:r>
+              <a:rPr lang="vi-VN" dirty="0" err="1"/>
+              <a:t>su.ShareId</a:t>
+            </a:r>
+            <a:endParaRPr lang="vi-VN" dirty="0"/>
+          </a:p>
+          <a:p>
+            <a:r>
+              <a:rPr lang="vi-VN" dirty="0"/>
+              <a:t>             JOIN </a:t>
+            </a:r>
+            <a:r>
+              <a:rPr lang="vi-VN" dirty="0" err="1"/>
+              <a:t>Permission</a:t>
+            </a:r>
+            <a:r>
+              <a:rPr lang="vi-VN" dirty="0"/>
+              <a:t> p ON </a:t>
+            </a:r>
+            <a:r>
+              <a:rPr lang="vi-VN" dirty="0" err="1"/>
+              <a:t>su.PermissionId</a:t>
+            </a:r>
+            <a:r>
+              <a:rPr lang="vi-VN" dirty="0"/>
+              <a:t> = </a:t>
+            </a:r>
+            <a:r>
+              <a:rPr lang="vi-VN" dirty="0" err="1"/>
+              <a:t>p.PermissionId</a:t>
+            </a:r>
+            <a:endParaRPr lang="vi-VN" dirty="0"/>
+          </a:p>
+          <a:p>
+            <a:r>
+              <a:rPr lang="vi-VN" dirty="0"/>
+              <a:t>             WHERE </a:t>
+            </a:r>
+            <a:r>
+              <a:rPr lang="vi-VN" dirty="0" err="1"/>
+              <a:t>s.ObjectId</a:t>
+            </a:r>
+            <a:r>
+              <a:rPr lang="vi-VN" dirty="0"/>
+              <a:t> = </a:t>
+            </a:r>
+            <a:r>
+              <a:rPr lang="vi-VN" dirty="0" err="1"/>
+              <a:t>f.FolderId</a:t>
+            </a:r>
+            <a:r>
+              <a:rPr lang="vi-VN" dirty="0"/>
+              <a:t> AND </a:t>
+            </a:r>
+            <a:r>
+              <a:rPr lang="vi-VN" dirty="0" err="1"/>
+              <a:t>s.ObjectTypeId</a:t>
+            </a:r>
+            <a:r>
+              <a:rPr lang="vi-VN" dirty="0"/>
+              <a:t> = 1  -- 1 là </a:t>
+            </a:r>
+            <a:r>
+              <a:rPr lang="vi-VN" dirty="0" err="1"/>
+              <a:t>Folder</a:t>
+            </a:r>
+            <a:endParaRPr lang="vi-VN" dirty="0"/>
+          </a:p>
+          <a:p>
+            <a:r>
+              <a:rPr lang="vi-VN" dirty="0"/>
+              <a:t>             AND </a:t>
+            </a:r>
+            <a:r>
+              <a:rPr lang="vi-VN" dirty="0" err="1"/>
+              <a:t>su.UserId</a:t>
+            </a:r>
+            <a:r>
+              <a:rPr lang="vi-VN" dirty="0"/>
+              <a:t> = @UserId),</a:t>
+            </a:r>
+          </a:p>
+          <a:p>
+            <a:r>
+              <a:rPr lang="vi-VN" dirty="0"/>
+              <a:t>            'No </a:t>
+            </a:r>
+            <a:r>
+              <a:rPr lang="vi-VN" dirty="0" err="1"/>
+              <a:t>Permission</a:t>
+            </a:r>
+            <a:r>
+              <a:rPr lang="vi-VN" dirty="0"/>
+              <a:t>'</a:t>
+            </a:r>
+          </a:p>
+          <a:p>
+            <a:r>
+              <a:rPr lang="vi-VN" dirty="0"/>
+              <a:t>        ) </a:t>
+            </a:r>
+          </a:p>
+          <a:p>
+            <a:r>
+              <a:rPr lang="vi-VN" dirty="0"/>
+              <a:t>    END AS </a:t>
+            </a:r>
+            <a:r>
+              <a:rPr lang="vi-VN" dirty="0" err="1"/>
+              <a:t>Permission</a:t>
+            </a:r>
+            <a:endParaRPr lang="vi-VN" dirty="0"/>
+          </a:p>
+          <a:p>
+            <a:r>
+              <a:rPr lang="vi-VN" dirty="0"/>
+              <a:t>FROM </a:t>
+            </a:r>
+            <a:r>
+              <a:rPr lang="vi-VN" dirty="0" err="1"/>
+              <a:t>Folder</a:t>
+            </a:r>
+            <a:r>
+              <a:rPr lang="vi-VN" dirty="0"/>
+              <a:t> f</a:t>
+            </a:r>
+          </a:p>
+          <a:p>
+            <a:r>
+              <a:rPr lang="vi-VN" dirty="0"/>
+              <a:t>WHERE </a:t>
+            </a:r>
+            <a:r>
+              <a:rPr lang="vi-VN" dirty="0" err="1"/>
+              <a:t>f.ParentId</a:t>
+            </a:r>
+            <a:r>
+              <a:rPr lang="vi-VN" dirty="0"/>
+              <a:t> = @FolderId</a:t>
+            </a:r>
+          </a:p>
+          <a:p>
+            <a:endParaRPr lang="vi-VN" dirty="0"/>
+          </a:p>
+          <a:p>
+            <a:r>
+              <a:rPr lang="vi-VN" dirty="0"/>
+              <a:t>UNION ALL</a:t>
+            </a:r>
+          </a:p>
+          <a:p>
+            <a:endParaRPr lang="vi-VN" dirty="0"/>
+          </a:p>
+          <a:p>
+            <a:r>
+              <a:rPr lang="vi-VN" dirty="0"/>
+              <a:t>SELECT </a:t>
+            </a:r>
+          </a:p>
+          <a:p>
+            <a:r>
+              <a:rPr lang="vi-VN" dirty="0"/>
+              <a:t>    '</a:t>
+            </a:r>
+            <a:r>
+              <a:rPr lang="vi-VN" dirty="0" err="1"/>
+              <a:t>File</a:t>
+            </a:r>
+            <a:r>
+              <a:rPr lang="vi-VN" dirty="0"/>
+              <a:t>' AS </a:t>
+            </a:r>
+            <a:r>
+              <a:rPr lang="vi-VN" dirty="0" err="1"/>
+              <a:t>ItemType</a:t>
+            </a:r>
+            <a:r>
+              <a:rPr lang="vi-VN" dirty="0"/>
+              <a:t>,</a:t>
+            </a:r>
+          </a:p>
+          <a:p>
+            <a:r>
+              <a:rPr lang="vi-VN" dirty="0"/>
+              <a:t>    </a:t>
+            </a:r>
+            <a:r>
+              <a:rPr lang="vi-VN" dirty="0" err="1"/>
+              <a:t>uf.FileId</a:t>
+            </a:r>
+            <a:r>
+              <a:rPr lang="vi-VN" dirty="0"/>
+              <a:t> AS </a:t>
+            </a:r>
+            <a:r>
+              <a:rPr lang="vi-VN" dirty="0" err="1"/>
+              <a:t>ItemId</a:t>
+            </a:r>
+            <a:r>
+              <a:rPr lang="vi-VN" dirty="0"/>
+              <a:t>,</a:t>
+            </a:r>
+          </a:p>
+          <a:p>
+            <a:r>
+              <a:rPr lang="vi-VN" dirty="0"/>
+              <a:t>    </a:t>
+            </a:r>
+            <a:r>
+              <a:rPr lang="vi-VN" dirty="0" err="1"/>
+              <a:t>uf.UserFileName</a:t>
+            </a:r>
+            <a:r>
+              <a:rPr lang="vi-VN" dirty="0"/>
+              <a:t> AS </a:t>
+            </a:r>
+            <a:r>
+              <a:rPr lang="vi-VN" dirty="0" err="1"/>
+              <a:t>ItemName</a:t>
+            </a:r>
+            <a:r>
+              <a:rPr lang="vi-VN" dirty="0"/>
+              <a:t>,</a:t>
+            </a:r>
+          </a:p>
+          <a:p>
+            <a:r>
+              <a:rPr lang="vi-VN" dirty="0"/>
+              <a:t>    CASE </a:t>
+            </a:r>
+          </a:p>
+          <a:p>
+            <a:r>
+              <a:rPr lang="vi-VN" dirty="0"/>
+              <a:t>        WHEN </a:t>
+            </a:r>
+            <a:r>
+              <a:rPr lang="vi-VN" dirty="0" err="1"/>
+              <a:t>uf.OwnerId</a:t>
+            </a:r>
+            <a:r>
+              <a:rPr lang="vi-VN" dirty="0"/>
+              <a:t> = @UserId THEN '</a:t>
+            </a:r>
+            <a:r>
+              <a:rPr lang="vi-VN" dirty="0" err="1"/>
+              <a:t>Owner</a:t>
+            </a:r>
+            <a:r>
+              <a:rPr lang="vi-VN" dirty="0"/>
+              <a:t>'</a:t>
+            </a:r>
+          </a:p>
+          <a:p>
+            <a:r>
+              <a:rPr lang="vi-VN" dirty="0"/>
+              <a:t>        ELSE COALESCE(</a:t>
+            </a:r>
+          </a:p>
+          <a:p>
+            <a:r>
+              <a:rPr lang="vi-VN" dirty="0"/>
+              <a:t>            (SELECT TOP 1 </a:t>
+            </a:r>
+            <a:r>
+              <a:rPr lang="vi-VN" dirty="0" err="1"/>
+              <a:t>p.PermissionName</a:t>
+            </a:r>
+            <a:r>
+              <a:rPr lang="vi-VN" dirty="0"/>
+              <a:t> </a:t>
+            </a:r>
+          </a:p>
+          <a:p>
+            <a:r>
+              <a:rPr lang="vi-VN" dirty="0"/>
+              <a:t>             FROM </a:t>
+            </a:r>
+            <a:r>
+              <a:rPr lang="vi-VN" dirty="0" err="1"/>
+              <a:t>Share</a:t>
+            </a:r>
+            <a:r>
+              <a:rPr lang="vi-VN" dirty="0"/>
+              <a:t> s</a:t>
+            </a:r>
+          </a:p>
+          <a:p>
+            <a:r>
+              <a:rPr lang="vi-VN" dirty="0"/>
+              <a:t>             JOIN </a:t>
+            </a:r>
+            <a:r>
+              <a:rPr lang="vi-VN" dirty="0" err="1"/>
+              <a:t>SharedUser</a:t>
+            </a:r>
+            <a:r>
+              <a:rPr lang="vi-VN" dirty="0"/>
+              <a:t> su ON </a:t>
+            </a:r>
+            <a:r>
+              <a:rPr lang="vi-VN" dirty="0" err="1"/>
+              <a:t>s.ShareId</a:t>
+            </a:r>
+            <a:r>
+              <a:rPr lang="vi-VN" dirty="0"/>
+              <a:t> = </a:t>
+            </a:r>
+            <a:r>
+              <a:rPr lang="vi-VN" dirty="0" err="1"/>
+              <a:t>su.ShareId</a:t>
+            </a:r>
+            <a:endParaRPr lang="vi-VN" dirty="0"/>
+          </a:p>
+          <a:p>
+            <a:r>
+              <a:rPr lang="vi-VN" dirty="0"/>
+              <a:t>             JOIN </a:t>
+            </a:r>
+            <a:r>
+              <a:rPr lang="vi-VN" dirty="0" err="1"/>
+              <a:t>Permission</a:t>
+            </a:r>
+            <a:r>
+              <a:rPr lang="vi-VN" dirty="0"/>
+              <a:t> p ON </a:t>
+            </a:r>
+            <a:r>
+              <a:rPr lang="vi-VN" dirty="0" err="1"/>
+              <a:t>su.PermissionId</a:t>
+            </a:r>
+            <a:r>
+              <a:rPr lang="vi-VN" dirty="0"/>
+              <a:t> = </a:t>
+            </a:r>
+            <a:r>
+              <a:rPr lang="vi-VN" dirty="0" err="1"/>
+              <a:t>p.PermissionId</a:t>
+            </a:r>
+            <a:endParaRPr lang="vi-VN" dirty="0"/>
+          </a:p>
+          <a:p>
+            <a:r>
+              <a:rPr lang="vi-VN" dirty="0"/>
+              <a:t>             WHERE </a:t>
+            </a:r>
+            <a:r>
+              <a:rPr lang="vi-VN" dirty="0" err="1"/>
+              <a:t>s.ObjectId</a:t>
+            </a:r>
+            <a:r>
+              <a:rPr lang="vi-VN" dirty="0"/>
+              <a:t> = </a:t>
+            </a:r>
+            <a:r>
+              <a:rPr lang="vi-VN" dirty="0" err="1"/>
+              <a:t>uf.FileId</a:t>
+            </a:r>
+            <a:r>
+              <a:rPr lang="vi-VN" dirty="0"/>
+              <a:t> AND </a:t>
+            </a:r>
+            <a:r>
+              <a:rPr lang="vi-VN" dirty="0" err="1"/>
+              <a:t>s.ObjectTypeId</a:t>
+            </a:r>
+            <a:r>
+              <a:rPr lang="vi-VN" dirty="0"/>
+              <a:t> = 2  -- 2 là </a:t>
+            </a:r>
+            <a:r>
+              <a:rPr lang="vi-VN" dirty="0" err="1"/>
+              <a:t>File</a:t>
+            </a:r>
+            <a:endParaRPr lang="vi-VN" dirty="0"/>
+          </a:p>
+          <a:p>
+            <a:r>
+              <a:rPr lang="vi-VN" dirty="0"/>
+              <a:t>             AND </a:t>
+            </a:r>
+            <a:r>
+              <a:rPr lang="vi-VN" dirty="0" err="1"/>
+              <a:t>su.UserId</a:t>
+            </a:r>
+            <a:r>
+              <a:rPr lang="vi-VN" dirty="0"/>
+              <a:t> = @UserId),</a:t>
+            </a:r>
+          </a:p>
+          <a:p>
+            <a:r>
+              <a:rPr lang="vi-VN" dirty="0"/>
+              <a:t>            'No </a:t>
+            </a:r>
+            <a:r>
+              <a:rPr lang="vi-VN" dirty="0" err="1"/>
+              <a:t>Permission</a:t>
+            </a:r>
+            <a:r>
+              <a:rPr lang="vi-VN" dirty="0"/>
+              <a:t>'</a:t>
+            </a:r>
+          </a:p>
+          <a:p>
+            <a:r>
+              <a:rPr lang="vi-VN" dirty="0"/>
+              <a:t>        ) </a:t>
+            </a:r>
+          </a:p>
+          <a:p>
+            <a:r>
+              <a:rPr lang="vi-VN" dirty="0"/>
+              <a:t>    END AS </a:t>
+            </a:r>
+            <a:r>
+              <a:rPr lang="vi-VN" dirty="0" err="1"/>
+              <a:t>Permission</a:t>
+            </a:r>
+            <a:endParaRPr lang="vi-VN" dirty="0"/>
+          </a:p>
+          <a:p>
+            <a:r>
+              <a:rPr lang="vi-VN" dirty="0"/>
+              <a:t>FROM </a:t>
+            </a:r>
+            <a:r>
+              <a:rPr lang="vi-VN" dirty="0" err="1"/>
+              <a:t>UserFile</a:t>
+            </a:r>
+            <a:r>
+              <a:rPr lang="vi-VN" dirty="0"/>
+              <a:t> </a:t>
+            </a:r>
+            <a:r>
+              <a:rPr lang="vi-VN" dirty="0" err="1"/>
+              <a:t>uf</a:t>
+            </a:r>
+            <a:endParaRPr lang="vi-VN" dirty="0"/>
+          </a:p>
+          <a:p>
+            <a:r>
+              <a:rPr lang="vi-VN" dirty="0"/>
+              <a:t>WHERE </a:t>
+            </a:r>
+            <a:r>
+              <a:rPr lang="vi-VN" dirty="0" err="1"/>
+              <a:t>uf.FolderId</a:t>
+            </a:r>
+            <a:r>
+              <a:rPr lang="vi-VN" dirty="0"/>
+              <a:t> = @FolderId;</a:t>
+            </a:r>
+          </a:p>
+        </p:txBody>
+      </p:sp>
+      <p:sp>
+        <p:nvSpPr>
+          <p:cNvPr id="4" name="Slide Number Placeholder 3"/>
+          <p:cNvSpPr>
+            <a:spLocks noGrp="1"/>
+          </p:cNvSpPr>
+          <p:nvPr>
+            <p:ph type="sldNum" sz="quarter" idx="5"/>
+          </p:nvPr>
+        </p:nvSpPr>
+        <p:spPr/>
+        <p:txBody>
+          <a:bodyPr/>
+          <a:lstStyle/>
+          <a:p>
+            <a:fld id="{6A4FF178-7F5C-4C53-AC97-DF4205D97146}" type="slidenum">
+              <a:rPr lang="de-CH" smtClean="0"/>
+              <a:pPr/>
+              <a:t>32</a:t>
+            </a:fld>
+            <a:endParaRPr lang="de-CH"/>
+          </a:p>
+        </p:txBody>
+      </p:sp>
+    </p:spTree>
+    <p:extLst>
+      <p:ext uri="{BB962C8B-B14F-4D97-AF65-F5344CB8AC3E}">
+        <p14:creationId xmlns:p14="http://schemas.microsoft.com/office/powerpoint/2010/main" val="1954390795"/>
+      </p:ext>
+    </p:extLst>
+  </p:cSld>
+  <p:clrMapOvr>
+    <a:masterClrMapping/>
+  </p:clrMapOvr>
+</p:notes>
+</file>
+
+<file path=ppt/notesSlides/notesSlide19.xml><?xml version="1.0" encoding="utf-8"?>
 <p:notes xmlns:a="http://schemas.openxmlformats.org/drawingml/2006/main" xmlns:r="http://schemas.openxmlformats.org/officeDocument/2006/relationships" xmlns:p="http://schemas.openxmlformats.org/presentationml/2006/main" showMasterSp="0" showMasterPhAnim="0">
   <p:cSld>
     <p:spTree>
@@ -5867,137 +6652,6 @@
     <p:extLst>
       <p:ext uri="{BB962C8B-B14F-4D97-AF65-F5344CB8AC3E}">
         <p14:creationId xmlns:p14="http://schemas.microsoft.com/office/powerpoint/2010/main" val="1415495764"/>
-      </p:ext>
-    </p:extLst>
-  </p:cSld>
-  <p:clrMapOvr>
-    <a:masterClrMapping/>
-  </p:clrMapOvr>
-</p:notes>
-</file>
-
-<file path=ppt/notesSlides/notesSlide19.xml><?xml version="1.0" encoding="utf-8"?>
-<p:notes xmlns:a="http://schemas.openxmlformats.org/drawingml/2006/main" xmlns:r="http://schemas.openxmlformats.org/officeDocument/2006/relationships" xmlns:p="http://schemas.openxmlformats.org/presentationml/2006/main" showMasterSp="0" showMasterPhAnim="0">
-  <p:cSld>
-    <p:spTree>
-      <p:nvGrpSpPr>
-        <p:cNvPr id="1" name="Shape 326"/>
-        <p:cNvGrpSpPr/>
-        <p:nvPr/>
-      </p:nvGrpSpPr>
-      <p:grpSpPr>
-        <a:xfrm>
-          <a:off x="0" y="0"/>
-          <a:ext cx="0" cy="0"/>
-          <a:chOff x="0" y="0"/>
-          <a:chExt cx="0" cy="0"/>
-        </a:xfrm>
-      </p:grpSpPr>
-      <p:sp>
-        <p:nvSpPr>
-          <p:cNvPr id="327" name="Google Shape;327;p3:notes"/>
-          <p:cNvSpPr txBox="1">
-            <a:spLocks noGrp="1"/>
-          </p:cNvSpPr>
-          <p:nvPr>
-            <p:ph type="body" idx="1"/>
-          </p:nvPr>
-        </p:nvSpPr>
-        <p:spPr>
-          <a:xfrm>
-            <a:off x="685800" y="4400550"/>
-            <a:ext cx="5486400" cy="3600600"/>
-          </a:xfrm>
-          <a:prstGeom prst="rect">
-            <a:avLst/>
-          </a:prstGeom>
-        </p:spPr>
-        <p:txBody>
-          <a:bodyPr spcFirstLastPara="1" wrap="square" lIns="91425" tIns="45700" rIns="91425" bIns="45700" anchor="t" anchorCtr="0">
-            <a:noAutofit/>
-          </a:bodyPr>
-          <a:lstStyle/>
-          <a:p>
-            <a:pPr marL="0" marR="0" lvl="0" indent="0" algn="l" defTabSz="914400" rtl="0" eaLnBrk="1" fontAlgn="auto" latinLnBrk="0" hangingPunct="1">
-              <a:lnSpc>
-                <a:spcPct val="100000"/>
-              </a:lnSpc>
-              <a:spcBef>
-                <a:spcPts val="0"/>
-              </a:spcBef>
-              <a:spcAft>
-                <a:spcPts val="0"/>
-              </a:spcAft>
-              <a:buClr>
-                <a:srgbClr val="000000"/>
-              </a:buClr>
-              <a:buSzPts val="1400"/>
-              <a:buFont typeface="Arial"/>
-              <a:buNone/>
-              <a:tabLst/>
-              <a:defRPr/>
-            </a:pPr>
-            <a:endParaRPr lang="en-US" dirty="0"/>
-          </a:p>
-          <a:p>
-            <a:pPr marL="0" lvl="0" indent="0" algn="l" rtl="0">
-              <a:spcBef>
-                <a:spcPts val="0"/>
-              </a:spcBef>
-              <a:spcAft>
-                <a:spcPts val="0"/>
-              </a:spcAft>
-              <a:buNone/>
-            </a:pPr>
-            <a:endParaRPr dirty="0"/>
-          </a:p>
-        </p:txBody>
-      </p:sp>
-      <p:sp>
-        <p:nvSpPr>
-          <p:cNvPr id="328" name="Google Shape;328;p3:notes"/>
-          <p:cNvSpPr>
-            <a:spLocks noGrp="1" noRot="1" noChangeAspect="1"/>
-          </p:cNvSpPr>
-          <p:nvPr>
-            <p:ph type="sldImg" idx="2"/>
-          </p:nvPr>
-        </p:nvSpPr>
-        <p:spPr>
-          <a:xfrm>
-            <a:off x="685800" y="1143000"/>
-            <a:ext cx="5486400" cy="3086100"/>
-          </a:xfrm>
-          <a:custGeom>
-            <a:avLst/>
-            <a:gdLst/>
-            <a:ahLst/>
-            <a:cxnLst/>
-            <a:rect l="l" t="t" r="r" b="b"/>
-            <a:pathLst>
-              <a:path w="120000" h="120000" extrusionOk="0">
-                <a:moveTo>
-                  <a:pt x="0" y="0"/>
-                </a:moveTo>
-                <a:lnTo>
-                  <a:pt x="120000" y="0"/>
-                </a:lnTo>
-                <a:lnTo>
-                  <a:pt x="120000" y="120000"/>
-                </a:lnTo>
-                <a:lnTo>
-                  <a:pt x="0" y="120000"/>
-                </a:lnTo>
-                <a:close/>
-              </a:path>
-            </a:pathLst>
-          </a:custGeom>
-        </p:spPr>
-      </p:sp>
-    </p:spTree>
-    <p:extLst>
-      <p:ext uri="{BB962C8B-B14F-4D97-AF65-F5344CB8AC3E}">
-        <p14:creationId xmlns:p14="http://schemas.microsoft.com/office/powerpoint/2010/main" val="1700119206"/>
       </p:ext>
     </p:extLst>
   </p:cSld>
@@ -6228,6 +6882,137 @@
   <p:cSld>
     <p:spTree>
       <p:nvGrpSpPr>
+        <p:cNvPr id="1" name="Shape 326"/>
+        <p:cNvGrpSpPr/>
+        <p:nvPr/>
+      </p:nvGrpSpPr>
+      <p:grpSpPr>
+        <a:xfrm>
+          <a:off x="0" y="0"/>
+          <a:ext cx="0" cy="0"/>
+          <a:chOff x="0" y="0"/>
+          <a:chExt cx="0" cy="0"/>
+        </a:xfrm>
+      </p:grpSpPr>
+      <p:sp>
+        <p:nvSpPr>
+          <p:cNvPr id="327" name="Google Shape;327;p3:notes"/>
+          <p:cNvSpPr txBox="1">
+            <a:spLocks noGrp="1"/>
+          </p:cNvSpPr>
+          <p:nvPr>
+            <p:ph type="body" idx="1"/>
+          </p:nvPr>
+        </p:nvSpPr>
+        <p:spPr>
+          <a:xfrm>
+            <a:off x="685800" y="4400550"/>
+            <a:ext cx="5486400" cy="3600600"/>
+          </a:xfrm>
+          <a:prstGeom prst="rect">
+            <a:avLst/>
+          </a:prstGeom>
+        </p:spPr>
+        <p:txBody>
+          <a:bodyPr spcFirstLastPara="1" wrap="square" lIns="91425" tIns="45700" rIns="91425" bIns="45700" anchor="t" anchorCtr="0">
+            <a:noAutofit/>
+          </a:bodyPr>
+          <a:lstStyle/>
+          <a:p>
+            <a:pPr marL="0" marR="0" lvl="0" indent="0" algn="l" defTabSz="914400" rtl="0" eaLnBrk="1" fontAlgn="auto" latinLnBrk="0" hangingPunct="1">
+              <a:lnSpc>
+                <a:spcPct val="100000"/>
+              </a:lnSpc>
+              <a:spcBef>
+                <a:spcPts val="0"/>
+              </a:spcBef>
+              <a:spcAft>
+                <a:spcPts val="0"/>
+              </a:spcAft>
+              <a:buClr>
+                <a:srgbClr val="000000"/>
+              </a:buClr>
+              <a:buSzPts val="1400"/>
+              <a:buFont typeface="Arial"/>
+              <a:buNone/>
+              <a:tabLst/>
+              <a:defRPr/>
+            </a:pPr>
+            <a:endParaRPr lang="en-US" dirty="0"/>
+          </a:p>
+          <a:p>
+            <a:pPr marL="0" lvl="0" indent="0" algn="l" rtl="0">
+              <a:spcBef>
+                <a:spcPts val="0"/>
+              </a:spcBef>
+              <a:spcAft>
+                <a:spcPts val="0"/>
+              </a:spcAft>
+              <a:buNone/>
+            </a:pPr>
+            <a:endParaRPr dirty="0"/>
+          </a:p>
+        </p:txBody>
+      </p:sp>
+      <p:sp>
+        <p:nvSpPr>
+          <p:cNvPr id="328" name="Google Shape;328;p3:notes"/>
+          <p:cNvSpPr>
+            <a:spLocks noGrp="1" noRot="1" noChangeAspect="1"/>
+          </p:cNvSpPr>
+          <p:nvPr>
+            <p:ph type="sldImg" idx="2"/>
+          </p:nvPr>
+        </p:nvSpPr>
+        <p:spPr>
+          <a:xfrm>
+            <a:off x="685800" y="1143000"/>
+            <a:ext cx="5486400" cy="3086100"/>
+          </a:xfrm>
+          <a:custGeom>
+            <a:avLst/>
+            <a:gdLst/>
+            <a:ahLst/>
+            <a:cxnLst/>
+            <a:rect l="l" t="t" r="r" b="b"/>
+            <a:pathLst>
+              <a:path w="120000" h="120000" extrusionOk="0">
+                <a:moveTo>
+                  <a:pt x="0" y="0"/>
+                </a:moveTo>
+                <a:lnTo>
+                  <a:pt x="120000" y="0"/>
+                </a:lnTo>
+                <a:lnTo>
+                  <a:pt x="120000" y="120000"/>
+                </a:lnTo>
+                <a:lnTo>
+                  <a:pt x="0" y="120000"/>
+                </a:lnTo>
+                <a:close/>
+              </a:path>
+            </a:pathLst>
+          </a:custGeom>
+        </p:spPr>
+      </p:sp>
+    </p:spTree>
+    <p:extLst>
+      <p:ext uri="{BB962C8B-B14F-4D97-AF65-F5344CB8AC3E}">
+        <p14:creationId xmlns:p14="http://schemas.microsoft.com/office/powerpoint/2010/main" val="1700119206"/>
+      </p:ext>
+    </p:extLst>
+  </p:cSld>
+  <p:clrMapOvr>
+    <a:masterClrMapping/>
+  </p:clrMapOvr>
+</p:notes>
+</file>
+
+<file path=ppt/notesSlides/notesSlide22.xml><?xml version="1.0" encoding="utf-8"?>
+<p:notes xmlns:a="http://schemas.openxmlformats.org/drawingml/2006/main" xmlns:r="http://schemas.openxmlformats.org/officeDocument/2006/relationships" xmlns:p="http://schemas.openxmlformats.org/presentationml/2006/main" showMasterSp="0" showMasterPhAnim="0">
+  <p:cSld>
+    <p:spTree>
+      <p:nvGrpSpPr>
         <p:cNvPr id="1" name="Shape 332"/>
         <p:cNvGrpSpPr/>
         <p:nvPr/>
@@ -6332,7 +7117,7 @@
 </p:notes>
 </file>
 
-<file path=ppt/notesSlides/notesSlide22.xml><?xml version="1.0" encoding="utf-8"?>
+<file path=ppt/notesSlides/notesSlide23.xml><?xml version="1.0" encoding="utf-8"?>
 <p:notes xmlns:a="http://schemas.openxmlformats.org/drawingml/2006/main" xmlns:r="http://schemas.openxmlformats.org/officeDocument/2006/relationships" xmlns:p="http://schemas.openxmlformats.org/presentationml/2006/main" showMasterSp="0" showMasterPhAnim="0">
   <p:cSld>
     <p:spTree>
@@ -6441,7 +7226,7 @@
 </p:notes>
 </file>
 
-<file path=ppt/notesSlides/notesSlide23.xml><?xml version="1.0" encoding="utf-8"?>
+<file path=ppt/notesSlides/notesSlide24.xml><?xml version="1.0" encoding="utf-8"?>
 <p:notes xmlns:a="http://schemas.openxmlformats.org/drawingml/2006/main" xmlns:r="http://schemas.openxmlformats.org/officeDocument/2006/relationships" xmlns:p="http://schemas.openxmlformats.org/presentationml/2006/main" showMasterSp="0" showMasterPhAnim="0">
   <p:cSld>
     <p:spTree>
@@ -6610,7 +7395,7 @@
 </p:notes>
 </file>
 
-<file path=ppt/notesSlides/notesSlide24.xml><?xml version="1.0" encoding="utf-8"?>
+<file path=ppt/notesSlides/notesSlide25.xml><?xml version="1.0" encoding="utf-8"?>
 <p:notes xmlns:a="http://schemas.openxmlformats.org/drawingml/2006/main" xmlns:r="http://schemas.openxmlformats.org/officeDocument/2006/relationships" xmlns:p="http://schemas.openxmlformats.org/presentationml/2006/main" showMasterSp="0" showMasterPhAnim="0">
   <p:cSld>
     <p:spTree>
@@ -6765,7 +7550,7 @@
 </p:notes>
 </file>
 
-<file path=ppt/notesSlides/notesSlide25.xml><?xml version="1.0" encoding="utf-8"?>
+<file path=ppt/notesSlides/notesSlide26.xml><?xml version="1.0" encoding="utf-8"?>
 <p:notes xmlns:a="http://schemas.openxmlformats.org/drawingml/2006/main" xmlns:r="http://schemas.openxmlformats.org/officeDocument/2006/relationships" xmlns:p="http://schemas.openxmlformats.org/presentationml/2006/main" showMasterSp="0" showMasterPhAnim="0">
   <p:cSld>
     <p:spTree>
@@ -6920,7 +7705,7 @@
 </p:notes>
 </file>
 
-<file path=ppt/notesSlides/notesSlide26.xml><?xml version="1.0" encoding="utf-8"?>
+<file path=ppt/notesSlides/notesSlide27.xml><?xml version="1.0" encoding="utf-8"?>
 <p:notes xmlns:a="http://schemas.openxmlformats.org/drawingml/2006/main" xmlns:r="http://schemas.openxmlformats.org/officeDocument/2006/relationships" xmlns:p="http://schemas.openxmlformats.org/presentationml/2006/main" showMasterSp="0" showMasterPhAnim="0">
   <p:cSld>
     <p:spTree>
@@ -7012,7 +7797,7 @@
               </a:spcAft>
               <a:buNone/>
             </a:pPr>
-            <a:endParaRPr/>
+            <a:endParaRPr dirty="0"/>
           </a:p>
         </p:txBody>
       </p:sp>
@@ -7075,7 +7860,7 @@
 </p:notes>
 </file>
 
-<file path=ppt/notesSlides/notesSlide27.xml><?xml version="1.0" encoding="utf-8"?>
+<file path=ppt/notesSlides/notesSlide28.xml><?xml version="1.0" encoding="utf-8"?>
 <p:notes xmlns:a="http://schemas.openxmlformats.org/drawingml/2006/main" xmlns:r="http://schemas.openxmlformats.org/officeDocument/2006/relationships" xmlns:p="http://schemas.openxmlformats.org/presentationml/2006/main">
   <p:cSld>
     <p:spTree>
@@ -7119,6 +7904,482 @@
           <a:bodyPr/>
           <a:lstStyle/>
           <a:p>
+            <a:pPr marL="171450" indent="-171450">
+              <a:buFont typeface="Arial" panose="020B0604020202020204" pitchFamily="34" charset="0"/>
+              <a:buChar char="•"/>
+            </a:pPr>
+            <a:r>
+              <a:rPr lang="vi-VN" sz="1200" kern="1200" dirty="0" err="1">
+                <a:solidFill>
+                  <a:schemeClr val="tx1"/>
+                </a:solidFill>
+                <a:latin typeface="+mn-lt"/>
+                <a:ea typeface="+mn-ea"/>
+                <a:cs typeface="+mn-cs"/>
+              </a:rPr>
+              <a:t>Full-text</a:t>
+            </a:r>
+            <a:r>
+              <a:rPr lang="vi-VN" sz="1200" kern="1200" dirty="0">
+                <a:solidFill>
+                  <a:schemeClr val="tx1"/>
+                </a:solidFill>
+                <a:latin typeface="+mn-lt"/>
+                <a:ea typeface="+mn-ea"/>
+                <a:cs typeface="+mn-cs"/>
+              </a:rPr>
+              <a:t> </a:t>
+            </a:r>
+            <a:r>
+              <a:rPr lang="vi-VN" sz="1200" kern="1200" dirty="0" err="1">
+                <a:solidFill>
+                  <a:schemeClr val="tx1"/>
+                </a:solidFill>
+                <a:latin typeface="+mn-lt"/>
+                <a:ea typeface="+mn-ea"/>
+                <a:cs typeface="+mn-cs"/>
+              </a:rPr>
+              <a:t>search</a:t>
+            </a:r>
+            <a:r>
+              <a:rPr lang="vi-VN" sz="1200" kern="1200" dirty="0">
+                <a:solidFill>
+                  <a:schemeClr val="tx1"/>
+                </a:solidFill>
+                <a:latin typeface="+mn-lt"/>
+                <a:ea typeface="+mn-ea"/>
+                <a:cs typeface="+mn-cs"/>
+              </a:rPr>
+              <a:t> </a:t>
+            </a:r>
+            <a:r>
+              <a:rPr lang="vi-VN" sz="1200" kern="1200" dirty="0" err="1">
+                <a:solidFill>
+                  <a:schemeClr val="tx1"/>
+                </a:solidFill>
+                <a:latin typeface="+mn-lt"/>
+                <a:ea typeface="+mn-ea"/>
+                <a:cs typeface="+mn-cs"/>
+              </a:rPr>
+              <a:t>query</a:t>
+            </a:r>
+            <a:endParaRPr lang="vi-VN" sz="1200" kern="1200" dirty="0">
+              <a:solidFill>
+                <a:schemeClr val="tx1"/>
+              </a:solidFill>
+              <a:latin typeface="+mn-lt"/>
+              <a:ea typeface="+mn-ea"/>
+              <a:cs typeface="+mn-cs"/>
+            </a:endParaRPr>
+          </a:p>
+          <a:p>
+            <a:r>
+              <a:rPr lang="vi-VN" sz="1200" kern="1200" dirty="0">
+                <a:solidFill>
+                  <a:schemeClr val="tx1"/>
+                </a:solidFill>
+                <a:latin typeface="+mn-lt"/>
+                <a:ea typeface="+mn-ea"/>
+                <a:cs typeface="+mn-cs"/>
+              </a:rPr>
+              <a:t>SELECT </a:t>
+            </a:r>
+          </a:p>
+          <a:p>
+            <a:r>
+              <a:rPr lang="vi-VN" sz="1200" kern="1200" dirty="0" err="1">
+                <a:solidFill>
+                  <a:schemeClr val="tx1"/>
+                </a:solidFill>
+                <a:latin typeface="+mn-lt"/>
+                <a:ea typeface="+mn-ea"/>
+                <a:cs typeface="+mn-cs"/>
+              </a:rPr>
+              <a:t>uf.FileId</a:t>
+            </a:r>
+            <a:r>
+              <a:rPr lang="vi-VN" sz="1200" kern="1200" dirty="0">
+                <a:solidFill>
+                  <a:schemeClr val="tx1"/>
+                </a:solidFill>
+                <a:latin typeface="+mn-lt"/>
+                <a:ea typeface="+mn-ea"/>
+                <a:cs typeface="+mn-cs"/>
+              </a:rPr>
+              <a:t>,</a:t>
+            </a:r>
+          </a:p>
+          <a:p>
+            <a:r>
+              <a:rPr lang="vi-VN" sz="1200" kern="1200" dirty="0" err="1">
+                <a:solidFill>
+                  <a:schemeClr val="tx1"/>
+                </a:solidFill>
+                <a:latin typeface="+mn-lt"/>
+                <a:ea typeface="+mn-ea"/>
+                <a:cs typeface="+mn-cs"/>
+              </a:rPr>
+              <a:t>uf.UserFileName</a:t>
+            </a:r>
+            <a:r>
+              <a:rPr lang="vi-VN" sz="1200" kern="1200" dirty="0">
+                <a:solidFill>
+                  <a:schemeClr val="tx1"/>
+                </a:solidFill>
+                <a:latin typeface="+mn-lt"/>
+                <a:ea typeface="+mn-ea"/>
+                <a:cs typeface="+mn-cs"/>
+              </a:rPr>
+              <a:t>,</a:t>
+            </a:r>
+          </a:p>
+          <a:p>
+            <a:r>
+              <a:rPr lang="vi-VN" sz="1200" kern="1200" dirty="0" err="1">
+                <a:solidFill>
+                  <a:schemeClr val="tx1"/>
+                </a:solidFill>
+                <a:latin typeface="+mn-lt"/>
+                <a:ea typeface="+mn-ea"/>
+                <a:cs typeface="+mn-cs"/>
+              </a:rPr>
+              <a:t>s.Term</a:t>
+            </a:r>
+            <a:r>
+              <a:rPr lang="vi-VN" sz="1200" kern="1200" dirty="0">
+                <a:solidFill>
+                  <a:schemeClr val="tx1"/>
+                </a:solidFill>
+                <a:latin typeface="+mn-lt"/>
+                <a:ea typeface="+mn-ea"/>
+                <a:cs typeface="+mn-cs"/>
+              </a:rPr>
+              <a:t>,</a:t>
+            </a:r>
+          </a:p>
+          <a:p>
+            <a:r>
+              <a:rPr lang="vi-VN" sz="1200" kern="1200" dirty="0" err="1">
+                <a:solidFill>
+                  <a:schemeClr val="tx1"/>
+                </a:solidFill>
+                <a:latin typeface="+mn-lt"/>
+                <a:ea typeface="+mn-ea"/>
+                <a:cs typeface="+mn-cs"/>
+              </a:rPr>
+              <a:t>s.TermFrequency</a:t>
+            </a:r>
+            <a:r>
+              <a:rPr lang="vi-VN" sz="1200" kern="1200" dirty="0">
+                <a:solidFill>
+                  <a:schemeClr val="tx1"/>
+                </a:solidFill>
+                <a:latin typeface="+mn-lt"/>
+                <a:ea typeface="+mn-ea"/>
+                <a:cs typeface="+mn-cs"/>
+              </a:rPr>
+              <a:t>,</a:t>
+            </a:r>
+          </a:p>
+          <a:p>
+            <a:r>
+              <a:rPr lang="vi-VN" sz="1200" kern="1200" dirty="0" err="1">
+                <a:solidFill>
+                  <a:schemeClr val="tx1"/>
+                </a:solidFill>
+                <a:latin typeface="+mn-lt"/>
+                <a:ea typeface="+mn-ea"/>
+                <a:cs typeface="+mn-cs"/>
+              </a:rPr>
+              <a:t>s.TermPositions</a:t>
+            </a:r>
+            <a:endParaRPr lang="vi-VN" sz="1200" kern="1200" dirty="0">
+              <a:solidFill>
+                <a:schemeClr val="tx1"/>
+              </a:solidFill>
+              <a:latin typeface="+mn-lt"/>
+              <a:ea typeface="+mn-ea"/>
+              <a:cs typeface="+mn-cs"/>
+            </a:endParaRPr>
+          </a:p>
+          <a:p>
+            <a:r>
+              <a:rPr lang="vi-VN" sz="1200" kern="1200" dirty="0">
+                <a:solidFill>
+                  <a:schemeClr val="tx1"/>
+                </a:solidFill>
+                <a:latin typeface="+mn-lt"/>
+                <a:ea typeface="+mn-ea"/>
+                <a:cs typeface="+mn-cs"/>
+              </a:rPr>
+              <a:t>FROM </a:t>
+            </a:r>
+            <a:r>
+              <a:rPr lang="vi-VN" sz="1200" kern="1200" dirty="0" err="1">
+                <a:solidFill>
+                  <a:schemeClr val="tx1"/>
+                </a:solidFill>
+                <a:latin typeface="+mn-lt"/>
+                <a:ea typeface="+mn-ea"/>
+                <a:cs typeface="+mn-cs"/>
+              </a:rPr>
+              <a:t>SearchIndex</a:t>
+            </a:r>
+            <a:r>
+              <a:rPr lang="vi-VN" sz="1200" kern="1200" dirty="0">
+                <a:solidFill>
+                  <a:schemeClr val="tx1"/>
+                </a:solidFill>
+                <a:latin typeface="+mn-lt"/>
+                <a:ea typeface="+mn-ea"/>
+                <a:cs typeface="+mn-cs"/>
+              </a:rPr>
+              <a:t> s</a:t>
+            </a:r>
+          </a:p>
+          <a:p>
+            <a:r>
+              <a:rPr lang="fr-FR" sz="1200" kern="1200" dirty="0">
+                <a:solidFill>
+                  <a:schemeClr val="tx1"/>
+                </a:solidFill>
+                <a:latin typeface="+mn-lt"/>
+                <a:ea typeface="+mn-ea"/>
+                <a:cs typeface="+mn-cs"/>
+              </a:rPr>
+              <a:t>JOIN </a:t>
+            </a:r>
+            <a:r>
+              <a:rPr lang="fr-FR" sz="1200" kern="1200" dirty="0" err="1">
+                <a:solidFill>
+                  <a:schemeClr val="tx1"/>
+                </a:solidFill>
+                <a:latin typeface="+mn-lt"/>
+                <a:ea typeface="+mn-ea"/>
+                <a:cs typeface="+mn-cs"/>
+              </a:rPr>
+              <a:t>FileContent</a:t>
+            </a:r>
+            <a:r>
+              <a:rPr lang="fr-FR" sz="1200" kern="1200" dirty="0">
+                <a:solidFill>
+                  <a:schemeClr val="tx1"/>
+                </a:solidFill>
+                <a:latin typeface="+mn-lt"/>
+                <a:ea typeface="+mn-ea"/>
+                <a:cs typeface="+mn-cs"/>
+              </a:rPr>
+              <a:t> </a:t>
+            </a:r>
+            <a:r>
+              <a:rPr lang="fr-FR" sz="1200" kern="1200" dirty="0" err="1">
+                <a:solidFill>
+                  <a:schemeClr val="tx1"/>
+                </a:solidFill>
+                <a:latin typeface="+mn-lt"/>
+                <a:ea typeface="+mn-ea"/>
+                <a:cs typeface="+mn-cs"/>
+              </a:rPr>
+              <a:t>fc</a:t>
+            </a:r>
+            <a:r>
+              <a:rPr lang="fr-FR" sz="1200" kern="1200" dirty="0">
+                <a:solidFill>
+                  <a:schemeClr val="tx1"/>
+                </a:solidFill>
+                <a:latin typeface="+mn-lt"/>
+                <a:ea typeface="+mn-ea"/>
+                <a:cs typeface="+mn-cs"/>
+              </a:rPr>
+              <a:t> ON </a:t>
+            </a:r>
+            <a:r>
+              <a:rPr lang="fr-FR" sz="1200" kern="1200" dirty="0" err="1">
+                <a:solidFill>
+                  <a:schemeClr val="tx1"/>
+                </a:solidFill>
+                <a:latin typeface="+mn-lt"/>
+                <a:ea typeface="+mn-ea"/>
+                <a:cs typeface="+mn-cs"/>
+              </a:rPr>
+              <a:t>s.FileContentId</a:t>
+            </a:r>
+            <a:r>
+              <a:rPr lang="fr-FR" sz="1200" kern="1200" dirty="0">
+                <a:solidFill>
+                  <a:schemeClr val="tx1"/>
+                </a:solidFill>
+                <a:latin typeface="+mn-lt"/>
+                <a:ea typeface="+mn-ea"/>
+                <a:cs typeface="+mn-cs"/>
+              </a:rPr>
+              <a:t> = </a:t>
+            </a:r>
+            <a:r>
+              <a:rPr lang="fr-FR" sz="1200" kern="1200" dirty="0" err="1">
+                <a:solidFill>
+                  <a:schemeClr val="tx1"/>
+                </a:solidFill>
+                <a:latin typeface="+mn-lt"/>
+                <a:ea typeface="+mn-ea"/>
+                <a:cs typeface="+mn-cs"/>
+              </a:rPr>
+              <a:t>fc.ContentId</a:t>
+            </a:r>
+            <a:endParaRPr lang="fr-FR" sz="1200" kern="1200" dirty="0">
+              <a:solidFill>
+                <a:schemeClr val="tx1"/>
+              </a:solidFill>
+              <a:latin typeface="+mn-lt"/>
+              <a:ea typeface="+mn-ea"/>
+              <a:cs typeface="+mn-cs"/>
+            </a:endParaRPr>
+          </a:p>
+          <a:p>
+            <a:r>
+              <a:rPr lang="vi-VN" sz="1200" kern="1200" dirty="0">
+                <a:solidFill>
+                  <a:schemeClr val="tx1"/>
+                </a:solidFill>
+                <a:latin typeface="+mn-lt"/>
+                <a:ea typeface="+mn-ea"/>
+                <a:cs typeface="+mn-cs"/>
+              </a:rPr>
+              <a:t>JOIN </a:t>
+            </a:r>
+            <a:r>
+              <a:rPr lang="vi-VN" sz="1200" kern="1200" dirty="0" err="1">
+                <a:solidFill>
+                  <a:schemeClr val="tx1"/>
+                </a:solidFill>
+                <a:latin typeface="+mn-lt"/>
+                <a:ea typeface="+mn-ea"/>
+                <a:cs typeface="+mn-cs"/>
+              </a:rPr>
+              <a:t>UserFile</a:t>
+            </a:r>
+            <a:r>
+              <a:rPr lang="vi-VN" sz="1200" kern="1200" dirty="0">
+                <a:solidFill>
+                  <a:schemeClr val="tx1"/>
+                </a:solidFill>
+                <a:latin typeface="+mn-lt"/>
+                <a:ea typeface="+mn-ea"/>
+                <a:cs typeface="+mn-cs"/>
+              </a:rPr>
+              <a:t> </a:t>
+            </a:r>
+            <a:r>
+              <a:rPr lang="vi-VN" sz="1200" kern="1200" dirty="0" err="1">
+                <a:solidFill>
+                  <a:schemeClr val="tx1"/>
+                </a:solidFill>
+                <a:latin typeface="+mn-lt"/>
+                <a:ea typeface="+mn-ea"/>
+                <a:cs typeface="+mn-cs"/>
+              </a:rPr>
+              <a:t>uf</a:t>
+            </a:r>
+            <a:r>
+              <a:rPr lang="vi-VN" sz="1200" kern="1200" dirty="0">
+                <a:solidFill>
+                  <a:schemeClr val="tx1"/>
+                </a:solidFill>
+                <a:latin typeface="+mn-lt"/>
+                <a:ea typeface="+mn-ea"/>
+                <a:cs typeface="+mn-cs"/>
+              </a:rPr>
+              <a:t> ON </a:t>
+            </a:r>
+            <a:r>
+              <a:rPr lang="vi-VN" sz="1200" kern="1200" dirty="0" err="1">
+                <a:solidFill>
+                  <a:schemeClr val="tx1"/>
+                </a:solidFill>
+                <a:latin typeface="+mn-lt"/>
+                <a:ea typeface="+mn-ea"/>
+                <a:cs typeface="+mn-cs"/>
+              </a:rPr>
+              <a:t>fc.FileId</a:t>
+            </a:r>
+            <a:r>
+              <a:rPr lang="vi-VN" sz="1200" kern="1200" dirty="0">
+                <a:solidFill>
+                  <a:schemeClr val="tx1"/>
+                </a:solidFill>
+                <a:latin typeface="+mn-lt"/>
+                <a:ea typeface="+mn-ea"/>
+                <a:cs typeface="+mn-cs"/>
+              </a:rPr>
+              <a:t> = </a:t>
+            </a:r>
+            <a:r>
+              <a:rPr lang="vi-VN" sz="1200" kern="1200" dirty="0" err="1">
+                <a:solidFill>
+                  <a:schemeClr val="tx1"/>
+                </a:solidFill>
+                <a:latin typeface="+mn-lt"/>
+                <a:ea typeface="+mn-ea"/>
+                <a:cs typeface="+mn-cs"/>
+              </a:rPr>
+              <a:t>uf.FileId</a:t>
+            </a:r>
+            <a:endParaRPr lang="vi-VN" sz="1200" kern="1200" dirty="0">
+              <a:solidFill>
+                <a:schemeClr val="tx1"/>
+              </a:solidFill>
+              <a:latin typeface="+mn-lt"/>
+              <a:ea typeface="+mn-ea"/>
+              <a:cs typeface="+mn-cs"/>
+            </a:endParaRPr>
+          </a:p>
+          <a:p>
+            <a:r>
+              <a:rPr lang="en-US" sz="1200" kern="1200" dirty="0">
+                <a:solidFill>
+                  <a:schemeClr val="tx1"/>
+                </a:solidFill>
+                <a:latin typeface="+mn-lt"/>
+                <a:ea typeface="+mn-ea"/>
+                <a:cs typeface="+mn-cs"/>
+              </a:rPr>
+              <a:t>WHERE </a:t>
+            </a:r>
+            <a:r>
+              <a:rPr lang="en-US" sz="1200" kern="1200" dirty="0" err="1">
+                <a:solidFill>
+                  <a:schemeClr val="tx1"/>
+                </a:solidFill>
+                <a:latin typeface="+mn-lt"/>
+                <a:ea typeface="+mn-ea"/>
+                <a:cs typeface="+mn-cs"/>
+              </a:rPr>
+              <a:t>s.Term</a:t>
+            </a:r>
+            <a:r>
+              <a:rPr lang="en-US" sz="1200" kern="1200" dirty="0">
+                <a:solidFill>
+                  <a:schemeClr val="tx1"/>
+                </a:solidFill>
+                <a:latin typeface="+mn-lt"/>
+                <a:ea typeface="+mn-ea"/>
+                <a:cs typeface="+mn-cs"/>
+              </a:rPr>
+              <a:t> IN ('project', 'proposal', 'employ')</a:t>
+            </a:r>
+          </a:p>
+          <a:p>
+            <a:r>
+              <a:rPr lang="vi-VN" sz="1200" kern="1200" dirty="0">
+                <a:solidFill>
+                  <a:schemeClr val="tx1"/>
+                </a:solidFill>
+                <a:latin typeface="+mn-lt"/>
+                <a:ea typeface="+mn-ea"/>
+                <a:cs typeface="+mn-cs"/>
+              </a:rPr>
+              <a:t>ORDER BY s.Bm25Score</a:t>
+            </a:r>
             <a:endParaRPr lang="vi-VN" dirty="0"/>
           </a:p>
         </p:txBody>
@@ -26450,7 +27711,7 @@
         <p:spPr>
           <a:xfrm>
             <a:off x="2408903" y="1011116"/>
-            <a:ext cx="4143986" cy="0"/>
+            <a:ext cx="4687683" cy="0"/>
           </a:xfrm>
           <a:prstGeom prst="line">
             <a:avLst/>
@@ -26492,7 +27753,7 @@
         </p:nvCxnSpPr>
         <p:spPr>
           <a:xfrm>
-            <a:off x="6552889" y="1011116"/>
+            <a:off x="7096586" y="1011116"/>
             <a:ext cx="0" cy="5415494"/>
           </a:xfrm>
           <a:prstGeom prst="line">
@@ -26534,9 +27795,9 @@
           <p:nvPr/>
         </p:nvCxnSpPr>
         <p:spPr>
-          <a:xfrm>
-            <a:off x="2408903" y="6442588"/>
-            <a:ext cx="4134774" cy="0"/>
+          <a:xfrm flipV="1">
+            <a:off x="2408903" y="6426610"/>
+            <a:ext cx="4687683" cy="15978"/>
           </a:xfrm>
           <a:prstGeom prst="line">
             <a:avLst/>
@@ -26576,7 +27837,7 @@
         </p:nvSpPr>
         <p:spPr>
           <a:xfrm>
-            <a:off x="7010399" y="432619"/>
+            <a:off x="8059182" y="3136609"/>
             <a:ext cx="2637693" cy="460887"/>
           </a:xfrm>
           <a:prstGeom prst="rect">
@@ -26639,13 +27900,15 @@
               </a:ext>
             </a:extLst>
           </p:cNvPr>
-          <p:cNvCxnSpPr/>
+          <p:cNvCxnSpPr>
+            <a:cxnSpLocks/>
+          </p:cNvCxnSpPr>
           <p:nvPr/>
         </p:nvCxnSpPr>
         <p:spPr>
-          <a:xfrm flipH="1">
-            <a:off x="6676103" y="816077"/>
-            <a:ext cx="334296" cy="1091381"/>
+          <a:xfrm flipH="1" flipV="1">
+            <a:off x="7150353" y="2913163"/>
+            <a:ext cx="807398" cy="515837"/>
           </a:xfrm>
           <a:prstGeom prst="straightConnector1">
             <a:avLst/>
@@ -26848,8 +28111,8 @@
         </p:blipFill>
         <p:spPr>
           <a:xfrm>
-            <a:off x="1809152" y="903248"/>
-            <a:ext cx="8573696" cy="5792549"/>
+            <a:off x="1924576" y="1059214"/>
+            <a:ext cx="8342847" cy="5636583"/>
           </a:xfrm>
           <a:prstGeom prst="rect">
             <a:avLst/>
@@ -27106,7 +28369,7 @@
         </p:nvSpPr>
         <p:spPr>
           <a:xfrm>
-            <a:off x="4107968" y="459092"/>
+            <a:off x="2296753" y="2819233"/>
             <a:ext cx="1988031" cy="293077"/>
           </a:xfrm>
           <a:prstGeom prst="rect">
@@ -27169,13 +28432,15 @@
               </a:ext>
             </a:extLst>
           </p:cNvPr>
-          <p:cNvCxnSpPr/>
+          <p:cNvCxnSpPr>
+            <a:cxnSpLocks/>
+          </p:cNvCxnSpPr>
           <p:nvPr/>
         </p:nvCxnSpPr>
         <p:spPr>
-          <a:xfrm flipH="1">
-            <a:off x="2930769" y="752169"/>
-            <a:ext cx="1652954" cy="804923"/>
+          <a:xfrm flipV="1">
+            <a:off x="2965622" y="1833632"/>
+            <a:ext cx="0" cy="848346"/>
           </a:xfrm>
           <a:prstGeom prst="straightConnector1">
             <a:avLst/>
@@ -27758,10 +29023,10 @@
       </p:sp>
       <p:pic>
         <p:nvPicPr>
-          <p:cNvPr id="6" name="Picture 5">
+          <p:cNvPr id="3" name="Picture 2">
             <a:extLst>
               <a:ext uri="{FF2B5EF4-FFF2-40B4-BE49-F238E27FC236}">
-                <a16:creationId xmlns:a16="http://schemas.microsoft.com/office/drawing/2014/main" id="{AF9D0DCE-F2F2-3638-7EDA-4AF1832D5CAE}"/>
+                <a16:creationId xmlns:a16="http://schemas.microsoft.com/office/drawing/2014/main" id="{AD49C0C5-8F3C-A940-8408-62BF0181462E}"/>
               </a:ext>
             </a:extLst>
           </p:cNvPr>
@@ -27778,8 +29043,8 @@
         </p:blipFill>
         <p:spPr>
           <a:xfrm>
-            <a:off x="1532888" y="932034"/>
-            <a:ext cx="9126224" cy="5306165"/>
+            <a:off x="1743600" y="933325"/>
+            <a:ext cx="8704800" cy="5801108"/>
           </a:xfrm>
           <a:prstGeom prst="rect">
             <a:avLst/>
@@ -28055,8 +29320,8 @@
         </p:blipFill>
         <p:spPr>
           <a:xfrm>
-            <a:off x="674077" y="831892"/>
-            <a:ext cx="10843846" cy="5194215"/>
+            <a:off x="954876" y="1100899"/>
+            <a:ext cx="10282247" cy="4925208"/>
           </a:xfrm>
           <a:prstGeom prst="rect">
             <a:avLst/>
@@ -28369,7 +29634,7 @@
         </p:blipFill>
         <p:spPr>
           <a:xfrm>
-            <a:off x="890954" y="906374"/>
+            <a:off x="1138089" y="976713"/>
             <a:ext cx="10410091" cy="5517466"/>
           </a:xfrm>
           <a:prstGeom prst="rect">
@@ -28391,7 +29656,7 @@
         </p:nvSpPr>
         <p:spPr>
           <a:xfrm>
-            <a:off x="6963508" y="226436"/>
+            <a:off x="6343135" y="4168241"/>
             <a:ext cx="3493478" cy="750277"/>
           </a:xfrm>
           <a:prstGeom prst="rect">
@@ -28441,13 +29706,15 @@
               </a:ext>
             </a:extLst>
           </p:cNvPr>
-          <p:cNvCxnSpPr/>
+          <p:cNvCxnSpPr>
+            <a:cxnSpLocks/>
+          </p:cNvCxnSpPr>
           <p:nvPr/>
         </p:nvCxnSpPr>
         <p:spPr>
-          <a:xfrm flipH="1">
-            <a:off x="6670431" y="976713"/>
-            <a:ext cx="1664677" cy="1778210"/>
+          <a:xfrm flipH="1" flipV="1">
+            <a:off x="6670431" y="2754923"/>
+            <a:ext cx="1262607" cy="1413318"/>
           </a:xfrm>
           <a:prstGeom prst="straightConnector1">
             <a:avLst/>
@@ -28764,7 +30031,7 @@
         </p:nvSpPr>
         <p:spPr>
           <a:xfrm>
-            <a:off x="5099539" y="211015"/>
+            <a:off x="3855922" y="4314176"/>
             <a:ext cx="2872154" cy="527539"/>
           </a:xfrm>
           <a:prstGeom prst="rect">
@@ -28818,13 +30085,15 @@
               </a:ext>
             </a:extLst>
           </p:cNvPr>
-          <p:cNvCxnSpPr/>
+          <p:cNvCxnSpPr>
+            <a:cxnSpLocks/>
+          </p:cNvCxnSpPr>
           <p:nvPr/>
         </p:nvCxnSpPr>
         <p:spPr>
-          <a:xfrm flipH="1">
-            <a:off x="3903785" y="738554"/>
-            <a:ext cx="1992923" cy="1383323"/>
+          <a:xfrm flipH="1" flipV="1">
+            <a:off x="3744097" y="2397211"/>
+            <a:ext cx="1161535" cy="1916965"/>
           </a:xfrm>
           <a:prstGeom prst="straightConnector1">
             <a:avLst/>
@@ -29105,7 +30374,7 @@
         </p:blipFill>
         <p:spPr>
           <a:xfrm>
-            <a:off x="1709741" y="975580"/>
+            <a:off x="1776003" y="1048591"/>
             <a:ext cx="8950825" cy="5620517"/>
           </a:xfrm>
           <a:prstGeom prst="rect">
@@ -29221,14 +30490,14 @@
         </p:nvSpPr>
         <p:spPr>
           <a:xfrm>
-            <a:off x="1191232" y="975580"/>
+            <a:off x="108164" y="3323051"/>
             <a:ext cx="2492814" cy="369332"/>
           </a:xfrm>
           <a:prstGeom prst="rect">
             <a:avLst/>
           </a:prstGeom>
           <a:solidFill>
-            <a:srgbClr val="3374A9"/>
+            <a:srgbClr val="6697BF"/>
           </a:solidFill>
         </p:spPr>
         <p:txBody>
@@ -29241,51 +30510,6 @@
             <a:r>
               <a:rPr lang="en-US" dirty="0"/>
               <a:t>Product Item name</a:t>
-            </a:r>
-          </a:p>
-        </p:txBody>
-      </p:sp>
-      <p:sp>
-        <p:nvSpPr>
-          <p:cNvPr id="11" name="TextBox 10">
-            <a:extLst>
-              <a:ext uri="{FF2B5EF4-FFF2-40B4-BE49-F238E27FC236}">
-                <a16:creationId xmlns:a16="http://schemas.microsoft.com/office/drawing/2014/main" id="{974E6DD8-D912-F347-CE3B-D4FA0C629B73}"/>
-              </a:ext>
-            </a:extLst>
-          </p:cNvPr>
-          <p:cNvSpPr txBox="1"/>
-          <p:nvPr/>
-        </p:nvSpPr>
-        <p:spPr>
-          <a:xfrm>
-            <a:off x="54894" y="1659778"/>
-            <a:ext cx="2346393" cy="646331"/>
-          </a:xfrm>
-          <a:prstGeom prst="rect">
-            <a:avLst/>
-          </a:prstGeom>
-          <a:solidFill>
-            <a:srgbClr val="3374A9"/>
-          </a:solidFill>
-        </p:spPr>
-        <p:txBody>
-          <a:bodyPr wrap="square" rtlCol="0">
-            <a:spAutoFit/>
-          </a:bodyPr>
-          <a:lstStyle/>
-          <a:p>
-            <a:r>
-              <a:rPr lang="en-US" dirty="0"/>
-              <a:t>Select </a:t>
-            </a:r>
-            <a:r>
-              <a:rPr lang="en-US" dirty="0" err="1"/>
-              <a:t>GoogleDrive’s</a:t>
-            </a:r>
-            <a:r>
-              <a:rPr lang="en-US" dirty="0"/>
-              <a:t> Products</a:t>
             </a:r>
           </a:p>
         </p:txBody>
@@ -29311,7 +30535,7 @@
             <a:avLst/>
           </a:prstGeom>
           <a:solidFill>
-            <a:srgbClr val="3374A9"/>
+            <a:srgbClr val="6697BF"/>
           </a:solidFill>
         </p:spPr>
         <p:txBody>
@@ -29341,14 +30565,14 @@
         </p:nvSpPr>
         <p:spPr>
           <a:xfrm>
-            <a:off x="409575" y="3858849"/>
+            <a:off x="350020" y="5811217"/>
             <a:ext cx="666750" cy="307777"/>
           </a:xfrm>
           <a:prstGeom prst="rect">
             <a:avLst/>
           </a:prstGeom>
           <a:solidFill>
-            <a:srgbClr val="3374A9"/>
+            <a:srgbClr val="6697BF"/>
           </a:solidFill>
         </p:spPr>
         <p:txBody>
@@ -29379,14 +30603,14 @@
         </p:nvSpPr>
         <p:spPr>
           <a:xfrm>
-            <a:off x="245618" y="2999151"/>
+            <a:off x="155777" y="4713130"/>
             <a:ext cx="1341643" cy="369332"/>
           </a:xfrm>
           <a:prstGeom prst="rect">
             <a:avLst/>
           </a:prstGeom>
           <a:solidFill>
-            <a:srgbClr val="3374A9"/>
+            <a:srgbClr val="6697BF"/>
           </a:solidFill>
         </p:spPr>
         <p:txBody>
@@ -29412,13 +30636,15 @@
               </a:ext>
             </a:extLst>
           </p:cNvPr>
-          <p:cNvCxnSpPr/>
+          <p:cNvCxnSpPr>
+            <a:cxnSpLocks/>
+          </p:cNvCxnSpPr>
           <p:nvPr/>
         </p:nvCxnSpPr>
         <p:spPr>
-          <a:xfrm>
-            <a:off x="1709741" y="3267307"/>
-            <a:ext cx="1501810" cy="161693"/>
+          <a:xfrm flipV="1">
+            <a:off x="1643478" y="3429000"/>
+            <a:ext cx="1568073" cy="1396993"/>
           </a:xfrm>
           <a:prstGeom prst="straightConnector1">
             <a:avLst/>
@@ -29454,55 +30680,15 @@
               </a:ext>
             </a:extLst>
           </p:cNvPr>
-          <p:cNvCxnSpPr/>
+          <p:cNvCxnSpPr>
+            <a:cxnSpLocks/>
+          </p:cNvCxnSpPr>
           <p:nvPr/>
         </p:nvCxnSpPr>
         <p:spPr>
-          <a:xfrm>
-            <a:off x="1191232" y="4012737"/>
-            <a:ext cx="1853051" cy="325087"/>
-          </a:xfrm>
-          <a:prstGeom prst="straightConnector1">
-            <a:avLst/>
-          </a:prstGeom>
-          <a:ln w="9525">
-            <a:solidFill>
-              <a:schemeClr val="tx2"/>
-            </a:solidFill>
-            <a:tailEnd type="triangle"/>
-          </a:ln>
-        </p:spPr>
-        <p:style>
-          <a:lnRef idx="1">
-            <a:schemeClr val="accent1"/>
-          </a:lnRef>
-          <a:fillRef idx="0">
-            <a:schemeClr val="accent1"/>
-          </a:fillRef>
-          <a:effectRef idx="0">
-            <a:schemeClr val="accent1"/>
-          </a:effectRef>
-          <a:fontRef idx="minor">
-            <a:schemeClr val="tx1"/>
-          </a:fontRef>
-        </p:style>
-      </p:cxnSp>
-      <p:cxnSp>
-        <p:nvCxnSpPr>
-          <p:cNvPr id="20" name="Straight Arrow Connector 19">
-            <a:extLst>
-              <a:ext uri="{FF2B5EF4-FFF2-40B4-BE49-F238E27FC236}">
-                <a16:creationId xmlns:a16="http://schemas.microsoft.com/office/drawing/2014/main" id="{50BAF5F5-69D7-B705-57F8-ED25E61A3F56}"/>
-              </a:ext>
-            </a:extLst>
-          </p:cNvPr>
-          <p:cNvCxnSpPr/>
-          <p:nvPr/>
-        </p:nvCxnSpPr>
-        <p:spPr>
-          <a:xfrm>
-            <a:off x="1416205" y="2306109"/>
-            <a:ext cx="937612" cy="693042"/>
+          <a:xfrm flipV="1">
+            <a:off x="1080806" y="4825993"/>
+            <a:ext cx="2130745" cy="1139112"/>
           </a:xfrm>
           <a:prstGeom prst="straightConnector1">
             <a:avLst/>
@@ -29538,13 +30724,15 @@
               </a:ext>
             </a:extLst>
           </p:cNvPr>
-          <p:cNvCxnSpPr/>
+          <p:cNvCxnSpPr>
+            <a:cxnSpLocks/>
+          </p:cNvCxnSpPr>
           <p:nvPr/>
         </p:nvCxnSpPr>
         <p:spPr>
-          <a:xfrm>
-            <a:off x="2732049" y="1384986"/>
-            <a:ext cx="780585" cy="1425121"/>
+          <a:xfrm flipV="1">
+            <a:off x="2600978" y="2302304"/>
+            <a:ext cx="1785671" cy="1191482"/>
           </a:xfrm>
           <a:prstGeom prst="straightConnector1">
             <a:avLst/>
@@ -29627,14 +30815,14 @@
         </p:nvSpPr>
         <p:spPr>
           <a:xfrm>
-            <a:off x="4404732" y="323385"/>
+            <a:off x="214358" y="2183939"/>
             <a:ext cx="2364058" cy="501805"/>
           </a:xfrm>
           <a:prstGeom prst="rect">
             <a:avLst/>
           </a:prstGeom>
           <a:solidFill>
-            <a:srgbClr val="3374A9"/>
+            <a:srgbClr val="6697BF"/>
           </a:solidFill>
           <a:ln>
             <a:noFill/>
@@ -29690,13 +30878,15 @@
               </a:ext>
             </a:extLst>
           </p:cNvPr>
-          <p:cNvCxnSpPr/>
+          <p:cNvCxnSpPr>
+            <a:cxnSpLocks/>
+          </p:cNvCxnSpPr>
           <p:nvPr/>
         </p:nvCxnSpPr>
         <p:spPr>
-          <a:xfrm>
-            <a:off x="5843239" y="825190"/>
-            <a:ext cx="252761" cy="332979"/>
+          <a:xfrm flipV="1">
+            <a:off x="2710941" y="1758367"/>
+            <a:ext cx="2474224" cy="623683"/>
           </a:xfrm>
           <a:prstGeom prst="straightConnector1">
             <a:avLst/>
@@ -30019,7 +31209,7 @@
         </p:nvSpPr>
         <p:spPr>
           <a:xfrm>
-            <a:off x="2542924" y="686243"/>
+            <a:off x="2616152" y="2045853"/>
             <a:ext cx="2675847" cy="646331"/>
           </a:xfrm>
           <a:prstGeom prst="rect">
@@ -30051,13 +31241,15 @@
               </a:ext>
             </a:extLst>
           </p:cNvPr>
-          <p:cNvCxnSpPr/>
+          <p:cNvCxnSpPr>
+            <a:cxnSpLocks/>
+          </p:cNvCxnSpPr>
           <p:nvPr/>
         </p:nvCxnSpPr>
         <p:spPr>
           <a:xfrm>
-            <a:off x="4137102" y="1332574"/>
-            <a:ext cx="1081669" cy="4254187"/>
+            <a:off x="4386649" y="2780270"/>
+            <a:ext cx="832122" cy="2806491"/>
           </a:xfrm>
           <a:prstGeom prst="straightConnector1">
             <a:avLst/>
@@ -30535,7 +31727,7 @@
         </p:nvSpPr>
         <p:spPr>
           <a:xfrm>
-            <a:off x="431999" y="5394200"/>
+            <a:off x="432000" y="5894874"/>
             <a:ext cx="11331300" cy="369300"/>
           </a:xfrm>
           <a:prstGeom prst="rect">
@@ -30577,7 +31769,7 @@
         </p:nvSpPr>
         <p:spPr>
           <a:xfrm>
-            <a:off x="432000" y="4246151"/>
+            <a:off x="432000" y="4679201"/>
             <a:ext cx="11331300" cy="866100"/>
           </a:xfrm>
           <a:prstGeom prst="rect">
@@ -30600,10 +31792,10 @@
               <a:buNone/>
             </a:pPr>
             <a:r>
-              <a:rPr lang="en-GB"/>
+              <a:rPr lang="en-GB" dirty="0"/>
               <a:t>Add column path to table folder</a:t>
             </a:r>
-            <a:endParaRPr/>
+            <a:endParaRPr dirty="0"/>
           </a:p>
         </p:txBody>
       </p:sp>
@@ -30623,8 +31815,8 @@
         </p:blipFill>
         <p:spPr>
           <a:xfrm>
-            <a:off x="3524250" y="134100"/>
-            <a:ext cx="5328275" cy="3830100"/>
+            <a:off x="2785676" y="941502"/>
+            <a:ext cx="6620648" cy="3185724"/>
           </a:xfrm>
           <a:prstGeom prst="rect">
             <a:avLst/>
@@ -30697,10 +31889,10 @@
       </p:sp>
       <p:pic>
         <p:nvPicPr>
-          <p:cNvPr id="6" name="Picture 5">
+          <p:cNvPr id="3" name="Picture 2">
             <a:extLst>
               <a:ext uri="{FF2B5EF4-FFF2-40B4-BE49-F238E27FC236}">
-                <a16:creationId xmlns:a16="http://schemas.microsoft.com/office/drawing/2014/main" id="{CD82D9F5-8E5C-0422-69FC-455FB47CB773}"/>
+                <a16:creationId xmlns:a16="http://schemas.microsoft.com/office/drawing/2014/main" id="{5D00AC6B-DC3D-8081-E64C-BC9117407BFD}"/>
               </a:ext>
             </a:extLst>
           </p:cNvPr>
@@ -30710,15 +31902,15 @@
           <p:nvPr/>
         </p:nvPicPr>
         <p:blipFill>
-          <a:blip r:embed="rId2"/>
+          <a:blip r:embed="rId3"/>
           <a:stretch>
             <a:fillRect/>
           </a:stretch>
         </p:blipFill>
         <p:spPr>
           <a:xfrm>
-            <a:off x="1532888" y="932034"/>
-            <a:ext cx="9126224" cy="5306165"/>
+            <a:off x="1894102" y="1098000"/>
+            <a:ext cx="8403795" cy="5251622"/>
           </a:xfrm>
           <a:prstGeom prst="rect">
             <a:avLst/>
@@ -31557,7 +32749,7 @@
         </p:blipFill>
         <p:spPr>
           <a:xfrm>
-            <a:off x="909650" y="1400375"/>
+            <a:off x="1156785" y="1734007"/>
             <a:ext cx="8461226" cy="1203900"/>
           </a:xfrm>
           <a:prstGeom prst="rect">
@@ -31585,7 +32777,7 @@
         </p:blipFill>
         <p:spPr>
           <a:xfrm>
-            <a:off x="909650" y="3326000"/>
+            <a:off x="1156785" y="4124125"/>
             <a:ext cx="8461225" cy="1333500"/>
           </a:xfrm>
           <a:prstGeom prst="rect">
@@ -31895,8 +33087,8 @@
         </p:blipFill>
         <p:spPr>
           <a:xfrm>
-            <a:off x="837848" y="789756"/>
-            <a:ext cx="10394302" cy="5278488"/>
+            <a:off x="916117" y="1024470"/>
+            <a:ext cx="9887817" cy="5021282"/>
           </a:xfrm>
           <a:prstGeom prst="rect">
             <a:avLst/>
@@ -31905,10 +33097,10 @@
       </p:pic>
       <p:sp>
         <p:nvSpPr>
-          <p:cNvPr id="7" name="Rectangle 6">
+          <p:cNvPr id="8" name="Rectangle 7">
             <a:extLst>
               <a:ext uri="{FF2B5EF4-FFF2-40B4-BE49-F238E27FC236}">
-                <a16:creationId xmlns:a16="http://schemas.microsoft.com/office/drawing/2014/main" id="{006E0C25-9458-5634-9BD6-8644852FE260}"/>
+                <a16:creationId xmlns:a16="http://schemas.microsoft.com/office/drawing/2014/main" id="{4F45CC15-7EA6-FFD1-B04C-6365D8A4BD79}"/>
               </a:ext>
             </a:extLst>
           </p:cNvPr>
@@ -31917,7 +33109,7 @@
         </p:nvSpPr>
         <p:spPr>
           <a:xfrm>
-            <a:off x="1105158" y="5859142"/>
+            <a:off x="7706550" y="1357480"/>
             <a:ext cx="1095429" cy="341553"/>
           </a:xfrm>
           <a:prstGeom prst="rect">
@@ -31956,12 +33148,12 @@
               </a:spcAft>
             </a:pPr>
             <a:r>
-              <a:rPr lang="en-US" dirty="0" err="1">
+              <a:rPr lang="en-US" dirty="0">
                 <a:solidFill>
                   <a:schemeClr val="bg1"/>
                 </a:solidFill>
               </a:rPr>
-              <a:t>FileType</a:t>
+              <a:t>Setting</a:t>
             </a:r>
             <a:endParaRPr lang="vi-VN" dirty="0" err="1">
               <a:solidFill>
@@ -31973,10 +33165,10 @@
       </p:sp>
       <p:sp>
         <p:nvSpPr>
-          <p:cNvPr id="8" name="Rectangle 7">
+          <p:cNvPr id="10" name="Rectangle 9">
             <a:extLst>
               <a:ext uri="{FF2B5EF4-FFF2-40B4-BE49-F238E27FC236}">
-                <a16:creationId xmlns:a16="http://schemas.microsoft.com/office/drawing/2014/main" id="{4F45CC15-7EA6-FFD1-B04C-6365D8A4BD79}"/>
+                <a16:creationId xmlns:a16="http://schemas.microsoft.com/office/drawing/2014/main" id="{E33A823E-3500-CBD7-1673-F49C1647A979}"/>
               </a:ext>
             </a:extLst>
           </p:cNvPr>
@@ -31985,7 +33177,7 @@
         </p:nvSpPr>
         <p:spPr>
           <a:xfrm>
-            <a:off x="8112280" y="207446"/>
+            <a:off x="2708989" y="1866638"/>
             <a:ext cx="1095429" cy="341553"/>
           </a:xfrm>
           <a:prstGeom prst="rect">
@@ -32029,7 +33221,7 @@
                   <a:schemeClr val="bg1"/>
                 </a:solidFill>
               </a:rPr>
-              <a:t>Setting</a:t>
+              <a:t>Folder</a:t>
             </a:r>
             <a:endParaRPr lang="vi-VN" dirty="0" err="1">
               <a:solidFill>
@@ -32041,10 +33233,10 @@
       </p:sp>
       <p:sp>
         <p:nvSpPr>
-          <p:cNvPr id="9" name="Rectangle 8">
+          <p:cNvPr id="11" name="Rectangle 10">
             <a:extLst>
               <a:ext uri="{FF2B5EF4-FFF2-40B4-BE49-F238E27FC236}">
-                <a16:creationId xmlns:a16="http://schemas.microsoft.com/office/drawing/2014/main" id="{CDC4F266-5894-CE98-FEEC-AE21BCDD1C8C}"/>
+                <a16:creationId xmlns:a16="http://schemas.microsoft.com/office/drawing/2014/main" id="{E77AEE36-AF37-CA01-6E7F-6A3DA26A95DC}"/>
               </a:ext>
             </a:extLst>
           </p:cNvPr>
@@ -32053,8 +33245,8 @@
         </p:nvSpPr>
         <p:spPr>
           <a:xfrm>
-            <a:off x="3444270" y="2862808"/>
-            <a:ext cx="1413739" cy="341553"/>
+            <a:off x="7667555" y="2909643"/>
+            <a:ext cx="1726967" cy="341553"/>
           </a:xfrm>
           <a:prstGeom prst="rect">
             <a:avLst/>
@@ -32086,7 +33278,7 @@
           <a:bodyPr rtlCol="0" anchor="ctr"/>
           <a:lstStyle/>
           <a:p>
-            <a:pPr algn="l" rtl="0">
+            <a:pPr algn="ctr" rtl="0">
               <a:spcAft>
                 <a:spcPts val="600"/>
               </a:spcAft>
@@ -32097,7 +33289,15 @@
                   <a:schemeClr val="bg1"/>
                 </a:solidFill>
               </a:rPr>
-              <a:t>ObjectType</a:t>
+              <a:t>ActionRecent</a:t>
+            </a:r>
+            <a:r>
+              <a:rPr lang="en-US" dirty="0">
+                <a:solidFill>
+                  <a:schemeClr val="bg1"/>
+                </a:solidFill>
+              </a:rPr>
+              <a:t> </a:t>
             </a:r>
             <a:endParaRPr lang="vi-VN" dirty="0" err="1">
               <a:solidFill>
@@ -32109,10 +33309,10 @@
       </p:sp>
       <p:sp>
         <p:nvSpPr>
-          <p:cNvPr id="10" name="Rectangle 9">
+          <p:cNvPr id="12" name="Rectangle 11">
             <a:extLst>
               <a:ext uri="{FF2B5EF4-FFF2-40B4-BE49-F238E27FC236}">
-                <a16:creationId xmlns:a16="http://schemas.microsoft.com/office/drawing/2014/main" id="{E33A823E-3500-CBD7-1673-F49C1647A979}"/>
+                <a16:creationId xmlns:a16="http://schemas.microsoft.com/office/drawing/2014/main" id="{42B503D4-7A6F-6362-0BF1-E81D1ACC1FBF}"/>
               </a:ext>
             </a:extLst>
           </p:cNvPr>
@@ -32121,7 +33321,7 @@
         </p:nvSpPr>
         <p:spPr>
           <a:xfrm>
-            <a:off x="2896555" y="1641185"/>
+            <a:off x="840351" y="4603310"/>
             <a:ext cx="1095429" cy="341553"/>
           </a:xfrm>
           <a:prstGeom prst="rect">
@@ -32160,12 +33360,12 @@
               </a:spcAft>
             </a:pPr>
             <a:r>
-              <a:rPr lang="en-US" dirty="0">
+              <a:rPr lang="en-US" dirty="0" err="1">
                 <a:solidFill>
                   <a:schemeClr val="bg1"/>
                 </a:solidFill>
               </a:rPr>
-              <a:t>Folder</a:t>
+              <a:t>UserFile</a:t>
             </a:r>
             <a:endParaRPr lang="vi-VN" dirty="0" err="1">
               <a:solidFill>
@@ -32177,10 +33377,10 @@
       </p:sp>
       <p:sp>
         <p:nvSpPr>
-          <p:cNvPr id="11" name="Rectangle 10">
+          <p:cNvPr id="13" name="Rectangle 12">
             <a:extLst>
               <a:ext uri="{FF2B5EF4-FFF2-40B4-BE49-F238E27FC236}">
-                <a16:creationId xmlns:a16="http://schemas.microsoft.com/office/drawing/2014/main" id="{E77AEE36-AF37-CA01-6E7F-6A3DA26A95DC}"/>
+                <a16:creationId xmlns:a16="http://schemas.microsoft.com/office/drawing/2014/main" id="{63FF7840-A688-944C-1128-51D7A77EAD57}"/>
               </a:ext>
             </a:extLst>
           </p:cNvPr>
@@ -32189,83 +33389,7 @@
         </p:nvSpPr>
         <p:spPr>
           <a:xfrm>
-            <a:off x="2373085" y="1018390"/>
-            <a:ext cx="1726967" cy="341553"/>
-          </a:xfrm>
-          <a:prstGeom prst="rect">
-            <a:avLst/>
-          </a:prstGeom>
-          <a:solidFill>
-            <a:srgbClr val="0070C0"/>
-          </a:solidFill>
-          <a:ln>
-            <a:noFill/>
-          </a:ln>
-        </p:spPr>
-        <p:style>
-          <a:lnRef idx="2">
-            <a:schemeClr val="accent1">
-              <a:shade val="50000"/>
-            </a:schemeClr>
-          </a:lnRef>
-          <a:fillRef idx="1">
-            <a:schemeClr val="accent1"/>
-          </a:fillRef>
-          <a:effectRef idx="0">
-            <a:schemeClr val="accent1"/>
-          </a:effectRef>
-          <a:fontRef idx="minor">
-            <a:schemeClr val="lt1"/>
-          </a:fontRef>
-        </p:style>
-        <p:txBody>
-          <a:bodyPr rtlCol="0" anchor="ctr"/>
-          <a:lstStyle/>
-          <a:p>
-            <a:pPr algn="ctr" rtl="0">
-              <a:spcAft>
-                <a:spcPts val="600"/>
-              </a:spcAft>
-            </a:pPr>
-            <a:r>
-              <a:rPr lang="en-US" dirty="0" err="1">
-                <a:solidFill>
-                  <a:schemeClr val="bg1"/>
-                </a:solidFill>
-              </a:rPr>
-              <a:t>ActionRecent</a:t>
-            </a:r>
-            <a:r>
-              <a:rPr lang="en-US" dirty="0">
-                <a:solidFill>
-                  <a:schemeClr val="bg1"/>
-                </a:solidFill>
-              </a:rPr>
-              <a:t> </a:t>
-            </a:r>
-            <a:endParaRPr lang="vi-VN" dirty="0" err="1">
-              <a:solidFill>
-                <a:schemeClr val="bg1"/>
-              </a:solidFill>
-            </a:endParaRPr>
-          </a:p>
-        </p:txBody>
-      </p:sp>
-      <p:sp>
-        <p:nvSpPr>
-          <p:cNvPr id="12" name="Rectangle 11">
-            <a:extLst>
-              <a:ext uri="{FF2B5EF4-FFF2-40B4-BE49-F238E27FC236}">
-                <a16:creationId xmlns:a16="http://schemas.microsoft.com/office/drawing/2014/main" id="{42B503D4-7A6F-6362-0BF1-E81D1ACC1FBF}"/>
-              </a:ext>
-            </a:extLst>
-          </p:cNvPr>
-          <p:cNvSpPr/>
-          <p:nvPr/>
-        </p:nvSpPr>
-        <p:spPr>
-          <a:xfrm>
-            <a:off x="3225865" y="5897467"/>
+            <a:off x="8935297" y="1796280"/>
             <a:ext cx="1095429" cy="341553"/>
           </a:xfrm>
           <a:prstGeom prst="rect">
@@ -32304,12 +33428,12 @@
               </a:spcAft>
             </a:pPr>
             <a:r>
-              <a:rPr lang="en-US" dirty="0" err="1">
+              <a:rPr lang="en-US" dirty="0">
                 <a:solidFill>
                   <a:schemeClr val="bg1"/>
                 </a:solidFill>
               </a:rPr>
-              <a:t>UserFile</a:t>
+              <a:t>Account</a:t>
             </a:r>
             <a:endParaRPr lang="vi-VN" dirty="0" err="1">
               <a:solidFill>
@@ -32319,116 +33443,6 @@
           </a:p>
         </p:txBody>
       </p:sp>
-      <p:sp>
-        <p:nvSpPr>
-          <p:cNvPr id="13" name="Rectangle 12">
-            <a:extLst>
-              <a:ext uri="{FF2B5EF4-FFF2-40B4-BE49-F238E27FC236}">
-                <a16:creationId xmlns:a16="http://schemas.microsoft.com/office/drawing/2014/main" id="{63FF7840-A688-944C-1128-51D7A77EAD57}"/>
-              </a:ext>
-            </a:extLst>
-          </p:cNvPr>
-          <p:cNvSpPr/>
-          <p:nvPr/>
-        </p:nvSpPr>
-        <p:spPr>
-          <a:xfrm>
-            <a:off x="9394522" y="1204132"/>
-            <a:ext cx="1095429" cy="341553"/>
-          </a:xfrm>
-          <a:prstGeom prst="rect">
-            <a:avLst/>
-          </a:prstGeom>
-          <a:solidFill>
-            <a:srgbClr val="0070C0"/>
-          </a:solidFill>
-          <a:ln>
-            <a:noFill/>
-          </a:ln>
-        </p:spPr>
-        <p:style>
-          <a:lnRef idx="2">
-            <a:schemeClr val="accent1">
-              <a:shade val="50000"/>
-            </a:schemeClr>
-          </a:lnRef>
-          <a:fillRef idx="1">
-            <a:schemeClr val="accent1"/>
-          </a:fillRef>
-          <a:effectRef idx="0">
-            <a:schemeClr val="accent1"/>
-          </a:effectRef>
-          <a:fontRef idx="minor">
-            <a:schemeClr val="lt1"/>
-          </a:fontRef>
-        </p:style>
-        <p:txBody>
-          <a:bodyPr rtlCol="0" anchor="ctr"/>
-          <a:lstStyle/>
-          <a:p>
-            <a:pPr algn="ctr" rtl="0">
-              <a:spcAft>
-                <a:spcPts val="600"/>
-              </a:spcAft>
-            </a:pPr>
-            <a:r>
-              <a:rPr lang="en-US" dirty="0">
-                <a:solidFill>
-                  <a:schemeClr val="bg1"/>
-                </a:solidFill>
-              </a:rPr>
-              <a:t>Account</a:t>
-            </a:r>
-            <a:endParaRPr lang="vi-VN" dirty="0" err="1">
-              <a:solidFill>
-                <a:schemeClr val="bg1"/>
-              </a:solidFill>
-            </a:endParaRPr>
-          </a:p>
-        </p:txBody>
-      </p:sp>
-      <p:cxnSp>
-        <p:nvCxnSpPr>
-          <p:cNvPr id="15" name="Straight Arrow Connector 14">
-            <a:extLst>
-              <a:ext uri="{FF2B5EF4-FFF2-40B4-BE49-F238E27FC236}">
-                <a16:creationId xmlns:a16="http://schemas.microsoft.com/office/drawing/2014/main" id="{1635A361-15B2-F61C-6C6E-BD09340B37AD}"/>
-              </a:ext>
-            </a:extLst>
-          </p:cNvPr>
-          <p:cNvCxnSpPr/>
-          <p:nvPr/>
-        </p:nvCxnSpPr>
-        <p:spPr>
-          <a:xfrm flipV="1">
-            <a:off x="1892469" y="5067985"/>
-            <a:ext cx="534620" cy="777231"/>
-          </a:xfrm>
-          <a:prstGeom prst="straightConnector1">
-            <a:avLst/>
-          </a:prstGeom>
-          <a:ln w="9525">
-            <a:solidFill>
-              <a:schemeClr val="tx2"/>
-            </a:solidFill>
-            <a:tailEnd type="triangle"/>
-          </a:ln>
-        </p:spPr>
-        <p:style>
-          <a:lnRef idx="1">
-            <a:schemeClr val="accent1"/>
-          </a:lnRef>
-          <a:fillRef idx="0">
-            <a:schemeClr val="accent1"/>
-          </a:fillRef>
-          <a:effectRef idx="0">
-            <a:schemeClr val="accent1"/>
-          </a:effectRef>
-          <a:fontRef idx="minor">
-            <a:schemeClr val="tx1"/>
-          </a:fontRef>
-        </p:style>
-      </p:cxnSp>
       <p:cxnSp>
         <p:nvCxnSpPr>
           <p:cNvPr id="17" name="Straight Arrow Connector 16">
@@ -32438,13 +33452,15 @@
               </a:ext>
             </a:extLst>
           </p:cNvPr>
-          <p:cNvCxnSpPr/>
+          <p:cNvCxnSpPr>
+            <a:cxnSpLocks/>
+          </p:cNvCxnSpPr>
           <p:nvPr/>
         </p:nvCxnSpPr>
         <p:spPr>
           <a:xfrm flipV="1">
-            <a:off x="10489951" y="1018390"/>
-            <a:ext cx="512346" cy="356518"/>
+            <a:off x="9774553" y="1232116"/>
+            <a:ext cx="715398" cy="499310"/>
           </a:xfrm>
           <a:prstGeom prst="straightConnector1">
             <a:avLst/>
@@ -32482,134 +33498,8 @@
         </p:nvCxnSpPr>
         <p:spPr>
           <a:xfrm>
-            <a:off x="3618271" y="1982738"/>
+            <a:off x="7518125" y="2356364"/>
             <a:ext cx="806245" cy="396668"/>
-          </a:xfrm>
-          <a:prstGeom prst="straightConnector1">
-            <a:avLst/>
-          </a:prstGeom>
-          <a:ln w="9525">
-            <a:solidFill>
-              <a:schemeClr val="tx2"/>
-            </a:solidFill>
-            <a:tailEnd type="triangle"/>
-          </a:ln>
-        </p:spPr>
-        <p:style>
-          <a:lnRef idx="1">
-            <a:schemeClr val="accent1"/>
-          </a:lnRef>
-          <a:fillRef idx="0">
-            <a:schemeClr val="accent1"/>
-          </a:fillRef>
-          <a:effectRef idx="0">
-            <a:schemeClr val="accent1"/>
-          </a:effectRef>
-          <a:fontRef idx="minor">
-            <a:schemeClr val="tx1"/>
-          </a:fontRef>
-        </p:style>
-      </p:cxnSp>
-      <p:cxnSp>
-        <p:nvCxnSpPr>
-          <p:cNvPr id="21" name="Straight Arrow Connector 20">
-            <a:extLst>
-              <a:ext uri="{FF2B5EF4-FFF2-40B4-BE49-F238E27FC236}">
-                <a16:creationId xmlns:a16="http://schemas.microsoft.com/office/drawing/2014/main" id="{EEDEB7E7-77CA-3F59-EADB-F648B35D1BE8}"/>
-              </a:ext>
-            </a:extLst>
-          </p:cNvPr>
-          <p:cNvCxnSpPr/>
-          <p:nvPr/>
-        </p:nvCxnSpPr>
-        <p:spPr>
-          <a:xfrm flipV="1">
-            <a:off x="3618271" y="4519694"/>
-            <a:ext cx="481781" cy="1377773"/>
-          </a:xfrm>
-          <a:prstGeom prst="straightConnector1">
-            <a:avLst/>
-          </a:prstGeom>
-          <a:ln w="9525">
-            <a:solidFill>
-              <a:schemeClr val="tx2"/>
-            </a:solidFill>
-            <a:tailEnd type="triangle"/>
-          </a:ln>
-        </p:spPr>
-        <p:style>
-          <a:lnRef idx="1">
-            <a:schemeClr val="accent1"/>
-          </a:lnRef>
-          <a:fillRef idx="0">
-            <a:schemeClr val="accent1"/>
-          </a:fillRef>
-          <a:effectRef idx="0">
-            <a:schemeClr val="accent1"/>
-          </a:effectRef>
-          <a:fontRef idx="minor">
-            <a:schemeClr val="tx1"/>
-          </a:fontRef>
-        </p:style>
-      </p:cxnSp>
-      <p:cxnSp>
-        <p:nvCxnSpPr>
-          <p:cNvPr id="23" name="Straight Arrow Connector 22">
-            <a:extLst>
-              <a:ext uri="{FF2B5EF4-FFF2-40B4-BE49-F238E27FC236}">
-                <a16:creationId xmlns:a16="http://schemas.microsoft.com/office/drawing/2014/main" id="{1EC7E8BD-E7D7-C867-DED2-7AA24D704229}"/>
-              </a:ext>
-            </a:extLst>
-          </p:cNvPr>
-          <p:cNvCxnSpPr/>
-          <p:nvPr/>
-        </p:nvCxnSpPr>
-        <p:spPr>
-          <a:xfrm flipV="1">
-            <a:off x="4858009" y="2753032"/>
-            <a:ext cx="1002017" cy="186813"/>
-          </a:xfrm>
-          <a:prstGeom prst="straightConnector1">
-            <a:avLst/>
-          </a:prstGeom>
-          <a:ln w="9525">
-            <a:solidFill>
-              <a:schemeClr val="tx2"/>
-            </a:solidFill>
-            <a:tailEnd type="triangle"/>
-          </a:ln>
-        </p:spPr>
-        <p:style>
-          <a:lnRef idx="1">
-            <a:schemeClr val="accent1"/>
-          </a:lnRef>
-          <a:fillRef idx="0">
-            <a:schemeClr val="accent1"/>
-          </a:fillRef>
-          <a:effectRef idx="0">
-            <a:schemeClr val="accent1"/>
-          </a:effectRef>
-          <a:fontRef idx="minor">
-            <a:schemeClr val="tx1"/>
-          </a:fontRef>
-        </p:style>
-      </p:cxnSp>
-      <p:cxnSp>
-        <p:nvCxnSpPr>
-          <p:cNvPr id="25" name="Straight Arrow Connector 24">
-            <a:extLst>
-              <a:ext uri="{FF2B5EF4-FFF2-40B4-BE49-F238E27FC236}">
-                <a16:creationId xmlns:a16="http://schemas.microsoft.com/office/drawing/2014/main" id="{EC10F4A5-8C8A-2B06-4930-0D776598AF39}"/>
-              </a:ext>
-            </a:extLst>
-          </p:cNvPr>
-          <p:cNvCxnSpPr/>
-          <p:nvPr/>
-        </p:nvCxnSpPr>
-        <p:spPr>
-          <a:xfrm>
-            <a:off x="4858009" y="3126658"/>
-            <a:ext cx="312717" cy="580103"/>
           </a:xfrm>
           <a:prstGeom prst="straightConnector1">
             <a:avLst/>
@@ -32645,13 +33535,15 @@
               </a:ext>
             </a:extLst>
           </p:cNvPr>
-          <p:cNvCxnSpPr/>
+          <p:cNvCxnSpPr>
+            <a:cxnSpLocks/>
+          </p:cNvCxnSpPr>
           <p:nvPr/>
         </p:nvCxnSpPr>
         <p:spPr>
-          <a:xfrm>
-            <a:off x="9285299" y="533760"/>
-            <a:ext cx="1204652" cy="308245"/>
+          <a:xfrm flipV="1">
+            <a:off x="8884533" y="1215550"/>
+            <a:ext cx="1196955" cy="283859"/>
           </a:xfrm>
           <a:prstGeom prst="straightConnector1">
             <a:avLst/>
@@ -32680,131 +33572,10 @@
       </p:cxnSp>
       <p:cxnSp>
         <p:nvCxnSpPr>
-          <p:cNvPr id="31" name="Straight Arrow Connector 30">
+          <p:cNvPr id="18" name="Straight Arrow Connector 17">
             <a:extLst>
               <a:ext uri="{FF2B5EF4-FFF2-40B4-BE49-F238E27FC236}">
-                <a16:creationId xmlns:a16="http://schemas.microsoft.com/office/drawing/2014/main" id="{3A29ABC6-DFA8-D6A9-CBF8-63556C48A8EF}"/>
-              </a:ext>
-            </a:extLst>
-          </p:cNvPr>
-          <p:cNvCxnSpPr/>
-          <p:nvPr/>
-        </p:nvCxnSpPr>
-        <p:spPr>
-          <a:xfrm flipH="1">
-            <a:off x="1553497" y="1374908"/>
-            <a:ext cx="914400" cy="1073324"/>
-          </a:xfrm>
-          <a:prstGeom prst="straightConnector1">
-            <a:avLst/>
-          </a:prstGeom>
-          <a:ln w="9525">
-            <a:solidFill>
-              <a:schemeClr val="tx2"/>
-            </a:solidFill>
-            <a:tailEnd type="triangle"/>
-          </a:ln>
-        </p:spPr>
-        <p:style>
-          <a:lnRef idx="1">
-            <a:schemeClr val="accent1"/>
-          </a:lnRef>
-          <a:fillRef idx="0">
-            <a:schemeClr val="accent1"/>
-          </a:fillRef>
-          <a:effectRef idx="0">
-            <a:schemeClr val="accent1"/>
-          </a:effectRef>
-          <a:fontRef idx="minor">
-            <a:schemeClr val="tx1"/>
-          </a:fontRef>
-        </p:style>
-      </p:cxnSp>
-      <p:sp>
-        <p:nvSpPr>
-          <p:cNvPr id="32" name="Rectangle 31">
-            <a:extLst>
-              <a:ext uri="{FF2B5EF4-FFF2-40B4-BE49-F238E27FC236}">
-                <a16:creationId xmlns:a16="http://schemas.microsoft.com/office/drawing/2014/main" id="{490F921E-8CB4-B838-C6ED-703681D5AD34}"/>
-              </a:ext>
-            </a:extLst>
-          </p:cNvPr>
-          <p:cNvSpPr/>
-          <p:nvPr/>
-        </p:nvSpPr>
-        <p:spPr>
-          <a:xfrm>
-            <a:off x="57074" y="4045690"/>
-            <a:ext cx="1876203" cy="341553"/>
-          </a:xfrm>
-          <a:prstGeom prst="rect">
-            <a:avLst/>
-          </a:prstGeom>
-          <a:solidFill>
-            <a:srgbClr val="0070C0"/>
-          </a:solidFill>
-          <a:ln>
-            <a:noFill/>
-          </a:ln>
-        </p:spPr>
-        <p:style>
-          <a:lnRef idx="2">
-            <a:schemeClr val="accent1">
-              <a:shade val="50000"/>
-            </a:schemeClr>
-          </a:lnRef>
-          <a:fillRef idx="1">
-            <a:schemeClr val="accent1"/>
-          </a:fillRef>
-          <a:effectRef idx="0">
-            <a:schemeClr val="accent1"/>
-          </a:effectRef>
-          <a:fontRef idx="minor">
-            <a:schemeClr val="lt1"/>
-          </a:fontRef>
-        </p:style>
-        <p:txBody>
-          <a:bodyPr rtlCol="0" anchor="ctr"/>
-          <a:lstStyle/>
-          <a:p>
-            <a:pPr algn="ctr">
-              <a:spcAft>
-                <a:spcPts val="600"/>
-              </a:spcAft>
-            </a:pPr>
-            <a:r>
-              <a:rPr lang="vi-VN" dirty="0"/>
-              <a:t>E </a:t>
-            </a:r>
-            <a:r>
-              <a:rPr lang="vi-VN" dirty="0" err="1"/>
-              <a:t>FavoriteObject</a:t>
-            </a:r>
-            <a:r>
-              <a:rPr lang="vi-VN" dirty="0"/>
-              <a:t> </a:t>
-            </a:r>
-          </a:p>
-          <a:p>
-            <a:pPr algn="ctr" rtl="0">
-              <a:spcAft>
-                <a:spcPts val="600"/>
-              </a:spcAft>
-            </a:pPr>
-            <a:endParaRPr lang="vi-VN" dirty="0" err="1">
-              <a:solidFill>
-                <a:schemeClr val="bg1"/>
-              </a:solidFill>
-            </a:endParaRPr>
-          </a:p>
-        </p:txBody>
-      </p:sp>
-      <p:cxnSp>
-        <p:nvCxnSpPr>
-          <p:cNvPr id="36" name="Straight Arrow Connector 35">
-            <a:extLst>
-              <a:ext uri="{FF2B5EF4-FFF2-40B4-BE49-F238E27FC236}">
-                <a16:creationId xmlns:a16="http://schemas.microsoft.com/office/drawing/2014/main" id="{00A19E20-300C-3984-9C5F-5205743C9BB6}"/>
+                <a16:creationId xmlns:a16="http://schemas.microsoft.com/office/drawing/2014/main" id="{AE871E83-CF51-A128-453B-3D09D5FA2B0F}"/>
               </a:ext>
             </a:extLst>
           </p:cNvPr>
@@ -32813,188 +33584,8 @@
         </p:nvCxnSpPr>
         <p:spPr>
           <a:xfrm flipV="1">
-            <a:off x="310726" y="2684206"/>
-            <a:ext cx="839648" cy="1361484"/>
-          </a:xfrm>
-          <a:prstGeom prst="straightConnector1">
-            <a:avLst/>
-          </a:prstGeom>
-          <a:ln w="9525">
-            <a:solidFill>
-              <a:schemeClr val="tx2"/>
-            </a:solidFill>
-            <a:tailEnd type="triangle"/>
-          </a:ln>
-        </p:spPr>
-        <p:style>
-          <a:lnRef idx="1">
-            <a:schemeClr val="accent1"/>
-          </a:lnRef>
-          <a:fillRef idx="0">
-            <a:schemeClr val="accent1"/>
-          </a:fillRef>
-          <a:effectRef idx="0">
-            <a:schemeClr val="accent1"/>
-          </a:effectRef>
-          <a:fontRef idx="minor">
-            <a:schemeClr val="tx1"/>
-          </a:fontRef>
-        </p:style>
-      </p:cxnSp>
-      <p:sp>
-        <p:nvSpPr>
-          <p:cNvPr id="37" name="Rectangle 36">
-            <a:extLst>
-              <a:ext uri="{FF2B5EF4-FFF2-40B4-BE49-F238E27FC236}">
-                <a16:creationId xmlns:a16="http://schemas.microsoft.com/office/drawing/2014/main" id="{A0D8D686-B75E-8108-A629-2E48D0496EC4}"/>
-              </a:ext>
-            </a:extLst>
-          </p:cNvPr>
-          <p:cNvSpPr/>
-          <p:nvPr/>
-        </p:nvSpPr>
-        <p:spPr>
-          <a:xfrm>
-            <a:off x="1649245" y="593152"/>
-            <a:ext cx="1576620" cy="341553"/>
-          </a:xfrm>
-          <a:prstGeom prst="rect">
-            <a:avLst/>
-          </a:prstGeom>
-          <a:solidFill>
-            <a:srgbClr val="0070C0"/>
-          </a:solidFill>
-          <a:ln>
-            <a:noFill/>
-          </a:ln>
-        </p:spPr>
-        <p:style>
-          <a:lnRef idx="2">
-            <a:schemeClr val="accent1">
-              <a:shade val="50000"/>
-            </a:schemeClr>
-          </a:lnRef>
-          <a:fillRef idx="1">
-            <a:schemeClr val="accent1"/>
-          </a:fillRef>
-          <a:effectRef idx="0">
-            <a:schemeClr val="accent1"/>
-          </a:effectRef>
-          <a:fontRef idx="minor">
-            <a:schemeClr val="lt1"/>
-          </a:fontRef>
-        </p:style>
-        <p:txBody>
-          <a:bodyPr rtlCol="0" anchor="ctr"/>
-          <a:lstStyle/>
-          <a:p>
-            <a:pPr algn="ctr" rtl="0">
-              <a:spcAft>
-                <a:spcPts val="600"/>
-              </a:spcAft>
-            </a:pPr>
-            <a:r>
-              <a:rPr lang="en-US" dirty="0" err="1">
-                <a:solidFill>
-                  <a:schemeClr val="bg1"/>
-                </a:solidFill>
-              </a:rPr>
-              <a:t>SharedUser</a:t>
-            </a:r>
-            <a:endParaRPr lang="vi-VN" dirty="0" err="1">
-              <a:solidFill>
-                <a:schemeClr val="bg1"/>
-              </a:solidFill>
-            </a:endParaRPr>
-          </a:p>
-        </p:txBody>
-      </p:sp>
-      <p:sp>
-        <p:nvSpPr>
-          <p:cNvPr id="38" name="Rectangle 37">
-            <a:extLst>
-              <a:ext uri="{FF2B5EF4-FFF2-40B4-BE49-F238E27FC236}">
-                <a16:creationId xmlns:a16="http://schemas.microsoft.com/office/drawing/2014/main" id="{820022F9-347D-9A2F-A5B3-6B666D5742F4}"/>
-              </a:ext>
-            </a:extLst>
-          </p:cNvPr>
-          <p:cNvSpPr/>
-          <p:nvPr/>
-        </p:nvSpPr>
-        <p:spPr>
-          <a:xfrm>
-            <a:off x="1247440" y="4682020"/>
-            <a:ext cx="1095429" cy="341553"/>
-          </a:xfrm>
-          <a:prstGeom prst="rect">
-            <a:avLst/>
-          </a:prstGeom>
-          <a:solidFill>
-            <a:srgbClr val="0070C0"/>
-          </a:solidFill>
-          <a:ln>
-            <a:noFill/>
-          </a:ln>
-        </p:spPr>
-        <p:style>
-          <a:lnRef idx="2">
-            <a:schemeClr val="accent1">
-              <a:shade val="50000"/>
-            </a:schemeClr>
-          </a:lnRef>
-          <a:fillRef idx="1">
-            <a:schemeClr val="accent1"/>
-          </a:fillRef>
-          <a:effectRef idx="0">
-            <a:schemeClr val="accent1"/>
-          </a:effectRef>
-          <a:fontRef idx="minor">
-            <a:schemeClr val="lt1"/>
-          </a:fontRef>
-        </p:style>
-        <p:txBody>
-          <a:bodyPr rtlCol="0" anchor="ctr"/>
-          <a:lstStyle/>
-          <a:p>
-            <a:pPr algn="ctr" rtl="0">
-              <a:spcAft>
-                <a:spcPts val="600"/>
-              </a:spcAft>
-            </a:pPr>
-            <a:r>
-              <a:rPr lang="en-US" dirty="0">
-                <a:solidFill>
-                  <a:schemeClr val="bg1"/>
-                </a:solidFill>
-              </a:rPr>
-              <a:t>Trash</a:t>
-            </a:r>
-            <a:endParaRPr lang="vi-VN" dirty="0" err="1">
-              <a:solidFill>
-                <a:schemeClr val="bg1"/>
-              </a:solidFill>
-            </a:endParaRPr>
-          </a:p>
-        </p:txBody>
-      </p:sp>
-      <p:cxnSp>
-        <p:nvCxnSpPr>
-          <p:cNvPr id="40" name="Straight Arrow Connector 39">
-            <a:extLst>
-              <a:ext uri="{FF2B5EF4-FFF2-40B4-BE49-F238E27FC236}">
-                <a16:creationId xmlns:a16="http://schemas.microsoft.com/office/drawing/2014/main" id="{A22124FD-7847-0DFE-F9B7-7E13ED81FE8E}"/>
-              </a:ext>
-            </a:extLst>
-          </p:cNvPr>
-          <p:cNvCxnSpPr>
-            <a:cxnSpLocks/>
-          </p:cNvCxnSpPr>
-          <p:nvPr/>
-        </p:nvCxnSpPr>
-        <p:spPr>
-          <a:xfrm flipH="1" flipV="1">
-            <a:off x="1592389" y="3126658"/>
-            <a:ext cx="465762" cy="1501342"/>
+            <a:off x="2063578" y="3954162"/>
+            <a:ext cx="1383957" cy="864973"/>
           </a:xfrm>
           <a:prstGeom prst="straightConnector1">
             <a:avLst/>
@@ -33023,10 +33614,10 @@
       </p:cxnSp>
       <p:cxnSp>
         <p:nvCxnSpPr>
-          <p:cNvPr id="48" name="Straight Arrow Connector 47">
+          <p:cNvPr id="22" name="Straight Arrow Connector 21">
             <a:extLst>
               <a:ext uri="{FF2B5EF4-FFF2-40B4-BE49-F238E27FC236}">
-                <a16:creationId xmlns:a16="http://schemas.microsoft.com/office/drawing/2014/main" id="{B1AD2F79-D4A8-B380-F506-50BC8BA88033}"/>
+                <a16:creationId xmlns:a16="http://schemas.microsoft.com/office/drawing/2014/main" id="{86A3DC31-DE78-287E-CD7C-B26E8936F5FC}"/>
               </a:ext>
             </a:extLst>
           </p:cNvPr>
@@ -33034,187 +33625,9 @@
           <p:nvPr/>
         </p:nvCxnSpPr>
         <p:spPr>
-          <a:xfrm flipH="1">
-            <a:off x="1327355" y="934705"/>
-            <a:ext cx="873232" cy="1269233"/>
-          </a:xfrm>
-          <a:prstGeom prst="straightConnector1">
-            <a:avLst/>
-          </a:prstGeom>
-          <a:ln w="9525">
-            <a:solidFill>
-              <a:schemeClr val="tx2"/>
-            </a:solidFill>
-            <a:tailEnd type="triangle"/>
-          </a:ln>
-        </p:spPr>
-        <p:style>
-          <a:lnRef idx="1">
-            <a:schemeClr val="accent1"/>
-          </a:lnRef>
-          <a:fillRef idx="0">
-            <a:schemeClr val="accent1"/>
-          </a:fillRef>
-          <a:effectRef idx="0">
-            <a:schemeClr val="accent1"/>
-          </a:effectRef>
-          <a:fontRef idx="minor">
-            <a:schemeClr val="tx1"/>
-          </a:fontRef>
-        </p:style>
-      </p:cxnSp>
-      <p:sp>
-        <p:nvSpPr>
-          <p:cNvPr id="49" name="Rectangle 48">
-            <a:extLst>
-              <a:ext uri="{FF2B5EF4-FFF2-40B4-BE49-F238E27FC236}">
-                <a16:creationId xmlns:a16="http://schemas.microsoft.com/office/drawing/2014/main" id="{DDDDEBE2-82C6-C236-D608-EA8A6DF751C7}"/>
-              </a:ext>
-            </a:extLst>
-          </p:cNvPr>
-          <p:cNvSpPr/>
-          <p:nvPr/>
-        </p:nvSpPr>
-        <p:spPr>
           <a:xfrm>
-            <a:off x="8906729" y="1766837"/>
-            <a:ext cx="1957916" cy="442045"/>
-          </a:xfrm>
-          <a:prstGeom prst="rect">
-            <a:avLst/>
-          </a:prstGeom>
-          <a:solidFill>
-            <a:srgbClr val="005194"/>
-          </a:solidFill>
-          <a:ln>
-            <a:noFill/>
-          </a:ln>
-        </p:spPr>
-        <p:style>
-          <a:lnRef idx="2">
-            <a:schemeClr val="accent1">
-              <a:shade val="50000"/>
-            </a:schemeClr>
-          </a:lnRef>
-          <a:fillRef idx="1">
-            <a:schemeClr val="accent1"/>
-          </a:fillRef>
-          <a:effectRef idx="0">
-            <a:schemeClr val="accent1"/>
-          </a:effectRef>
-          <a:fontRef idx="minor">
-            <a:schemeClr val="lt1"/>
-          </a:fontRef>
-        </p:style>
-        <p:txBody>
-          <a:bodyPr rtlCol="0" anchor="ctr"/>
-          <a:lstStyle/>
-          <a:p>
-            <a:pPr algn="l" rtl="0">
-              <a:spcAft>
-                <a:spcPts val="600"/>
-              </a:spcAft>
-            </a:pPr>
-            <a:r>
-              <a:rPr lang="en-US" dirty="0" err="1">
-                <a:solidFill>
-                  <a:schemeClr val="bg1"/>
-                </a:solidFill>
-              </a:rPr>
-              <a:t>UserViewSetting</a:t>
-            </a:r>
-            <a:endParaRPr lang="vi-VN" dirty="0" err="1">
-              <a:solidFill>
-                <a:schemeClr val="bg1"/>
-              </a:solidFill>
-            </a:endParaRPr>
-          </a:p>
-        </p:txBody>
-      </p:sp>
-      <p:sp>
-        <p:nvSpPr>
-          <p:cNvPr id="50" name="Rectangle 49">
-            <a:extLst>
-              <a:ext uri="{FF2B5EF4-FFF2-40B4-BE49-F238E27FC236}">
-                <a16:creationId xmlns:a16="http://schemas.microsoft.com/office/drawing/2014/main" id="{814854B9-7B8A-4EFF-A16F-BFB69B1EE819}"/>
-              </a:ext>
-            </a:extLst>
-          </p:cNvPr>
-          <p:cNvSpPr/>
-          <p:nvPr/>
-        </p:nvSpPr>
-        <p:spPr>
-          <a:xfrm>
-            <a:off x="310726" y="5208580"/>
-            <a:ext cx="1622551" cy="379953"/>
-          </a:xfrm>
-          <a:prstGeom prst="rect">
-            <a:avLst/>
-          </a:prstGeom>
-          <a:solidFill>
-            <a:srgbClr val="3374A9"/>
-          </a:solidFill>
-          <a:ln>
-            <a:noFill/>
-          </a:ln>
-        </p:spPr>
-        <p:style>
-          <a:lnRef idx="2">
-            <a:schemeClr val="accent1">
-              <a:shade val="50000"/>
-            </a:schemeClr>
-          </a:lnRef>
-          <a:fillRef idx="1">
-            <a:schemeClr val="accent1"/>
-          </a:fillRef>
-          <a:effectRef idx="0">
-            <a:schemeClr val="accent1"/>
-          </a:effectRef>
-          <a:fontRef idx="minor">
-            <a:schemeClr val="lt1"/>
-          </a:fontRef>
-        </p:style>
-        <p:txBody>
-          <a:bodyPr rtlCol="0" anchor="ctr"/>
-          <a:lstStyle/>
-          <a:p>
-            <a:pPr algn="l" rtl="0">
-              <a:spcAft>
-                <a:spcPts val="600"/>
-              </a:spcAft>
-            </a:pPr>
-            <a:r>
-              <a:rPr lang="en-US" dirty="0">
-                <a:solidFill>
-                  <a:schemeClr val="bg1"/>
-                </a:solidFill>
-              </a:rPr>
-              <a:t>User Capacity</a:t>
-            </a:r>
-            <a:endParaRPr lang="vi-VN" dirty="0" err="1">
-              <a:solidFill>
-                <a:schemeClr val="bg1"/>
-              </a:solidFill>
-            </a:endParaRPr>
-          </a:p>
-        </p:txBody>
-      </p:sp>
-      <p:cxnSp>
-        <p:nvCxnSpPr>
-          <p:cNvPr id="53" name="Straight Arrow Connector 52">
-            <a:extLst>
-              <a:ext uri="{FF2B5EF4-FFF2-40B4-BE49-F238E27FC236}">
-                <a16:creationId xmlns:a16="http://schemas.microsoft.com/office/drawing/2014/main" id="{26C76100-F0B5-0A8C-4ED6-C951D2BDE3AE}"/>
-              </a:ext>
-            </a:extLst>
-          </p:cNvPr>
-          <p:cNvCxnSpPr/>
-          <p:nvPr/>
-        </p:nvCxnSpPr>
-        <p:spPr>
-          <a:xfrm flipV="1">
-            <a:off x="446049" y="3364948"/>
-            <a:ext cx="881306" cy="1843632"/>
+            <a:off x="3804418" y="2208191"/>
+            <a:ext cx="458663" cy="346507"/>
           </a:xfrm>
           <a:prstGeom prst="straightConnector1">
             <a:avLst/>
@@ -33751,8 +34164,8 @@
         </p:blipFill>
         <p:spPr>
           <a:xfrm>
-            <a:off x="223018" y="903249"/>
-            <a:ext cx="11745964" cy="5523963"/>
+            <a:off x="766417" y="1241360"/>
+            <a:ext cx="10659166" cy="5012857"/>
           </a:xfrm>
           <a:prstGeom prst="rect">
             <a:avLst/>
@@ -33843,8 +34256,8 @@
         </p:blipFill>
         <p:spPr>
           <a:xfrm>
-            <a:off x="1147072" y="811553"/>
-            <a:ext cx="9720000" cy="5809548"/>
+            <a:off x="1533615" y="1098000"/>
+            <a:ext cx="9124769" cy="5453784"/>
           </a:xfrm>
           <a:prstGeom prst="rect">
             <a:avLst/>
@@ -33935,8 +34348,8 @@
         </p:blipFill>
         <p:spPr>
           <a:xfrm>
-            <a:off x="715107" y="970254"/>
-            <a:ext cx="10761785" cy="5671174"/>
+            <a:off x="932142" y="945208"/>
+            <a:ext cx="10327714" cy="5442430"/>
           </a:xfrm>
           <a:prstGeom prst="rect">
             <a:avLst/>
@@ -33957,8 +34370,8 @@
         </p:nvSpPr>
         <p:spPr>
           <a:xfrm>
-            <a:off x="5362338" y="273508"/>
-            <a:ext cx="2625969" cy="550984"/>
+            <a:off x="512461" y="4740724"/>
+            <a:ext cx="1829295" cy="1098000"/>
           </a:xfrm>
           <a:prstGeom prst="rect">
             <a:avLst/>
@@ -33998,48 +34411,6 @@
           </a:p>
         </p:txBody>
       </p:sp>
-      <p:cxnSp>
-        <p:nvCxnSpPr>
-          <p:cNvPr id="11" name="Straight Arrow Connector 10">
-            <a:extLst>
-              <a:ext uri="{FF2B5EF4-FFF2-40B4-BE49-F238E27FC236}">
-                <a16:creationId xmlns:a16="http://schemas.microsoft.com/office/drawing/2014/main" id="{E8A74189-62FF-3532-28E1-AE514D16C014}"/>
-              </a:ext>
-            </a:extLst>
-          </p:cNvPr>
-          <p:cNvCxnSpPr/>
-          <p:nvPr/>
-        </p:nvCxnSpPr>
-        <p:spPr>
-          <a:xfrm flipH="1">
-            <a:off x="4970585" y="832338"/>
-            <a:ext cx="562707" cy="1992924"/>
-          </a:xfrm>
-          <a:prstGeom prst="straightConnector1">
-            <a:avLst/>
-          </a:prstGeom>
-          <a:ln w="9525">
-            <a:solidFill>
-              <a:schemeClr val="tx2"/>
-            </a:solidFill>
-            <a:tailEnd type="triangle"/>
-          </a:ln>
-        </p:spPr>
-        <p:style>
-          <a:lnRef idx="1">
-            <a:schemeClr val="accent1"/>
-          </a:lnRef>
-          <a:fillRef idx="0">
-            <a:schemeClr val="accent1"/>
-          </a:fillRef>
-          <a:effectRef idx="0">
-            <a:schemeClr val="accent1"/>
-          </a:effectRef>
-          <a:fontRef idx="minor">
-            <a:schemeClr val="tx1"/>
-          </a:fontRef>
-        </p:style>
-      </p:cxnSp>
       <p:sp>
         <p:nvSpPr>
           <p:cNvPr id="13" name="Frame 12">
@@ -34054,8 +34425,8 @@
         </p:nvSpPr>
         <p:spPr>
           <a:xfrm>
-            <a:off x="2341756" y="2230245"/>
-            <a:ext cx="9222059" cy="602864"/>
+            <a:off x="2417746" y="2407142"/>
+            <a:ext cx="8918100" cy="512219"/>
           </a:xfrm>
           <a:prstGeom prst="frame">
             <a:avLst/>
@@ -34114,8 +34485,8 @@
         </p:nvSpPr>
         <p:spPr>
           <a:xfrm>
-            <a:off x="2341756" y="3278459"/>
-            <a:ext cx="9222059" cy="517057"/>
+            <a:off x="2417746" y="3347512"/>
+            <a:ext cx="8918100" cy="517057"/>
           </a:xfrm>
           <a:prstGeom prst="frame">
             <a:avLst/>
@@ -34174,7 +34545,7 @@
         </p:nvSpPr>
         <p:spPr>
           <a:xfrm>
-            <a:off x="6010507" y="1371600"/>
+            <a:off x="6079851" y="1383450"/>
             <a:ext cx="1193181" cy="423146"/>
           </a:xfrm>
           <a:prstGeom prst="rect">
@@ -34347,13 +34718,15 @@
               </a:ext>
             </a:extLst>
           </p:cNvPr>
-          <p:cNvCxnSpPr/>
+          <p:cNvCxnSpPr>
+            <a:cxnSpLocks/>
+          </p:cNvCxnSpPr>
           <p:nvPr/>
         </p:nvCxnSpPr>
         <p:spPr>
           <a:xfrm flipH="1">
-            <a:off x="7988307" y="1721652"/>
-            <a:ext cx="341654" cy="1478748"/>
+            <a:off x="7864102" y="1721652"/>
+            <a:ext cx="465859" cy="1625860"/>
           </a:xfrm>
           <a:prstGeom prst="straightConnector1">
             <a:avLst/>
@@ -34541,50 +34914,6 @@
             <a:solidFill>
               <a:schemeClr val="tx2"/>
             </a:solidFill>
-          </a:ln>
-        </p:spPr>
-        <p:style>
-          <a:lnRef idx="1">
-            <a:schemeClr val="accent1"/>
-          </a:lnRef>
-          <a:fillRef idx="0">
-            <a:schemeClr val="accent1"/>
-          </a:fillRef>
-          <a:effectRef idx="0">
-            <a:schemeClr val="accent1"/>
-          </a:effectRef>
-          <a:fontRef idx="minor">
-            <a:schemeClr val="tx1"/>
-          </a:fontRef>
-        </p:style>
-      </p:cxnSp>
-      <p:cxnSp>
-        <p:nvCxnSpPr>
-          <p:cNvPr id="12" name="Straight Arrow Connector 11">
-            <a:extLst>
-              <a:ext uri="{FF2B5EF4-FFF2-40B4-BE49-F238E27FC236}">
-                <a16:creationId xmlns:a16="http://schemas.microsoft.com/office/drawing/2014/main" id="{6EF501D2-AEEB-39F0-149B-DB3FA9DB9EA3}"/>
-              </a:ext>
-            </a:extLst>
-          </p:cNvPr>
-          <p:cNvCxnSpPr>
-            <a:cxnSpLocks/>
-          </p:cNvCxnSpPr>
-          <p:nvPr/>
-        </p:nvCxnSpPr>
-        <p:spPr>
-          <a:xfrm flipH="1">
-            <a:off x="1449659" y="780585"/>
-            <a:ext cx="223024" cy="1293542"/>
-          </a:xfrm>
-          <a:prstGeom prst="straightConnector1">
-            <a:avLst/>
-          </a:prstGeom>
-          <a:ln w="9525">
-            <a:solidFill>
-              <a:schemeClr val="tx2"/>
-            </a:solidFill>
-            <a:tailEnd type="triangle"/>
           </a:ln>
         </p:spPr>
         <p:style>
@@ -34947,7 +35276,7 @@
         </p:nvSpPr>
         <p:spPr>
           <a:xfrm>
-            <a:off x="5220928" y="606388"/>
+            <a:off x="3941992" y="1115158"/>
             <a:ext cx="1622323" cy="462116"/>
           </a:xfrm>
           <a:prstGeom prst="rect">
@@ -35117,14 +35446,14 @@
             </a:extLst>
           </p:cNvPr>
           <p:cNvCxnSpPr>
-            <a:stCxn id="16" idx="1"/>
+            <a:cxnSpLocks/>
           </p:cNvCxnSpPr>
           <p:nvPr/>
         </p:nvCxnSpPr>
         <p:spPr>
-          <a:xfrm flipH="1">
-            <a:off x="4994787" y="837446"/>
-            <a:ext cx="226141" cy="1335483"/>
+          <a:xfrm>
+            <a:off x="4375355" y="1577274"/>
+            <a:ext cx="443780" cy="595655"/>
           </a:xfrm>
           <a:prstGeom prst="straightConnector1">
             <a:avLst/>
@@ -36283,6 +36612,15 @@
 </file>
 
 <file path=customXml/item1.xml><?xml version="1.0" encoding="utf-8"?>
+<?mso-contentType ?>
+<FormTemplates xmlns="http://schemas.microsoft.com/sharepoint/v3/contenttype/forms">
+  <Display>DocumentLibraryForm</Display>
+  <Edit>DocumentLibraryForm</Edit>
+  <New>DocumentLibraryForm</New>
+</FormTemplates>
+</file>
+
+<file path=customXml/item2.xml><?xml version="1.0" encoding="utf-8"?>
 <ct:contentTypeSchema xmlns:ct="http://schemas.microsoft.com/office/2006/metadata/contentType" xmlns:ma="http://schemas.microsoft.com/office/2006/metadata/properties/metaAttributes" ct:_="" ma:_="" ma:contentTypeName="Document" ma:contentTypeID="0x010100AFECA5C03B5B3648A59C327F9B592BCA" ma:contentTypeVersion="18" ma:contentTypeDescription="Create a new document." ma:contentTypeScope="" ma:versionID="6c18a499376fe99d18d064f593f17266">
   <xsd:schema xmlns:xsd="http://www.w3.org/2001/XMLSchema" xmlns:xs="http://www.w3.org/2001/XMLSchema" xmlns:p="http://schemas.microsoft.com/office/2006/metadata/properties" xmlns:ns2="ab110e31-9a28-463c-b599-9105678ef09e" xmlns:ns3="b416dfb7-f3da-461d-9305-4b76a01efcc1" targetNamespace="http://schemas.microsoft.com/office/2006/metadata/properties" ma:root="true" ma:fieldsID="c0ea90f0bc4730787fb2734bd82545d6" ns2:_="" ns3:_="">
     <xsd:import namespace="ab110e31-9a28-463c-b599-9105678ef09e"/>
@@ -36531,16 +36869,15 @@
 </ct:contentTypeSchema>
 </file>
 
-<file path=customXml/item2.xml><?xml version="1.0" encoding="utf-8"?>
-<?mso-contentType ?>
-<FormTemplates xmlns="http://schemas.microsoft.com/sharepoint/v3/contenttype/forms">
-  <Display>DocumentLibraryForm</Display>
-  <Edit>DocumentLibraryForm</Edit>
-  <New>DocumentLibraryForm</New>
-</FormTemplates>
+<file path=customXml/itemProps1.xml><?xml version="1.0" encoding="utf-8"?>
+<ds:datastoreItem xmlns:ds="http://schemas.openxmlformats.org/officeDocument/2006/customXml" ds:itemID="{E3CB484D-016C-43DE-886B-249507DD658A}">
+  <ds:schemaRefs>
+    <ds:schemaRef ds:uri="http://schemas.microsoft.com/sharepoint/v3/contenttype/forms"/>
+  </ds:schemaRefs>
+</ds:datastoreItem>
 </file>
 
-<file path=customXml/itemProps1.xml><?xml version="1.0" encoding="utf-8"?>
+<file path=customXml/itemProps2.xml><?xml version="1.0" encoding="utf-8"?>
 <ds:datastoreItem xmlns:ds="http://schemas.openxmlformats.org/officeDocument/2006/customXml" ds:itemID="{30C702D9-9E55-4D09-9269-3B464CFDB013}">
   <ds:schemaRefs>
     <ds:schemaRef ds:uri="http://schemas.microsoft.com/office/2006/metadata/contentType"/>
@@ -36557,12 +36894,4 @@
     <ds:schemaRef ds:uri="http://schemas.microsoft.com/internal/obd"/>
   </ds:schemaRefs>
 </ds:datastoreItem>
-</file>
-
-<file path=customXml/itemProps2.xml><?xml version="1.0" encoding="utf-8"?>
-<ds:datastoreItem xmlns:ds="http://schemas.openxmlformats.org/officeDocument/2006/customXml" ds:itemID="{E3CB484D-016C-43DE-886B-249507DD658A}">
-  <ds:schemaRefs>
-    <ds:schemaRef ds:uri="http://schemas.microsoft.com/sharepoint/v3/contenttype/forms"/>
-  </ds:schemaRefs>
-</ds:datastoreItem>
 </file>